--- a/OBSERVACIONES JYG PARTE 3.pptx
+++ b/OBSERVACIONES JYG PARTE 3.pptx
@@ -1,111 +1,216 @@
 
 <file path=ppt/presentation.xml><?xml version="1.0" encoding="utf-8"?>
-<p:presentation xmlns:a="http://schemas.openxmlformats.org/drawingml/2006/main" xmlns:r="http://schemas.openxmlformats.org/officeDocument/2006/relationships" xmlns:p="http://schemas.openxmlformats.org/presentationml/2006/main" saveSubsetFonts="1">
+<p:presentation xmlns:p="http://schemas.openxmlformats.org/presentationml/2006/main" xmlns:p14="http://schemas.microsoft.com/office/powerpoint/2010/main" xmlns:r="http://schemas.openxmlformats.org/officeDocument/2006/relationships" xmlns:a="http://schemas.openxmlformats.org/drawingml/2006/main">
   <p:sldMasterIdLst>
-    <p:sldMasterId id="2147483648" r:id="rId1"/>
+    <p:sldMasterId id="2147483648" r:id="rId5"/>
   </p:sldMasterIdLst>
   <p:sldIdLst>
-    <p:sldId id="258" r:id="rId2"/>
-    <p:sldId id="256" r:id="rId3"/>
-    <p:sldId id="257" r:id="rId4"/>
-    <p:sldId id="259" r:id="rId5"/>
-    <p:sldId id="260" r:id="rId6"/>
-    <p:sldId id="261" r:id="rId7"/>
+    <p:sldId id="258" r:id="rId6"/>
+    <p:sldId id="256" r:id="rId7"/>
+    <p:sldId id="257" r:id="rId8"/>
+    <p:sldId id="259" r:id="rId9"/>
+    <p:sldId id="260" r:id="rId10"/>
+    <p:sldId id="261" r:id="rId11"/>
   </p:sldIdLst>
   <p:sldSz cx="12192000" cy="6858000"/>
   <p:notesSz cx="6858000" cy="9144000"/>
   <p:defaultTextStyle>
-    <a:defPPr>
-      <a:defRPr lang="es-MX"/>
-    </a:defPPr>
-    <a:lvl1pPr marL="0" algn="l" defTabSz="914400" rtl="0" eaLnBrk="1" latinLnBrk="0" hangingPunct="1">
-      <a:defRPr sz="1800" kern="1200">
+    <a:lvl1pPr marL="0" marR="0" indent="0" algn="l" defTabSz="914400">
+      <a:lnSpc>
+        <a:spcPct val="100000"/>
+      </a:lnSpc>
+      <a:spcBef>
+        <a:spcPts val="0"/>
+      </a:spcBef>
+      <a:spcAft>
+        <a:spcPts val="0"/>
+      </a:spcAft>
+      <a:buNone/>
+      <a:tabLst/>
+      <a:defRPr lang="es-mx" sz="1800" b="0" i="0" u="none" strike="noStrike" kern="1" spc="0" baseline="0">
         <a:solidFill>
           <a:schemeClr val="tx1"/>
         </a:solidFill>
-        <a:latin typeface="+mn-lt"/>
-        <a:ea typeface="+mn-ea"/>
-        <a:cs typeface="+mn-cs"/>
+        <a:effectLst/>
+        <a:latin typeface="Calibri" pitchFamily="2" charset="0"/>
+        <a:ea typeface="Calibri" pitchFamily="2" charset="0"/>
+        <a:cs typeface="Calibri" pitchFamily="2" charset="0"/>
       </a:defRPr>
     </a:lvl1pPr>
-    <a:lvl2pPr marL="457200" algn="l" defTabSz="914400" rtl="0" eaLnBrk="1" latinLnBrk="0" hangingPunct="1">
-      <a:defRPr sz="1800" kern="1200">
+    <a:lvl2pPr marL="457200" marR="0" indent="0" algn="l" defTabSz="914400">
+      <a:lnSpc>
+        <a:spcPct val="100000"/>
+      </a:lnSpc>
+      <a:spcBef>
+        <a:spcPts val="0"/>
+      </a:spcBef>
+      <a:spcAft>
+        <a:spcPts val="0"/>
+      </a:spcAft>
+      <a:buNone/>
+      <a:tabLst/>
+      <a:defRPr lang="es-mx" sz="1800" b="0" i="0" u="none" strike="noStrike" kern="1" spc="0" baseline="0">
         <a:solidFill>
           <a:schemeClr val="tx1"/>
         </a:solidFill>
-        <a:latin typeface="+mn-lt"/>
-        <a:ea typeface="+mn-ea"/>
-        <a:cs typeface="+mn-cs"/>
+        <a:effectLst/>
+        <a:latin typeface="Calibri" pitchFamily="2" charset="0"/>
+        <a:ea typeface="Calibri" pitchFamily="2" charset="0"/>
+        <a:cs typeface="Calibri" pitchFamily="2" charset="0"/>
       </a:defRPr>
     </a:lvl2pPr>
-    <a:lvl3pPr marL="914400" algn="l" defTabSz="914400" rtl="0" eaLnBrk="1" latinLnBrk="0" hangingPunct="1">
-      <a:defRPr sz="1800" kern="1200">
+    <a:lvl3pPr marL="914400" marR="0" indent="0" algn="l" defTabSz="914400">
+      <a:lnSpc>
+        <a:spcPct val="100000"/>
+      </a:lnSpc>
+      <a:spcBef>
+        <a:spcPts val="0"/>
+      </a:spcBef>
+      <a:spcAft>
+        <a:spcPts val="0"/>
+      </a:spcAft>
+      <a:buNone/>
+      <a:tabLst/>
+      <a:defRPr lang="es-mx" sz="1800" b="0" i="0" u="none" strike="noStrike" kern="1" spc="0" baseline="0">
         <a:solidFill>
           <a:schemeClr val="tx1"/>
         </a:solidFill>
-        <a:latin typeface="+mn-lt"/>
-        <a:ea typeface="+mn-ea"/>
-        <a:cs typeface="+mn-cs"/>
+        <a:effectLst/>
+        <a:latin typeface="Calibri" pitchFamily="2" charset="0"/>
+        <a:ea typeface="Calibri" pitchFamily="2" charset="0"/>
+        <a:cs typeface="Calibri" pitchFamily="2" charset="0"/>
       </a:defRPr>
     </a:lvl3pPr>
-    <a:lvl4pPr marL="1371600" algn="l" defTabSz="914400" rtl="0" eaLnBrk="1" latinLnBrk="0" hangingPunct="1">
-      <a:defRPr sz="1800" kern="1200">
+    <a:lvl4pPr marL="1371600" marR="0" indent="0" algn="l" defTabSz="914400">
+      <a:lnSpc>
+        <a:spcPct val="100000"/>
+      </a:lnSpc>
+      <a:spcBef>
+        <a:spcPts val="0"/>
+      </a:spcBef>
+      <a:spcAft>
+        <a:spcPts val="0"/>
+      </a:spcAft>
+      <a:buNone/>
+      <a:tabLst/>
+      <a:defRPr lang="es-mx" sz="1800" b="0" i="0" u="none" strike="noStrike" kern="1" spc="0" baseline="0">
         <a:solidFill>
           <a:schemeClr val="tx1"/>
         </a:solidFill>
-        <a:latin typeface="+mn-lt"/>
-        <a:ea typeface="+mn-ea"/>
-        <a:cs typeface="+mn-cs"/>
+        <a:effectLst/>
+        <a:latin typeface="Calibri" pitchFamily="2" charset="0"/>
+        <a:ea typeface="Calibri" pitchFamily="2" charset="0"/>
+        <a:cs typeface="Calibri" pitchFamily="2" charset="0"/>
       </a:defRPr>
     </a:lvl4pPr>
-    <a:lvl5pPr marL="1828800" algn="l" defTabSz="914400" rtl="0" eaLnBrk="1" latinLnBrk="0" hangingPunct="1">
-      <a:defRPr sz="1800" kern="1200">
+    <a:lvl5pPr marL="1828800" marR="0" indent="0" algn="l" defTabSz="914400">
+      <a:lnSpc>
+        <a:spcPct val="100000"/>
+      </a:lnSpc>
+      <a:spcBef>
+        <a:spcPts val="0"/>
+      </a:spcBef>
+      <a:spcAft>
+        <a:spcPts val="0"/>
+      </a:spcAft>
+      <a:buNone/>
+      <a:tabLst/>
+      <a:defRPr lang="es-mx" sz="1800" b="0" i="0" u="none" strike="noStrike" kern="1" spc="0" baseline="0">
         <a:solidFill>
           <a:schemeClr val="tx1"/>
         </a:solidFill>
-        <a:latin typeface="+mn-lt"/>
-        <a:ea typeface="+mn-ea"/>
-        <a:cs typeface="+mn-cs"/>
+        <a:effectLst/>
+        <a:latin typeface="Calibri" pitchFamily="2" charset="0"/>
+        <a:ea typeface="Calibri" pitchFamily="2" charset="0"/>
+        <a:cs typeface="Calibri" pitchFamily="2" charset="0"/>
       </a:defRPr>
     </a:lvl5pPr>
-    <a:lvl6pPr marL="2286000" algn="l" defTabSz="914400" rtl="0" eaLnBrk="1" latinLnBrk="0" hangingPunct="1">
-      <a:defRPr sz="1800" kern="1200">
+    <a:lvl6pPr marL="2286000" marR="0" indent="0" algn="l" defTabSz="914400">
+      <a:lnSpc>
+        <a:spcPct val="100000"/>
+      </a:lnSpc>
+      <a:spcBef>
+        <a:spcPts val="0"/>
+      </a:spcBef>
+      <a:spcAft>
+        <a:spcPts val="0"/>
+      </a:spcAft>
+      <a:buNone/>
+      <a:tabLst/>
+      <a:defRPr lang="es-mx" sz="1800" b="0" i="0" u="none" strike="noStrike" kern="1" spc="0" baseline="0">
         <a:solidFill>
           <a:schemeClr val="tx1"/>
         </a:solidFill>
-        <a:latin typeface="+mn-lt"/>
-        <a:ea typeface="+mn-ea"/>
-        <a:cs typeface="+mn-cs"/>
+        <a:effectLst/>
+        <a:latin typeface="Calibri" pitchFamily="2" charset="0"/>
+        <a:ea typeface="Calibri" pitchFamily="2" charset="0"/>
+        <a:cs typeface="Calibri" pitchFamily="2" charset="0"/>
       </a:defRPr>
     </a:lvl6pPr>
-    <a:lvl7pPr marL="2743200" algn="l" defTabSz="914400" rtl="0" eaLnBrk="1" latinLnBrk="0" hangingPunct="1">
-      <a:defRPr sz="1800" kern="1200">
+    <a:lvl7pPr marL="2743200" marR="0" indent="0" algn="l" defTabSz="914400">
+      <a:lnSpc>
+        <a:spcPct val="100000"/>
+      </a:lnSpc>
+      <a:spcBef>
+        <a:spcPts val="0"/>
+      </a:spcBef>
+      <a:spcAft>
+        <a:spcPts val="0"/>
+      </a:spcAft>
+      <a:buNone/>
+      <a:tabLst/>
+      <a:defRPr lang="es-mx" sz="1800" b="0" i="0" u="none" strike="noStrike" kern="1" spc="0" baseline="0">
         <a:solidFill>
           <a:schemeClr val="tx1"/>
         </a:solidFill>
-        <a:latin typeface="+mn-lt"/>
-        <a:ea typeface="+mn-ea"/>
-        <a:cs typeface="+mn-cs"/>
+        <a:effectLst/>
+        <a:latin typeface="Calibri" pitchFamily="2" charset="0"/>
+        <a:ea typeface="Calibri" pitchFamily="2" charset="0"/>
+        <a:cs typeface="Calibri" pitchFamily="2" charset="0"/>
       </a:defRPr>
     </a:lvl7pPr>
-    <a:lvl8pPr marL="3200400" algn="l" defTabSz="914400" rtl="0" eaLnBrk="1" latinLnBrk="0" hangingPunct="1">
-      <a:defRPr sz="1800" kern="1200">
+    <a:lvl8pPr marL="3200400" marR="0" indent="0" algn="l" defTabSz="914400">
+      <a:lnSpc>
+        <a:spcPct val="100000"/>
+      </a:lnSpc>
+      <a:spcBef>
+        <a:spcPts val="0"/>
+      </a:spcBef>
+      <a:spcAft>
+        <a:spcPts val="0"/>
+      </a:spcAft>
+      <a:buNone/>
+      <a:tabLst/>
+      <a:defRPr lang="es-mx" sz="1800" b="0" i="0" u="none" strike="noStrike" kern="1" spc="0" baseline="0">
         <a:solidFill>
           <a:schemeClr val="tx1"/>
         </a:solidFill>
-        <a:latin typeface="+mn-lt"/>
-        <a:ea typeface="+mn-ea"/>
-        <a:cs typeface="+mn-cs"/>
+        <a:effectLst/>
+        <a:latin typeface="Calibri" pitchFamily="2" charset="0"/>
+        <a:ea typeface="Calibri" pitchFamily="2" charset="0"/>
+        <a:cs typeface="Calibri" pitchFamily="2" charset="0"/>
       </a:defRPr>
     </a:lvl8pPr>
-    <a:lvl9pPr marL="3657600" algn="l" defTabSz="914400" rtl="0" eaLnBrk="1" latinLnBrk="0" hangingPunct="1">
-      <a:defRPr sz="1800" kern="1200">
+    <a:lvl9pPr marL="3657600" marR="0" indent="0" algn="l" defTabSz="914400">
+      <a:lnSpc>
+        <a:spcPct val="100000"/>
+      </a:lnSpc>
+      <a:spcBef>
+        <a:spcPts val="0"/>
+      </a:spcBef>
+      <a:spcAft>
+        <a:spcPts val="0"/>
+      </a:spcAft>
+      <a:buNone/>
+      <a:tabLst/>
+      <a:defRPr lang="es-mx" sz="1800" b="0" i="0" u="none" strike="noStrike" kern="1" spc="0" baseline="0">
         <a:solidFill>
           <a:schemeClr val="tx1"/>
         </a:solidFill>
-        <a:latin typeface="+mn-lt"/>
-        <a:ea typeface="+mn-ea"/>
-        <a:cs typeface="+mn-cs"/>
+        <a:effectLst/>
+        <a:latin typeface="Calibri" pitchFamily="2" charset="0"/>
+        <a:ea typeface="Calibri" pitchFamily="2" charset="0"/>
+        <a:cs typeface="Calibri" pitchFamily="2" charset="0"/>
       </a:defRPr>
     </a:lvl9pPr>
   </p:defaultTextStyle>
@@ -113,7 +218,7 @@
 </file>
 
 <file path=ppt/slideLayouts/slideLayout1.xml><?xml version="1.0" encoding="utf-8"?>
-<p:sldLayout xmlns:a="http://schemas.openxmlformats.org/drawingml/2006/main" xmlns:r="http://schemas.openxmlformats.org/officeDocument/2006/relationships" xmlns:p="http://schemas.openxmlformats.org/presentationml/2006/main" type="title" preserve="1">
+<p:sldLayout xmlns:p="http://schemas.openxmlformats.org/presentationml/2006/main" xmlns:p14="http://schemas.microsoft.com/office/powerpoint/2010/main" xmlns:r="http://schemas.openxmlformats.org/officeDocument/2006/relationships" xmlns:a="http://schemas.openxmlformats.org/drawingml/2006/main" type="title" preserve="1">
   <p:cSld name="Diapositiva de título">
     <p:spTree>
       <p:nvGrpSpPr>
@@ -131,15 +236,14 @@
       </p:grpSpPr>
       <p:sp>
         <p:nvSpPr>
-          <p:cNvPr id="2" name="Título 1">
-            <a:extLst>
-              <a:ext uri="{FF2B5EF4-FFF2-40B4-BE49-F238E27FC236}">
-                <a16:creationId xmlns:a16="http://schemas.microsoft.com/office/drawing/2014/main" id="{98FD2EA0-BFC5-4051-8E1E-68F68B3E5629}"/>
-              </a:ext>
-            </a:extLst>
-          </p:cNvPr>
-          <p:cNvSpPr>
-            <a:spLocks noGrp="1"/>
+          <p:cNvPr id="2" name="Título 1"/>
+          <p:cNvSpPr>
+            <a:spLocks noGrp="1" noChangeArrowheads="1"/>
+            <a:extLst>
+              <a:ext uri="smNativeData">
+                <pr:smNativeData xmlns:pr="smNativeData" val="SMDATA_13_A8J7XRMAAAAlAAAAZAAAAA0AAAAAkAAAAEgAAACQAAAASAAAAAAAAAACAAAAAAAAAAEAAABQAAAAAAAAAAAA4D8AAAAAAADgPwAAAAAAAOA/AAAAAAAA4D8AAAAAAADgPwAAAAAAAOA/AAAAAAAA4D8AAAAAAADgPwAAAAAAAOA/AAAAAAAA4D8CAAAAjAAAAAAAAAAAAAAARHLEDP///wgAAAAAAAAAAAAAAAAAAAAAAAAAAAAAAAAAAAAAZAAAAAEAAABAAAAAAAAAAAAAAAAAAAAAAAAAAAAAAAAAAAAAAAAAAAAAAAAAAAAAAAAAAAAAAAAAAAAAAAAAAAAAAAAAAAAAAAAAAAAAAAAAAAAAAAAAAAAAAAAAAAAAFAAAADwAAAAAAAAAAAAAAAAAAAkUAAAAAQAAABQAAAAUAAAAFAAAAAEAAAAAAAAAZAAAAGQAAAAAAAAAZAAAAGQAAAAVAAAAYAAAAAAAAAAAAAAADwAAACADAAAAAAAAAAAAAAEAAACgMgAAVgcAAKr4//8BAAAAf39/AAEAAABkAAAAAAAAABQAAABAHwAAAAAAACYAAAAAAAAAwOD//wAAAAAmAAAAZAAAABYAAABMAAAAAAAAAAAAAAAEAAAAAAAAAAEAAADn5uYKAAAAACgAAAAoAAAAZAAAAGQAAAAAAAAAzMzMAAAAAABQAAAAUAAAAGQAAABkAAAAAAAAABcAAAAUAAAAAAAAAAAAAAD/fwAA/38AAAAAAAAJAAAABAAAAG90IEMMAAAAEAAAAAAAAAAAAAAAAAAAAAAAAAAeAAAAaAAAAAAAAAAAAAAAAAAAAAAAAAAAAAAAECcAABAnAAAAAAAAAAAAAAAAAAAAAAAAAAAAAAAAAAAAAAAAAAAAABQAAAAAAAAAwMD/AAAAAABkAAAAMgAAAAAAAABkAAAAAAAAAH9/fwAKAAAAHwAAAFQAAAAAAAAFAAAAAQAAAAAAAAAAAAAAAAAAAAAAAAAAAAAAAAAAAAAAAAAAAAAAAn9/fwAAAAADzMzMAMDA/wB/f38AAAAAAAAAAAAAAAAAAAAAAAAAAAAhAAAAGAAAABQAAABgCQAA6AYAAKBBAACYFQAAEAAAACYAAAAIAAAAgYAAAAAAAAA="/>
+              </a:ext>
+            </a:extLst>
           </p:cNvSpPr>
           <p:nvPr>
             <p:ph type="ctrTitle"/>
@@ -147,37 +251,65 @@
         </p:nvSpPr>
         <p:spPr>
           <a:xfrm>
-            <a:off x="1524000" y="1122363"/>
+            <a:off x="1524000" y="1122680"/>
             <a:ext cx="9144000" cy="2387600"/>
           </a:xfrm>
         </p:spPr>
         <p:txBody>
-          <a:bodyPr anchor="b"/>
+          <a:bodyPr vert="horz" wrap="square" lIns="91440" tIns="45720" rIns="91440" bIns="45720" numCol="1" spcCol="215900" anchor="b">
+            <a:prstTxWarp prst="textNoShape">
+              <a:avLst/>
+            </a:prstTxWarp>
+          </a:bodyPr>
           <a:lstStyle>
             <a:lvl1pPr algn="ctr">
-              <a:defRPr sz="6000"/>
+              <a:defRPr lang="es-es" sz="6000"/>
             </a:lvl1pPr>
+            <a:lvl2pPr>
+              <a:defRPr lang="es-mx"/>
+            </a:lvl2pPr>
+            <a:lvl3pPr>
+              <a:defRPr lang="es-mx"/>
+            </a:lvl3pPr>
+            <a:lvl4pPr>
+              <a:defRPr lang="es-mx"/>
+            </a:lvl4pPr>
+            <a:lvl5pPr>
+              <a:defRPr lang="es-mx"/>
+            </a:lvl5pPr>
+            <a:lvl6pPr>
+              <a:defRPr lang="es-mx"/>
+            </a:lvl6pPr>
+            <a:lvl7pPr>
+              <a:defRPr lang="es-mx"/>
+            </a:lvl7pPr>
+            <a:lvl8pPr>
+              <a:defRPr lang="es-mx"/>
+            </a:lvl8pPr>
+            <a:lvl9pPr>
+              <a:defRPr lang="es-mx"/>
+            </a:lvl9pPr>
           </a:lstStyle>
           <a:p>
-            <a:r>
-              <a:rPr lang="es-ES"/>
+            <a:pPr>
+              <a:defRPr lang="es-es"/>
+            </a:pPr>
+            <a:r>
               <a:t>Haga clic para modificar el estilo de título del patrón</a:t>
             </a:r>
-            <a:endParaRPr lang="es-MX"/>
-          </a:p>
-        </p:txBody>
-      </p:sp>
-      <p:sp>
-        <p:nvSpPr>
-          <p:cNvPr id="3" name="Subtítulo 2">
-            <a:extLst>
-              <a:ext uri="{FF2B5EF4-FFF2-40B4-BE49-F238E27FC236}">
-                <a16:creationId xmlns:a16="http://schemas.microsoft.com/office/drawing/2014/main" id="{B469A4A3-6BB7-489E-9D43-D7EE5FB270E5}"/>
-              </a:ext>
-            </a:extLst>
-          </p:cNvPr>
-          <p:cNvSpPr>
-            <a:spLocks noGrp="1"/>
+          </a:p>
+        </p:txBody>
+      </p:sp>
+      <p:sp>
+        <p:nvSpPr>
+          <p:cNvPr id="3" name="Subtítulo 2"/>
+          <p:cNvSpPr>
+            <a:spLocks noGrp="1" noChangeArrowheads="1"/>
+            <a:extLst>
+              <a:ext uri="smNativeData">
+                <pr:smNativeData xmlns:pr="smNativeData" val="SMDATA_13_A8J7XRMAAAAlAAAAZAAAAA0AAAAAkAAAAEgAAACQAAAASAAAAAAAAAAAAAAAAAAAAAEAAABQAAAAAAAAAAAA4D8AAAAAAADgPwAAAAAAAOA/AAAAAAAA4D8AAAAAAADgPwAAAAAAAOA/AAAAAAAA4D8AAAAAAADgPwAAAAAAAOA/AAAAAAAA4D8CAAAAjAAAAAAAAAAAAAAARHLEDP///wgAAAAAAAAAAAAAAAAAAAAAAAAAAAAAAAAAAAAAZAAAAAEAAABAAAAAAAAAAAAAAAAAAAAAAAAAAAAAAAAAAAAAAAAAAAAAAAAAAAAAAAAAAAAAAAAAAAAAAAAAAAAAAAAAAAAAAAAAAAAAAAAAAAAAAAAAAAAAAAAAAAAAFAAAADwAAAAAAAAAAAAAAAAAAAkUAAAAAQAAABQAAAAUAAAAFAAAAAEAAAAAAAAAZAAAAGQAAAAAAAAAZAAAAGQAAAAVAAAAYAAAAAAAAAAAAAAADwAAACADAAAAAAAAAAAAAAEAAACgMgAAVgcAAKr4//8BAAAAf39/AAEAAABkAAAAAAAAABQAAABAHwAAAAAAACYAAAAAAAAAwOD//wAAAAAmAAAAZAAAABYAAABMAAAAAAAAAAAAAAAEAAAAAAAAAAEAAADn5uYKAAAAACgAAAAoAAAAZAAAAGQAAAAAAAAAzMzMAAAAAABQAAAAUAAAAGQAAABkAAAAAAAAABcAAAAUAAAAAAAAAAAAAAD/fwAA/38AAAAAAAAJAAAABAAAAAAAAAAMAAAAEAAAAAAAAAAAAAAAAAAAAAAAAAAeAAAAaAAAAAAAAAAAAAAAAAAAAAAAAAAAAAAAECcAABAnAAAAAAAAAAAAAAAAAAAAAAAAAAAAAAAAAAAAAAAAAAAAABQAAAAAAAAAwMD/AAAAAABkAAAAMgAAAAAAAABkAAAAAAAAAH9/fwAKAAAAHwAAAFQAAAAAAAAFAAAAAQAAAAAAAAAAAAAAAAAAAAAAAAAAAAAAAAAAAAAAAAAAAAAAAn9/fwAAAAADzMzMAMDA/wB/f38AAAAAAAAAAAAAAAAAAAAAAAAAAAAhAAAAGAAAABQAAABgCQAAKRYAAKBBAABYIAAAEAAAACYAAAAIAAAAAYAAAAAAAAA="/>
+              </a:ext>
+            </a:extLst>
           </p:cNvSpPr>
           <p:nvPr>
             <p:ph type="subTitle" idx="1"/>
@@ -185,8 +317,8 @@
         </p:nvSpPr>
         <p:spPr>
           <a:xfrm>
-            <a:off x="1524000" y="3602038"/>
-            <a:ext cx="9144000" cy="1655762"/>
+            <a:off x="1524000" y="3602355"/>
+            <a:ext cx="9144000" cy="1655445"/>
           </a:xfrm>
         </p:spPr>
         <p:txBody>
@@ -194,61 +326,61 @@
           <a:lstStyle>
             <a:lvl1pPr marL="0" indent="0" algn="ctr">
               <a:buNone/>
-              <a:defRPr sz="2400"/>
+              <a:defRPr lang="es-es" sz="2400"/>
             </a:lvl1pPr>
             <a:lvl2pPr marL="457200" indent="0" algn="ctr">
               <a:buNone/>
-              <a:defRPr sz="2000"/>
+              <a:defRPr lang="es-es" sz="2000"/>
             </a:lvl2pPr>
             <a:lvl3pPr marL="914400" indent="0" algn="ctr">
               <a:buNone/>
-              <a:defRPr sz="1800"/>
+              <a:defRPr lang="es-es" sz="1800"/>
             </a:lvl3pPr>
             <a:lvl4pPr marL="1371600" indent="0" algn="ctr">
               <a:buNone/>
-              <a:defRPr sz="1600"/>
+              <a:defRPr lang="es-es" sz="1600"/>
             </a:lvl4pPr>
             <a:lvl5pPr marL="1828800" indent="0" algn="ctr">
               <a:buNone/>
-              <a:defRPr sz="1600"/>
+              <a:defRPr lang="es-es" sz="1600"/>
             </a:lvl5pPr>
             <a:lvl6pPr marL="2286000" indent="0" algn="ctr">
               <a:buNone/>
-              <a:defRPr sz="1600"/>
+              <a:defRPr lang="es-mx" sz="1600"/>
             </a:lvl6pPr>
             <a:lvl7pPr marL="2743200" indent="0" algn="ctr">
               <a:buNone/>
-              <a:defRPr sz="1600"/>
+              <a:defRPr lang="es-mx" sz="1600"/>
             </a:lvl7pPr>
             <a:lvl8pPr marL="3200400" indent="0" algn="ctr">
               <a:buNone/>
-              <a:defRPr sz="1600"/>
+              <a:defRPr lang="es-mx" sz="1600"/>
             </a:lvl8pPr>
             <a:lvl9pPr marL="3657600" indent="0" algn="ctr">
               <a:buNone/>
-              <a:defRPr sz="1600"/>
+              <a:defRPr lang="es-mx" sz="1600"/>
             </a:lvl9pPr>
           </a:lstStyle>
           <a:p>
-            <a:r>
-              <a:rPr lang="es-ES"/>
+            <a:pPr>
+              <a:defRPr lang="es-es"/>
+            </a:pPr>
+            <a:r>
               <a:t>Haga clic para modificar el estilo de subtítulo del patrón</a:t>
             </a:r>
-            <a:endParaRPr lang="es-MX"/>
-          </a:p>
-        </p:txBody>
-      </p:sp>
-      <p:sp>
-        <p:nvSpPr>
-          <p:cNvPr id="4" name="Marcador de fecha 3">
-            <a:extLst>
-              <a:ext uri="{FF2B5EF4-FFF2-40B4-BE49-F238E27FC236}">
-                <a16:creationId xmlns:a16="http://schemas.microsoft.com/office/drawing/2014/main" id="{E34CB6BB-E7EE-49F5-8A32-C1000F736677}"/>
-              </a:ext>
-            </a:extLst>
-          </p:cNvPr>
-          <p:cNvSpPr>
-            <a:spLocks noGrp="1"/>
+          </a:p>
+        </p:txBody>
+      </p:sp>
+      <p:sp>
+        <p:nvSpPr>
+          <p:cNvPr id="4" name="Marcador de fecha 3"/>
+          <p:cNvSpPr>
+            <a:spLocks noGrp="1" noChangeArrowheads="1"/>
+            <a:extLst>
+              <a:ext uri="smNativeData">
+                <pr:smNativeData xmlns:pr="smNativeData" val="SMDATA_13_A8J7XRMAAAAlAAAAZAAAAA0AAAAAkAAAAEgAAACQAAAASAAAAAAAAAABAAAAAAAAAAEAAABQAAAAAAAAAAAA4D8AAAAAAADgPwAAAAAAAOA/AAAAAAAA4D8AAAAAAADgPwAAAAAAAOA/AAAAAAAA4D8AAAAAAADgPwAAAAAAAOA/AAAAAAAA4D8CAAAAjAAAAAAAAAAAAAAARHLEDP///wgAAAAAAAAAAAAAAAAAAAAAAAAAAAAAAAAAAAAAZAAAAAEAAABAAAAAAAAAAAAAAAAAAAAAAAAAAAAAAAAAAAAAAAAAAAAAAAAAAAAAAAAAAAAAAAAAAAAAAAAAAAAAAAAAAAAAAAAAAAAAAAAAAAAAAAAAAAAAAAAAAAAAFAAAADwAAAAAAAAAAAAAAAAAAAkUAAAAAQAAABQAAAAUAAAAFAAAAAEAAAAAAAAAZAAAAGQAAAAAAAAAZAAAAGQAAAAVAAAAYAAAAAAAAAAAAAAADwAAACADAAAAAAAAAAAAAAEAAACgMgAAVgcAAKr4//8BAAAAf39/AAEAAABkAAAAAAAAABQAAABAHwAAAAAAACYAAAAAAAAAwOD//wAAAAAmAAAAZAAAABYAAABMAAAAAAAAAAAAAAAEAAAAAAAAAAEAAADn5uYKAAAAACgAAAAoAAAAZAAAAGQAAAAAAAAAzMzMAAAAAABQAAAAUAAAAGQAAABkAAAAAAAAABcAAAAUAAAAAAAAAAAAAAD/fwAA/38AAAAAAAAJAAAABAAAAAAAAAAMAAAAEAAAAAAAAAAAAAAAAAAAAAAAAAAeAAAAaAAAAAAAAAAAAAAAAAAAAAAAAAAAAAAAECcAABAnAAAAAAAAAAAAAAAAAAAAAAAAAAAAAAAAAAAAAAAAAAAAABQAAAAAAAAAwMD/AAAAAABkAAAAMgAAAAAAAABkAAAAAAAAAH9/fwAKAAAAHwAAAFQAAAAAAAAFAAAAAQAAAAAAAAAAAAAAAAAAAAAAAAAAAAAAAAAAAAAAAAAAAAAAAn9/fwAAAAADzMzMAMDA/wB/f38AAAAAAAAAAAAAAAAAAAAAAAAAAAAhAAAAGAAAABQAAAAoBQAAGicAAAgWAABZKQAAEAAAACYAAAAIAAAAAAAAAAAAAAA="/>
+              </a:ext>
+            </a:extLst>
           </p:cNvSpPr>
           <p:nvPr>
             <p:ph type="dt" sz="half" idx="10"/>
@@ -259,25 +391,25 @@
           <a:bodyPr/>
           <a:lstStyle/>
           <a:p>
-            <a:fld id="{A41623FA-A335-45C5-BB79-1A7460F098FD}" type="datetimeFigureOut">
-              <a:rPr lang="es-MX" smtClean="0"/>
+            <a:pPr>
+              <a:defRPr lang="es-mx"/>
+            </a:pPr>
+            <a:fld id="{2D9A7ABB-F5C0-CF8C-8E22-03D9346C7856}" type="datetime1">
               <a:t>09/09/2019</a:t>
             </a:fld>
-            <a:endParaRPr lang="es-MX"/>
-          </a:p>
-        </p:txBody>
-      </p:sp>
-      <p:sp>
-        <p:nvSpPr>
-          <p:cNvPr id="5" name="Marcador de pie de página 4">
-            <a:extLst>
-              <a:ext uri="{FF2B5EF4-FFF2-40B4-BE49-F238E27FC236}">
-                <a16:creationId xmlns:a16="http://schemas.microsoft.com/office/drawing/2014/main" id="{722D80B2-045B-4B4D-8150-3DF91100D62C}"/>
-              </a:ext>
-            </a:extLst>
-          </p:cNvPr>
-          <p:cNvSpPr>
-            <a:spLocks noGrp="1"/>
+          </a:p>
+        </p:txBody>
+      </p:sp>
+      <p:sp>
+        <p:nvSpPr>
+          <p:cNvPr id="5" name="Marcador de pie de página 4"/>
+          <p:cNvSpPr>
+            <a:spLocks noGrp="1" noChangeArrowheads="1"/>
+            <a:extLst>
+              <a:ext uri="smNativeData">
+                <pr:smNativeData xmlns:pr="smNativeData" val="SMDATA_13_A8J7XRMAAAAlAAAAZAAAAA0AAAAAkAAAAEgAAACQAAAASAAAAAAAAAABAAAAAAAAAAEAAABQAAAAAAAAAAAA4D8AAAAAAADgPwAAAAAAAOA/AAAAAAAA4D8AAAAAAADgPwAAAAAAAOA/AAAAAAAA4D8AAAAAAADgPwAAAAAAAOA/AAAAAAAA4D8CAAAAjAAAAAAAAAAAAAAARHLEDP///wgAAAAAAAAAAAAAAAAAAAAAAAAAAAAAAAAAAAAAZAAAAAEAAABAAAAAAAAAAAAAAAAAAAAAAAAAAAAAAAAAAAAAAAAAAAAAAAAAAAAAAAAAAAAAAAAAAAAAAAAAAAAAAAAAAAAAAAAAAAAAAAAAAAAAAAAAAAAAAAAAAAAAFAAAADwAAAAAAAAAAAAAAAAAAAkUAAAAAQAAABQAAAAUAAAAFAAAAAEAAAAAAAAAZAAAAGQAAAAAAAAAZAAAAGQAAAAVAAAAYAAAAAAAAAAAAAAADwAAACADAAAAAAAAAAAAAAEAAACgMgAAVgcAAKr4//8BAAAAf39/AAEAAABkAAAAAAAAABQAAABAHwAAAAAAACYAAAAAAAAAwOD//wAAAAAmAAAAZAAAABYAAABMAAAAAAAAAAAAAAAEAAAAAAAAAAEAAADn5uYKAAAAACgAAAAoAAAAZAAAAGQAAAAAAAAAzMzMAAAAAABQAAAAUAAAAGQAAABkAAAAAAAAABcAAAAUAAAAAAAAAAAAAAD/fwAA/38AAAAAAAAJAAAABAAAAAAAAAAMAAAAEAAAAAAAAAAAAAAAAAAAAAAAAAAeAAAAaAAAAAAAAAAAAAAAAAAAAAAAAAAAAAAAECcAABAnAAAAAAAAAAAAAAAAAAAAAAAAAAAAAAAAAAAAAAAAAAAAABQAAAAAAAAAwMD/AAAAAABkAAAAMgAAAAAAAABkAAAAAAAAAH9/fwAKAAAAHwAAAFQAAAAAAAAFAAAAAQAAAAAAAAAAAAAAAAAAAAAAAAAAAAAAAAAAAAAAAAAAAAAAAn9/fwAAAAADzMzMAMDA/wB/f38AAAAAAAAAAAAAAAAAAAAAAAAAAAAhAAAAGAAAABQAAADYGAAAGicAACgyAABZKQAAEAAAACYAAAAIAAAAAAAAAAAAAAA="/>
+              </a:ext>
+            </a:extLst>
           </p:cNvSpPr>
           <p:nvPr>
             <p:ph type="ftr" sz="quarter" idx="11"/>
@@ -288,21 +420,22 @@
           <a:bodyPr/>
           <a:lstStyle/>
           <a:p>
-            <a:endParaRPr lang="es-MX"/>
-          </a:p>
-        </p:txBody>
-      </p:sp>
-      <p:sp>
-        <p:nvSpPr>
-          <p:cNvPr id="6" name="Marcador de número de diapositiva 5">
-            <a:extLst>
-              <a:ext uri="{FF2B5EF4-FFF2-40B4-BE49-F238E27FC236}">
-                <a16:creationId xmlns:a16="http://schemas.microsoft.com/office/drawing/2014/main" id="{D0BE683F-1D20-4926-92B8-7D8685573F05}"/>
-              </a:ext>
-            </a:extLst>
-          </p:cNvPr>
-          <p:cNvSpPr>
-            <a:spLocks noGrp="1"/>
+            <a:pPr>
+              <a:defRPr lang="es-mx"/>
+            </a:pPr>
+          </a:p>
+        </p:txBody>
+      </p:sp>
+      <p:sp>
+        <p:nvSpPr>
+          <p:cNvPr id="6" name="Marcador de número de diapositiva 5"/>
+          <p:cNvSpPr>
+            <a:spLocks noGrp="1" noChangeArrowheads="1"/>
+            <a:extLst>
+              <a:ext uri="smNativeData">
+                <pr:smNativeData xmlns:pr="smNativeData" val="SMDATA_13_A8J7XRMAAAAlAAAAZAAAAA0AAAAAkAAAAEgAAACQAAAASAAAAAAAAAABAAAAAAAAAAEAAABQAAAAAAAAAAAA4D8AAAAAAADgPwAAAAAAAOA/AAAAAAAA4D8AAAAAAADgPwAAAAAAAOA/AAAAAAAA4D8AAAAAAADgPwAAAAAAAOA/AAAAAAAA4D8CAAAAjAAAAAAAAAAAAAAARHLEDP///wgAAAAAAAAAAAAAAAAAAAAAAAAAAAAAAAAAAAAAZAAAAAEAAABAAAAAAAAAAAAAAAAAAAAAAAAAAAAAAAAAAAAAAAAAAAAAAAAAAAAAAAAAAAAAAAAAAAAAAAAAAAAAAAAAAAAAAAAAAAAAAAAAAAAAAAAAAAAAAAAAAAAAFAAAADwAAAAAAAAAAAAAAAAAAAkUAAAAAQAAABQAAAAUAAAAFAAAAAEAAAAAAAAAZAAAAGQAAAAAAAAAZAAAAGQAAAAVAAAAYAAAAAAAAAAAAAAADwAAACADAAAAAAAAAAAAAAEAAACgMgAAVgcAAKr4//8BAAAAf39/AAEAAABkAAAAAAAAABQAAABAHwAAAAAAACYAAAAAAAAAwOD//wAAAAAmAAAAZAAAABYAAABMAAAAAAAAAAAAAAAEAAAAAAAAAAEAAADn5uYKAAAAACgAAAAoAAAAZAAAAGQAAAAAAAAAzMzMAAAAAABQAAAAUAAAAGQAAABkAAAAAAAAABcAAAAUAAAAAAAAAAAAAAD/fwAA/38AAAAAAAAJAAAABAAAABKysQEMAAAAEAAAAAAAAAAAAAAAAAAAAAAAAAAeAAAAaAAAAAAAAAAAAAAAAAAAAAAAAAAAAAAAECcAABAnAAAAAAAAAAAAAAAAAAAAAAAAAAAAAAAAAAAAAAAAAAAAABQAAAAAAAAAwMD/AAAAAABkAAAAMgAAAAAAAABkAAAAAAAAAH9/fwAKAAAAHwAAAFQAAAAAAAAFAAAAAQAAAAAAAAAAAAAAAAAAAAAAAAAAAAAAAAAAAAAAAAAAAAAAAn9/fwAAAAADzMzMAMDA/wB/f38AAAAAAAAAAAAAAAAAAAAAAAAAAAAhAAAAGAAAABQAAAD4NAAAGicAANhFAABZKQAAEAAAACYAAAAIAAAAAAAAAAAAAAA="/>
+              </a:ext>
+            </a:extLst>
           </p:cNvSpPr>
           <p:nvPr>
             <p:ph type="sldNum" sz="quarter" idx="12"/>
@@ -313,20 +446,16 @@
           <a:bodyPr/>
           <a:lstStyle/>
           <a:p>
-            <a:fld id="{AE105821-0AB0-4D6E-945F-B76CA39DA266}" type="slidenum">
-              <a:rPr lang="es-MX" smtClean="0"/>
+            <a:pPr>
+              <a:defRPr lang="es-mx"/>
+            </a:pPr>
+            <a:fld id="{0B7E42D9-97E6-2BB4-A8C6-61E10C885E34}" type="slidenum">
               <a:t>‹Nº›</a:t>
             </a:fld>
-            <a:endParaRPr lang="es-MX"/>
           </a:p>
         </p:txBody>
       </p:sp>
     </p:spTree>
-    <p:extLst>
-      <p:ext uri="{BB962C8B-B14F-4D97-AF65-F5344CB8AC3E}">
-        <p14:creationId xmlns:p14="http://schemas.microsoft.com/office/powerpoint/2010/main" val="123096372"/>
-      </p:ext>
-    </p:extLst>
   </p:cSld>
   <p:clrMapOvr>
     <a:masterClrMapping/>
@@ -335,7 +464,7 @@
 </file>
 
 <file path=ppt/slideLayouts/slideLayout10.xml><?xml version="1.0" encoding="utf-8"?>
-<p:sldLayout xmlns:a="http://schemas.openxmlformats.org/drawingml/2006/main" xmlns:r="http://schemas.openxmlformats.org/officeDocument/2006/relationships" xmlns:p="http://schemas.openxmlformats.org/presentationml/2006/main" type="vertTx" preserve="1">
+<p:sldLayout xmlns:p="http://schemas.openxmlformats.org/presentationml/2006/main" xmlns:p14="http://schemas.microsoft.com/office/powerpoint/2010/main" xmlns:r="http://schemas.openxmlformats.org/officeDocument/2006/relationships" xmlns:a="http://schemas.openxmlformats.org/drawingml/2006/main" type="vertTx" preserve="1">
   <p:cSld name="Título y texto vertical">
     <p:spTree>
       <p:nvGrpSpPr>
@@ -353,15 +482,14 @@
       </p:grpSpPr>
       <p:sp>
         <p:nvSpPr>
-          <p:cNvPr id="2" name="Título 1">
-            <a:extLst>
-              <a:ext uri="{FF2B5EF4-FFF2-40B4-BE49-F238E27FC236}">
-                <a16:creationId xmlns:a16="http://schemas.microsoft.com/office/drawing/2014/main" id="{05C77827-FA37-4A1B-AC8C-025F60D92E49}"/>
-              </a:ext>
-            </a:extLst>
-          </p:cNvPr>
-          <p:cNvSpPr>
-            <a:spLocks noGrp="1"/>
+          <p:cNvPr id="2" name="Título 1"/>
+          <p:cNvSpPr>
+            <a:spLocks noGrp="1" noChangeArrowheads="1"/>
+            <a:extLst>
+              <a:ext uri="smNativeData">
+                <pr:smNativeData xmlns:pr="smNativeData" val="SMDATA_13_A8J7XRMAAAAlAAAAZAAAAA0AAAAAkAAAAEgAAACQAAAASAAAAAAAAAABAAAAAAAAAAEAAABQAAAAAAAAAAAA4D8AAAAAAADgPwAAAAAAAOA/AAAAAAAA4D8AAAAAAADgPwAAAAAAAOA/AAAAAAAA4D8AAAAAAADgPwAAAAAAAOA/AAAAAAAA4D8CAAAAjAAAAAAAAAAAAAAARHLEDP///wgAAAAAAAAAAAAAAAAAAAAAAAAAAAAAAAAAAAAAZAAAAAEAAABAAAAAAAAAAAAAAAAAAAAAAAAAAAAAAAAAAAAAAAAAAAAAAAAAAAAAAAAAAAAAAAAAAAAAAAAAAAAAAAAAAAAAAAAAAAAAAAAAAAAAAAAAAAAAAAAAAAAAFAAAADwAAAAAAAAAAAAAAAAAAAkUAAAAAQAAABQAAAAUAAAAFAAAAAEAAAAAAAAAZAAAAGQAAAAAAAAAZAAAAGQAAAAVAAAAYAAAAAAAAAAAAAAADwAAACADAAAAAAAAAAAAAAEAAACgMgAAVgcAAKr4//8BAAAAf39/AAEAAABkAAAAAAAAABQAAABAHwAAAAAAACYAAAAAAAAAwOD//wAAAAAmAAAAZAAAABYAAABMAAAAAAAAAAAAAAAEAAAAAAAAAAEAAADn5uYKAAAAACgAAAAoAAAAZAAAAGQAAAAAAAAAzMzMAAAAAABQAAAAUAAAAGQAAABkAAAAAAAAABcAAAAUAAAAAAAAAAAAAAD/fwAA/38AAAAAAAAJAAAABAAAAAAAAAAMAAAAEAAAAAAAAAAAAAAAAAAAAAAAAAAeAAAAaAAAAAAAAAAAAAAAAAAAAAAAAAAAAAAAECcAABAnAAAAAAAAAAAAAAAAAAAAAAAAAAAAAAAAAAAAAAAAAAAAABQAAAAAAAAAwMD/AAAAAABkAAAAMgAAAAAAAABkAAAAAAAAAH9/fwAKAAAAHwAAAFQAAAAAAAAFAAAAAQAAAAAAAAAAAAAAAAAAAAAAAAAAAAAAAAAAAAAAAAAAAAAAAn9/fwAAAAADzMzMAMDA/wB/f38AAAAAAAAAAAAAAAAAAAAAAAAAAAAhAAAAGAAAABQAAAAoBQAAPwIAANhFAABnCgAAEAAAACYAAAAIAAAAAAAAAAAAAAA="/>
+              </a:ext>
+            </a:extLst>
           </p:cNvSpPr>
           <p:nvPr>
             <p:ph type="title"/>
@@ -372,83 +500,90 @@
           <a:bodyPr/>
           <a:lstStyle/>
           <a:p>
-            <a:r>
-              <a:rPr lang="es-ES"/>
+            <a:pPr>
+              <a:defRPr lang="es-es"/>
+            </a:pPr>
+            <a:r>
               <a:t>Haga clic para modificar el estilo de título del patrón</a:t>
             </a:r>
-            <a:endParaRPr lang="es-MX"/>
-          </a:p>
-        </p:txBody>
-      </p:sp>
-      <p:sp>
-        <p:nvSpPr>
-          <p:cNvPr id="3" name="Marcador de texto vertical 2">
-            <a:extLst>
-              <a:ext uri="{FF2B5EF4-FFF2-40B4-BE49-F238E27FC236}">
-                <a16:creationId xmlns:a16="http://schemas.microsoft.com/office/drawing/2014/main" id="{CF2E18FF-5BD7-43EE-9B36-9FCBD00F327D}"/>
-              </a:ext>
-            </a:extLst>
-          </p:cNvPr>
-          <p:cNvSpPr>
-            <a:spLocks noGrp="1"/>
-          </p:cNvSpPr>
-          <p:nvPr>
-            <p:ph type="body" orient="vert" idx="1"/>
+          </a:p>
+        </p:txBody>
+      </p:sp>
+      <p:sp>
+        <p:nvSpPr>
+          <p:cNvPr id="3" name="Marcador de texto vertical 2"/>
+          <p:cNvSpPr>
+            <a:spLocks noGrp="1" noChangeArrowheads="1"/>
+            <a:extLst>
+              <a:ext uri="smNativeData">
+                <pr:smNativeData xmlns:pr="smNativeData" val="SMDATA_13_A8J7XRMAAAAlAAAAZAAAAA0AAAAAkAAAAEgAAACQAAAASAAAAAAAAAAAAAAAAQAAAAEAAABQAAAAAAAAAAAA4D8AAAAAAADgPwAAAAAAAOA/AAAAAAAA4D8AAAAAAADgPwAAAAAAAOA/AAAAAAAA4D8AAAAAAADgPwAAAAAAAOA/AAAAAAAA4D8CAAAAjAAAAAAAAAAAAAAARHLEDP///wgAAAAAAAAAAAAAAAAAAAAAAAAAAAAAAAAAAAAAZAAAAAEAAABAAAAAAAAAAAAAAAAAAAAAAAAAAAAAAAAAAAAAAAAAAAAAAAAAAAAAAAAAAAAAAAAAAAAAAAAAAAAAAAAAAAAAAAAAAAAAAAAAAAAAAAAAAAAAAAAAAAAAFAAAADwAAAAAAAAAAAAAAAAAAAkUAAAAAQAAABQAAAAUAAAAFAAAAAEAAAAAAAAAZAAAAGQAAAAAAAAAZAAAAGQAAAAVAAAAYAAAAAAAAAAAAAAADwAAACADAAAAAAAAAAAAAAEAAACgMgAAVgcAAKr4//8BAAAAf39/AAEAAABkAAAAAAAAABQAAABAHwAAAAAAACYAAAAAAAAAwOD//wAAAAAmAAAAZAAAABYAAABMAAAAAAAAAAAAAAAEAAAAAAAAAAEAAADn5uYKAAAAACgAAAAoAAAAZAAAAGQAAAAAAAAAzMzMAAAAAABQAAAAUAAAAGQAAABkAAAAAAAAABcAAAAUAAAAAAAAAAAAAAD/fwAA/38AAAAAAAAJAAAABAAAAAAAAAAMAAAAEAAAAAAAAAAAAAAAAAAAAAAAAAAeAAAAaAAAAAAAAAAAAAAAAAAAAAAAAAAAAAAAECcAABAnAAAAAAAAAAAAAAAAAAAAAAAAAAAAAAAAAAAAAAAAAAAAABQAAAAAAAAAwMD/AAAAAABkAAAAMgAAAAAAAABkAAAAAAAAAH9/fwAKAAAAHwAAAFQAAAAAAAAFAAAAAQAAAAAAAAAAAAAAAAAAAAAAAAAAAAAAAAAAAAAAAAAAAAAAAn9/fwAAAAADzMzMAMDA/wB/f38AAAAAAAAAAAAAAAAAAAAAAAAAAAAhAAAAGAAAABQAAAAoBQAAOwsAANhFAAAAJgAAEAAAACYAAAAIAAAAAgAAAAAAAAA="/>
+              </a:ext>
+            </a:extLst>
+          </p:cNvSpPr>
+          <p:nvPr>
+            <p:ph idx="1"/>
           </p:nvPr>
         </p:nvSpPr>
         <p:spPr/>
         <p:txBody>
-          <a:bodyPr vert="eaVert"/>
-          <a:lstStyle/>
-          <a:p>
-            <a:pPr lvl="0"/>
-            <a:r>
-              <a:rPr lang="es-ES"/>
+          <a:bodyPr vert="vert" wrap="square" lIns="91440" tIns="45720" rIns="91440" bIns="45720" numCol="1" spcCol="215900" anchor="t">
+            <a:prstTxWarp prst="textNoShape">
+              <a:avLst/>
+            </a:prstTxWarp>
+          </a:bodyPr>
+          <a:lstStyle/>
+          <a:p>
+            <a:pPr>
+              <a:defRPr lang="es-es"/>
+            </a:pPr>
+            <a:r>
               <a:t>Haga clic para modificar los estilos de texto del patrón</a:t>
             </a:r>
           </a:p>
           <a:p>
-            <a:pPr lvl="1"/>
-            <a:r>
-              <a:rPr lang="es-ES"/>
+            <a:pPr lvl="1">
+              <a:defRPr lang="es-es"/>
+            </a:pPr>
+            <a:r>
               <a:t>Segundo nivel</a:t>
             </a:r>
           </a:p>
           <a:p>
-            <a:pPr lvl="2"/>
-            <a:r>
-              <a:rPr lang="es-ES"/>
+            <a:pPr lvl="2">
+              <a:defRPr lang="es-es"/>
+            </a:pPr>
+            <a:r>
               <a:t>Tercer nivel</a:t>
             </a:r>
           </a:p>
           <a:p>
-            <a:pPr lvl="3"/>
-            <a:r>
-              <a:rPr lang="es-ES"/>
+            <a:pPr lvl="3">
+              <a:defRPr lang="es-es"/>
+            </a:pPr>
+            <a:r>
               <a:t>Cuarto nivel</a:t>
             </a:r>
           </a:p>
           <a:p>
-            <a:pPr lvl="4"/>
-            <a:r>
-              <a:rPr lang="es-ES"/>
+            <a:pPr lvl="4">
+              <a:defRPr lang="es-es"/>
+            </a:pPr>
+            <a:r>
               <a:t>Quinto nivel</a:t>
             </a:r>
-            <a:endParaRPr lang="es-MX"/>
-          </a:p>
-        </p:txBody>
-      </p:sp>
-      <p:sp>
-        <p:nvSpPr>
-          <p:cNvPr id="4" name="Marcador de fecha 3">
-            <a:extLst>
-              <a:ext uri="{FF2B5EF4-FFF2-40B4-BE49-F238E27FC236}">
-                <a16:creationId xmlns:a16="http://schemas.microsoft.com/office/drawing/2014/main" id="{C3620F8C-1547-480B-A14F-E82886A4460C}"/>
-              </a:ext>
-            </a:extLst>
-          </p:cNvPr>
-          <p:cNvSpPr>
-            <a:spLocks noGrp="1"/>
+          </a:p>
+        </p:txBody>
+      </p:sp>
+      <p:sp>
+        <p:nvSpPr>
+          <p:cNvPr id="4" name="Marcador de fecha 3"/>
+          <p:cNvSpPr>
+            <a:spLocks noGrp="1" noChangeArrowheads="1"/>
+            <a:extLst>
+              <a:ext uri="smNativeData">
+                <pr:smNativeData xmlns:pr="smNativeData" val="SMDATA_13_A8J7XRMAAAAlAAAAZAAAAA0AAAAAkAAAAEgAAACQAAAASAAAAAAAAAABAAAAAAAAAAEAAABQAAAAAAAAAAAA4D8AAAAAAADgPwAAAAAAAOA/AAAAAAAA4D8AAAAAAADgPwAAAAAAAOA/AAAAAAAA4D8AAAAAAADgPwAAAAAAAOA/AAAAAAAA4D8CAAAAjAAAAAAAAAAAAAAARHLEDP///wgAAAAAAAAAAAAAAAAAAAAAAAAAAAAAAAAAAAAAZAAAAAEAAABAAAAAAAAAAAAAAAAAAAAAAAAAAAAAAAAAAAAAAAAAAAAAAAAAAAAAAAAAAAAAAAAAAAAAAAAAAAAAAAAAAAAAAAAAAAAAAAAAAAAAAAAAAAAAAAAAAAAAFAAAADwAAAAAAAAAAAAAAAAAAAkUAAAAAQAAABQAAAAUAAAAFAAAAAEAAAAAAAAAZAAAAGQAAAAAAAAAZAAAAGQAAAAVAAAAYAAAAAAAAAAAAAAADwAAACADAAAAAAAAAAAAAAEAAACgMgAAVgcAAKr4//8BAAAAf39/AAEAAABkAAAAAAAAABQAAABAHwAAAAAAACYAAAAAAAAAwOD//wAAAAAmAAAAZAAAABYAAABMAAAAAAAAAAAAAAAEAAAAAAAAAAEAAADn5uYKAAAAACgAAAAoAAAAZAAAAGQAAAAAAAAAzMzMAAAAAABQAAAAUAAAAGQAAABkAAAAAAAAABcAAAAUAAAAAAAAAAAAAAD/fwAA/38AAAAAAAAJAAAABAAAAAAAAAAMAAAAEAAAAAAAAAAAAAAAAAAAAAAAAAAeAAAAaAAAAAAAAAAAAAAAAAAAAAAAAAAAAAAAECcAABAnAAAAAAAAAAAAAAAAAAAAAAAAAAAAAAAAAAAAAAAAAAAAABQAAAAAAAAAwMD/AAAAAABkAAAAMgAAAAAAAABkAAAAAAAAAH9/fwAKAAAAHwAAAFQAAAAAAAAFAAAAAQAAAAAAAAAAAAAAAAAAAAAAAAAAAAAAAAAAAAAAAAAAAAAAAn9/fwAAAAADzMzMAMDA/wB/f38AAAAAAAAAAAAAAAAAAAAAAAAAAAAhAAAAGAAAABQAAAAoBQAAGicAAAgWAABZKQAAEAAAACYAAAAIAAAAAAAAAAAAAAA="/>
+              </a:ext>
+            </a:extLst>
           </p:cNvSpPr>
           <p:nvPr>
             <p:ph type="dt" sz="half" idx="10"/>
@@ -459,25 +594,25 @@
           <a:bodyPr/>
           <a:lstStyle/>
           <a:p>
-            <a:fld id="{A41623FA-A335-45C5-BB79-1A7460F098FD}" type="datetimeFigureOut">
-              <a:rPr lang="es-MX" smtClean="0"/>
+            <a:pPr>
+              <a:defRPr lang="es-mx"/>
+            </a:pPr>
+            <a:fld id="{34FA3CDF-91D9-AFCA-9742-679F720C6132}" type="datetime1">
               <a:t>09/09/2019</a:t>
             </a:fld>
-            <a:endParaRPr lang="es-MX"/>
-          </a:p>
-        </p:txBody>
-      </p:sp>
-      <p:sp>
-        <p:nvSpPr>
-          <p:cNvPr id="5" name="Marcador de pie de página 4">
-            <a:extLst>
-              <a:ext uri="{FF2B5EF4-FFF2-40B4-BE49-F238E27FC236}">
-                <a16:creationId xmlns:a16="http://schemas.microsoft.com/office/drawing/2014/main" id="{F3555E25-CF6D-49C0-8246-E60197753556}"/>
-              </a:ext>
-            </a:extLst>
-          </p:cNvPr>
-          <p:cNvSpPr>
-            <a:spLocks noGrp="1"/>
+          </a:p>
+        </p:txBody>
+      </p:sp>
+      <p:sp>
+        <p:nvSpPr>
+          <p:cNvPr id="5" name="Marcador de pie de página 4"/>
+          <p:cNvSpPr>
+            <a:spLocks noGrp="1" noChangeArrowheads="1"/>
+            <a:extLst>
+              <a:ext uri="smNativeData">
+                <pr:smNativeData xmlns:pr="smNativeData" val="SMDATA_13_A8J7XRMAAAAlAAAAZAAAAA0AAAAAkAAAAEgAAACQAAAASAAAAAAAAAABAAAAAAAAAAEAAABQAAAAAAAAAAAA4D8AAAAAAADgPwAAAAAAAOA/AAAAAAAA4D8AAAAAAADgPwAAAAAAAOA/AAAAAAAA4D8AAAAAAADgPwAAAAAAAOA/AAAAAAAA4D8CAAAAjAAAAAAAAAAAAAAARHLEDP///wgAAAAAAAAAAAAAAAAAAAAAAAAAAAAAAAAAAAAAZAAAAAEAAABAAAAAAAAAAAAAAAAAAAAAAAAAAAAAAAAAAAAAAAAAAAAAAAAAAAAAAAAAAAAAAAAAAAAAAAAAAAAAAAAAAAAAAAAAAAAAAAAAAAAAAAAAAAAAAAAAAAAAFAAAADwAAAAAAAAAAAAAAAAAAAkUAAAAAQAAABQAAAAUAAAAFAAAAAEAAAAAAAAAZAAAAGQAAAAAAAAAZAAAAGQAAAAVAAAAYAAAAAAAAAAAAAAADwAAACADAAAAAAAAAAAAAAEAAACgMgAAVgcAAKr4//8BAAAAf39/AAEAAABkAAAAAAAAABQAAABAHwAAAAAAACYAAAAAAAAAwOD//wAAAAAmAAAAZAAAABYAAABMAAAAAAAAAAAAAAAEAAAAAAAAAAEAAADn5uYKAAAAACgAAAAoAAAAZAAAAGQAAAAAAAAAzMzMAAAAAABQAAAAUAAAAGQAAABkAAAAAAAAABcAAAAUAAAAAAAAAAAAAAD/fwAA/38AAAAAAAAJAAAABAAAAAAAAAAMAAAAEAAAAAAAAAAAAAAAAAAAAAAAAAAeAAAAaAAAAAAAAAAAAAAAAAAAAAAAAAAAAAAAECcAABAnAAAAAAAAAAAAAAAAAAAAAAAAAAAAAAAAAAAAAAAAAAAAABQAAAAAAAAAwMD/AAAAAABkAAAAMgAAAAAAAABkAAAAAAAAAH9/fwAKAAAAHwAAAFQAAAAAAAAFAAAAAQAAAAAAAAAAAAAAAAAAAAAAAAAAAAAAAAAAAAAAAAAAAAAAAn9/fwAAAAADzMzMAMDA/wB/f38AAAAAAAAAAAAAAAAAAAAAAAAAAAAhAAAAGAAAABQAAADYGAAAGicAACgyAABZKQAAEAAAACYAAAAIAAAAAAAAAAAAAAA="/>
+              </a:ext>
+            </a:extLst>
           </p:cNvSpPr>
           <p:nvPr>
             <p:ph type="ftr" sz="quarter" idx="11"/>
@@ -488,21 +623,22 @@
           <a:bodyPr/>
           <a:lstStyle/>
           <a:p>
-            <a:endParaRPr lang="es-MX"/>
-          </a:p>
-        </p:txBody>
-      </p:sp>
-      <p:sp>
-        <p:nvSpPr>
-          <p:cNvPr id="6" name="Marcador de número de diapositiva 5">
-            <a:extLst>
-              <a:ext uri="{FF2B5EF4-FFF2-40B4-BE49-F238E27FC236}">
-                <a16:creationId xmlns:a16="http://schemas.microsoft.com/office/drawing/2014/main" id="{C00D3129-E32A-4729-A47B-80DFCC6B5A8A}"/>
-              </a:ext>
-            </a:extLst>
-          </p:cNvPr>
-          <p:cNvSpPr>
-            <a:spLocks noGrp="1"/>
+            <a:pPr>
+              <a:defRPr lang="es-mx"/>
+            </a:pPr>
+          </a:p>
+        </p:txBody>
+      </p:sp>
+      <p:sp>
+        <p:nvSpPr>
+          <p:cNvPr id="6" name="Marcador de número de diapositiva 5"/>
+          <p:cNvSpPr>
+            <a:spLocks noGrp="1" noChangeArrowheads="1"/>
+            <a:extLst>
+              <a:ext uri="smNativeData">
+                <pr:smNativeData xmlns:pr="smNativeData" val="SMDATA_13_A8J7XRMAAAAlAAAAZAAAAA0AAAAAkAAAAEgAAACQAAAASAAAAAAAAAABAAAAAAAAAAEAAABQAAAAAAAAAAAA4D8AAAAAAADgPwAAAAAAAOA/AAAAAAAA4D8AAAAAAADgPwAAAAAAAOA/AAAAAAAA4D8AAAAAAADgPwAAAAAAAOA/AAAAAAAA4D8CAAAAjAAAAAAAAAAAAAAARHLEDP///wgAAAAAAAAAAAAAAAAAAAAAAAAAAAAAAAAAAAAAZAAAAAEAAABAAAAAAAAAAAAAAAAAAAAAAAAAAAAAAAAAAAAAAAAAAAAAAAAAAAAAAAAAAAAAAAAAAAAAAAAAAAAAAAAAAAAAAAAAAAAAAAAAAAAAAAAAAAAAAAAAAAAAFAAAADwAAAAAAAAAAAAAAAAAAAkUAAAAAQAAABQAAAAUAAAAFAAAAAEAAAAAAAAAZAAAAGQAAAAAAAAAZAAAAGQAAAAVAAAAYAAAAAAAAAAAAAAADwAAACADAAAAAAAAAAAAAAEAAACgMgAAVgcAAKr4//8BAAAAf39/AAEAAABkAAAAAAAAABQAAABAHwAAAAAAACYAAAAAAAAAwOD//wAAAAAmAAAAZAAAABYAAABMAAAAAAAAAAAAAAAEAAAAAAAAAAEAAADn5uYKAAAAACgAAAAoAAAAZAAAAGQAAAAAAAAAzMzMAAAAAABQAAAAUAAAAGQAAABkAAAAAAAAABcAAAAUAAAAAAAAAAAAAAD/fwAA/38AAAAAAAAJAAAABAAAAAAAAAAMAAAAEAAAAAAAAAAAAAAAAAAAAAAAAAAeAAAAaAAAAAAAAAAAAAAAAAAAAAAAAAAAAAAAECcAABAnAAAAAAAAAAAAAAAAAAAAAAAAAAAAAAAAAAAAAAAAAAAAABQAAAAAAAAAwMD/AAAAAABkAAAAMgAAAAAAAABkAAAAAAAAAH9/fwAKAAAAHwAAAFQAAAAAAAAFAAAAAQAAAAAAAAAAAAAAAAAAAAAAAAAAAAAAAAAAAAAAAAAAAAAAAn9/fwAAAAADzMzMAMDA/wB/f38AAAAAAAAAAAAAAAAAAAAAAAAAAAAhAAAAGAAAABQAAAD4NAAAGicAANhFAABZKQAAEAAAACYAAAAIAAAAAAAAAAAAAAA="/>
+              </a:ext>
+            </a:extLst>
           </p:cNvSpPr>
           <p:nvPr>
             <p:ph type="sldNum" sz="quarter" idx="12"/>
@@ -513,20 +649,16 @@
           <a:bodyPr/>
           <a:lstStyle/>
           <a:p>
-            <a:fld id="{AE105821-0AB0-4D6E-945F-B76CA39DA266}" type="slidenum">
-              <a:rPr lang="es-MX" smtClean="0"/>
+            <a:pPr>
+              <a:defRPr lang="es-mx"/>
+            </a:pPr>
+            <a:fld id="{034C35B3-FDEE-19C3-A0F4-0B967BBA565E}" type="slidenum">
               <a:t>‹Nº›</a:t>
             </a:fld>
-            <a:endParaRPr lang="es-MX"/>
           </a:p>
         </p:txBody>
       </p:sp>
     </p:spTree>
-    <p:extLst>
-      <p:ext uri="{BB962C8B-B14F-4D97-AF65-F5344CB8AC3E}">
-        <p14:creationId xmlns:p14="http://schemas.microsoft.com/office/powerpoint/2010/main" val="2100142478"/>
-      </p:ext>
-    </p:extLst>
   </p:cSld>
   <p:clrMapOvr>
     <a:masterClrMapping/>
@@ -535,7 +667,7 @@
 </file>
 
 <file path=ppt/slideLayouts/slideLayout11.xml><?xml version="1.0" encoding="utf-8"?>
-<p:sldLayout xmlns:a="http://schemas.openxmlformats.org/drawingml/2006/main" xmlns:r="http://schemas.openxmlformats.org/officeDocument/2006/relationships" xmlns:p="http://schemas.openxmlformats.org/presentationml/2006/main" type="vertTitleAndTx" preserve="1">
+<p:sldLayout xmlns:p="http://schemas.openxmlformats.org/presentationml/2006/main" xmlns:p14="http://schemas.microsoft.com/office/powerpoint/2010/main" xmlns:r="http://schemas.openxmlformats.org/officeDocument/2006/relationships" xmlns:a="http://schemas.openxmlformats.org/drawingml/2006/main" type="vertTitleAndTx" preserve="1">
   <p:cSld name="Título vertical y texto">
     <p:spTree>
       <p:nvGrpSpPr>
@@ -553,112 +685,122 @@
       </p:grpSpPr>
       <p:sp>
         <p:nvSpPr>
-          <p:cNvPr id="2" name="Título vertical 1">
-            <a:extLst>
-              <a:ext uri="{FF2B5EF4-FFF2-40B4-BE49-F238E27FC236}">
-                <a16:creationId xmlns:a16="http://schemas.microsoft.com/office/drawing/2014/main" id="{CC974CA4-8CB8-4CD9-A4CD-EA2BC42F26E8}"/>
-              </a:ext>
-            </a:extLst>
-          </p:cNvPr>
-          <p:cNvSpPr>
-            <a:spLocks noGrp="1"/>
-          </p:cNvSpPr>
-          <p:nvPr>
-            <p:ph type="title" orient="vert"/>
+          <p:cNvPr id="2" name="Título vertical 1"/>
+          <p:cNvSpPr>
+            <a:spLocks noGrp="1" noChangeArrowheads="1"/>
+            <a:extLst>
+              <a:ext uri="smNativeData">
+                <pr:smNativeData xmlns:pr="smNativeData" val="SMDATA_13_A8J7XRMAAAAlAAAAZAAAAA0AAAAAkAAAAEgAAACQAAAASAAAAAAAAAABAAAAAQAAAAEAAABQAAAAAAAAAAAA4D8AAAAAAADgPwAAAAAAAOA/AAAAAAAA4D8AAAAAAADgPwAAAAAAAOA/AAAAAAAA4D8AAAAAAADgPwAAAAAAAOA/AAAAAAAA4D8CAAAAjAAAAAAAAAAAAAAARHLEDP///wgAAAAAAAAAAAAAAAAAAAAAAAAAAAAAAAAAAAAAZAAAAAEAAABAAAAAAAAAAAAAAAAAAAAAAAAAAAAAAAAAAAAAAAAAAAAAAAAAAAAAAAAAAAAAAAAAAAAAAAAAAAAAAAAAAAAAAAAAAAAAAAAAAAAAAAAAAAAAAAAAAAAAFAAAADwAAAAAAAAAAAAAAAAAAAkUAAAAAQAAABQAAAAUAAAAFAAAAAEAAAAAAAAAZAAAAGQAAAAAAAAAZAAAAGQAAAAVAAAAYAAAAAAAAAAAAAAADwAAACADAAAAAAAAAAAAAAEAAACgMgAAVgcAAKr4//8BAAAAf39/AAEAAABkAAAAAAAAABQAAABAHwAAAAAAACYAAAAAAAAAwOD//wAAAAAmAAAAZAAAABYAAABMAAAAAAAAAAAAAAAEAAAAAAAAAAEAAADn5uYKAAAAACgAAAAoAAAAZAAAAGQAAAAAAAAAzMzMAAAAAABQAAAAUAAAAGQAAABkAAAAAAAAABcAAAAUAAAAAAAAAAAAAAD/fwAA/38AAAAAAAAJAAAABAAAAAAAAAAMAAAAEAAAAAAAAAAAAAAAAAAAAAAAAAAeAAAAaAAAAAAAAAAAAAAAAAAAAAAAAAAAAAAAECcAABAnAAAAAAAAAAAAAAAAAAAAAAAAAAAAAAAAAAAAAAAAAAAAABQAAAAAAAAAwMD/AAAAAABkAAAAMgAAAAAAAABkAAAAAAAAAH9/fwAKAAAAHwAAAFQAAAAAAAAFAAAAAQAAAAAAAAAAAAAAAAAAAAAAAAAAAAAAAAAAAAAAAAAAAAAAAn9/fwAAAAADzMzMAMDA/wB/f38AAAAAAAAAAAAAAAAAAAAAAAAAAAAhAAAAGAAAABQAAACsNQAAPwIAANhFAAAAJgAAEAAAACYAAAAIAAAAAwAAAAAAAAA="/>
+              </a:ext>
+            </a:extLst>
+          </p:cNvSpPr>
+          <p:nvPr>
+            <p:ph type="title"/>
           </p:nvPr>
         </p:nvSpPr>
         <p:spPr>
           <a:xfrm>
             <a:off x="8724900" y="365125"/>
-            <a:ext cx="2628900" cy="5811838"/>
+            <a:ext cx="2628900" cy="5812155"/>
           </a:xfrm>
         </p:spPr>
         <p:txBody>
-          <a:bodyPr vert="eaVert"/>
-          <a:lstStyle/>
-          <a:p>
-            <a:r>
-              <a:rPr lang="es-ES"/>
+          <a:bodyPr vert="vert" wrap="square" lIns="91440" tIns="45720" rIns="91440" bIns="45720" numCol="1" spcCol="215900" anchor="ctr">
+            <a:prstTxWarp prst="textNoShape">
+              <a:avLst/>
+            </a:prstTxWarp>
+          </a:bodyPr>
+          <a:lstStyle/>
+          <a:p>
+            <a:pPr>
+              <a:defRPr lang="es-es"/>
+            </a:pPr>
+            <a:r>
               <a:t>Haga clic para modificar el estilo de título del patrón</a:t>
             </a:r>
-            <a:endParaRPr lang="es-MX"/>
-          </a:p>
-        </p:txBody>
-      </p:sp>
-      <p:sp>
-        <p:nvSpPr>
-          <p:cNvPr id="3" name="Marcador de texto vertical 2">
-            <a:extLst>
-              <a:ext uri="{FF2B5EF4-FFF2-40B4-BE49-F238E27FC236}">
-                <a16:creationId xmlns:a16="http://schemas.microsoft.com/office/drawing/2014/main" id="{B555351E-5BF0-4D1C-8CA0-71581FA3670E}"/>
-              </a:ext>
-            </a:extLst>
-          </p:cNvPr>
-          <p:cNvSpPr>
-            <a:spLocks noGrp="1"/>
-          </p:cNvSpPr>
-          <p:nvPr>
-            <p:ph type="body" orient="vert" idx="1"/>
+          </a:p>
+        </p:txBody>
+      </p:sp>
+      <p:sp>
+        <p:nvSpPr>
+          <p:cNvPr id="3" name="Marcador de texto vertical 2"/>
+          <p:cNvSpPr>
+            <a:spLocks noGrp="1" noChangeArrowheads="1"/>
+            <a:extLst>
+              <a:ext uri="smNativeData">
+                <pr:smNativeData xmlns:pr="smNativeData" val="SMDATA_13_A8J7XRMAAAAlAAAAZAAAAA0AAAAAkAAAAEgAAACQAAAASAAAAAAAAAAAAAAAAQAAAAEAAABQAAAAAAAAAAAA4D8AAAAAAADgPwAAAAAAAOA/AAAAAAAA4D8AAAAAAADgPwAAAAAAAOA/AAAAAAAA4D8AAAAAAADgPwAAAAAAAOA/AAAAAAAA4D8CAAAAjAAAAAAAAAAAAAAARHLEDP///wgAAAAAAAAAAAAAAAAAAAAAAAAAAAAAAAAAAAAAZAAAAAEAAABAAAAAAAAAAAAAAAAAAAAAAAAAAAAAAAAAAAAAAAAAAAAAAAAAAAAAAAAAAAAAAAAAAAAAAAAAAAAAAAAAAAAAAAAAAAAAAAAAAAAAAAAAAAAAAAAAAAAAFAAAADwAAAAAAAAAAAAAAAAAAAkUAAAAAQAAABQAAAAUAAAAFAAAAAEAAAAAAAAAZAAAAGQAAAAAAAAAZAAAAGQAAAAVAAAAYAAAAAAAAAAAAAAADwAAACADAAAAAAAAAAAAAAEAAACgMgAAVgcAAKr4//8BAAAAf39/AAEAAABkAAAAAAAAABQAAABAHwAAAAAAACYAAAAAAAAAwOD//wAAAAAmAAAAZAAAABYAAABMAAAAAAAAAAAAAAAEAAAAAAAAAAEAAADn5uYKAAAAACgAAAAoAAAAZAAAAGQAAAAAAAAAzMzMAAAAAABQAAAAUAAAAGQAAABkAAAAAAAAABcAAAAUAAAAAAAAAAAAAAD/fwAA/38AAAAAAAAJAAAABAAAAAAAAAAMAAAAEAAAAAAAAAAAAAAAAAAAAAAAAAAeAAAAaAAAAAAAAAAAAAAAAAAAAAAAAAAAAAAAECcAABAnAAAAAAAAAAAAAAAAAAAAAAAAAAAAAAAAAAAAAAAAAAAAABQAAAAAAAAAwMD/AAAAAABkAAAAMgAAAAAAAABkAAAAAAAAAH9/fwAKAAAAHwAAAFQAAAAAAAAFAAAAAQAAAAAAAAAAAAAAAAAAAAAAAAAAAAAAAAAAAAAAAAAAAAAAAn9/fwAAAAADzMzMAMDA/wB/f38AAAAAAAAAAAAAAAAAAAAAAAAAAAAhAAAAGAAAABQAAAAoBQAAPwIAALw0AAAAJgAAEAAAACYAAAAIAAAAAwAAAAAAAAA="/>
+              </a:ext>
+            </a:extLst>
+          </p:cNvSpPr>
+          <p:nvPr>
+            <p:ph idx="1"/>
           </p:nvPr>
         </p:nvSpPr>
         <p:spPr>
           <a:xfrm>
             <a:off x="838200" y="365125"/>
-            <a:ext cx="7734300" cy="5811838"/>
+            <a:ext cx="7734300" cy="5812155"/>
           </a:xfrm>
         </p:spPr>
         <p:txBody>
-          <a:bodyPr vert="eaVert"/>
-          <a:lstStyle/>
-          <a:p>
-            <a:pPr lvl="0"/>
-            <a:r>
-              <a:rPr lang="es-ES"/>
+          <a:bodyPr vert="vert" wrap="square" lIns="91440" tIns="45720" rIns="91440" bIns="45720" numCol="1" spcCol="215900" anchor="t">
+            <a:prstTxWarp prst="textNoShape">
+              <a:avLst/>
+            </a:prstTxWarp>
+          </a:bodyPr>
+          <a:lstStyle/>
+          <a:p>
+            <a:pPr>
+              <a:defRPr lang="es-es"/>
+            </a:pPr>
+            <a:r>
               <a:t>Haga clic para modificar los estilos de texto del patrón</a:t>
             </a:r>
           </a:p>
           <a:p>
-            <a:pPr lvl="1"/>
-            <a:r>
-              <a:rPr lang="es-ES"/>
+            <a:pPr lvl="1">
+              <a:defRPr lang="es-es"/>
+            </a:pPr>
+            <a:r>
               <a:t>Segundo nivel</a:t>
             </a:r>
           </a:p>
           <a:p>
-            <a:pPr lvl="2"/>
-            <a:r>
-              <a:rPr lang="es-ES"/>
+            <a:pPr lvl="2">
+              <a:defRPr lang="es-es"/>
+            </a:pPr>
+            <a:r>
               <a:t>Tercer nivel</a:t>
             </a:r>
           </a:p>
           <a:p>
-            <a:pPr lvl="3"/>
-            <a:r>
-              <a:rPr lang="es-ES"/>
+            <a:pPr lvl="3">
+              <a:defRPr lang="es-es"/>
+            </a:pPr>
+            <a:r>
               <a:t>Cuarto nivel</a:t>
             </a:r>
           </a:p>
           <a:p>
-            <a:pPr lvl="4"/>
-            <a:r>
-              <a:rPr lang="es-ES"/>
+            <a:pPr lvl="4">
+              <a:defRPr lang="es-es"/>
+            </a:pPr>
+            <a:r>
               <a:t>Quinto nivel</a:t>
             </a:r>
-            <a:endParaRPr lang="es-MX"/>
-          </a:p>
-        </p:txBody>
-      </p:sp>
-      <p:sp>
-        <p:nvSpPr>
-          <p:cNvPr id="4" name="Marcador de fecha 3">
-            <a:extLst>
-              <a:ext uri="{FF2B5EF4-FFF2-40B4-BE49-F238E27FC236}">
-                <a16:creationId xmlns:a16="http://schemas.microsoft.com/office/drawing/2014/main" id="{207DF928-71FB-42FD-B4F1-264F2BE971BE}"/>
-              </a:ext>
-            </a:extLst>
-          </p:cNvPr>
-          <p:cNvSpPr>
-            <a:spLocks noGrp="1"/>
+          </a:p>
+        </p:txBody>
+      </p:sp>
+      <p:sp>
+        <p:nvSpPr>
+          <p:cNvPr id="4" name="Marcador de fecha 3"/>
+          <p:cNvSpPr>
+            <a:spLocks noGrp="1" noChangeArrowheads="1"/>
+            <a:extLst>
+              <a:ext uri="smNativeData">
+                <pr:smNativeData xmlns:pr="smNativeData" val="SMDATA_13_A8J7XRMAAAAlAAAAZAAAAA0AAAAAkAAAAEgAAACQAAAASAAAAAAAAAABAAAAAAAAAAEAAABQAAAAAAAAAAAA4D8AAAAAAADgPwAAAAAAAOA/AAAAAAAA4D8AAAAAAADgPwAAAAAAAOA/AAAAAAAA4D8AAAAAAADgPwAAAAAAAOA/AAAAAAAA4D8CAAAAjAAAAAAAAAAAAAAARHLEDP///wgAAAAAAAAAAAAAAAAAAAAAAAAAAAAAAAAAAAAAZAAAAAEAAABAAAAAAAAAAAAAAAAAAAAAAAAAAAAAAAAAAAAAAAAAAAAAAAAAAAAAAAAAAAAAAAAAAAAAAAAAAAAAAAAAAAAAAAAAAAAAAAAAAAAAAAAAAAAAAAAAAAAAFAAAADwAAAAAAAAAAAAAAAAAAAkUAAAAAQAAABQAAAAUAAAAFAAAAAEAAAAAAAAAZAAAAGQAAAAAAAAAZAAAAGQAAAAVAAAAYAAAAAAAAAAAAAAADwAAACADAAAAAAAAAAAAAAEAAACgMgAAVgcAAKr4//8BAAAAf39/AAEAAABkAAAAAAAAABQAAABAHwAAAAAAACYAAAAAAAAAwOD//wAAAAAmAAAAZAAAABYAAABMAAAAAAAAAAAAAAAEAAAAAAAAAAEAAADn5uYKAAAAACgAAAAoAAAAZAAAAGQAAAAAAAAAzMzMAAAAAABQAAAAUAAAAGQAAABkAAAAAAAAABcAAAAUAAAAAAAAAAAAAAD/fwAA/38AAAAAAAAJAAAABAAAAAAAAAAMAAAAEAAAAAAAAAAAAAAAAAAAAAAAAAAeAAAAaAAAAAAAAAAAAAAAAAAAAAAAAAAAAAAAECcAABAnAAAAAAAAAAAAAAAAAAAAAAAAAAAAAAAAAAAAAAAAAAAAABQAAAAAAAAAwMD/AAAAAABkAAAAMgAAAAAAAABkAAAAAAAAAH9/fwAKAAAAHwAAAFQAAAAAAAAFAAAAAQAAAAAAAAAAAAAAAAAAAAAAAAAAAAAAAAAAAAAAAAAAAAAAAn9/fwAAAAADzMzMAMDA/wB/f38AAAAAAAAAAAAAAAAAAAAAAAAAAAAhAAAAGAAAABQAAAAoBQAAGicAAAgWAABZKQAAEAAAACYAAAAIAAAAAAAAAAAAAAA="/>
+              </a:ext>
+            </a:extLst>
           </p:cNvSpPr>
           <p:nvPr>
             <p:ph type="dt" sz="half" idx="10"/>
@@ -669,25 +811,25 @@
           <a:bodyPr/>
           <a:lstStyle/>
           <a:p>
-            <a:fld id="{A41623FA-A335-45C5-BB79-1A7460F098FD}" type="datetimeFigureOut">
-              <a:rPr lang="es-MX" smtClean="0"/>
+            <a:pPr>
+              <a:defRPr lang="es-mx"/>
+            </a:pPr>
+            <a:fld id="{73634178-369E-36B7-D0DB-C0E20F952695}" type="datetime1">
               <a:t>09/09/2019</a:t>
             </a:fld>
-            <a:endParaRPr lang="es-MX"/>
-          </a:p>
-        </p:txBody>
-      </p:sp>
-      <p:sp>
-        <p:nvSpPr>
-          <p:cNvPr id="5" name="Marcador de pie de página 4">
-            <a:extLst>
-              <a:ext uri="{FF2B5EF4-FFF2-40B4-BE49-F238E27FC236}">
-                <a16:creationId xmlns:a16="http://schemas.microsoft.com/office/drawing/2014/main" id="{91C898A5-3BD9-472B-BF8A-39B340855249}"/>
-              </a:ext>
-            </a:extLst>
-          </p:cNvPr>
-          <p:cNvSpPr>
-            <a:spLocks noGrp="1"/>
+          </a:p>
+        </p:txBody>
+      </p:sp>
+      <p:sp>
+        <p:nvSpPr>
+          <p:cNvPr id="5" name="Marcador de pie de página 4"/>
+          <p:cNvSpPr>
+            <a:spLocks noGrp="1" noChangeArrowheads="1"/>
+            <a:extLst>
+              <a:ext uri="smNativeData">
+                <pr:smNativeData xmlns:pr="smNativeData" val="SMDATA_13_A8J7XRMAAAAlAAAAZAAAAA0AAAAAkAAAAEgAAACQAAAASAAAAAAAAAABAAAAAAAAAAEAAABQAAAAAAAAAAAA4D8AAAAAAADgPwAAAAAAAOA/AAAAAAAA4D8AAAAAAADgPwAAAAAAAOA/AAAAAAAA4D8AAAAAAADgPwAAAAAAAOA/AAAAAAAA4D8CAAAAjAAAAAAAAAAAAAAARHLEDP///wgAAAAAAAAAAAAAAAAAAAAAAAAAAAAAAAAAAAAAZAAAAAEAAABAAAAAAAAAAAAAAAAAAAAAAAAAAAAAAAAAAAAAAAAAAAAAAAAAAAAAAAAAAAAAAAAAAAAAAAAAAAAAAAAAAAAAAAAAAAAAAAAAAAAAAAAAAAAAAAAAAAAAFAAAADwAAAAAAAAAAAAAAAAAAAkUAAAAAQAAABQAAAAUAAAAFAAAAAEAAAAAAAAAZAAAAGQAAAAAAAAAZAAAAGQAAAAVAAAAYAAAAAAAAAAAAAAADwAAACADAAAAAAAAAAAAAAEAAACgMgAAVgcAAKr4//8BAAAAf39/AAEAAABkAAAAAAAAABQAAABAHwAAAAAAACYAAAAAAAAAwOD//wAAAAAmAAAAZAAAABYAAABMAAAAAAAAAAAAAAAEAAAAAAAAAAEAAADn5uYKAAAAACgAAAAoAAAAZAAAAGQAAAAAAAAAzMzMAAAAAABQAAAAUAAAAGQAAABkAAAAAAAAABcAAAAUAAAAAAAAAAAAAAD/fwAA/38AAAAAAAAJAAAABAAAAAAAAAAMAAAAEAAAAAAAAAAAAAAAAAAAAAAAAAAeAAAAaAAAAAAAAAAAAAAAAAAAAAAAAAAAAAAAECcAABAnAAAAAAAAAAAAAAAAAAAAAAAAAAAAAAAAAAAAAAAAAAAAABQAAAAAAAAAwMD/AAAAAABkAAAAMgAAAAAAAABkAAAAAAAAAH9/fwAKAAAAHwAAAFQAAAAAAAAFAAAAAQAAAAAAAAAAAAAAAAAAAAAAAAAAAAAAAAAAAAAAAAAAAAAAAn9/fwAAAAADzMzMAMDA/wB/f38AAAAAAAAAAAAAAAAAAAAAAAAAAAAhAAAAGAAAABQAAADYGAAAGicAACgyAABZKQAAEAAAACYAAAAIAAAAAAAAAAAAAAA="/>
+              </a:ext>
+            </a:extLst>
           </p:cNvSpPr>
           <p:nvPr>
             <p:ph type="ftr" sz="quarter" idx="11"/>
@@ -698,21 +840,22 @@
           <a:bodyPr/>
           <a:lstStyle/>
           <a:p>
-            <a:endParaRPr lang="es-MX"/>
-          </a:p>
-        </p:txBody>
-      </p:sp>
-      <p:sp>
-        <p:nvSpPr>
-          <p:cNvPr id="6" name="Marcador de número de diapositiva 5">
-            <a:extLst>
-              <a:ext uri="{FF2B5EF4-FFF2-40B4-BE49-F238E27FC236}">
-                <a16:creationId xmlns:a16="http://schemas.microsoft.com/office/drawing/2014/main" id="{A14EF990-2412-4B29-97BD-3C02453B6EAC}"/>
-              </a:ext>
-            </a:extLst>
-          </p:cNvPr>
-          <p:cNvSpPr>
-            <a:spLocks noGrp="1"/>
+            <a:pPr>
+              <a:defRPr lang="es-mx"/>
+            </a:pPr>
+          </a:p>
+        </p:txBody>
+      </p:sp>
+      <p:sp>
+        <p:nvSpPr>
+          <p:cNvPr id="6" name="Marcador de número de diapositiva 5"/>
+          <p:cNvSpPr>
+            <a:spLocks noGrp="1" noChangeArrowheads="1"/>
+            <a:extLst>
+              <a:ext uri="smNativeData">
+                <pr:smNativeData xmlns:pr="smNativeData" val="SMDATA_13_A8J7XRMAAAAlAAAAZAAAAA0AAAAAkAAAAEgAAACQAAAASAAAAAAAAAABAAAAAAAAAAEAAABQAAAAAAAAAAAA4D8AAAAAAADgPwAAAAAAAOA/AAAAAAAA4D8AAAAAAADgPwAAAAAAAOA/AAAAAAAA4D8AAAAAAADgPwAAAAAAAOA/AAAAAAAA4D8CAAAAjAAAAAAAAAAAAAAARHLEDP///wgAAAAAAAAAAAAAAAAAAAAAAAAAAAAAAAAAAAAAZAAAAAEAAABAAAAAAAAAAAAAAAAAAAAAAAAAAAAAAAAAAAAAAAAAAAAAAAAAAAAAAAAAAAAAAAAAAAAAAAAAAAAAAAAAAAAAAAAAAAAAAAAAAAAAAAAAAAAAAAAAAAAAFAAAADwAAAAAAAAAAAAAAAAAAAkUAAAAAQAAABQAAAAUAAAAFAAAAAEAAAAAAAAAZAAAAGQAAAAAAAAAZAAAAGQAAAAVAAAAYAAAAAAAAAAAAAAADwAAACADAAAAAAAAAAAAAAEAAACgMgAAVgcAAKr4//8BAAAAf39/AAEAAABkAAAAAAAAABQAAABAHwAAAAAAACYAAAAAAAAAwOD//wAAAAAmAAAAZAAAABYAAABMAAAAAAAAAAAAAAAEAAAAAAAAAAEAAADn5uYKAAAAACgAAAAoAAAAZAAAAGQAAAAAAAAAzMzMAAAAAABQAAAAUAAAAGQAAABkAAAAAAAAABcAAAAUAAAAAAAAAAAAAAD/fwAA/38AAAAAAAAJAAAABAAAAAAAAAAMAAAAEAAAAAAAAAAAAAAAAAAAAAAAAAAeAAAAaAAAAAAAAAAAAAAAAAAAAAAAAAAAAAAAECcAABAnAAAAAAAAAAAAAAAAAAAAAAAAAAAAAAAAAAAAAAAAAAAAABQAAAAAAAAAwMD/AAAAAABkAAAAMgAAAAAAAABkAAAAAAAAAH9/fwAKAAAAHwAAAFQAAAAAAAAFAAAAAQAAAAAAAAAAAAAAAAAAAAAAAAAAAAAAAAAAAAAAAAAAAAAAAn9/fwAAAAADzMzMAMDA/wB/f38AAAAAAAAAAAAAAAAAAAAAAAAAAAAhAAAAGAAAABQAAAD4NAAAGicAANhFAABZKQAAEAAAACYAAAAIAAAAAAAAAAAAAAA="/>
+              </a:ext>
+            </a:extLst>
           </p:cNvSpPr>
           <p:nvPr>
             <p:ph type="sldNum" sz="quarter" idx="12"/>
@@ -723,20 +866,16 @@
           <a:bodyPr/>
           <a:lstStyle/>
           <a:p>
-            <a:fld id="{AE105821-0AB0-4D6E-945F-B76CA39DA266}" type="slidenum">
-              <a:rPr lang="es-MX" smtClean="0"/>
+            <a:pPr>
+              <a:defRPr lang="es-mx"/>
+            </a:pPr>
+            <a:fld id="{18F3CEC3-8DF5-A638-BB4B-7B6D80054D2E}" type="slidenum">
               <a:t>‹Nº›</a:t>
             </a:fld>
-            <a:endParaRPr lang="es-MX"/>
           </a:p>
         </p:txBody>
       </p:sp>
     </p:spTree>
-    <p:extLst>
-      <p:ext uri="{BB962C8B-B14F-4D97-AF65-F5344CB8AC3E}">
-        <p14:creationId xmlns:p14="http://schemas.microsoft.com/office/powerpoint/2010/main" val="1140847650"/>
-      </p:ext>
-    </p:extLst>
   </p:cSld>
   <p:clrMapOvr>
     <a:masterClrMapping/>
@@ -745,7 +884,7 @@
 </file>
 
 <file path=ppt/slideLayouts/slideLayout2.xml><?xml version="1.0" encoding="utf-8"?>
-<p:sldLayout xmlns:a="http://schemas.openxmlformats.org/drawingml/2006/main" xmlns:r="http://schemas.openxmlformats.org/officeDocument/2006/relationships" xmlns:p="http://schemas.openxmlformats.org/presentationml/2006/main" type="obj" preserve="1">
+<p:sldLayout xmlns:p="http://schemas.openxmlformats.org/presentationml/2006/main" xmlns:p14="http://schemas.microsoft.com/office/powerpoint/2010/main" xmlns:r="http://schemas.openxmlformats.org/officeDocument/2006/relationships" xmlns:a="http://schemas.openxmlformats.org/drawingml/2006/main" type="obj" preserve="1">
   <p:cSld name="Título y objetos">
     <p:spTree>
       <p:nvGrpSpPr>
@@ -763,15 +902,14 @@
       </p:grpSpPr>
       <p:sp>
         <p:nvSpPr>
-          <p:cNvPr id="2" name="Título 1">
-            <a:extLst>
-              <a:ext uri="{FF2B5EF4-FFF2-40B4-BE49-F238E27FC236}">
-                <a16:creationId xmlns:a16="http://schemas.microsoft.com/office/drawing/2014/main" id="{110D7742-CC8A-4F5F-B1AA-B26A4AB53A70}"/>
-              </a:ext>
-            </a:extLst>
-          </p:cNvPr>
-          <p:cNvSpPr>
-            <a:spLocks noGrp="1"/>
+          <p:cNvPr id="2" name="Título 1"/>
+          <p:cNvSpPr>
+            <a:spLocks noGrp="1" noChangeArrowheads="1"/>
+            <a:extLst>
+              <a:ext uri="smNativeData">
+                <pr:smNativeData xmlns:pr="smNativeData" val="SMDATA_13_A8J7XRMAAAAlAAAAZAAAAA0AAAAAkAAAAEgAAACQAAAASAAAAAAAAAABAAAAAAAAAAEAAABQAAAAAAAAAAAA4D8AAAAAAADgPwAAAAAAAOA/AAAAAAAA4D8AAAAAAADgPwAAAAAAAOA/AAAAAAAA4D8AAAAAAADgPwAAAAAAAOA/AAAAAAAA4D8CAAAAjAAAAAAAAAAAAAAARHLEDP///wgAAAAAAAAAAAAAAAAAAAAAAAAAAAAAAAAAAAAAZAAAAAEAAABAAAAAAAAAAAAAAAAAAAAAAAAAAAAAAAAAAAAAAAAAAAAAAAAAAAAAAAAAAAAAAAAAAAAAAAAAAAAAAAAAAAAAAAAAAAAAAAAAAAAAAAAAAAAAAAAAAAAAFAAAADwAAAAAAAAAAAAAAAAAAAkUAAAAAQAAABQAAAAUAAAAFAAAAAEAAAAAAAAAZAAAAGQAAAAAAAAAZAAAAGQAAAAVAAAAYAAAAAAAAAAAAAAADwAAACADAAAAAAAAAAAAAAEAAACgMgAAVgcAAKr4//8BAAAAf39/AAEAAABkAAAAAAAAABQAAABAHwAAAAAAACYAAAAAAAAAwOD//wAAAAAmAAAAZAAAABYAAABMAAAAAAAAAAAAAAAEAAAAAAAAAAEAAADn5uYKAAAAACgAAAAoAAAAZAAAAGQAAAAAAAAAzMzMAAAAAABQAAAAUAAAAGQAAABkAAAAAAAAABcAAAAUAAAAAAAAAAAAAAD/fwAA/38AAAAAAAAJAAAABAAAAAAAAAAMAAAAEAAAAAAAAAAAAAAAAAAAAAAAAAAeAAAAaAAAAAAAAAAAAAAAAAAAAAAAAAAAAAAAECcAABAnAAAAAAAAAAAAAAAAAAAAAAAAAAAAAAAAAAAAAAAAAAAAABQAAAAAAAAAwMD/AAAAAABkAAAAMgAAAAAAAABkAAAAAAAAAH9/fwAKAAAAHwAAAFQAAAAAAAAFAAAAAQAAAAAAAAAAAAAAAAAAAAAAAAAAAAAAAAAAAAAAAAAAAAAAAn9/fwAAAAADzMzMAMDA/wB/f38AAAAAAAAAAAAAAAAAAAAAAAAAAAAhAAAAGAAAABQAAAAoBQAAPwIAANhFAABnCgAAEAAAACYAAAAIAAAAAAAAAAAAAAA="/>
+              </a:ext>
+            </a:extLst>
           </p:cNvSpPr>
           <p:nvPr>
             <p:ph type="title"/>
@@ -782,25 +920,25 @@
           <a:bodyPr/>
           <a:lstStyle/>
           <a:p>
-            <a:r>
-              <a:rPr lang="es-ES"/>
+            <a:pPr>
+              <a:defRPr lang="es-es"/>
+            </a:pPr>
+            <a:r>
               <a:t>Haga clic para modificar el estilo de título del patrón</a:t>
             </a:r>
-            <a:endParaRPr lang="es-MX"/>
-          </a:p>
-        </p:txBody>
-      </p:sp>
-      <p:sp>
-        <p:nvSpPr>
-          <p:cNvPr id="3" name="Marcador de contenido 2">
-            <a:extLst>
-              <a:ext uri="{FF2B5EF4-FFF2-40B4-BE49-F238E27FC236}">
-                <a16:creationId xmlns:a16="http://schemas.microsoft.com/office/drawing/2014/main" id="{FF69093F-7720-437E-860E-FC881E97ECD4}"/>
-              </a:ext>
-            </a:extLst>
-          </p:cNvPr>
-          <p:cNvSpPr>
-            <a:spLocks noGrp="1"/>
+          </a:p>
+        </p:txBody>
+      </p:sp>
+      <p:sp>
+        <p:nvSpPr>
+          <p:cNvPr id="3" name="Marcador de contenido 2"/>
+          <p:cNvSpPr>
+            <a:spLocks noGrp="1" noChangeArrowheads="1"/>
+            <a:extLst>
+              <a:ext uri="smNativeData">
+                <pr:smNativeData xmlns:pr="smNativeData" val="SMDATA_13_A8J7XRMAAAAlAAAAZAAAAA0AAAAAkAAAAEgAAACQAAAASAAAAAAAAAAAAAAAAAAAAAEAAABQAAAAAAAAAAAA4D8AAAAAAADgPwAAAAAAAOA/AAAAAAAA4D8AAAAAAADgPwAAAAAAAOA/AAAAAAAA4D8AAAAAAADgPwAAAAAAAOA/AAAAAAAA4D8CAAAAjAAAAAAAAAAAAAAARHLEDP///wgAAAAAAAAAAAAAAAAAAAAAAAAAAAAAAAAAAAAAZAAAAAEAAABAAAAAAAAAAAAAAAAAAAAAAAAAAAAAAAAAAAAAAAAAAAAAAAAAAAAAAAAAAAAAAAAAAAAAAAAAAAAAAAAAAAAAAAAAAAAAAAAAAAAAAAAAAAAAAAAAAAAAFAAAADwAAAAAAAAAAAAAAAAAAAkUAAAAAQAAABQAAAAUAAAAFAAAAAEAAAAAAAAAZAAAAGQAAAAAAAAAZAAAAGQAAAAVAAAAYAAAAAAAAAAAAAAADwAAACADAAAAAAAAAAAAAAEAAACgMgAAVgcAAKr4//8BAAAAf39/AAEAAABkAAAAAAAAABQAAABAHwAAAAAAACYAAAAAAAAAwOD//wAAAAAmAAAAZAAAABYAAABMAAAAAAAAAAAAAAAEAAAAAAAAAAEAAADn5uYKAAAAACgAAAAoAAAAZAAAAGQAAAAAAAAAzMzMAAAAAABQAAAAUAAAAGQAAABkAAAAAAAAABcAAAAUAAAAAAAAAAAAAAD/fwAA/38AAAAAAAAJAAAABAAAAODFDr4MAAAAEAAAAAAAAAAAAAAAAAAAAAAAAAAeAAAAaAAAAAAAAAAAAAAAAAAAAAAAAAAAAAAAECcAABAnAAAAAAAAAAAAAAAAAAAAAAAAAAAAAAAAAAAAAAAAAAAAABQAAAAAAAAAwMD/AAAAAABkAAAAMgAAAAAAAABkAAAAAAAAAH9/fwAKAAAAHwAAAFQAAAAAAAAFAAAAAQAAAAAAAAAAAAAAAAAAAAAAAAAAAAAAAAAAAAAAAAAAAAAAAn9/fwAAAAADzMzMAMDA/wB/f38AAAAAAAAAAAAAAAAAAAAAAAAAAAAhAAAAGAAAABQAAAAoBQAAOwsAANhFAAAAJgAAEAAAACYAAAAIAAAAAAAAAAAAAAA="/>
+              </a:ext>
+            </a:extLst>
           </p:cNvSpPr>
           <p:nvPr>
             <p:ph idx="1"/>
@@ -811,54 +949,57 @@
           <a:bodyPr/>
           <a:lstStyle/>
           <a:p>
-            <a:pPr lvl="0"/>
-            <a:r>
-              <a:rPr lang="es-ES"/>
+            <a:pPr>
+              <a:defRPr lang="es-es"/>
+            </a:pPr>
+            <a:r>
               <a:t>Haga clic para modificar los estilos de texto del patrón</a:t>
             </a:r>
           </a:p>
           <a:p>
-            <a:pPr lvl="1"/>
-            <a:r>
-              <a:rPr lang="es-ES"/>
+            <a:pPr lvl="1">
+              <a:defRPr lang="es-es"/>
+            </a:pPr>
+            <a:r>
               <a:t>Segundo nivel</a:t>
             </a:r>
           </a:p>
           <a:p>
-            <a:pPr lvl="2"/>
-            <a:r>
-              <a:rPr lang="es-ES"/>
+            <a:pPr lvl="2">
+              <a:defRPr lang="es-es"/>
+            </a:pPr>
+            <a:r>
               <a:t>Tercer nivel</a:t>
             </a:r>
           </a:p>
           <a:p>
-            <a:pPr lvl="3"/>
-            <a:r>
-              <a:rPr lang="es-ES"/>
+            <a:pPr lvl="3">
+              <a:defRPr lang="es-es"/>
+            </a:pPr>
+            <a:r>
               <a:t>Cuarto nivel</a:t>
             </a:r>
           </a:p>
           <a:p>
-            <a:pPr lvl="4"/>
-            <a:r>
-              <a:rPr lang="es-ES"/>
+            <a:pPr lvl="4">
+              <a:defRPr lang="es-es"/>
+            </a:pPr>
+            <a:r>
               <a:t>Quinto nivel</a:t>
             </a:r>
-            <a:endParaRPr lang="es-MX"/>
-          </a:p>
-        </p:txBody>
-      </p:sp>
-      <p:sp>
-        <p:nvSpPr>
-          <p:cNvPr id="4" name="Marcador de fecha 3">
-            <a:extLst>
-              <a:ext uri="{FF2B5EF4-FFF2-40B4-BE49-F238E27FC236}">
-                <a16:creationId xmlns:a16="http://schemas.microsoft.com/office/drawing/2014/main" id="{315CE1AE-522F-48D9-BC60-25745BE15264}"/>
-              </a:ext>
-            </a:extLst>
-          </p:cNvPr>
-          <p:cNvSpPr>
-            <a:spLocks noGrp="1"/>
+          </a:p>
+        </p:txBody>
+      </p:sp>
+      <p:sp>
+        <p:nvSpPr>
+          <p:cNvPr id="4" name="Marcador de fecha 3"/>
+          <p:cNvSpPr>
+            <a:spLocks noGrp="1" noChangeArrowheads="1"/>
+            <a:extLst>
+              <a:ext uri="smNativeData">
+                <pr:smNativeData xmlns:pr="smNativeData" val="SMDATA_13_A8J7XRMAAAAlAAAAZAAAAA0AAAAAkAAAAEgAAACQAAAASAAAAAAAAAABAAAAAAAAAAEAAABQAAAAAAAAAAAA4D8AAAAAAADgPwAAAAAAAOA/AAAAAAAA4D8AAAAAAADgPwAAAAAAAOA/AAAAAAAA4D8AAAAAAADgPwAAAAAAAOA/AAAAAAAA4D8CAAAAjAAAAAAAAAAAAAAARHLEDP///wgAAAAAAAAAAAAAAAAAAAAAAAAAAAAAAAAAAAAAZAAAAAEAAABAAAAAAAAAAAAAAAAAAAAAAAAAAAAAAAAAAAAAAAAAAAAAAAAAAAAAAAAAAAAAAAAAAAAAAAAAAAAAAAAAAAAAAAAAAAAAAAAAAAAAAAAAAAAAAAAAAAAAFAAAADwAAAAAAAAAAAAAAAAAAAkUAAAAAQAAABQAAAAUAAAAFAAAAAEAAAAAAAAAZAAAAGQAAAAAAAAAZAAAAGQAAAAVAAAAYAAAAAAAAAAAAAAADwAAACADAAAAAAAAAAAAAAEAAACgMgAAVgcAAKr4//8BAAAAf39/AAEAAABkAAAAAAAAABQAAABAHwAAAAAAACYAAAAAAAAAwOD//wAAAAAmAAAAZAAAABYAAABMAAAAAAAAAAAAAAAEAAAAAAAAAAEAAADn5uYKAAAAACgAAAAoAAAAZAAAAGQAAAAAAAAAzMzMAAAAAABQAAAAUAAAAGQAAABkAAAAAAAAABcAAAAUAAAAAAAAAAAAAAD/fwAA/38AAAAAAAAJAAAABAAAAJC+Dr4MAAAAEAAAAAAAAAAAAAAAAAAAAAAAAAAeAAAAaAAAAAAAAAAAAAAAAAAAAAAAAAAAAAAAECcAABAnAAAAAAAAAAAAAAAAAAAAAAAAAAAAAAAAAAAAAAAAAAAAABQAAAAAAAAAwMD/AAAAAABkAAAAMgAAAAAAAABkAAAAAAAAAH9/fwAKAAAAHwAAAFQAAAAAAAAFAAAAAQAAAAAAAAAAAAAAAAAAAAAAAAAAAAAAAAAAAAAAAAAAAAAAAn9/fwAAAAADzMzMAMDA/wB/f38AAAAAAAAAAAAAAAAAAAAAAAAAAAAhAAAAGAAAABQAAAAoBQAAGicAAAgWAABZKQAAEAAAACYAAAAIAAAAAAAAAAAAAAA="/>
+              </a:ext>
+            </a:extLst>
           </p:cNvSpPr>
           <p:nvPr>
             <p:ph type="dt" sz="half" idx="10"/>
@@ -869,25 +1010,25 @@
           <a:bodyPr/>
           <a:lstStyle/>
           <a:p>
-            <a:fld id="{A41623FA-A335-45C5-BB79-1A7460F098FD}" type="datetimeFigureOut">
-              <a:rPr lang="es-MX" smtClean="0"/>
+            <a:pPr>
+              <a:defRPr lang="es-mx"/>
+            </a:pPr>
+            <a:fld id="{2DF814FE-B0C0-ADE2-8E40-46B75A0E7813}" type="datetime1">
               <a:t>09/09/2019</a:t>
             </a:fld>
-            <a:endParaRPr lang="es-MX"/>
-          </a:p>
-        </p:txBody>
-      </p:sp>
-      <p:sp>
-        <p:nvSpPr>
-          <p:cNvPr id="5" name="Marcador de pie de página 4">
-            <a:extLst>
-              <a:ext uri="{FF2B5EF4-FFF2-40B4-BE49-F238E27FC236}">
-                <a16:creationId xmlns:a16="http://schemas.microsoft.com/office/drawing/2014/main" id="{3D3BE844-26F8-49B0-9284-C66B521EA29C}"/>
-              </a:ext>
-            </a:extLst>
-          </p:cNvPr>
-          <p:cNvSpPr>
-            <a:spLocks noGrp="1"/>
+          </a:p>
+        </p:txBody>
+      </p:sp>
+      <p:sp>
+        <p:nvSpPr>
+          <p:cNvPr id="5" name="Marcador de pie de página 4"/>
+          <p:cNvSpPr>
+            <a:spLocks noGrp="1" noChangeArrowheads="1"/>
+            <a:extLst>
+              <a:ext uri="smNativeData">
+                <pr:smNativeData xmlns:pr="smNativeData" val="SMDATA_13_A8J7XRMAAAAlAAAAZAAAAA0AAAAAkAAAAEgAAACQAAAASAAAAAAAAAABAAAAAAAAAAEAAABQAAAAAAAAAAAA4D8AAAAAAADgPwAAAAAAAOA/AAAAAAAA4D8AAAAAAADgPwAAAAAAAOA/AAAAAAAA4D8AAAAAAADgPwAAAAAAAOA/AAAAAAAA4D8CAAAAjAAAAAAAAAAAAAAARHLEDP///wgAAAAAAAAAAAAAAAAAAAAAAAAAAAAAAAAAAAAAZAAAAAEAAABAAAAAAAAAAAAAAAAAAAAAAAAAAAAAAAAAAAAAAAAAAAAAAAAAAAAAAAAAAAAAAAAAAAAAAAAAAAAAAAAAAAAAAAAAAAAAAAAAAAAAAAAAAAAAAAAAAAAAFAAAADwAAAAAAAAAAAAAAAAAAAkUAAAAAQAAABQAAAAUAAAAFAAAAAEAAAAAAAAAZAAAAGQAAAAAAAAAZAAAAGQAAAAVAAAAYAAAAAAAAAAAAAAADwAAACADAAAAAAAAAAAAAAEAAACgMgAAVgcAAKr4//8BAAAAf39/AAEAAABkAAAAAAAAABQAAABAHwAAAAAAACYAAAAAAAAAwOD//wAAAAAmAAAAZAAAABYAAABMAAAAAAAAAAAAAAAEAAAAAAAAAAEAAADn5uYKAAAAACgAAAAoAAAAZAAAAGQAAAAAAAAAzMzMAAAAAABQAAAAUAAAAGQAAABkAAAAAAAAABcAAAAUAAAAAAAAAAAAAAD/fwAA/38AAAAAAAAJAAAABAAAAAAAAAAMAAAAEAAAAAAAAAAAAAAAAAAAAAAAAAAeAAAAaAAAAAAAAAAAAAAAAAAAAAAAAAAAAAAAECcAABAnAAAAAAAAAAAAAAAAAAAAAAAAAAAAAAAAAAAAAAAAAAAAABQAAAAAAAAAwMD/AAAAAABkAAAAMgAAAAAAAABkAAAAAAAAAH9/fwAKAAAAHwAAAFQAAAAAAAAFAAAAAQAAAAAAAAAAAAAAAAAAAAAAAAAAAAAAAAAAAAAAAAAAAAAAAn9/fwAAAAADzMzMAMDA/wB/f38AAAAAAAAAAAAAAAAAAAAAAAAAAAAhAAAAGAAAABQAAADYGAAAGicAACgyAABZKQAAEAAAACYAAAAIAAAAAAAAAAAAAAA="/>
+              </a:ext>
+            </a:extLst>
           </p:cNvSpPr>
           <p:nvPr>
             <p:ph type="ftr" sz="quarter" idx="11"/>
@@ -898,21 +1039,22 @@
           <a:bodyPr/>
           <a:lstStyle/>
           <a:p>
-            <a:endParaRPr lang="es-MX"/>
-          </a:p>
-        </p:txBody>
-      </p:sp>
-      <p:sp>
-        <p:nvSpPr>
-          <p:cNvPr id="6" name="Marcador de número de diapositiva 5">
-            <a:extLst>
-              <a:ext uri="{FF2B5EF4-FFF2-40B4-BE49-F238E27FC236}">
-                <a16:creationId xmlns:a16="http://schemas.microsoft.com/office/drawing/2014/main" id="{857BF2A1-3CB6-42D4-99A3-E69F2E782332}"/>
-              </a:ext>
-            </a:extLst>
-          </p:cNvPr>
-          <p:cNvSpPr>
-            <a:spLocks noGrp="1"/>
+            <a:pPr>
+              <a:defRPr lang="es-mx"/>
+            </a:pPr>
+          </a:p>
+        </p:txBody>
+      </p:sp>
+      <p:sp>
+        <p:nvSpPr>
+          <p:cNvPr id="6" name="Marcador de número de diapositiva 5"/>
+          <p:cNvSpPr>
+            <a:spLocks noGrp="1" noChangeArrowheads="1"/>
+            <a:extLst>
+              <a:ext uri="smNativeData">
+                <pr:smNativeData xmlns:pr="smNativeData" val="SMDATA_13_A8J7XRMAAAAlAAAAZAAAAA0AAAAAkAAAAEgAAACQAAAASAAAAAAAAAABAAAAAAAAAAEAAABQAAAAAAAAAAAA4D8AAAAAAADgPwAAAAAAAOA/AAAAAAAA4D8AAAAAAADgPwAAAAAAAOA/AAAAAAAA4D8AAAAAAADgPwAAAAAAAOA/AAAAAAAA4D8CAAAAjAAAAAAAAAAAAAAARHLEDP///wgAAAAAAAAAAAAAAAAAAAAAAAAAAAAAAAAAAAAAZAAAAAEAAABAAAAAAAAAAAAAAAAAAAAAAAAAAAAAAAAAAAAAAAAAAAAAAAAAAAAAAAAAAAAAAAAAAAAAAAAAAAAAAAAAAAAAAAAAAAAAAAAAAAAAAAAAAAAAAAAAAAAAFAAAADwAAAAAAAAAAAAAAAAAAAkUAAAAAQAAABQAAAAUAAAAFAAAAAEAAAAAAAAAZAAAAGQAAAAAAAAAZAAAAGQAAAAVAAAAYAAAAAAAAAAAAAAADwAAACADAAAAAAAAAAAAAAEAAACgMgAAVgcAAKr4//8BAAAAf39/AAEAAABkAAAAAAAAABQAAABAHwAAAAAAACYAAAAAAAAAwOD//wAAAAAmAAAAZAAAABYAAABMAAAAAAAAAAAAAAAEAAAAAAAAAAEAAADn5uYKAAAAACgAAAAoAAAAZAAAAGQAAAAAAAAAzMzMAAAAAABQAAAAUAAAAGQAAABkAAAAAAAAABcAAAAUAAAAAAAAAAAAAAD/fwAA/38AAAAAAAAJAAAABAAAAAAAAAAMAAAAEAAAAAAAAAAAAAAAAAAAAAAAAAAeAAAAaAAAAAAAAAAAAAAAAAAAAAAAAAAAAAAAECcAABAnAAAAAAAAAAAAAAAAAAAAAAAAAAAAAAAAAAAAAAAAAAAAABQAAAAAAAAAwMD/AAAAAABkAAAAMgAAAAAAAABkAAAAAAAAAH9/fwAKAAAAHwAAAFQAAAAAAAAFAAAAAQAAAAAAAAAAAAAAAAAAAAAAAAAAAAAAAAAAAAAAAAAAAAAAAn9/fwAAAAADzMzMAMDA/wB/f38AAAAAAAAAAAAAAAAAAAAAAAAAAAAhAAAAGAAAABQAAAD4NAAAGicAANhFAABZKQAAEAAAACYAAAAIAAAAAAAAAAAAAAA="/>
+              </a:ext>
+            </a:extLst>
           </p:cNvSpPr>
           <p:nvPr>
             <p:ph type="sldNum" sz="quarter" idx="12"/>
@@ -923,20 +1065,16 @@
           <a:bodyPr/>
           <a:lstStyle/>
           <a:p>
-            <a:fld id="{AE105821-0AB0-4D6E-945F-B76CA39DA266}" type="slidenum">
-              <a:rPr lang="es-MX" smtClean="0"/>
+            <a:pPr>
+              <a:defRPr lang="es-mx"/>
+            </a:pPr>
+            <a:fld id="{65743357-1988-21C5-C6CC-EF907D8230BA}" type="slidenum">
               <a:t>‹Nº›</a:t>
             </a:fld>
-            <a:endParaRPr lang="es-MX"/>
           </a:p>
         </p:txBody>
       </p:sp>
     </p:spTree>
-    <p:extLst>
-      <p:ext uri="{BB962C8B-B14F-4D97-AF65-F5344CB8AC3E}">
-        <p14:creationId xmlns:p14="http://schemas.microsoft.com/office/powerpoint/2010/main" val="1473746526"/>
-      </p:ext>
-    </p:extLst>
   </p:cSld>
   <p:clrMapOvr>
     <a:masterClrMapping/>
@@ -945,7 +1083,7 @@
 </file>
 
 <file path=ppt/slideLayouts/slideLayout3.xml><?xml version="1.0" encoding="utf-8"?>
-<p:sldLayout xmlns:a="http://schemas.openxmlformats.org/drawingml/2006/main" xmlns:r="http://schemas.openxmlformats.org/officeDocument/2006/relationships" xmlns:p="http://schemas.openxmlformats.org/presentationml/2006/main" type="secHead" preserve="1">
+<p:sldLayout xmlns:p="http://schemas.openxmlformats.org/presentationml/2006/main" xmlns:p14="http://schemas.microsoft.com/office/powerpoint/2010/main" xmlns:r="http://schemas.openxmlformats.org/officeDocument/2006/relationships" xmlns:a="http://schemas.openxmlformats.org/drawingml/2006/main" type="secHead" preserve="1">
   <p:cSld name="Encabezado de sección">
     <p:spTree>
       <p:nvGrpSpPr>
@@ -963,15 +1101,14 @@
       </p:grpSpPr>
       <p:sp>
         <p:nvSpPr>
-          <p:cNvPr id="2" name="Título 1">
-            <a:extLst>
-              <a:ext uri="{FF2B5EF4-FFF2-40B4-BE49-F238E27FC236}">
-                <a16:creationId xmlns:a16="http://schemas.microsoft.com/office/drawing/2014/main" id="{F9A44EFE-7892-4135-8423-AE7632F3F5DF}"/>
-              </a:ext>
-            </a:extLst>
-          </p:cNvPr>
-          <p:cNvSpPr>
-            <a:spLocks noGrp="1"/>
+          <p:cNvPr id="2" name="Título 1"/>
+          <p:cNvSpPr>
+            <a:spLocks noGrp="1" noChangeArrowheads="1"/>
+            <a:extLst>
+              <a:ext uri="smNativeData">
+                <pr:smNativeData xmlns:pr="smNativeData" val="SMDATA_13_A8J7XRMAAAAlAAAAZAAAAA0AAAAAkAAAAEgAAACQAAAASAAAAAAAAAACAAAAAAAAAAEAAABQAAAAAAAAAAAA4D8AAAAAAADgPwAAAAAAAOA/AAAAAAAA4D8AAAAAAADgPwAAAAAAAOA/AAAAAAAA4D8AAAAAAADgPwAAAAAAAOA/AAAAAAAA4D8CAAAAjAAAAAAAAAAAAAAARHLEDP///wgAAAAAAAAAAAAAAAAAAAAAAAAAAAAAAAAAAAAAZAAAAAEAAABAAAAAAAAAAAAAAAAAAAAAAAAAAAAAAAAAAAAAAAAAAAAAAAAAAAAAAAAAAAAAAAAAAAAAAAAAAAAAAAAAAAAAAAAAAAAAAAAAAAAAAAAAAAAAAAAAAAAAFAAAADwAAAAAAAAAAAAAAAAAAAkUAAAAAQAAABQAAAAUAAAAFAAAAAEAAAAAAAAAZAAAAGQAAAAAAAAAZAAAAGQAAAAVAAAAYAAAAAAAAAAAAAAADwAAACADAAAAAAAAAAAAAAEAAACgMgAAVgcAAKr4//8BAAAAf39/AAEAAABkAAAAAAAAABQAAABAHwAAAAAAACYAAAAAAAAAwOD//wAAAAAmAAAAZAAAABYAAABMAAAAAAAAAAAAAAAEAAAAAAAAAAEAAADn5uYKAAAAACgAAAAoAAAAZAAAAGQAAAAAAAAAzMzMAAAAAABQAAAAUAAAAGQAAABkAAAAAAAAABcAAAAUAAAAAAAAAAAAAAD/fwAA/38AAAAAAAAJAAAABAAAAAAAAAAMAAAAEAAAAAAAAAAAAAAAAAAAAAAAAAAeAAAAaAAAAAAAAAAAAAAAAAAAAAAAAAAAAAAAECcAABAnAAAAAAAAAAAAAAAAAAAAAAAAAAAAAAAAAAAAAAAAAAAAABQAAAAAAAAAwMD/AAAAAABkAAAAMgAAAAAAAABkAAAAAAAAAH9/fwAKAAAAHwAAAFQAAAAAAAAFAAAAAQAAAAAAAAAAAAAAAAAAAAAAAAAAAAAAAAAAAAAAAAAAAAAAAn9/fwAAAAADzMzMAMDA/wB/f38AAAAAAAAAAAAAAAAAAAAAAAAAAAAhAAAAGAAAABQAAAAeBQAAhQoAAM5FAAARHAAAEAAAACYAAAAIAAAAgYAAAAAAAAA="/>
+              </a:ext>
+            </a:extLst>
           </p:cNvSpPr>
           <p:nvPr>
             <p:ph type="title"/>
@@ -979,46 +1116,74 @@
         </p:nvSpPr>
         <p:spPr>
           <a:xfrm>
-            <a:off x="831850" y="1709738"/>
-            <a:ext cx="10515600" cy="2852737"/>
+            <a:off x="831850" y="1710055"/>
+            <a:ext cx="10515600" cy="2852420"/>
           </a:xfrm>
         </p:spPr>
         <p:txBody>
-          <a:bodyPr anchor="b"/>
+          <a:bodyPr vert="horz" wrap="square" lIns="91440" tIns="45720" rIns="91440" bIns="45720" numCol="1" spcCol="215900" anchor="b">
+            <a:prstTxWarp prst="textNoShape">
+              <a:avLst/>
+            </a:prstTxWarp>
+          </a:bodyPr>
           <a:lstStyle>
             <a:lvl1pPr>
-              <a:defRPr sz="6000"/>
+              <a:defRPr lang="es-es" sz="6000"/>
             </a:lvl1pPr>
+            <a:lvl2pPr>
+              <a:defRPr lang="es-mx"/>
+            </a:lvl2pPr>
+            <a:lvl3pPr>
+              <a:defRPr lang="es-mx"/>
+            </a:lvl3pPr>
+            <a:lvl4pPr>
+              <a:defRPr lang="es-mx"/>
+            </a:lvl4pPr>
+            <a:lvl5pPr>
+              <a:defRPr lang="es-mx"/>
+            </a:lvl5pPr>
+            <a:lvl6pPr>
+              <a:defRPr lang="es-mx"/>
+            </a:lvl6pPr>
+            <a:lvl7pPr>
+              <a:defRPr lang="es-mx"/>
+            </a:lvl7pPr>
+            <a:lvl8pPr>
+              <a:defRPr lang="es-mx"/>
+            </a:lvl8pPr>
+            <a:lvl9pPr>
+              <a:defRPr lang="es-mx"/>
+            </a:lvl9pPr>
           </a:lstStyle>
           <a:p>
-            <a:r>
-              <a:rPr lang="es-ES"/>
+            <a:pPr>
+              <a:defRPr lang="es-es"/>
+            </a:pPr>
+            <a:r>
               <a:t>Haga clic para modificar el estilo de título del patrón</a:t>
             </a:r>
-            <a:endParaRPr lang="es-MX"/>
-          </a:p>
-        </p:txBody>
-      </p:sp>
-      <p:sp>
-        <p:nvSpPr>
-          <p:cNvPr id="3" name="Marcador de texto 2">
-            <a:extLst>
-              <a:ext uri="{FF2B5EF4-FFF2-40B4-BE49-F238E27FC236}">
-                <a16:creationId xmlns:a16="http://schemas.microsoft.com/office/drawing/2014/main" id="{741AC080-2F6C-458D-AAB7-1711FAC89570}"/>
-              </a:ext>
-            </a:extLst>
-          </p:cNvPr>
-          <p:cNvSpPr>
-            <a:spLocks noGrp="1"/>
-          </p:cNvSpPr>
-          <p:nvPr>
-            <p:ph type="body" idx="1"/>
+          </a:p>
+        </p:txBody>
+      </p:sp>
+      <p:sp>
+        <p:nvSpPr>
+          <p:cNvPr id="3" name="Marcador de texto 2"/>
+          <p:cNvSpPr>
+            <a:spLocks noGrp="1" noChangeArrowheads="1"/>
+            <a:extLst>
+              <a:ext uri="smNativeData">
+                <pr:smNativeData xmlns:pr="smNativeData" val="SMDATA_13_A8J7XRMAAAAlAAAAZAAAAA0AAAAAkAAAAEgAAACQAAAASAAAAAAAAAAAAAAAAAAAAAEAAABQAAAAAAAAAAAA4D8AAAAAAADgPwAAAAAAAOA/AAAAAAAA4D8AAAAAAADgPwAAAAAAAOA/AAAAAAAA4D8AAAAAAADgPwAAAAAAAOA/AAAAAAAA4D8CAAAAjAAAAAAAAAAAAAAARHLEDP///wgAAAAAAAAAAAAAAAAAAAAAAAAAAAAAAAAAAAAAZAAAAAEAAABAAAAAAAAAAAAAAAAAAAAAAAAAAAAAAAAAAAAAAAAAAAAAAAAAAAAAAAAAAAAAAAAAAAAAAAAAAAAAAAAAAAAAAAAAAAAAAAAAAAAAAAAAAAAAAAAAAAAAFAAAADwAAAAAAAAAAAAAAAAAAAkUAAAAAQAAABQAAAAUAAAAFAAAAAEAAAAAAAAAZAAAAGQAAAAAAAAAZAAAAGQAAAAVAAAAYAAAAAAAAAAAAAAADwAAACADAAAAAAAAAAAAAAEAAACgMgAAVgcAAKr4//8BAAAAf39/AAEAAABkAAAAAAAAABQAAABAHwAAAAAAACYAAAAAAAAAwOD//wAAAAAmAAAAZAAAABYAAABMAAAAAAAAAAAAAAAEAAAAAAAAAAEAAADn5uYKAAAAACgAAAAoAAAAZAAAAGQAAAAAAAAAzMzMAAAAAABQAAAAUAAAAGQAAABkAAAAAAAAABcAAAAUAAAAAAAAAAAAAAD/fwAA/38AAAAAAAAJAAAABAAAAAAAAAAMAAAAEAAAAAAAAAAAAAAAAAAAAAAAAAAeAAAAaAAAAAAAAAAAAAAAAAAAAAAAAAAAAAAAECcAABAnAAAAAAAAAAAAAAAAAAAAAAAAAAAAAAAAAAAAAAAAAAAAABQAAAAAAAAAwMD/AAAAAABkAAAAMgAAAAAAAABkAAAAAAAAAH9/fwAKAAAAHwAAAFQAAAAAAAAFAAAAAQAAAAAAAAAAAAAAAAAAAAAAAAAAAAAAAAAAAAAAAAAAAAAAAn9/fwAAAAADzMzMAMDA/wB/f38AAAAAAAAAAAAAAAAAAAAAAAAAAAAhAAAAGAAAABQAAAAeBQAAPBwAAM5FAAB2JQAAEAAAACYAAAAIAAAAAYAAAAAAAAA="/>
+              </a:ext>
+            </a:extLst>
+          </p:cNvSpPr>
+          <p:nvPr>
+            <p:ph idx="1"/>
           </p:nvPr>
         </p:nvSpPr>
         <p:spPr>
           <a:xfrm>
-            <a:off x="831850" y="4589463"/>
-            <a:ext cx="10515600" cy="1500187"/>
+            <a:off x="831850" y="4589780"/>
+            <a:ext cx="10515600" cy="1499870"/>
           </a:xfrm>
         </p:spPr>
         <p:txBody>
@@ -1026,99 +1191,82 @@
           <a:lstStyle>
             <a:lvl1pPr marL="0" indent="0">
               <a:buNone/>
-              <a:defRPr sz="2400">
+              <a:defRPr lang="es-es" sz="2400">
                 <a:solidFill>
-                  <a:schemeClr val="tx1">
-                    <a:tint val="75000"/>
-                  </a:schemeClr>
+                  <a:srgbClr val="8C8C8C"/>
                 </a:solidFill>
               </a:defRPr>
             </a:lvl1pPr>
             <a:lvl2pPr marL="457200" indent="0">
               <a:buNone/>
-              <a:defRPr sz="2000">
+              <a:defRPr lang="es-es" sz="2000">
                 <a:solidFill>
-                  <a:schemeClr val="tx1">
-                    <a:tint val="75000"/>
-                  </a:schemeClr>
+                  <a:srgbClr val="8C8C8C"/>
                 </a:solidFill>
               </a:defRPr>
             </a:lvl2pPr>
             <a:lvl3pPr marL="914400" indent="0">
               <a:buNone/>
-              <a:defRPr sz="1800">
+              <a:defRPr lang="es-es" sz="1800">
                 <a:solidFill>
-                  <a:schemeClr val="tx1">
-                    <a:tint val="75000"/>
-                  </a:schemeClr>
+                  <a:srgbClr val="8C8C8C"/>
                 </a:solidFill>
               </a:defRPr>
             </a:lvl3pPr>
             <a:lvl4pPr marL="1371600" indent="0">
               <a:buNone/>
-              <a:defRPr sz="1600">
+              <a:defRPr lang="es-es" sz="1600">
                 <a:solidFill>
-                  <a:schemeClr val="tx1">
-                    <a:tint val="75000"/>
-                  </a:schemeClr>
+                  <a:srgbClr val="8C8C8C"/>
                 </a:solidFill>
               </a:defRPr>
             </a:lvl4pPr>
             <a:lvl5pPr marL="1828800" indent="0">
               <a:buNone/>
-              <a:defRPr sz="1600">
+              <a:defRPr lang="es-es" sz="1600">
                 <a:solidFill>
-                  <a:schemeClr val="tx1">
-                    <a:tint val="75000"/>
-                  </a:schemeClr>
+                  <a:srgbClr val="8C8C8C"/>
                 </a:solidFill>
               </a:defRPr>
             </a:lvl5pPr>
             <a:lvl6pPr marL="2286000" indent="0">
               <a:buNone/>
-              <a:defRPr sz="1600">
+              <a:defRPr lang="es-mx" sz="1600">
                 <a:solidFill>
-                  <a:schemeClr val="tx1">
-                    <a:tint val="75000"/>
-                  </a:schemeClr>
+                  <a:srgbClr val="8C8C8C"/>
                 </a:solidFill>
               </a:defRPr>
             </a:lvl6pPr>
             <a:lvl7pPr marL="2743200" indent="0">
               <a:buNone/>
-              <a:defRPr sz="1600">
+              <a:defRPr lang="es-mx" sz="1600">
                 <a:solidFill>
-                  <a:schemeClr val="tx1">
-                    <a:tint val="75000"/>
-                  </a:schemeClr>
+                  <a:srgbClr val="8C8C8C"/>
                 </a:solidFill>
               </a:defRPr>
             </a:lvl7pPr>
             <a:lvl8pPr marL="3200400" indent="0">
               <a:buNone/>
-              <a:defRPr sz="1600">
+              <a:defRPr lang="es-mx" sz="1600">
                 <a:solidFill>
-                  <a:schemeClr val="tx1">
-                    <a:tint val="75000"/>
-                  </a:schemeClr>
+                  <a:srgbClr val="8C8C8C"/>
                 </a:solidFill>
               </a:defRPr>
             </a:lvl8pPr>
             <a:lvl9pPr marL="3657600" indent="0">
               <a:buNone/>
-              <a:defRPr sz="1600">
+              <a:defRPr lang="es-mx" sz="1600">
                 <a:solidFill>
-                  <a:schemeClr val="tx1">
-                    <a:tint val="75000"/>
-                  </a:schemeClr>
+                  <a:srgbClr val="8C8C8C"/>
                 </a:solidFill>
               </a:defRPr>
             </a:lvl9pPr>
           </a:lstStyle>
           <a:p>
-            <a:pPr lvl="0"/>
-            <a:r>
-              <a:rPr lang="es-ES"/>
+            <a:pPr>
+              <a:defRPr lang="es-es"/>
+            </a:pPr>
+            <a:r>
               <a:t>Haga clic para modificar los estilos de texto del patrón</a:t>
             </a:r>
           </a:p>
@@ -1126,15 +1274,14 @@
       </p:sp>
       <p:sp>
         <p:nvSpPr>
-          <p:cNvPr id="4" name="Marcador de fecha 3">
-            <a:extLst>
-              <a:ext uri="{FF2B5EF4-FFF2-40B4-BE49-F238E27FC236}">
-                <a16:creationId xmlns:a16="http://schemas.microsoft.com/office/drawing/2014/main" id="{085E9CCA-F122-41D3-9025-5E9564ED899A}"/>
-              </a:ext>
-            </a:extLst>
-          </p:cNvPr>
-          <p:cNvSpPr>
-            <a:spLocks noGrp="1"/>
+          <p:cNvPr id="4" name="Marcador de fecha 3"/>
+          <p:cNvSpPr>
+            <a:spLocks noGrp="1" noChangeArrowheads="1"/>
+            <a:extLst>
+              <a:ext uri="smNativeData">
+                <pr:smNativeData xmlns:pr="smNativeData" val="SMDATA_13_A8J7XRMAAAAlAAAAZAAAAA0AAAAAkAAAAEgAAACQAAAASAAAAAAAAAABAAAAAAAAAAEAAABQAAAAAAAAAAAA4D8AAAAAAADgPwAAAAAAAOA/AAAAAAAA4D8AAAAAAADgPwAAAAAAAOA/AAAAAAAA4D8AAAAAAADgPwAAAAAAAOA/AAAAAAAA4D8CAAAAjAAAAAAAAAAAAAAARHLEDP///wgAAAAAAAAAAAAAAAAAAAAAAAAAAAAAAAAAAAAAZAAAAAEAAABAAAAAAAAAAAAAAAAAAAAAAAAAAAAAAAAAAAAAAAAAAAAAAAAAAAAAAAAAAAAAAAAAAAAAAAAAAAAAAAAAAAAAAAAAAAAAAAAAAAAAAAAAAAAAAAAAAAAAFAAAADwAAAAAAAAAAAAAAAAAAAkUAAAAAQAAABQAAAAUAAAAFAAAAAEAAAAAAAAAZAAAAGQAAAAAAAAAZAAAAGQAAAAVAAAAYAAAAAAAAAAAAAAADwAAACADAAAAAAAAAAAAAAEAAACgMgAAVgcAAKr4//8BAAAAf39/AAEAAABkAAAAAAAAABQAAABAHwAAAAAAACYAAAAAAAAAwOD//wAAAAAmAAAAZAAAABYAAABMAAAAAAAAAAAAAAAEAAAAAAAAAAEAAADn5uYKAAAAACgAAAAoAAAAZAAAAGQAAAAAAAAAzMzMAAAAAABQAAAAUAAAAGQAAABkAAAAAAAAABcAAAAUAAAAAAAAAAAAAAD/fwAA/38AAAAAAAAJAAAABAAAAAAAAAAMAAAAEAAAAAAAAAAAAAAAAAAAAAAAAAAeAAAAaAAAAAAAAAAAAAAAAAAAAAAAAAAAAAAAECcAABAnAAAAAAAAAAAAAAAAAAAAAAAAAAAAAAAAAAAAAAAAAAAAABQAAAAAAAAAwMD/AAAAAABkAAAAMgAAAAAAAABkAAAAAAAAAH9/fwAKAAAAHwAAAFQAAAAAAAAFAAAAAQAAAAAAAAAAAAAAAAAAAAAAAAAAAAAAAAAAAAAAAAAAAAAAAn9/fwAAAAADzMzMAMDA/wB/f38AAAAAAAAAAAAAAAAAAAAAAAAAAAAhAAAAGAAAABQAAAAoBQAAGicAAAgWAABZKQAAEAAAACYAAAAIAAAAAAAAAAAAAAA="/>
+              </a:ext>
+            </a:extLst>
           </p:cNvSpPr>
           <p:nvPr>
             <p:ph type="dt" sz="half" idx="10"/>
@@ -1145,25 +1292,25 @@
           <a:bodyPr/>
           <a:lstStyle/>
           <a:p>
-            <a:fld id="{A41623FA-A335-45C5-BB79-1A7460F098FD}" type="datetimeFigureOut">
-              <a:rPr lang="es-MX" smtClean="0"/>
+            <a:pPr>
+              <a:defRPr lang="es-mx"/>
+            </a:pPr>
+            <a:fld id="{2085A7CF-81CD-D051-833D-7704E9737522}" type="datetime1">
               <a:t>09/09/2019</a:t>
             </a:fld>
-            <a:endParaRPr lang="es-MX"/>
-          </a:p>
-        </p:txBody>
-      </p:sp>
-      <p:sp>
-        <p:nvSpPr>
-          <p:cNvPr id="5" name="Marcador de pie de página 4">
-            <a:extLst>
-              <a:ext uri="{FF2B5EF4-FFF2-40B4-BE49-F238E27FC236}">
-                <a16:creationId xmlns:a16="http://schemas.microsoft.com/office/drawing/2014/main" id="{D15E547D-0FE2-44DB-B8B5-96BC88D25922}"/>
-              </a:ext>
-            </a:extLst>
-          </p:cNvPr>
-          <p:cNvSpPr>
-            <a:spLocks noGrp="1"/>
+          </a:p>
+        </p:txBody>
+      </p:sp>
+      <p:sp>
+        <p:nvSpPr>
+          <p:cNvPr id="5" name="Marcador de pie de página 4"/>
+          <p:cNvSpPr>
+            <a:spLocks noGrp="1" noChangeArrowheads="1"/>
+            <a:extLst>
+              <a:ext uri="smNativeData">
+                <pr:smNativeData xmlns:pr="smNativeData" val="SMDATA_13_A8J7XRMAAAAlAAAAZAAAAA0AAAAAkAAAAEgAAACQAAAASAAAAAAAAAABAAAAAAAAAAEAAABQAAAAAAAAAAAA4D8AAAAAAADgPwAAAAAAAOA/AAAAAAAA4D8AAAAAAADgPwAAAAAAAOA/AAAAAAAA4D8AAAAAAADgPwAAAAAAAOA/AAAAAAAA4D8CAAAAjAAAAAAAAAAAAAAARHLEDP///wgAAAAAAAAAAAAAAAAAAAAAAAAAAAAAAAAAAAAAZAAAAAEAAABAAAAAAAAAAAAAAAAAAAAAAAAAAAAAAAAAAAAAAAAAAAAAAAAAAAAAAAAAAAAAAAAAAAAAAAAAAAAAAAAAAAAAAAAAAAAAAAAAAAAAAAAAAAAAAAAAAAAAFAAAADwAAAAAAAAAAAAAAAAAAAkUAAAAAQAAABQAAAAUAAAAFAAAAAEAAAAAAAAAZAAAAGQAAAAAAAAAZAAAAGQAAAAVAAAAYAAAAAAAAAAAAAAADwAAACADAAAAAAAAAAAAAAEAAACgMgAAVgcAAKr4//8BAAAAf39/AAEAAABkAAAAAAAAABQAAABAHwAAAAAAACYAAAAAAAAAwOD//wAAAAAmAAAAZAAAABYAAABMAAAAAAAAAAAAAAAEAAAAAAAAAAEAAADn5uYKAAAAACgAAAAoAAAAZAAAAGQAAAAAAAAAzMzMAAAAAABQAAAAUAAAAGQAAABkAAAAAAAAABcAAAAUAAAAAAAAAAAAAAD/fwAA/38AAAAAAAAJAAAABAAAAAAAAAAMAAAAEAAAAAAAAAAAAAAAAAAAAAAAAAAeAAAAaAAAAAAAAAAAAAAAAAAAAAAAAAAAAAAAECcAABAnAAAAAAAAAAAAAAAAAAAAAAAAAAAAAAAAAAAAAAAAAAAAABQAAAAAAAAAwMD/AAAAAABkAAAAMgAAAAAAAABkAAAAAAAAAH9/fwAKAAAAHwAAAFQAAAAAAAAFAAAAAQAAAAAAAAAAAAAAAAAAAAAAAAAAAAAAAAAAAAAAAAAAAAAAAn9/fwAAAAADzMzMAMDA/wB/f38AAAAAAAAAAAAAAAAAAAAAAAAAAAAhAAAAGAAAABQAAADYGAAAGicAACgyAABZKQAAEAAAACYAAAAIAAAAAAAAAAAAAAA="/>
+              </a:ext>
+            </a:extLst>
           </p:cNvSpPr>
           <p:nvPr>
             <p:ph type="ftr" sz="quarter" idx="11"/>
@@ -1174,21 +1321,22 @@
           <a:bodyPr/>
           <a:lstStyle/>
           <a:p>
-            <a:endParaRPr lang="es-MX"/>
-          </a:p>
-        </p:txBody>
-      </p:sp>
-      <p:sp>
-        <p:nvSpPr>
-          <p:cNvPr id="6" name="Marcador de número de diapositiva 5">
-            <a:extLst>
-              <a:ext uri="{FF2B5EF4-FFF2-40B4-BE49-F238E27FC236}">
-                <a16:creationId xmlns:a16="http://schemas.microsoft.com/office/drawing/2014/main" id="{F04451F9-2033-4678-BB95-0BDC7A13E86E}"/>
-              </a:ext>
-            </a:extLst>
-          </p:cNvPr>
-          <p:cNvSpPr>
-            <a:spLocks noGrp="1"/>
+            <a:pPr>
+              <a:defRPr lang="es-mx"/>
+            </a:pPr>
+          </a:p>
+        </p:txBody>
+      </p:sp>
+      <p:sp>
+        <p:nvSpPr>
+          <p:cNvPr id="6" name="Marcador de número de diapositiva 5"/>
+          <p:cNvSpPr>
+            <a:spLocks noGrp="1" noChangeArrowheads="1"/>
+            <a:extLst>
+              <a:ext uri="smNativeData">
+                <pr:smNativeData xmlns:pr="smNativeData" val="SMDATA_13_A8J7XRMAAAAlAAAAZAAAAA0AAAAAkAAAAEgAAACQAAAASAAAAAAAAAABAAAAAAAAAAEAAABQAAAAAAAAAAAA4D8AAAAAAADgPwAAAAAAAOA/AAAAAAAA4D8AAAAAAADgPwAAAAAAAOA/AAAAAAAA4D8AAAAAAADgPwAAAAAAAOA/AAAAAAAA4D8CAAAAjAAAAAAAAAAAAAAARHLEDP///wgAAAAAAAAAAAAAAAAAAAAAAAAAAAAAAAAAAAAAZAAAAAEAAABAAAAAAAAAAAAAAAAAAAAAAAAAAAAAAAAAAAAAAAAAAAAAAAAAAAAAAAAAAAAAAAAAAAAAAAAAAAAAAAAAAAAAAAAAAAAAAAAAAAAAAAAAAAAAAAAAAAAAFAAAADwAAAAAAAAAAAAAAAAAAAkUAAAAAQAAABQAAAAUAAAAFAAAAAEAAAAAAAAAZAAAAGQAAAAAAAAAZAAAAGQAAAAVAAAAYAAAAAAAAAAAAAAADwAAACADAAAAAAAAAAAAAAEAAACgMgAAVgcAAKr4//8BAAAAf39/AAEAAABkAAAAAAAAABQAAABAHwAAAAAAACYAAAAAAAAAwOD//wAAAAAmAAAAZAAAABYAAABMAAAAAAAAAAAAAAAEAAAAAAAAAAEAAADn5uYKAAAAACgAAAAoAAAAZAAAAGQAAAAAAAAAzMzMAAAAAABQAAAAUAAAAGQAAABkAAAAAAAAABcAAAAUAAAAAAAAAAAAAAD/fwAA/38AAAAAAAAJAAAABAAAAAAAAAAMAAAAEAAAAAAAAAAAAAAAAAAAAAAAAAAeAAAAaAAAAAAAAAAAAAAAAAAAAAAAAAAAAAAAECcAABAnAAAAAAAAAAAAAAAAAAAAAAAAAAAAAAAAAAAAAAAAAAAAABQAAAAAAAAAwMD/AAAAAABkAAAAMgAAAAAAAABkAAAAAAAAAH9/fwAKAAAAHwAAAFQAAAAAAAAFAAAAAQAAAAAAAAAAAAAAAAAAAAAAAAAAAAAAAAAAAAAAAAAAAAAAAn9/fwAAAAADzMzMAMDA/wB/f38AAAAAAAAAAAAAAAAAAAAAAAAAAAAhAAAAGAAAABQAAAD4NAAAGicAANhFAABZKQAAEAAAACYAAAAIAAAAAAAAAAAAAAA="/>
+              </a:ext>
+            </a:extLst>
           </p:cNvSpPr>
           <p:nvPr>
             <p:ph type="sldNum" sz="quarter" idx="12"/>
@@ -1199,20 +1347,16 @@
           <a:bodyPr/>
           <a:lstStyle/>
           <a:p>
-            <a:fld id="{AE105821-0AB0-4D6E-945F-B76CA39DA266}" type="slidenum">
-              <a:rPr lang="es-MX" smtClean="0"/>
+            <a:pPr>
+              <a:defRPr lang="es-mx"/>
+            </a:pPr>
+            <a:fld id="{5007522B-65BD-52A4-F3BF-93F11CF105C6}" type="slidenum">
               <a:t>‹Nº›</a:t>
             </a:fld>
-            <a:endParaRPr lang="es-MX"/>
           </a:p>
         </p:txBody>
       </p:sp>
     </p:spTree>
-    <p:extLst>
-      <p:ext uri="{BB962C8B-B14F-4D97-AF65-F5344CB8AC3E}">
-        <p14:creationId xmlns:p14="http://schemas.microsoft.com/office/powerpoint/2010/main" val="3344458708"/>
-      </p:ext>
-    </p:extLst>
   </p:cSld>
   <p:clrMapOvr>
     <a:masterClrMapping/>
@@ -1221,7 +1365,7 @@
 </file>
 
 <file path=ppt/slideLayouts/slideLayout4.xml><?xml version="1.0" encoding="utf-8"?>
-<p:sldLayout xmlns:a="http://schemas.openxmlformats.org/drawingml/2006/main" xmlns:r="http://schemas.openxmlformats.org/officeDocument/2006/relationships" xmlns:p="http://schemas.openxmlformats.org/presentationml/2006/main" type="twoObj" preserve="1">
+<p:sldLayout xmlns:p="http://schemas.openxmlformats.org/presentationml/2006/main" xmlns:p14="http://schemas.microsoft.com/office/powerpoint/2010/main" xmlns:r="http://schemas.openxmlformats.org/officeDocument/2006/relationships" xmlns:a="http://schemas.openxmlformats.org/drawingml/2006/main" type="twoObj" preserve="1">
   <p:cSld name="Dos objetos">
     <p:spTree>
       <p:nvGrpSpPr>
@@ -1239,15 +1383,14 @@
       </p:grpSpPr>
       <p:sp>
         <p:nvSpPr>
-          <p:cNvPr id="2" name="Título 1">
-            <a:extLst>
-              <a:ext uri="{FF2B5EF4-FFF2-40B4-BE49-F238E27FC236}">
-                <a16:creationId xmlns:a16="http://schemas.microsoft.com/office/drawing/2014/main" id="{D2929E6C-997A-441A-8982-CCF7A802E2EE}"/>
-              </a:ext>
-            </a:extLst>
-          </p:cNvPr>
-          <p:cNvSpPr>
-            <a:spLocks noGrp="1"/>
+          <p:cNvPr id="2" name="Título 1"/>
+          <p:cNvSpPr>
+            <a:spLocks noGrp="1" noChangeArrowheads="1"/>
+            <a:extLst>
+              <a:ext uri="smNativeData">
+                <pr:smNativeData xmlns:pr="smNativeData" val="SMDATA_13_A8J7XRMAAAAlAAAAZAAAAA0AAAAAkAAAAEgAAACQAAAASAAAAAAAAAABAAAAAAAAAAEAAABQAAAAAAAAAAAA4D8AAAAAAADgPwAAAAAAAOA/AAAAAAAA4D8AAAAAAADgPwAAAAAAAOA/AAAAAAAA4D8AAAAAAADgPwAAAAAAAOA/AAAAAAAA4D8CAAAAjAAAAAAAAAAAAAAARHLEDP///wgAAAAAAAAAAAAAAAAAAAAAAAAAAAAAAAAAAAAAZAAAAAEAAABAAAAAAAAAAAAAAAAAAAAAAAAAAAAAAAAAAAAAAAAAAAAAAAAAAAAAAAAAAAAAAAAAAAAAAAAAAAAAAAAAAAAAAAAAAAAAAAAAAAAAAAAAAAAAAAAAAAAAFAAAADwAAAAAAAAAAAAAAAAAAAkUAAAAAQAAABQAAAAUAAAAFAAAAAEAAAAAAAAAZAAAAGQAAAAAAAAAZAAAAGQAAAAVAAAAYAAAAAAAAAAAAAAADwAAACADAAAAAAAAAAAAAAEAAACgMgAAVgcAAKr4//8BAAAAf39/AAEAAABkAAAAAAAAABQAAABAHwAAAAAAACYAAAAAAAAAwOD//wAAAAAmAAAAZAAAABYAAABMAAAAAAAAAAAAAAAEAAAAAAAAAAEAAADn5uYKAAAAACgAAAAoAAAAZAAAAGQAAAAAAAAAzMzMAAAAAABQAAAAUAAAAGQAAABkAAAAAAAAABcAAAAUAAAAAAAAAAAAAAD/fwAA/38AAAAAAAAJAAAABAAAAHoQEgEMAAAAEAAAAAAAAAAAAAAAAAAAAAAAAAAeAAAAaAAAAAAAAAAAAAAAAAAAAAAAAAAAAAAAECcAABAnAAAAAAAAAAAAAAAAAAAAAAAAAAAAAAAAAAAAAAAAAAAAABQAAAAAAAAAwMD/AAAAAABkAAAAMgAAAAAAAABkAAAAAAAAAH9/fwAKAAAAHwAAAFQAAAAAAAAFAAAAAQAAAAAAAAAAAAAAAAAAAAAAAAAAAAAAAAAAAAAAAAAAAAAAAn9/fwAAAAADzMzMAMDA/wB/f38AAAAAAAAAAAAAAAAAAAAAAAAAAAAhAAAAGAAAABQAAAAoBQAAPwIAANhFAABnCgAAEAAAACYAAAAIAAAAAAAAAAAAAAA="/>
+              </a:ext>
+            </a:extLst>
           </p:cNvSpPr>
           <p:nvPr>
             <p:ph type="title"/>
@@ -1258,151 +1401,157 @@
           <a:bodyPr/>
           <a:lstStyle/>
           <a:p>
-            <a:r>
-              <a:rPr lang="es-ES"/>
+            <a:pPr>
+              <a:defRPr lang="es-es"/>
+            </a:pPr>
+            <a:r>
               <a:t>Haga clic para modificar el estilo de título del patrón</a:t>
             </a:r>
-            <a:endParaRPr lang="es-MX"/>
-          </a:p>
-        </p:txBody>
-      </p:sp>
-      <p:sp>
-        <p:nvSpPr>
-          <p:cNvPr id="3" name="Marcador de contenido 2">
-            <a:extLst>
-              <a:ext uri="{FF2B5EF4-FFF2-40B4-BE49-F238E27FC236}">
-                <a16:creationId xmlns:a16="http://schemas.microsoft.com/office/drawing/2014/main" id="{9CDD3A36-4F2F-45A8-BEB0-A52271A834BA}"/>
-              </a:ext>
-            </a:extLst>
-          </p:cNvPr>
-          <p:cNvSpPr>
-            <a:spLocks noGrp="1"/>
-          </p:cNvSpPr>
-          <p:nvPr>
-            <p:ph sz="half" idx="1"/>
+          </a:p>
+        </p:txBody>
+      </p:sp>
+      <p:sp>
+        <p:nvSpPr>
+          <p:cNvPr id="3" name="Marcador de contenido 2"/>
+          <p:cNvSpPr>
+            <a:spLocks noGrp="1" noChangeArrowheads="1"/>
+            <a:extLst>
+              <a:ext uri="smNativeData">
+                <pr:smNativeData xmlns:pr="smNativeData" val="SMDATA_13_A8J7XRMAAAAlAAAAZAAAAA0AAAAAkAAAAEgAAACQAAAASAAAAAAAAAAAAAAAAAAAAAEAAABQAAAAAAAAAAAA4D8AAAAAAADgPwAAAAAAAOA/AAAAAAAA4D8AAAAAAADgPwAAAAAAAOA/AAAAAAAA4D8AAAAAAADgPwAAAAAAAOA/AAAAAAAA4D8CAAAAjAAAAAAAAAAAAAAARHLEDP///wgAAAAAAAAAAAAAAAAAAAAAAAAAAAAAAAAAAAAAZAAAAAEAAABAAAAAAAAAAAAAAAAAAAAAAAAAAAAAAAAAAAAAAAAAAAAAAAAAAAAAAAAAAAAAAAAAAAAAAAAAAAAAAAAAAAAAAAAAAAAAAAAAAAAAAAAAAAAAAAAAAAAAFAAAADwAAAAAAAAAAAAAAAAAAAkUAAAAAQAAABQAAAAUAAAAFAAAAAEAAAAAAAAAZAAAAGQAAAAAAAAAZAAAAGQAAAAVAAAAYAAAAAAAAAAAAAAADwAAACADAAAAAAAAAAAAAAEAAACgMgAAVgcAAKr4//8BAAAAf39/AAEAAABkAAAAAAAAABQAAABAHwAAAAAAACYAAAAAAAAAwOD//wAAAAAmAAAAZAAAABYAAABMAAAAAAAAAAAAAAAEAAAAAAAAAAEAAADn5uYKAAAAACgAAAAoAAAAZAAAAGQAAAAAAAAAzMzMAAAAAABQAAAAUAAAAGQAAABkAAAAAAAAABcAAAAUAAAAAAAAAAAAAAD/fwAA/38AAAAAAAAJAAAABAAAAAAAAAAMAAAAEAAAAAAAAAAAAAAAAAAAAAAAAAAeAAAAaAAAAAAAAAAAAAAAAAAAAAAAAAAAAAAAECcAABAnAAAAAAAAAAAAAAAAAAAAAAAAAAAAAAAAAAAAAAAAAAAAABQAAAAAAAAAwMD/AAAAAABkAAAAMgAAAAAAAABkAAAAAAAAAH9/fwAKAAAAHwAAAFQAAAAAAAAFAAAAAQAAAAAAAAAAAAAAAAAAAAAAAAAAAAAAAAAAAAAAAAAAAAAAAn9/fwAAAAADzMzMAMDA/wB/f38AAAAAAAAAAAAAAAAAAAAAAAAAAAAhAAAAGAAAABQAAAAoBQAAOwsAAAglAAAAJgAAEAAAACYAAAAIAAAAAQAAAAAAAAA="/>
+              </a:ext>
+            </a:extLst>
+          </p:cNvSpPr>
+          <p:nvPr>
+            <p:ph idx="1"/>
           </p:nvPr>
         </p:nvSpPr>
         <p:spPr>
           <a:xfrm>
             <a:off x="838200" y="1825625"/>
-            <a:ext cx="5181600" cy="4351338"/>
+            <a:ext cx="5181600" cy="4351655"/>
           </a:xfrm>
         </p:spPr>
         <p:txBody>
           <a:bodyPr/>
           <a:lstStyle/>
           <a:p>
-            <a:pPr lvl="0"/>
-            <a:r>
-              <a:rPr lang="es-ES"/>
+            <a:pPr>
+              <a:defRPr lang="es-es"/>
+            </a:pPr>
+            <a:r>
               <a:t>Haga clic para modificar los estilos de texto del patrón</a:t>
             </a:r>
           </a:p>
           <a:p>
-            <a:pPr lvl="1"/>
-            <a:r>
-              <a:rPr lang="es-ES"/>
+            <a:pPr lvl="1">
+              <a:defRPr lang="es-es"/>
+            </a:pPr>
+            <a:r>
               <a:t>Segundo nivel</a:t>
             </a:r>
           </a:p>
           <a:p>
-            <a:pPr lvl="2"/>
-            <a:r>
-              <a:rPr lang="es-ES"/>
+            <a:pPr lvl="2">
+              <a:defRPr lang="es-es"/>
+            </a:pPr>
+            <a:r>
               <a:t>Tercer nivel</a:t>
             </a:r>
           </a:p>
           <a:p>
-            <a:pPr lvl="3"/>
-            <a:r>
-              <a:rPr lang="es-ES"/>
+            <a:pPr lvl="3">
+              <a:defRPr lang="es-es"/>
+            </a:pPr>
+            <a:r>
               <a:t>Cuarto nivel</a:t>
             </a:r>
           </a:p>
           <a:p>
-            <a:pPr lvl="4"/>
-            <a:r>
-              <a:rPr lang="es-ES"/>
+            <a:pPr lvl="4">
+              <a:defRPr lang="es-es"/>
+            </a:pPr>
+            <a:r>
               <a:t>Quinto nivel</a:t>
             </a:r>
-            <a:endParaRPr lang="es-MX"/>
-          </a:p>
-        </p:txBody>
-      </p:sp>
-      <p:sp>
-        <p:nvSpPr>
-          <p:cNvPr id="4" name="Marcador de contenido 3">
-            <a:extLst>
-              <a:ext uri="{FF2B5EF4-FFF2-40B4-BE49-F238E27FC236}">
-                <a16:creationId xmlns:a16="http://schemas.microsoft.com/office/drawing/2014/main" id="{DB6904E3-8146-4082-9137-783835184F51}"/>
-              </a:ext>
-            </a:extLst>
-          </p:cNvPr>
-          <p:cNvSpPr>
-            <a:spLocks noGrp="1"/>
-          </p:cNvSpPr>
-          <p:nvPr>
-            <p:ph sz="half" idx="2"/>
+          </a:p>
+        </p:txBody>
+      </p:sp>
+      <p:sp>
+        <p:nvSpPr>
+          <p:cNvPr id="4" name="Marcador de contenido 3"/>
+          <p:cNvSpPr>
+            <a:spLocks noGrp="1" noChangeArrowheads="1"/>
+            <a:extLst>
+              <a:ext uri="smNativeData">
+                <pr:smNativeData xmlns:pr="smNativeData" val="SMDATA_13_A8J7XRMAAAAlAAAAZAAAAA0AAAAAkAAAAEgAAACQAAAASAAAAAAAAAAAAAAAAAAAAAEAAABQAAAAAAAAAAAA4D8AAAAAAADgPwAAAAAAAOA/AAAAAAAA4D8AAAAAAADgPwAAAAAAAOA/AAAAAAAA4D8AAAAAAADgPwAAAAAAAOA/AAAAAAAA4D8CAAAAjAAAAAAAAAAAAAAARHLEDP///wgAAAAAAAAAAAAAAAAAAAAAAAAAAAAAAAAAAAAAZAAAAAEAAABAAAAAAAAAAAAAAAAAAAAAAAAAAAAAAAAAAAAAAAAAAAAAAAAAAAAAAAAAAAAAAAAAAAAAAAAAAAAAAAAAAAAAAAAAAAAAAAAAAAAAAAAAAAAAAAAAAAAAFAAAADwAAAAAAAAAAAAAAAAAAAkUAAAAAQAAABQAAAAUAAAAFAAAAAEAAAAAAAAAZAAAAGQAAAAAAAAAZAAAAGQAAAAVAAAAYAAAAAAAAAAAAAAADwAAACADAAAAAAAAAAAAAAEAAACgMgAAVgcAAKr4//8BAAAAf39/AAEAAABkAAAAAAAAABQAAABAHwAAAAAAACYAAAAAAAAAwOD//wAAAAAmAAAAZAAAABYAAABMAAAAAAAAAAAAAAAEAAAAAAAAAAEAAADn5uYKAAAAACgAAAAoAAAAZAAAAGQAAAAAAAAAzMzMAAAAAABQAAAAUAAAAGQAAABkAAAAAAAAABcAAAAUAAAAAAAAAAAAAAD/fwAA/38AAAAAAAAJAAAABAAAAAAAAAAMAAAAEAAAAAAAAAAAAAAAAAAAAAAAAAAeAAAAaAAAAAAAAAAAAAAAAAAAAAAAAAAAAAAAECcAABAnAAAAAAAAAAAAAAAAAAAAAAAAAAAAAAAAAAAAAAAAAAAAABQAAAAAAAAAwMD/AAAAAABkAAAAMgAAAAAAAABkAAAAAAAAAH9/fwAKAAAAHwAAAFQAAAAAAAAFAAAAAQAAAAAAAAAAAAAAAAAAAAAAAAAAAAAAAAAAAAAAAAAAAAAAAn9/fwAAAAADzMzMAMDA/wB/f38AAAAAAAAAAAAAAAAAAAAAAAAAAAAhAAAAGAAAABQAAAD4JQAAOwsAANhFAAAAJgAAEAAAACYAAAAIAAAAAQAAAAAAAAA="/>
+              </a:ext>
+            </a:extLst>
+          </p:cNvSpPr>
+          <p:nvPr>
+            <p:ph idx="2"/>
           </p:nvPr>
         </p:nvSpPr>
         <p:spPr>
           <a:xfrm>
             <a:off x="6172200" y="1825625"/>
-            <a:ext cx="5181600" cy="4351338"/>
+            <a:ext cx="5181600" cy="4351655"/>
           </a:xfrm>
         </p:spPr>
         <p:txBody>
           <a:bodyPr/>
           <a:lstStyle/>
           <a:p>
-            <a:pPr lvl="0"/>
-            <a:r>
-              <a:rPr lang="es-ES"/>
+            <a:pPr>
+              <a:defRPr lang="es-es"/>
+            </a:pPr>
+            <a:r>
               <a:t>Haga clic para modificar los estilos de texto del patrón</a:t>
             </a:r>
           </a:p>
           <a:p>
-            <a:pPr lvl="1"/>
-            <a:r>
-              <a:rPr lang="es-ES"/>
+            <a:pPr lvl="1">
+              <a:defRPr lang="es-es"/>
+            </a:pPr>
+            <a:r>
               <a:t>Segundo nivel</a:t>
             </a:r>
           </a:p>
           <a:p>
-            <a:pPr lvl="2"/>
-            <a:r>
-              <a:rPr lang="es-ES"/>
+            <a:pPr lvl="2">
+              <a:defRPr lang="es-es"/>
+            </a:pPr>
+            <a:r>
               <a:t>Tercer nivel</a:t>
             </a:r>
           </a:p>
           <a:p>
-            <a:pPr lvl="3"/>
-            <a:r>
-              <a:rPr lang="es-ES"/>
+            <a:pPr lvl="3">
+              <a:defRPr lang="es-es"/>
+            </a:pPr>
+            <a:r>
               <a:t>Cuarto nivel</a:t>
             </a:r>
           </a:p>
           <a:p>
-            <a:pPr lvl="4"/>
-            <a:r>
-              <a:rPr lang="es-ES"/>
+            <a:pPr lvl="4">
+              <a:defRPr lang="es-es"/>
+            </a:pPr>
+            <a:r>
               <a:t>Quinto nivel</a:t>
             </a:r>
-            <a:endParaRPr lang="es-MX"/>
-          </a:p>
-        </p:txBody>
-      </p:sp>
-      <p:sp>
-        <p:nvSpPr>
-          <p:cNvPr id="5" name="Marcador de fecha 4">
-            <a:extLst>
-              <a:ext uri="{FF2B5EF4-FFF2-40B4-BE49-F238E27FC236}">
-                <a16:creationId xmlns:a16="http://schemas.microsoft.com/office/drawing/2014/main" id="{20CA5595-77CD-43F5-AFB2-AAE802C548DF}"/>
-              </a:ext>
-            </a:extLst>
-          </p:cNvPr>
-          <p:cNvSpPr>
-            <a:spLocks noGrp="1"/>
+          </a:p>
+        </p:txBody>
+      </p:sp>
+      <p:sp>
+        <p:nvSpPr>
+          <p:cNvPr id="5" name="Marcador de fecha 4"/>
+          <p:cNvSpPr>
+            <a:spLocks noGrp="1" noChangeArrowheads="1"/>
+            <a:extLst>
+              <a:ext uri="smNativeData">
+                <pr:smNativeData xmlns:pr="smNativeData" val="SMDATA_13_A8J7XRMAAAAlAAAAZAAAAA0AAAAAkAAAAEgAAACQAAAASAAAAAAAAAABAAAAAAAAAAEAAABQAAAAAAAAAAAA4D8AAAAAAADgPwAAAAAAAOA/AAAAAAAA4D8AAAAAAADgPwAAAAAAAOA/AAAAAAAA4D8AAAAAAADgPwAAAAAAAOA/AAAAAAAA4D8CAAAAjAAAAAAAAAAAAAAARHLEDP///wgAAAAAAAAAAAAAAAAAAAAAAAAAAAAAAAAAAAAAZAAAAAEAAABAAAAAAAAAAAAAAAAAAAAAAAAAAAAAAAAAAAAAAAAAAAAAAAAAAAAAAAAAAAAAAAAAAAAAAAAAAAAAAAAAAAAAAAAAAAAAAAAAAAAAAAAAAAAAAAAAAAAAFAAAADwAAAAAAAAAAAAAAAAAAAkUAAAAAQAAABQAAAAUAAAAFAAAAAEAAAAAAAAAZAAAAGQAAAAAAAAAZAAAAGQAAAAVAAAAYAAAAAAAAAAAAAAADwAAACADAAAAAAAAAAAAAAEAAACgMgAAVgcAAKr4//8BAAAAf39/AAEAAABkAAAAAAAAABQAAABAHwAAAAAAACYAAAAAAAAAwOD//wAAAAAmAAAAZAAAABYAAABMAAAAAAAAAAAAAAAEAAAAAAAAAAEAAADn5uYKAAAAACgAAAAoAAAAZAAAAGQAAAAAAAAAzMzMAAAAAABQAAAAUAAAAGQAAABkAAAAAAAAABcAAAAUAAAAAAAAAAAAAAD/fwAA/38AAAAAAAAJAAAABAAAAAAAAAAMAAAAEAAAAAAAAAAAAAAAAAAAAAAAAAAeAAAAaAAAAAAAAAAAAAAAAAAAAAAAAAAAAAAAECcAABAnAAAAAAAAAAAAAAAAAAAAAAAAAAAAAAAAAAAAAAAAAAAAABQAAAAAAAAAwMD/AAAAAABkAAAAMgAAAAAAAABkAAAAAAAAAH9/fwAKAAAAHwAAAFQAAAAAAAAFAAAAAQAAAAAAAAAAAAAAAAAAAAAAAAAAAAAAAAAAAAAAAAAAAAAAAn9/fwAAAAADzMzMAMDA/wB/f38AAAAAAAAAAAAAAAAAAAAAAAAAAAAhAAAAGAAAABQAAAAoBQAAGicAAAgWAABZKQAAEAAAACYAAAAIAAAAAAAAAAAAAAA="/>
+              </a:ext>
+            </a:extLst>
           </p:cNvSpPr>
           <p:nvPr>
             <p:ph type="dt" sz="half" idx="10"/>
@@ -1413,25 +1562,25 @@
           <a:bodyPr/>
           <a:lstStyle/>
           <a:p>
-            <a:fld id="{A41623FA-A335-45C5-BB79-1A7460F098FD}" type="datetimeFigureOut">
-              <a:rPr lang="es-MX" smtClean="0"/>
+            <a:pPr>
+              <a:defRPr lang="es-mx"/>
+            </a:pPr>
+            <a:fld id="{63440B7E-308E-11FD-C0FC-C6A845B23693}" type="datetime1">
               <a:t>09/09/2019</a:t>
             </a:fld>
-            <a:endParaRPr lang="es-MX"/>
-          </a:p>
-        </p:txBody>
-      </p:sp>
-      <p:sp>
-        <p:nvSpPr>
-          <p:cNvPr id="6" name="Marcador de pie de página 5">
-            <a:extLst>
-              <a:ext uri="{FF2B5EF4-FFF2-40B4-BE49-F238E27FC236}">
-                <a16:creationId xmlns:a16="http://schemas.microsoft.com/office/drawing/2014/main" id="{8E81ABF5-0A55-4074-9EEF-6683DFF83B90}"/>
-              </a:ext>
-            </a:extLst>
-          </p:cNvPr>
-          <p:cNvSpPr>
-            <a:spLocks noGrp="1"/>
+          </a:p>
+        </p:txBody>
+      </p:sp>
+      <p:sp>
+        <p:nvSpPr>
+          <p:cNvPr id="6" name="Marcador de pie de página 5"/>
+          <p:cNvSpPr>
+            <a:spLocks noGrp="1" noChangeArrowheads="1"/>
+            <a:extLst>
+              <a:ext uri="smNativeData">
+                <pr:smNativeData xmlns:pr="smNativeData" val="SMDATA_13_A8J7XRMAAAAlAAAAZAAAAA0AAAAAkAAAAEgAAACQAAAASAAAAAAAAAABAAAAAAAAAAEAAABQAAAAAAAAAAAA4D8AAAAAAADgPwAAAAAAAOA/AAAAAAAA4D8AAAAAAADgPwAAAAAAAOA/AAAAAAAA4D8AAAAAAADgPwAAAAAAAOA/AAAAAAAA4D8CAAAAjAAAAAAAAAAAAAAARHLEDP///wgAAAAAAAAAAAAAAAAAAAAAAAAAAAAAAAAAAAAAZAAAAAEAAABAAAAAAAAAAAAAAAAAAAAAAAAAAAAAAAAAAAAAAAAAAAAAAAAAAAAAAAAAAAAAAAAAAAAAAAAAAAAAAAAAAAAAAAAAAAAAAAAAAAAAAAAAAAAAAAAAAAAAFAAAADwAAAAAAAAAAAAAAAAAAAkUAAAAAQAAABQAAAAUAAAAFAAAAAEAAAAAAAAAZAAAAGQAAAAAAAAAZAAAAGQAAAAVAAAAYAAAAAAAAAAAAAAADwAAACADAAAAAAAAAAAAAAEAAACgMgAAVgcAAKr4//8BAAAAf39/AAEAAABkAAAAAAAAABQAAABAHwAAAAAAACYAAAAAAAAAwOD//wAAAAAmAAAAZAAAABYAAABMAAAAAAAAAAAAAAAEAAAAAAAAAAEAAADn5uYKAAAAACgAAAAoAAAAZAAAAGQAAAAAAAAAzMzMAAAAAABQAAAAUAAAAGQAAABkAAAAAAAAABcAAAAUAAAAAAAAAAAAAAD/fwAA/38AAAAAAAAJAAAABAAAAAAAAAAMAAAAEAAAAAAAAAAAAAAAAAAAAAAAAAAeAAAAaAAAAAAAAAAAAAAAAAAAAAAAAAAAAAAAECcAABAnAAAAAAAAAAAAAAAAAAAAAAAAAAAAAAAAAAAAAAAAAAAAABQAAAAAAAAAwMD/AAAAAABkAAAAMgAAAAAAAABkAAAAAAAAAH9/fwAKAAAAHwAAAFQAAAAAAAAFAAAAAQAAAAAAAAAAAAAAAAAAAAAAAAAAAAAAAAAAAAAAAAAAAAAAAn9/fwAAAAADzMzMAMDA/wB/f38AAAAAAAAAAAAAAAAAAAAAAAAAAAAhAAAAGAAAABQAAADYGAAAGicAACgyAABZKQAAEAAAACYAAAAIAAAAAAAAAAAAAAA="/>
+              </a:ext>
+            </a:extLst>
           </p:cNvSpPr>
           <p:nvPr>
             <p:ph type="ftr" sz="quarter" idx="11"/>
@@ -1442,21 +1591,22 @@
           <a:bodyPr/>
           <a:lstStyle/>
           <a:p>
-            <a:endParaRPr lang="es-MX"/>
-          </a:p>
-        </p:txBody>
-      </p:sp>
-      <p:sp>
-        <p:nvSpPr>
-          <p:cNvPr id="7" name="Marcador de número de diapositiva 6">
-            <a:extLst>
-              <a:ext uri="{FF2B5EF4-FFF2-40B4-BE49-F238E27FC236}">
-                <a16:creationId xmlns:a16="http://schemas.microsoft.com/office/drawing/2014/main" id="{B5785ABA-8D30-4062-A70A-18F3408A526A}"/>
-              </a:ext>
-            </a:extLst>
-          </p:cNvPr>
-          <p:cNvSpPr>
-            <a:spLocks noGrp="1"/>
+            <a:pPr>
+              <a:defRPr lang="es-mx"/>
+            </a:pPr>
+          </a:p>
+        </p:txBody>
+      </p:sp>
+      <p:sp>
+        <p:nvSpPr>
+          <p:cNvPr id="7" name="Marcador de número de diapositiva 6"/>
+          <p:cNvSpPr>
+            <a:spLocks noGrp="1" noChangeArrowheads="1"/>
+            <a:extLst>
+              <a:ext uri="smNativeData">
+                <pr:smNativeData xmlns:pr="smNativeData" val="SMDATA_13_A8J7XRMAAAAlAAAAZAAAAA0AAAAAkAAAAEgAAACQAAAASAAAAAAAAAABAAAAAAAAAAEAAABQAAAAAAAAAAAA4D8AAAAAAADgPwAAAAAAAOA/AAAAAAAA4D8AAAAAAADgPwAAAAAAAOA/AAAAAAAA4D8AAAAAAADgPwAAAAAAAOA/AAAAAAAA4D8CAAAAjAAAAAAAAAAAAAAARHLEDP///wgAAAAAAAAAAAAAAAAAAAAAAAAAAAAAAAAAAAAAZAAAAAEAAABAAAAAAAAAAAAAAAAAAAAAAAAAAAAAAAAAAAAAAAAAAAAAAAAAAAAAAAAAAAAAAAAAAAAAAAAAAAAAAAAAAAAAAAAAAAAAAAAAAAAAAAAAAAAAAAAAAAAAFAAAADwAAAAAAAAAAAAAAAAAAAkUAAAAAQAAABQAAAAUAAAAFAAAAAEAAAAAAAAAZAAAAGQAAAAAAAAAZAAAAGQAAAAVAAAAYAAAAAAAAAAAAAAADwAAACADAAAAAAAAAAAAAAEAAACgMgAAVgcAAKr4//8BAAAAf39/AAEAAABkAAAAAAAAABQAAABAHwAAAAAAACYAAAAAAAAAwOD//wAAAAAmAAAAZAAAABYAAABMAAAAAAAAAAAAAAAEAAAAAAAAAAEAAADn5uYKAAAAACgAAAAoAAAAZAAAAGQAAAAAAAAAzMzMAAAAAABQAAAAUAAAAGQAAABkAAAAAAAAABcAAAAUAAAAAAAAAAAAAAD/fwAA/38AAAAAAAAJAAAABAAAAAAAAAAMAAAAEAAAAAAAAAAAAAAAAAAAAAAAAAAeAAAAaAAAAAAAAAAAAAAAAAAAAAAAAAAAAAAAECcAABAnAAAAAAAAAAAAAAAAAAAAAAAAAAAAAAAAAAAAAAAAAAAAABQAAAAAAAAAwMD/AAAAAABkAAAAMgAAAAAAAABkAAAAAAAAAH9/fwAKAAAAHwAAAFQAAAAAAAAFAAAAAQAAAAAAAAAAAAAAAAAAAAAAAAAAAAAAAAAAAAAAAAAAAAAAAn9/fwAAAAADzMzMAMDA/wB/f38AAAAAAAAAAAAAAAAAAAAAAAAAAAAhAAAAGAAAABQAAAD4NAAAGicAANhFAABZKQAAEAAAACYAAAAIAAAAAAAAAAAAAAA="/>
+              </a:ext>
+            </a:extLst>
           </p:cNvSpPr>
           <p:nvPr>
             <p:ph type="sldNum" sz="quarter" idx="12"/>
@@ -1467,20 +1617,16 @@
           <a:bodyPr/>
           <a:lstStyle/>
           <a:p>
-            <a:fld id="{AE105821-0AB0-4D6E-945F-B76CA39DA266}" type="slidenum">
-              <a:rPr lang="es-MX" smtClean="0"/>
+            <a:pPr>
+              <a:defRPr lang="es-mx"/>
+            </a:pPr>
+            <a:fld id="{0455C11C-52E9-0037-A7ED-A4628FA351F1}" type="slidenum">
               <a:t>‹Nº›</a:t>
             </a:fld>
-            <a:endParaRPr lang="es-MX"/>
           </a:p>
         </p:txBody>
       </p:sp>
     </p:spTree>
-    <p:extLst>
-      <p:ext uri="{BB962C8B-B14F-4D97-AF65-F5344CB8AC3E}">
-        <p14:creationId xmlns:p14="http://schemas.microsoft.com/office/powerpoint/2010/main" val="1049216647"/>
-      </p:ext>
-    </p:extLst>
   </p:cSld>
   <p:clrMapOvr>
     <a:masterClrMapping/>
@@ -1489,7 +1635,7 @@
 </file>
 
 <file path=ppt/slideLayouts/slideLayout5.xml><?xml version="1.0" encoding="utf-8"?>
-<p:sldLayout xmlns:a="http://schemas.openxmlformats.org/drawingml/2006/main" xmlns:r="http://schemas.openxmlformats.org/officeDocument/2006/relationships" xmlns:p="http://schemas.openxmlformats.org/presentationml/2006/main" type="twoTxTwoObj" preserve="1">
+<p:sldLayout xmlns:p="http://schemas.openxmlformats.org/presentationml/2006/main" xmlns:p14="http://schemas.microsoft.com/office/powerpoint/2010/main" xmlns:r="http://schemas.openxmlformats.org/officeDocument/2006/relationships" xmlns:a="http://schemas.openxmlformats.org/drawingml/2006/main" type="twoTxTwoObj" preserve="1">
   <p:cSld name="Comparación">
     <p:spTree>
       <p:nvGrpSpPr>
@@ -1507,15 +1653,14 @@
       </p:grpSpPr>
       <p:sp>
         <p:nvSpPr>
-          <p:cNvPr id="2" name="Título 1">
-            <a:extLst>
-              <a:ext uri="{FF2B5EF4-FFF2-40B4-BE49-F238E27FC236}">
-                <a16:creationId xmlns:a16="http://schemas.microsoft.com/office/drawing/2014/main" id="{A54F4B23-9AE0-4C31-819A-BC3162AFFF31}"/>
-              </a:ext>
-            </a:extLst>
-          </p:cNvPr>
-          <p:cNvSpPr>
-            <a:spLocks noGrp="1"/>
+          <p:cNvPr id="2" name="Título 1"/>
+          <p:cNvSpPr>
+            <a:spLocks noGrp="1" noChangeArrowheads="1"/>
+            <a:extLst>
+              <a:ext uri="smNativeData">
+                <pr:smNativeData xmlns:pr="smNativeData" val="SMDATA_13_A8J7XRMAAAAlAAAAZAAAAA0AAAAAkAAAAEgAAACQAAAASAAAAAAAAAABAAAAAAAAAAEAAABQAAAAAAAAAAAA4D8AAAAAAADgPwAAAAAAAOA/AAAAAAAA4D8AAAAAAADgPwAAAAAAAOA/AAAAAAAA4D8AAAAAAADgPwAAAAAAAOA/AAAAAAAA4D8CAAAAjAAAAAAAAAAAAAAARHLEDP///wgAAAAAAAAAAAAAAAAAAAAAAAAAAAAAAAAAAAAAZAAAAAEAAABAAAAAAAAAAAAAAAAAAAAAAAAAAAAAAAAAAAAAAAAAAAAAAAAAAAAAAAAAAAAAAAAAAAAAAAAAAAAAAAAAAAAAAAAAAAAAAAAAAAAAAAAAAAAAAAAAAAAAFAAAADwAAAAAAAAAAAAAAAAAAAkUAAAAAQAAABQAAAAUAAAAFAAAAAEAAAAAAAAAZAAAAGQAAAAAAAAAZAAAAGQAAAAVAAAAYAAAAAAAAAAAAAAADwAAACADAAAAAAAAAAAAAAEAAACgMgAAVgcAAKr4//8BAAAAf39/AAEAAABkAAAAAAAAABQAAABAHwAAAAAAACYAAAAAAAAAwOD//wAAAAAmAAAAZAAAABYAAABMAAAAAAAAAAAAAAAEAAAAAAAAAAEAAADn5uYKAAAAACgAAAAoAAAAZAAAAGQAAAAAAAAAzMzMAAAAAABQAAAAUAAAAGQAAABkAAAAAAAAABcAAAAUAAAAAAAAAAAAAAD/fwAA/38AAAAAAAAJAAAABAAAAHoQEgEMAAAAEAAAAAAAAAAAAAAAAAAAAAAAAAAeAAAAaAAAAAAAAAAAAAAAAAAAAAAAAAAAAAAAECcAABAnAAAAAAAAAAAAAAAAAAAAAAAAAAAAAAAAAAAAAAAAAAAAABQAAAAAAAAAwMD/AAAAAABkAAAAMgAAAAAAAABkAAAAAAAAAH9/fwAKAAAAHwAAAFQAAAAAAAAFAAAAAQAAAAAAAAAAAAAAAAAAAAAAAAAAAAAAAAAAAAAAAAAAAAAAAn9/fwAAAAADzMzMAMDA/wB/f38AAAAAAAAAAAAAAAAAAAAAAAAAAAAhAAAAGAAAABQAAAArBQAAPwIAANtFAABnCgAAEAAAACYAAAAIAAAAAQAAAAAAAAA="/>
+              </a:ext>
+            </a:extLst>
           </p:cNvSpPr>
           <p:nvPr>
             <p:ph type="title"/>
@@ -1523,88 +1668,93 @@
         </p:nvSpPr>
         <p:spPr>
           <a:xfrm>
-            <a:off x="839788" y="365125"/>
-            <a:ext cx="10515600" cy="1325563"/>
+            <a:off x="840105" y="365125"/>
+            <a:ext cx="10515600" cy="1325880"/>
           </a:xfrm>
         </p:spPr>
         <p:txBody>
           <a:bodyPr/>
           <a:lstStyle/>
           <a:p>
-            <a:r>
-              <a:rPr lang="es-ES"/>
+            <a:pPr>
+              <a:defRPr lang="es-es"/>
+            </a:pPr>
+            <a:r>
               <a:t>Haga clic para modificar el estilo de título del patrón</a:t>
             </a:r>
-            <a:endParaRPr lang="es-MX"/>
-          </a:p>
-        </p:txBody>
-      </p:sp>
-      <p:sp>
-        <p:nvSpPr>
-          <p:cNvPr id="3" name="Marcador de texto 2">
-            <a:extLst>
-              <a:ext uri="{FF2B5EF4-FFF2-40B4-BE49-F238E27FC236}">
-                <a16:creationId xmlns:a16="http://schemas.microsoft.com/office/drawing/2014/main" id="{38C5B744-0175-4584-9EED-8953055FF68F}"/>
-              </a:ext>
-            </a:extLst>
-          </p:cNvPr>
-          <p:cNvSpPr>
-            <a:spLocks noGrp="1"/>
-          </p:cNvSpPr>
-          <p:nvPr>
-            <p:ph type="body" idx="1"/>
+          </a:p>
+        </p:txBody>
+      </p:sp>
+      <p:sp>
+        <p:nvSpPr>
+          <p:cNvPr id="3" name="Marcador de texto 2"/>
+          <p:cNvSpPr>
+            <a:spLocks noGrp="1" noChangeArrowheads="1"/>
+            <a:extLst>
+              <a:ext uri="smNativeData">
+                <pr:smNativeData xmlns:pr="smNativeData" val="SMDATA_13_A8J7XRMAAAAlAAAAZAAAAA0AAAAAkAAAAEgAAACQAAAASAAAAAAAAAACAAAAAAAAAAEAAABQAAAAAAAAAAAA4D8AAAAAAADgPwAAAAAAAOA/AAAAAAAA4D8AAAAAAADgPwAAAAAAAOA/AAAAAAAA4D8AAAAAAADgPwAAAAAAAOA/AAAAAAAA4D8CAAAAjAAAAAAAAAAAAAAARHLEDP///wgAAAAAAAAAAAAAAAAAAAAAAAAAAAAAAAAAAAAAZAAAAAEAAABAAAAAAAAAAAAAAAAAAAAAAAAAAAAAAAAAAAAAAAAAAAAAAAAAAAAAAAAAAAAAAAAAAAAAAAAAAAAAAAAAAAAAAAAAAAAAAAAAAAAAAAAAAAAAAAAAAAAAFAAAADwAAAAAAAAAAAAAAAAAAAkUAAAAAQAAABQAAAAUAAAAFAAAAAEAAAAAAAAAZAAAAGQAAAAAAAAAZAAAAGQAAAAVAAAAYAAAAAAAAAAAAAAADwAAACADAAAAAAAAAAAAAAEAAACgMgAAVgcAAKr4//8BAAAAf39/AAEAAABkAAAAAAAAABQAAABAHwAAAAAAACYAAAAAAAAAwOD//wAAAAAmAAAAZAAAABYAAABMAAAAAAAAAAAAAAAEAAAAAAAAAAEAAADn5uYKAAAAACgAAAAoAAAAZAAAAGQAAAAAAAAAzMzMAAAAAABQAAAAUAAAAGQAAABkAAAAAAAAABcAAAAUAAAAAAAAAAAAAAD/fwAA/38AAAAAAAAJAAAABAAAAAAAAAAMAAAAEAAAAAAAAAAAAAAAAAAAAAAAAAAeAAAAaAAAAAAAAAAAAAAAAAAAAAAAAAAAAAAAECcAABAnAAAAAAAAAAAAAAAAAAAAAAAAAAAAAAAAAAAAAAAAAAAAABQAAAAAAAAAwMD/AAAAAABkAAAAMgAAAAAAAABkAAAAAAAAAH9/fwAKAAAAHwAAAFQAAAAAAAAFAAAAAQAAAAAAAAAAAAAAAAAAAAAAAAAAAAAAAAAAAAAAAAAAAAAAAn9/fwAAAAADzMzMAMDA/wB/f38AAAAAAAAAAAAAAAAAAAAAAAAAAAAhAAAAGAAAABQAAAArBQAAWAoAAOUkAABpDwAAEAAAACYAAAAIAAAAgYAAAAAAAAA="/>
+              </a:ext>
+            </a:extLst>
+          </p:cNvSpPr>
+          <p:nvPr>
+            <p:ph idx="1"/>
           </p:nvPr>
         </p:nvSpPr>
         <p:spPr>
           <a:xfrm>
-            <a:off x="839788" y="1681163"/>
-            <a:ext cx="5157787" cy="823912"/>
+            <a:off x="840105" y="1681480"/>
+            <a:ext cx="5157470" cy="823595"/>
           </a:xfrm>
         </p:spPr>
         <p:txBody>
-          <a:bodyPr anchor="b"/>
+          <a:bodyPr vert="horz" wrap="square" lIns="91440" tIns="45720" rIns="91440" bIns="45720" numCol="1" spcCol="215900" anchor="b">
+            <a:prstTxWarp prst="textNoShape">
+              <a:avLst/>
+            </a:prstTxWarp>
+          </a:bodyPr>
           <a:lstStyle>
             <a:lvl1pPr marL="0" indent="0">
               <a:buNone/>
-              <a:defRPr sz="2400" b="1"/>
+              <a:defRPr lang="es-es" sz="2400" b="1"/>
             </a:lvl1pPr>
             <a:lvl2pPr marL="457200" indent="0">
               <a:buNone/>
-              <a:defRPr sz="2000" b="1"/>
+              <a:defRPr lang="es-es" sz="2000" b="1"/>
             </a:lvl2pPr>
             <a:lvl3pPr marL="914400" indent="0">
               <a:buNone/>
-              <a:defRPr sz="1800" b="1"/>
+              <a:defRPr lang="es-es" sz="1800" b="1"/>
             </a:lvl3pPr>
             <a:lvl4pPr marL="1371600" indent="0">
               <a:buNone/>
-              <a:defRPr sz="1600" b="1"/>
+              <a:defRPr lang="es-es" sz="1600" b="1"/>
             </a:lvl4pPr>
             <a:lvl5pPr marL="1828800" indent="0">
               <a:buNone/>
-              <a:defRPr sz="1600" b="1"/>
+              <a:defRPr lang="es-es" sz="1600" b="1"/>
             </a:lvl5pPr>
             <a:lvl6pPr marL="2286000" indent="0">
               <a:buNone/>
-              <a:defRPr sz="1600" b="1"/>
+              <a:defRPr lang="es-mx" sz="1600" b="1"/>
             </a:lvl6pPr>
             <a:lvl7pPr marL="2743200" indent="0">
               <a:buNone/>
-              <a:defRPr sz="1600" b="1"/>
+              <a:defRPr lang="es-mx" sz="1600" b="1"/>
             </a:lvl7pPr>
             <a:lvl8pPr marL="3200400" indent="0">
               <a:buNone/>
-              <a:defRPr sz="1600" b="1"/>
+              <a:defRPr lang="es-mx" sz="1600" b="1"/>
             </a:lvl8pPr>
             <a:lvl9pPr marL="3657600" indent="0">
               <a:buNone/>
-              <a:defRPr sz="1600" b="1"/>
+              <a:defRPr lang="es-mx" sz="1600" b="1"/>
             </a:lvl9pPr>
           </a:lstStyle>
           <a:p>
-            <a:pPr lvl="0"/>
-            <a:r>
-              <a:rPr lang="es-ES"/>
+            <a:pPr>
+              <a:defRPr lang="es-es"/>
+            </a:pPr>
+            <a:r>
               <a:t>Haga clic para modificar los estilos de texto del patrón</a:t>
             </a:r>
           </a:p>
@@ -1612,133 +1762,140 @@
       </p:sp>
       <p:sp>
         <p:nvSpPr>
-          <p:cNvPr id="4" name="Marcador de contenido 3">
-            <a:extLst>
-              <a:ext uri="{FF2B5EF4-FFF2-40B4-BE49-F238E27FC236}">
-                <a16:creationId xmlns:a16="http://schemas.microsoft.com/office/drawing/2014/main" id="{977B3513-7BF4-4C18-A2FA-E04B371BA1FE}"/>
-              </a:ext>
-            </a:extLst>
-          </p:cNvPr>
-          <p:cNvSpPr>
-            <a:spLocks noGrp="1"/>
-          </p:cNvSpPr>
-          <p:nvPr>
-            <p:ph sz="half" idx="2"/>
+          <p:cNvPr id="4" name="Marcador de contenido 3"/>
+          <p:cNvSpPr>
+            <a:spLocks noGrp="1" noChangeArrowheads="1"/>
+            <a:extLst>
+              <a:ext uri="smNativeData">
+                <pr:smNativeData xmlns:pr="smNativeData" val="SMDATA_13_A8J7XRMAAAAlAAAAZAAAAA0AAAAAkAAAAEgAAACQAAAASAAAAAAAAAAAAAAAAAAAAAEAAABQAAAAAAAAAAAA4D8AAAAAAADgPwAAAAAAAOA/AAAAAAAA4D8AAAAAAADgPwAAAAAAAOA/AAAAAAAA4D8AAAAAAADgPwAAAAAAAOA/AAAAAAAA4D8CAAAAjAAAAAAAAAAAAAAARHLEDP///wgAAAAAAAAAAAAAAAAAAAAAAAAAAAAAAAAAAAAAZAAAAAEAAABAAAAAAAAAAAAAAAAAAAAAAAAAAAAAAAAAAAAAAAAAAAAAAAAAAAAAAAAAAAAAAAAAAAAAAAAAAAAAAAAAAAAAAAAAAAAAAAAAAAAAAAAAAAAAAAAAAAAAFAAAADwAAAAAAAAAAAAAAAAAAAkUAAAAAQAAABQAAAAUAAAAFAAAAAEAAAAAAAAAZAAAAGQAAAAAAAAAZAAAAGQAAAAVAAAAYAAAAAAAAAAAAAAADwAAACADAAAAAAAAAAAAAAEAAACgMgAAVgcAAKr4//8BAAAAf39/AAEAAABkAAAAAAAAABQAAABAHwAAAAAAACYAAAAAAAAAwOD//wAAAAAmAAAAZAAAABYAAABMAAAAAAAAAAAAAAAEAAAAAAAAAAEAAADn5uYKAAAAACgAAAAoAAAAZAAAAGQAAAAAAAAAzMzMAAAAAABQAAAAUAAAAGQAAABkAAAAAAAAABcAAAAUAAAAAAAAAAAAAAD/fwAA/38AAAAAAAAJAAAABAAAAAAAAAAMAAAAEAAAAAAAAAAAAAAAAAAAAAAAAAAeAAAAaAAAAAAAAAAAAAAAAAAAAAAAAAAAAAAAECcAABAnAAAAAAAAAAAAAAAAAAAAAAAAAAAAAAAAAAAAAAAAAAAAABQAAAAAAAAAwMD/AAAAAABkAAAAMgAAAAAAAABkAAAAAAAAAH9/fwAKAAAAHwAAAFQAAAAAAAAFAAAAAQAAAAAAAAAAAAAAAAAAAAAAAAAAAAAAAAAAAAAAAAAAAAAAAn9/fwAAAAADzMzMAMDA/wB/f38AAAAAAAAAAAAAAAAAAAAAAAAAAAAhAAAAGAAAABQAAAArBQAAaQ8AAOUkAAAUJgAAEAAAACYAAAAIAAAAAQAAAAAAAAA="/>
+              </a:ext>
+            </a:extLst>
+          </p:cNvSpPr>
+          <p:nvPr>
+            <p:ph idx="2"/>
           </p:nvPr>
         </p:nvSpPr>
         <p:spPr>
           <a:xfrm>
-            <a:off x="839788" y="2505075"/>
-            <a:ext cx="5157787" cy="3684588"/>
+            <a:off x="840105" y="2505075"/>
+            <a:ext cx="5157470" cy="3684905"/>
           </a:xfrm>
         </p:spPr>
         <p:txBody>
           <a:bodyPr/>
           <a:lstStyle/>
           <a:p>
-            <a:pPr lvl="0"/>
-            <a:r>
-              <a:rPr lang="es-ES"/>
+            <a:pPr>
+              <a:defRPr lang="es-es"/>
+            </a:pPr>
+            <a:r>
               <a:t>Haga clic para modificar los estilos de texto del patrón</a:t>
             </a:r>
           </a:p>
           <a:p>
-            <a:pPr lvl="1"/>
-            <a:r>
-              <a:rPr lang="es-ES"/>
+            <a:pPr lvl="1">
+              <a:defRPr lang="es-es"/>
+            </a:pPr>
+            <a:r>
               <a:t>Segundo nivel</a:t>
             </a:r>
           </a:p>
           <a:p>
-            <a:pPr lvl="2"/>
-            <a:r>
-              <a:rPr lang="es-ES"/>
+            <a:pPr lvl="2">
+              <a:defRPr lang="es-es"/>
+            </a:pPr>
+            <a:r>
               <a:t>Tercer nivel</a:t>
             </a:r>
           </a:p>
           <a:p>
-            <a:pPr lvl="3"/>
-            <a:r>
-              <a:rPr lang="es-ES"/>
+            <a:pPr lvl="3">
+              <a:defRPr lang="es-es"/>
+            </a:pPr>
+            <a:r>
               <a:t>Cuarto nivel</a:t>
             </a:r>
           </a:p>
           <a:p>
-            <a:pPr lvl="4"/>
-            <a:r>
-              <a:rPr lang="es-ES"/>
+            <a:pPr lvl="4">
+              <a:defRPr lang="es-es"/>
+            </a:pPr>
+            <a:r>
               <a:t>Quinto nivel</a:t>
             </a:r>
-            <a:endParaRPr lang="es-MX"/>
-          </a:p>
-        </p:txBody>
-      </p:sp>
-      <p:sp>
-        <p:nvSpPr>
-          <p:cNvPr id="5" name="Marcador de texto 4">
-            <a:extLst>
-              <a:ext uri="{FF2B5EF4-FFF2-40B4-BE49-F238E27FC236}">
-                <a16:creationId xmlns:a16="http://schemas.microsoft.com/office/drawing/2014/main" id="{AE8BA463-41C8-43AE-B866-6601A30EA7BB}"/>
-              </a:ext>
-            </a:extLst>
-          </p:cNvPr>
-          <p:cNvSpPr>
-            <a:spLocks noGrp="1"/>
-          </p:cNvSpPr>
-          <p:nvPr>
-            <p:ph type="body" sz="quarter" idx="3"/>
+          </a:p>
+        </p:txBody>
+      </p:sp>
+      <p:sp>
+        <p:nvSpPr>
+          <p:cNvPr id="5" name="Marcador de texto 4"/>
+          <p:cNvSpPr>
+            <a:spLocks noGrp="1" noChangeArrowheads="1"/>
+            <a:extLst>
+              <a:ext uri="smNativeData">
+                <pr:smNativeData xmlns:pr="smNativeData" val="SMDATA_13_A8J7XRMAAAAlAAAAZAAAAA0AAAAAkAAAAEgAAACQAAAASAAAAAAAAAACAAAAAAAAAAEAAABQAAAAAAAAAAAA4D8AAAAAAADgPwAAAAAAAOA/AAAAAAAA4D8AAAAAAADgPwAAAAAAAOA/AAAAAAAA4D8AAAAAAADgPwAAAAAAAOA/AAAAAAAA4D8CAAAAjAAAAAAAAAAAAAAARHLEDP///wgAAAAAAAAAAAAAAAAAAAAAAAAAAAAAAAAAAAAAZAAAAAEAAABAAAAAAAAAAAAAAAAAAAAAAAAAAAAAAAAAAAAAAAAAAAAAAAAAAAAAAAAAAAAAAAAAAAAAAAAAAAAAAAAAAAAAAAAAAAAAAAAAAAAAAAAAAAAAAAAAAAAAFAAAADwAAAAAAAAAAAAAAAAAAAkUAAAAAQAAABQAAAAUAAAAFAAAAAEAAAAAAAAAZAAAAGQAAAAAAAAAZAAAAGQAAAAVAAAAYAAAAAAAAAAAAAAADwAAACADAAAAAAAAAAAAAAEAAACgMgAAVgcAAKr4//8BAAAAf39/AAEAAABkAAAAAAAAABQAAABAHwAAAAAAACYAAAAAAAAAwOD//wAAAAAmAAAAZAAAABYAAABMAAAAAAAAAAAAAAAEAAAAAAAAAAEAAADn5uYKAAAAACgAAAAoAAAAZAAAAGQAAAAAAAAAzMzMAAAAAABQAAAAUAAAAGQAAABkAAAAAAAAABcAAAAUAAAAAAAAAAAAAAD/fwAA/38AAAAAAAAJAAAABAAAAAAAAAAMAAAAEAAAAAAAAAAAAAAAAAAAAAAAAAAeAAAAaAAAAAAAAAAAAAAAAAAAAAAAAAAAAAAAECcAABAnAAAAAAAAAAAAAAAAAAAAAAAAAAAAAAAAAAAAAAAAAAAAABQAAAAAAAAAwMD/AAAAAABkAAAAMgAAAAAAAABkAAAAAAAAAH9/fwAKAAAAHwAAAFQAAAAAAAAFAAAAAQAAAAAAAAAAAAAAAAAAAAAAAAAAAAAAAAAAAAAAAAAAAAAAAn9/fwAAAAADzMzMAMDA/wB/f38AAAAAAAAAAAAAAAAAAAAAAAAAAAAhAAAAGAAAABQAAAD4JQAAWAoAANtFAABpDwAAEAAAACYAAAAIAAAAgYAAAAAAAAA="/>
+              </a:ext>
+            </a:extLst>
+          </p:cNvSpPr>
+          <p:nvPr>
+            <p:ph idx="3"/>
           </p:nvPr>
         </p:nvSpPr>
         <p:spPr>
           <a:xfrm>
-            <a:off x="6172200" y="1681163"/>
-            <a:ext cx="5183188" cy="823912"/>
+            <a:off x="6172200" y="1681480"/>
+            <a:ext cx="5183505" cy="823595"/>
           </a:xfrm>
         </p:spPr>
         <p:txBody>
-          <a:bodyPr anchor="b"/>
+          <a:bodyPr vert="horz" wrap="square" lIns="91440" tIns="45720" rIns="91440" bIns="45720" numCol="1" spcCol="215900" anchor="b">
+            <a:prstTxWarp prst="textNoShape">
+              <a:avLst/>
+            </a:prstTxWarp>
+          </a:bodyPr>
           <a:lstStyle>
             <a:lvl1pPr marL="0" indent="0">
               <a:buNone/>
-              <a:defRPr sz="2400" b="1"/>
+              <a:defRPr lang="es-es" sz="2400" b="1"/>
             </a:lvl1pPr>
             <a:lvl2pPr marL="457200" indent="0">
               <a:buNone/>
-              <a:defRPr sz="2000" b="1"/>
+              <a:defRPr lang="es-es" sz="2000" b="1"/>
             </a:lvl2pPr>
             <a:lvl3pPr marL="914400" indent="0">
               <a:buNone/>
-              <a:defRPr sz="1800" b="1"/>
+              <a:defRPr lang="es-es" sz="1800" b="1"/>
             </a:lvl3pPr>
             <a:lvl4pPr marL="1371600" indent="0">
               <a:buNone/>
-              <a:defRPr sz="1600" b="1"/>
+              <a:defRPr lang="es-es" sz="1600" b="1"/>
             </a:lvl4pPr>
             <a:lvl5pPr marL="1828800" indent="0">
               <a:buNone/>
-              <a:defRPr sz="1600" b="1"/>
+              <a:defRPr lang="es-es" sz="1600" b="1"/>
             </a:lvl5pPr>
             <a:lvl6pPr marL="2286000" indent="0">
               <a:buNone/>
-              <a:defRPr sz="1600" b="1"/>
+              <a:defRPr lang="es-mx" sz="1600" b="1"/>
             </a:lvl6pPr>
             <a:lvl7pPr marL="2743200" indent="0">
               <a:buNone/>
-              <a:defRPr sz="1600" b="1"/>
+              <a:defRPr lang="es-mx" sz="1600" b="1"/>
             </a:lvl7pPr>
             <a:lvl8pPr marL="3200400" indent="0">
               <a:buNone/>
-              <a:defRPr sz="1600" b="1"/>
+              <a:defRPr lang="es-mx" sz="1600" b="1"/>
             </a:lvl8pPr>
             <a:lvl9pPr marL="3657600" indent="0">
               <a:buNone/>
-              <a:defRPr sz="1600" b="1"/>
+              <a:defRPr lang="es-mx" sz="1600" b="1"/>
             </a:lvl9pPr>
           </a:lstStyle>
           <a:p>
-            <a:pPr lvl="0"/>
-            <a:r>
-              <a:rPr lang="es-ES"/>
+            <a:pPr>
+              <a:defRPr lang="es-es"/>
+            </a:pPr>
+            <a:r>
               <a:t>Haga clic para modificar los estilos de texto del patrón</a:t>
             </a:r>
           </a:p>
@@ -1746,78 +1903,80 @@
       </p:sp>
       <p:sp>
         <p:nvSpPr>
-          <p:cNvPr id="6" name="Marcador de contenido 5">
-            <a:extLst>
-              <a:ext uri="{FF2B5EF4-FFF2-40B4-BE49-F238E27FC236}">
-                <a16:creationId xmlns:a16="http://schemas.microsoft.com/office/drawing/2014/main" id="{A7BA18B5-230B-41BC-958B-6B9DB396E1D5}"/>
-              </a:ext>
-            </a:extLst>
-          </p:cNvPr>
-          <p:cNvSpPr>
-            <a:spLocks noGrp="1"/>
-          </p:cNvSpPr>
-          <p:nvPr>
-            <p:ph sz="quarter" idx="4"/>
+          <p:cNvPr id="6" name="Marcador de contenido 5"/>
+          <p:cNvSpPr>
+            <a:spLocks noGrp="1" noChangeArrowheads="1"/>
+            <a:extLst>
+              <a:ext uri="smNativeData">
+                <pr:smNativeData xmlns:pr="smNativeData" val="SMDATA_13_A8J7XRMAAAAlAAAAZAAAAA0AAAAAkAAAAEgAAACQAAAASAAAAAAAAAAAAAAAAAAAAAEAAABQAAAAAAAAAAAA4D8AAAAAAADgPwAAAAAAAOA/AAAAAAAA4D8AAAAAAADgPwAAAAAAAOA/AAAAAAAA4D8AAAAAAADgPwAAAAAAAOA/AAAAAAAA4D8CAAAAjAAAAAAAAAAAAAAARHLEDP///wgAAAAAAAAAAAAAAAAAAAAAAAAAAAAAAAAAAAAAZAAAAAEAAABAAAAAAAAAAAAAAAAAAAAAAAAAAAAAAAAAAAAAAAAAAAAAAAAAAAAAAAAAAAAAAAAAAAAAAAAAAAAAAAAAAAAAAAAAAAAAAAAAAAAAAAAAAAAAAAAAAAAAFAAAADwAAAAAAAAAAAAAAAAAAAkUAAAAAQAAABQAAAAUAAAAFAAAAAEAAAAAAAAAZAAAAGQAAAAAAAAAZAAAAGQAAAAVAAAAYAAAAAAAAAAAAAAADwAAACADAAAAAAAAAAAAAAEAAACgMgAAVgcAAKr4//8BAAAAf39/AAEAAABkAAAAAAAAABQAAABAHwAAAAAAACYAAAAAAAAAwOD//wAAAAAmAAAAZAAAABYAAABMAAAAAAAAAAAAAAAEAAAAAAAAAAEAAADn5uYKAAAAACgAAAAoAAAAZAAAAGQAAAAAAAAAzMzMAAAAAABQAAAAUAAAAGQAAABkAAAAAAAAABcAAAAUAAAAAAAAAAAAAAD/fwAA/38AAAAAAAAJAAAABAAAAAAAAAAMAAAAEAAAAAAAAAAAAAAAAAAAAAAAAAAeAAAAaAAAAAAAAAAAAAAAAAAAAAAAAAAAAAAAECcAABAnAAAAAAAAAAAAAAAAAAAAAAAAAAAAAAAAAAAAAAAAAAAAABQAAAAAAAAAwMD/AAAAAABkAAAAMgAAAAAAAABkAAAAAAAAAH9/fwAKAAAAHwAAAFQAAAAAAAAFAAAAAQAAAAAAAAAAAAAAAAAAAAAAAAAAAAAAAAAAAAAAAAAAAAAAAn9/fwAAAAADzMzMAMDA/wB/f38AAAAAAAAAAAAAAAAAAAAAAAAAAAAhAAAAGAAAABQAAAD4JQAAaQ8AANtFAAAUJgAAEAAAACYAAAAIAAAAAQAAAAAAAAA="/>
+              </a:ext>
+            </a:extLst>
+          </p:cNvSpPr>
+          <p:nvPr>
+            <p:ph idx="4"/>
           </p:nvPr>
         </p:nvSpPr>
         <p:spPr>
           <a:xfrm>
             <a:off x="6172200" y="2505075"/>
-            <a:ext cx="5183188" cy="3684588"/>
+            <a:ext cx="5183505" cy="3684905"/>
           </a:xfrm>
         </p:spPr>
         <p:txBody>
           <a:bodyPr/>
           <a:lstStyle/>
           <a:p>
-            <a:pPr lvl="0"/>
-            <a:r>
-              <a:rPr lang="es-ES"/>
+            <a:pPr>
+              <a:defRPr lang="es-es"/>
+            </a:pPr>
+            <a:r>
               <a:t>Haga clic para modificar los estilos de texto del patrón</a:t>
             </a:r>
           </a:p>
           <a:p>
-            <a:pPr lvl="1"/>
-            <a:r>
-              <a:rPr lang="es-ES"/>
+            <a:pPr lvl="1">
+              <a:defRPr lang="es-es"/>
+            </a:pPr>
+            <a:r>
               <a:t>Segundo nivel</a:t>
             </a:r>
           </a:p>
           <a:p>
-            <a:pPr lvl="2"/>
-            <a:r>
-              <a:rPr lang="es-ES"/>
+            <a:pPr lvl="2">
+              <a:defRPr lang="es-es"/>
+            </a:pPr>
+            <a:r>
               <a:t>Tercer nivel</a:t>
             </a:r>
           </a:p>
           <a:p>
-            <a:pPr lvl="3"/>
-            <a:r>
-              <a:rPr lang="es-ES"/>
+            <a:pPr lvl="3">
+              <a:defRPr lang="es-es"/>
+            </a:pPr>
+            <a:r>
               <a:t>Cuarto nivel</a:t>
             </a:r>
           </a:p>
           <a:p>
-            <a:pPr lvl="4"/>
-            <a:r>
-              <a:rPr lang="es-ES"/>
+            <a:pPr lvl="4">
+              <a:defRPr lang="es-es"/>
+            </a:pPr>
+            <a:r>
               <a:t>Quinto nivel</a:t>
             </a:r>
-            <a:endParaRPr lang="es-MX"/>
-          </a:p>
-        </p:txBody>
-      </p:sp>
-      <p:sp>
-        <p:nvSpPr>
-          <p:cNvPr id="7" name="Marcador de fecha 6">
-            <a:extLst>
-              <a:ext uri="{FF2B5EF4-FFF2-40B4-BE49-F238E27FC236}">
-                <a16:creationId xmlns:a16="http://schemas.microsoft.com/office/drawing/2014/main" id="{0E59BA66-6E50-4988-A646-72CB5DB57CC9}"/>
-              </a:ext>
-            </a:extLst>
-          </p:cNvPr>
-          <p:cNvSpPr>
-            <a:spLocks noGrp="1"/>
+          </a:p>
+        </p:txBody>
+      </p:sp>
+      <p:sp>
+        <p:nvSpPr>
+          <p:cNvPr id="7" name="Marcador de fecha 6"/>
+          <p:cNvSpPr>
+            <a:spLocks noGrp="1" noChangeArrowheads="1"/>
+            <a:extLst>
+              <a:ext uri="smNativeData">
+                <pr:smNativeData xmlns:pr="smNativeData" val="SMDATA_13_A8J7XRMAAAAlAAAAZAAAAA0AAAAAkAAAAEgAAACQAAAASAAAAAAAAAABAAAAAAAAAAEAAABQAAAAAAAAAAAA4D8AAAAAAADgPwAAAAAAAOA/AAAAAAAA4D8AAAAAAADgPwAAAAAAAOA/AAAAAAAA4D8AAAAAAADgPwAAAAAAAOA/AAAAAAAA4D8CAAAAjAAAAAAAAAAAAAAARHLEDP///wgAAAAAAAAAAAAAAAAAAAAAAAAAAAAAAAAAAAAAZAAAAAEAAABAAAAAAAAAAAAAAAAAAAAAAAAAAAAAAAAAAAAAAAAAAAAAAAAAAAAAAAAAAAAAAAAAAAAAAAAAAAAAAAAAAAAAAAAAAAAAAAAAAAAAAAAAAAAAAAAAAAAAFAAAADwAAAAAAAAAAAAAAAAAAAkUAAAAAQAAABQAAAAUAAAAFAAAAAEAAAAAAAAAZAAAAGQAAAAAAAAAZAAAAGQAAAAVAAAAYAAAAAAAAAAAAAAADwAAACADAAAAAAAAAAAAAAEAAACgMgAAVgcAAKr4//8BAAAAf39/AAEAAABkAAAAAAAAABQAAABAHwAAAAAAACYAAAAAAAAAwOD//wAAAAAmAAAAZAAAABYAAABMAAAAAAAAAAAAAAAEAAAAAAAAAAEAAADn5uYKAAAAACgAAAAoAAAAZAAAAGQAAAAAAAAAzMzMAAAAAABQAAAAUAAAAGQAAABkAAAAAAAAABcAAAAUAAAAAAAAAAAAAAD/fwAA/38AAAAAAAAJAAAABAAAAAAAAAAMAAAAEAAAAAAAAAAAAAAAAAAAAAAAAAAeAAAAaAAAAAAAAAAAAAAAAAAAAAAAAAAAAAAAECcAABAnAAAAAAAAAAAAAAAAAAAAAAAAAAAAAAAAAAAAAAAAAAAAABQAAAAAAAAAwMD/AAAAAABkAAAAMgAAAAAAAABkAAAAAAAAAH9/fwAKAAAAHwAAAFQAAAAAAAAFAAAAAQAAAAAAAAAAAAAAAAAAAAAAAAAAAAAAAAAAAAAAAAAAAAAAAn9/fwAAAAADzMzMAMDA/wB/f38AAAAAAAAAAAAAAAAAAAAAAAAAAAAhAAAAGAAAABQAAAAoBQAAGicAAAgWAABZKQAAEAAAACYAAAAIAAAAAAAAAAAAAAA="/>
+              </a:ext>
+            </a:extLst>
           </p:cNvSpPr>
           <p:nvPr>
             <p:ph type="dt" sz="half" idx="10"/>
@@ -1828,25 +1987,25 @@
           <a:bodyPr/>
           <a:lstStyle/>
           <a:p>
-            <a:fld id="{A41623FA-A335-45C5-BB79-1A7460F098FD}" type="datetimeFigureOut">
-              <a:rPr lang="es-MX" smtClean="0"/>
+            <a:pPr>
+              <a:defRPr lang="es-mx"/>
+            </a:pPr>
+            <a:fld id="{745FC91C-5299-0A3F-D7E7-A46A87A921F1}" type="datetime1">
               <a:t>09/09/2019</a:t>
             </a:fld>
-            <a:endParaRPr lang="es-MX"/>
-          </a:p>
-        </p:txBody>
-      </p:sp>
-      <p:sp>
-        <p:nvSpPr>
-          <p:cNvPr id="8" name="Marcador de pie de página 7">
-            <a:extLst>
-              <a:ext uri="{FF2B5EF4-FFF2-40B4-BE49-F238E27FC236}">
-                <a16:creationId xmlns:a16="http://schemas.microsoft.com/office/drawing/2014/main" id="{1A9CB9D1-6F5B-4F61-80C2-47CBB9B182A8}"/>
-              </a:ext>
-            </a:extLst>
-          </p:cNvPr>
-          <p:cNvSpPr>
-            <a:spLocks noGrp="1"/>
+          </a:p>
+        </p:txBody>
+      </p:sp>
+      <p:sp>
+        <p:nvSpPr>
+          <p:cNvPr id="8" name="Marcador de pie de página 7"/>
+          <p:cNvSpPr>
+            <a:spLocks noGrp="1" noChangeArrowheads="1"/>
+            <a:extLst>
+              <a:ext uri="smNativeData">
+                <pr:smNativeData xmlns:pr="smNativeData" val="SMDATA_13_A8J7XRMAAAAlAAAAZAAAAA0AAAAAkAAAAEgAAACQAAAASAAAAAAAAAABAAAAAAAAAAEAAABQAAAAAAAAAAAA4D8AAAAAAADgPwAAAAAAAOA/AAAAAAAA4D8AAAAAAADgPwAAAAAAAOA/AAAAAAAA4D8AAAAAAADgPwAAAAAAAOA/AAAAAAAA4D8CAAAAjAAAAAAAAAAAAAAARHLEDP///wgAAAAAAAAAAAAAAAAAAAAAAAAAAAAAAAAAAAAAZAAAAAEAAABAAAAAAAAAAAAAAAAAAAAAAAAAAAAAAAAAAAAAAAAAAAAAAAAAAAAAAAAAAAAAAAAAAAAAAAAAAAAAAAAAAAAAAAAAAAAAAAAAAAAAAAAAAAAAAAAAAAAAFAAAADwAAAAAAAAAAAAAAAAAAAkUAAAAAQAAABQAAAAUAAAAFAAAAAEAAAAAAAAAZAAAAGQAAAAAAAAAZAAAAGQAAAAVAAAAYAAAAAAAAAAAAAAADwAAACADAAAAAAAAAAAAAAEAAACgMgAAVgcAAKr4//8BAAAAf39/AAEAAABkAAAAAAAAABQAAABAHwAAAAAAACYAAAAAAAAAwOD//wAAAAAmAAAAZAAAABYAAABMAAAAAAAAAAAAAAAEAAAAAAAAAAEAAADn5uYKAAAAACgAAAAoAAAAZAAAAGQAAAAAAAAAzMzMAAAAAABQAAAAUAAAAGQAAABkAAAAAAAAABcAAAAUAAAAAAAAAAAAAAD/fwAA/38AAAAAAAAJAAAABAAAAAAAAAAMAAAAEAAAAAAAAAAAAAAAAAAAAAAAAAAeAAAAaAAAAAAAAAAAAAAAAAAAAAAAAAAAAAAAECcAABAnAAAAAAAAAAAAAAAAAAAAAAAAAAAAAAAAAAAAAAAAAAAAABQAAAAAAAAAwMD/AAAAAABkAAAAMgAAAAAAAABkAAAAAAAAAH9/fwAKAAAAHwAAAFQAAAAAAAAFAAAAAQAAAAAAAAAAAAAAAAAAAAAAAAAAAAAAAAAAAAAAAAAAAAAAAn9/fwAAAAADzMzMAMDA/wB/f38AAAAAAAAAAAAAAAAAAAAAAAAAAAAhAAAAGAAAABQAAADYGAAAGicAACgyAABZKQAAEAAAACYAAAAIAAAAAAAAAAAAAAA="/>
+              </a:ext>
+            </a:extLst>
           </p:cNvSpPr>
           <p:nvPr>
             <p:ph type="ftr" sz="quarter" idx="11"/>
@@ -1857,21 +2016,22 @@
           <a:bodyPr/>
           <a:lstStyle/>
           <a:p>
-            <a:endParaRPr lang="es-MX"/>
-          </a:p>
-        </p:txBody>
-      </p:sp>
-      <p:sp>
-        <p:nvSpPr>
-          <p:cNvPr id="9" name="Marcador de número de diapositiva 8">
-            <a:extLst>
-              <a:ext uri="{FF2B5EF4-FFF2-40B4-BE49-F238E27FC236}">
-                <a16:creationId xmlns:a16="http://schemas.microsoft.com/office/drawing/2014/main" id="{8A6F4EE6-9B07-4D49-8BC8-B7C347926081}"/>
-              </a:ext>
-            </a:extLst>
-          </p:cNvPr>
-          <p:cNvSpPr>
-            <a:spLocks noGrp="1"/>
+            <a:pPr>
+              <a:defRPr lang="es-mx"/>
+            </a:pPr>
+          </a:p>
+        </p:txBody>
+      </p:sp>
+      <p:sp>
+        <p:nvSpPr>
+          <p:cNvPr id="9" name="Marcador de número de diapositiva 8"/>
+          <p:cNvSpPr>
+            <a:spLocks noGrp="1" noChangeArrowheads="1"/>
+            <a:extLst>
+              <a:ext uri="smNativeData">
+                <pr:smNativeData xmlns:pr="smNativeData" val="SMDATA_13_A8J7XRMAAAAlAAAAZAAAAA0AAAAAkAAAAEgAAACQAAAASAAAAAAAAAABAAAAAAAAAAEAAABQAAAAAAAAAAAA4D8AAAAAAADgPwAAAAAAAOA/AAAAAAAA4D8AAAAAAADgPwAAAAAAAOA/AAAAAAAA4D8AAAAAAADgPwAAAAAAAOA/AAAAAAAA4D8CAAAAjAAAAAAAAAAAAAAARHLEDP///wgAAAAAAAAAAAAAAAAAAAAAAAAAAAAAAAAAAAAAZAAAAAEAAABAAAAAAAAAAAAAAAAAAAAAAAAAAAAAAAAAAAAAAAAAAAAAAAAAAAAAAAAAAAAAAAAAAAAAAAAAAAAAAAAAAAAAAAAAAAAAAAAAAAAAAAAAAAAAAAAAAAAAFAAAADwAAAAAAAAAAAAAAAAAAAkUAAAAAQAAABQAAAAUAAAAFAAAAAEAAAAAAAAAZAAAAGQAAAAAAAAAZAAAAGQAAAAVAAAAYAAAAAAAAAAAAAAADwAAACADAAAAAAAAAAAAAAEAAACgMgAAVgcAAKr4//8BAAAAf39/AAEAAABkAAAAAAAAABQAAABAHwAAAAAAACYAAAAAAAAAwOD//wAAAAAmAAAAZAAAABYAAABMAAAAAAAAAAAAAAAEAAAAAAAAAAEAAADn5uYKAAAAACgAAAAoAAAAZAAAAGQAAAAAAAAAzMzMAAAAAABQAAAAUAAAAGQAAABkAAAAAAAAABcAAAAUAAAAAAAAAAAAAAD/fwAA/38AAAAAAAAJAAAABAAAAAAAAAAMAAAAEAAAAAAAAAAAAAAAAAAAAAAAAAAeAAAAaAAAAAAAAAAAAAAAAAAAAAAAAAAAAAAAECcAABAnAAAAAAAAAAAAAAAAAAAAAAAAAAAAAAAAAAAAAAAAAAAAABQAAAAAAAAAwMD/AAAAAABkAAAAMgAAAAAAAABkAAAAAAAAAH9/fwAKAAAAHwAAAFQAAAAAAAAFAAAAAQAAAAAAAAAAAAAAAAAAAAAAAAAAAAAAAAAAAAAAAAAAAAAAAn9/fwAAAAADzMzMAMDA/wB/f38AAAAAAAAAAAAAAAAAAAAAAAAAAAAhAAAAGAAAABQAAAD4NAAAGicAANhFAABZKQAAEAAAACYAAAAIAAAAAAAAAAAAAAA="/>
+              </a:ext>
+            </a:extLst>
           </p:cNvSpPr>
           <p:nvPr>
             <p:ph type="sldNum" sz="quarter" idx="12"/>
@@ -1882,20 +2042,16 @@
           <a:bodyPr/>
           <a:lstStyle/>
           <a:p>
-            <a:fld id="{AE105821-0AB0-4D6E-945F-B76CA39DA266}" type="slidenum">
-              <a:rPr lang="es-MX" smtClean="0"/>
+            <a:pPr>
+              <a:defRPr lang="es-mx"/>
+            </a:pPr>
+            <a:fld id="{07AC1C85-CBEA-F9EA-A414-3DBF525A5268}" type="slidenum">
               <a:t>‹Nº›</a:t>
             </a:fld>
-            <a:endParaRPr lang="es-MX"/>
           </a:p>
         </p:txBody>
       </p:sp>
     </p:spTree>
-    <p:extLst>
-      <p:ext uri="{BB962C8B-B14F-4D97-AF65-F5344CB8AC3E}">
-        <p14:creationId xmlns:p14="http://schemas.microsoft.com/office/powerpoint/2010/main" val="3650328459"/>
-      </p:ext>
-    </p:extLst>
   </p:cSld>
   <p:clrMapOvr>
     <a:masterClrMapping/>
@@ -1904,7 +2060,7 @@
 </file>
 
 <file path=ppt/slideLayouts/slideLayout6.xml><?xml version="1.0" encoding="utf-8"?>
-<p:sldLayout xmlns:a="http://schemas.openxmlformats.org/drawingml/2006/main" xmlns:r="http://schemas.openxmlformats.org/officeDocument/2006/relationships" xmlns:p="http://schemas.openxmlformats.org/presentationml/2006/main" type="titleOnly" preserve="1">
+<p:sldLayout xmlns:p="http://schemas.openxmlformats.org/presentationml/2006/main" xmlns:p14="http://schemas.microsoft.com/office/powerpoint/2010/main" xmlns:r="http://schemas.openxmlformats.org/officeDocument/2006/relationships" xmlns:a="http://schemas.openxmlformats.org/drawingml/2006/main" type="titleOnly" preserve="1">
   <p:cSld name="Solo el título">
     <p:spTree>
       <p:nvGrpSpPr>
@@ -1922,15 +2078,14 @@
       </p:grpSpPr>
       <p:sp>
         <p:nvSpPr>
-          <p:cNvPr id="2" name="Título 1">
-            <a:extLst>
-              <a:ext uri="{FF2B5EF4-FFF2-40B4-BE49-F238E27FC236}">
-                <a16:creationId xmlns:a16="http://schemas.microsoft.com/office/drawing/2014/main" id="{6BAFDE9E-D327-4F3A-AFB7-1CC0D230C50E}"/>
-              </a:ext>
-            </a:extLst>
-          </p:cNvPr>
-          <p:cNvSpPr>
-            <a:spLocks noGrp="1"/>
+          <p:cNvPr id="2" name="Título 1"/>
+          <p:cNvSpPr>
+            <a:spLocks noGrp="1" noChangeArrowheads="1"/>
+            <a:extLst>
+              <a:ext uri="smNativeData">
+                <pr:smNativeData xmlns:pr="smNativeData" val="SMDATA_13_A8J7XRMAAAAlAAAAZAAAAA0AAAAAkAAAAEgAAACQAAAASAAAAAAAAAABAAAAAAAAAAEAAABQAAAAAAAAAAAA4D8AAAAAAADgPwAAAAAAAOA/AAAAAAAA4D8AAAAAAADgPwAAAAAAAOA/AAAAAAAA4D8AAAAAAADgPwAAAAAAAOA/AAAAAAAA4D8CAAAAjAAAAAAAAAAAAAAARHLEDP///wgAAAAAAAAAAAAAAAAAAAAAAAAAAAAAAAAAAAAAZAAAAAEAAABAAAAAAAAAAAAAAAAAAAAAAAAAAAAAAAAAAAAAAAAAAAAAAAAAAAAAAAAAAAAAAAAAAAAAAAAAAAAAAAAAAAAAAAAAAAAAAAAAAAAAAAAAAAAAAAAAAAAAFAAAADwAAAAAAAAAAAAAAAAAAAkUAAAAAQAAABQAAAAUAAAAFAAAAAEAAAAAAAAAZAAAAGQAAAAAAAAAZAAAAGQAAAAVAAAAYAAAAAAAAAAAAAAADwAAACADAAAAAAAAAAAAAAEAAACgMgAAVgcAAKr4//8BAAAAf39/AAEAAABkAAAAAAAAABQAAABAHwAAAAAAACYAAAAAAAAAwOD//wAAAAAmAAAAZAAAABYAAABMAAAAAAAAAAAAAAAEAAAAAAAAAAEAAADn5uYKAAAAACgAAAAoAAAAZAAAAGQAAAAAAAAAzMzMAAAAAABQAAAAUAAAAGQAAABkAAAAAAAAABcAAAAUAAAAAAAAAAAAAAD/fwAA/38AAAAAAAAJAAAABAAAAHoQEgEMAAAAEAAAAAAAAAAAAAAAAAAAAAAAAAAeAAAAaAAAAAAAAAAAAAAAAAAAAAAAAAAAAAAAECcAABAnAAAAAAAAAAAAAAAAAAAAAAAAAAAAAAAAAAAAAAAAAAAAABQAAAAAAAAAwMD/AAAAAABkAAAAMgAAAAAAAABkAAAAAAAAAH9/fwAKAAAAHwAAAFQAAAAAAAAFAAAAAQAAAAAAAAAAAAAAAAAAAAAAAAAAAAAAAAAAAAAAAAAAAAAAAn9/fwAAAAADzMzMAMDA/wB/f38AAAAAAAAAAAAAAAAAAAAAAAAAAAAhAAAAGAAAABQAAAAoBQAAPwIAANhFAABnCgAAEAAAACYAAAAIAAAAAAAAAAAAAAA="/>
+              </a:ext>
+            </a:extLst>
           </p:cNvSpPr>
           <p:nvPr>
             <p:ph type="title"/>
@@ -1941,25 +2096,25 @@
           <a:bodyPr/>
           <a:lstStyle/>
           <a:p>
-            <a:r>
-              <a:rPr lang="es-ES"/>
+            <a:pPr>
+              <a:defRPr lang="es-es"/>
+            </a:pPr>
+            <a:r>
               <a:t>Haga clic para modificar el estilo de título del patrón</a:t>
             </a:r>
-            <a:endParaRPr lang="es-MX"/>
-          </a:p>
-        </p:txBody>
-      </p:sp>
-      <p:sp>
-        <p:nvSpPr>
-          <p:cNvPr id="3" name="Marcador de fecha 2">
-            <a:extLst>
-              <a:ext uri="{FF2B5EF4-FFF2-40B4-BE49-F238E27FC236}">
-                <a16:creationId xmlns:a16="http://schemas.microsoft.com/office/drawing/2014/main" id="{34FA3C00-AC8B-4D5C-B7E6-DBEF8B781709}"/>
-              </a:ext>
-            </a:extLst>
-          </p:cNvPr>
-          <p:cNvSpPr>
-            <a:spLocks noGrp="1"/>
+          </a:p>
+        </p:txBody>
+      </p:sp>
+      <p:sp>
+        <p:nvSpPr>
+          <p:cNvPr id="3" name="Marcador de fecha 2"/>
+          <p:cNvSpPr>
+            <a:spLocks noGrp="1" noChangeArrowheads="1"/>
+            <a:extLst>
+              <a:ext uri="smNativeData">
+                <pr:smNativeData xmlns:pr="smNativeData" val="SMDATA_13_A8J7XRMAAAAlAAAAZAAAAA0AAAAAkAAAAEgAAACQAAAASAAAAAAAAAABAAAAAAAAAAEAAABQAAAAAAAAAAAA4D8AAAAAAADgPwAAAAAAAOA/AAAAAAAA4D8AAAAAAADgPwAAAAAAAOA/AAAAAAAA4D8AAAAAAADgPwAAAAAAAOA/AAAAAAAA4D8CAAAAjAAAAAAAAAAAAAAARHLEDP///wgAAAAAAAAAAAAAAAAAAAAAAAAAAAAAAAAAAAAAZAAAAAEAAABAAAAAAAAAAAAAAAAAAAAAAAAAAAAAAAAAAAAAAAAAAAAAAAAAAAAAAAAAAAAAAAAAAAAAAAAAAAAAAAAAAAAAAAAAAAAAAAAAAAAAAAAAAAAAAAAAAAAAFAAAADwAAAAAAAAAAAAAAAAAAAkUAAAAAQAAABQAAAAUAAAAFAAAAAEAAAAAAAAAZAAAAGQAAAAAAAAAZAAAAGQAAAAVAAAAYAAAAAAAAAAAAAAADwAAACADAAAAAAAAAAAAAAEAAACgMgAAVgcAAKr4//8BAAAAf39/AAEAAABkAAAAAAAAABQAAABAHwAAAAAAACYAAAAAAAAAwOD//wAAAAAmAAAAZAAAABYAAABMAAAAAAAAAAAAAAAEAAAAAAAAAAEAAADn5uYKAAAAACgAAAAoAAAAZAAAAGQAAAAAAAAAzMzMAAAAAABQAAAAUAAAAGQAAABkAAAAAAAAABcAAAAUAAAAAAAAAAAAAAD/fwAA/38AAAAAAAAJAAAABAAAAAAAAAAMAAAAEAAAAAAAAAAAAAAAAAAAAAAAAAAeAAAAaAAAAAAAAAAAAAAAAAAAAAAAAAAAAAAAECcAABAnAAAAAAAAAAAAAAAAAAAAAAAAAAAAAAAAAAAAAAAAAAAAABQAAAAAAAAAwMD/AAAAAABkAAAAMgAAAAAAAABkAAAAAAAAAH9/fwAKAAAAHwAAAFQAAAAAAAAFAAAAAQAAAAAAAAAAAAAAAAAAAAAAAAAAAAAAAAAAAAAAAAAAAAAAAn9/fwAAAAADzMzMAMDA/wB/f38AAAAAAAAAAAAAAAAAAAAAAAAAAAAhAAAAGAAAABQAAAAoBQAAGicAAAgWAABZKQAAEAAAACYAAAAIAAAAAAAAAAAAAAA="/>
+              </a:ext>
+            </a:extLst>
           </p:cNvSpPr>
           <p:nvPr>
             <p:ph type="dt" sz="half" idx="10"/>
@@ -1970,25 +2125,25 @@
           <a:bodyPr/>
           <a:lstStyle/>
           <a:p>
-            <a:fld id="{A41623FA-A335-45C5-BB79-1A7460F098FD}" type="datetimeFigureOut">
-              <a:rPr lang="es-MX" smtClean="0"/>
+            <a:pPr>
+              <a:defRPr lang="es-mx"/>
+            </a:pPr>
+            <a:fld id="{2C4F8F9A-D4C1-1A79-8FF7-222CC1B97977}" type="datetime1">
               <a:t>09/09/2019</a:t>
             </a:fld>
-            <a:endParaRPr lang="es-MX"/>
-          </a:p>
-        </p:txBody>
-      </p:sp>
-      <p:sp>
-        <p:nvSpPr>
-          <p:cNvPr id="4" name="Marcador de pie de página 3">
-            <a:extLst>
-              <a:ext uri="{FF2B5EF4-FFF2-40B4-BE49-F238E27FC236}">
-                <a16:creationId xmlns:a16="http://schemas.microsoft.com/office/drawing/2014/main" id="{21DDA859-330A-4398-9ACF-913A2AC9C910}"/>
-              </a:ext>
-            </a:extLst>
-          </p:cNvPr>
-          <p:cNvSpPr>
-            <a:spLocks noGrp="1"/>
+          </a:p>
+        </p:txBody>
+      </p:sp>
+      <p:sp>
+        <p:nvSpPr>
+          <p:cNvPr id="4" name="Marcador de pie de página 3"/>
+          <p:cNvSpPr>
+            <a:spLocks noGrp="1" noChangeArrowheads="1"/>
+            <a:extLst>
+              <a:ext uri="smNativeData">
+                <pr:smNativeData xmlns:pr="smNativeData" val="SMDATA_13_A8J7XRMAAAAlAAAAZAAAAA0AAAAAkAAAAEgAAACQAAAASAAAAAAAAAABAAAAAAAAAAEAAABQAAAAAAAAAAAA4D8AAAAAAADgPwAAAAAAAOA/AAAAAAAA4D8AAAAAAADgPwAAAAAAAOA/AAAAAAAA4D8AAAAAAADgPwAAAAAAAOA/AAAAAAAA4D8CAAAAjAAAAAAAAAAAAAAARHLEDP///wgAAAAAAAAAAAAAAAAAAAAAAAAAAAAAAAAAAAAAZAAAAAEAAABAAAAAAAAAAAAAAAAAAAAAAAAAAAAAAAAAAAAAAAAAAAAAAAAAAAAAAAAAAAAAAAAAAAAAAAAAAAAAAAAAAAAAAAAAAAAAAAAAAAAAAAAAAAAAAAAAAAAAFAAAADwAAAAAAAAAAAAAAAAAAAkUAAAAAQAAABQAAAAUAAAAFAAAAAEAAAAAAAAAZAAAAGQAAAAAAAAAZAAAAGQAAAAVAAAAYAAAAAAAAAAAAAAADwAAACADAAAAAAAAAAAAAAEAAACgMgAAVgcAAKr4//8BAAAAf39/AAEAAABkAAAAAAAAABQAAABAHwAAAAAAACYAAAAAAAAAwOD//wAAAAAmAAAAZAAAABYAAABMAAAAAAAAAAAAAAAEAAAAAAAAAAEAAADn5uYKAAAAACgAAAAoAAAAZAAAAGQAAAAAAAAAzMzMAAAAAABQAAAAUAAAAGQAAABkAAAAAAAAABcAAAAUAAAAAAAAAAAAAAD/fwAA/38AAAAAAAAJAAAABAAAAAAAAAAMAAAAEAAAAAAAAAAAAAAAAAAAAAAAAAAeAAAAaAAAAAAAAAAAAAAAAAAAAAAAAAAAAAAAECcAABAnAAAAAAAAAAAAAAAAAAAAAAAAAAAAAAAAAAAAAAAAAAAAABQAAAAAAAAAwMD/AAAAAABkAAAAMgAAAAAAAABkAAAAAAAAAH9/fwAKAAAAHwAAAFQAAAAAAAAFAAAAAQAAAAAAAAAAAAAAAAAAAAAAAAAAAAAAAAAAAAAAAAAAAAAAAn9/fwAAAAADzMzMAMDA/wB/f38AAAAAAAAAAAAAAAAAAAAAAAAAAAAhAAAAGAAAABQAAADYGAAAGicAACgyAABZKQAAEAAAACYAAAAIAAAAAAAAAAAAAAA="/>
+              </a:ext>
+            </a:extLst>
           </p:cNvSpPr>
           <p:nvPr>
             <p:ph type="ftr" sz="quarter" idx="11"/>
@@ -1999,21 +2154,22 @@
           <a:bodyPr/>
           <a:lstStyle/>
           <a:p>
-            <a:endParaRPr lang="es-MX"/>
-          </a:p>
-        </p:txBody>
-      </p:sp>
-      <p:sp>
-        <p:nvSpPr>
-          <p:cNvPr id="5" name="Marcador de número de diapositiva 4">
-            <a:extLst>
-              <a:ext uri="{FF2B5EF4-FFF2-40B4-BE49-F238E27FC236}">
-                <a16:creationId xmlns:a16="http://schemas.microsoft.com/office/drawing/2014/main" id="{70E6C3ED-4557-4FFD-8D2B-5986837E9C8B}"/>
-              </a:ext>
-            </a:extLst>
-          </p:cNvPr>
-          <p:cNvSpPr>
-            <a:spLocks noGrp="1"/>
+            <a:pPr>
+              <a:defRPr lang="es-mx"/>
+            </a:pPr>
+          </a:p>
+        </p:txBody>
+      </p:sp>
+      <p:sp>
+        <p:nvSpPr>
+          <p:cNvPr id="5" name="Marcador de número de diapositiva 4"/>
+          <p:cNvSpPr>
+            <a:spLocks noGrp="1" noChangeArrowheads="1"/>
+            <a:extLst>
+              <a:ext uri="smNativeData">
+                <pr:smNativeData xmlns:pr="smNativeData" val="SMDATA_13_A8J7XRMAAAAlAAAAZAAAAA0AAAAAkAAAAEgAAACQAAAASAAAAAAAAAABAAAAAAAAAAEAAABQAAAAAAAAAAAA4D8AAAAAAADgPwAAAAAAAOA/AAAAAAAA4D8AAAAAAADgPwAAAAAAAOA/AAAAAAAA4D8AAAAAAADgPwAAAAAAAOA/AAAAAAAA4D8CAAAAjAAAAAAAAAAAAAAARHLEDP///wgAAAAAAAAAAAAAAAAAAAAAAAAAAAAAAAAAAAAAZAAAAAEAAABAAAAAAAAAAAAAAAAAAAAAAAAAAAAAAAAAAAAAAAAAAAAAAAAAAAAAAAAAAAAAAAAAAAAAAAAAAAAAAAAAAAAAAAAAAAAAAAAAAAAAAAAAAAAAAAAAAAAAFAAAADwAAAAAAAAAAAAAAAAAAAkUAAAAAQAAABQAAAAUAAAAFAAAAAEAAAAAAAAAZAAAAGQAAAAAAAAAZAAAAGQAAAAVAAAAYAAAAAAAAAAAAAAADwAAACADAAAAAAAAAAAAAAEAAACgMgAAVgcAAKr4//8BAAAAf39/AAEAAABkAAAAAAAAABQAAABAHwAAAAAAACYAAAAAAAAAwOD//wAAAAAmAAAAZAAAABYAAABMAAAAAAAAAAAAAAAEAAAAAAAAAAEAAADn5uYKAAAAACgAAAAoAAAAZAAAAGQAAAAAAAAAzMzMAAAAAABQAAAAUAAAAGQAAABkAAAAAAAAABcAAAAUAAAAAAAAAAAAAAD/fwAA/38AAAAAAAAJAAAABAAAAAAAAAAMAAAAEAAAAAAAAAAAAAAAAAAAAAAAAAAeAAAAaAAAAAAAAAAAAAAAAAAAAAAAAAAAAAAAECcAABAnAAAAAAAAAAAAAAAAAAAAAAAAAAAAAAAAAAAAAAAAAAAAABQAAAAAAAAAwMD/AAAAAABkAAAAMgAAAAAAAABkAAAAAAAAAH9/fwAKAAAAHwAAAFQAAAAAAAAFAAAAAQAAAAAAAAAAAAAAAAAAAAAAAAAAAAAAAAAAAAAAAAAAAAAAAn9/fwAAAAADzMzMAMDA/wB/f38AAAAAAAAAAAAAAAAAAAAAAAAAAAAhAAAAGAAAABQAAAD4NAAAGicAANhFAABZKQAAEAAAACYAAAAIAAAAAAAAAAAAAAA="/>
+              </a:ext>
+            </a:extLst>
           </p:cNvSpPr>
           <p:nvPr>
             <p:ph type="sldNum" sz="quarter" idx="12"/>
@@ -2024,20 +2180,16 @@
           <a:bodyPr/>
           <a:lstStyle/>
           <a:p>
-            <a:fld id="{AE105821-0AB0-4D6E-945F-B76CA39DA266}" type="slidenum">
-              <a:rPr lang="es-MX" smtClean="0"/>
+            <a:pPr>
+              <a:defRPr lang="es-mx"/>
+            </a:pPr>
+            <a:fld id="{584F920F-41B5-1A64-FBF7-B731DCB90DE2}" type="slidenum">
               <a:t>‹Nº›</a:t>
             </a:fld>
-            <a:endParaRPr lang="es-MX"/>
           </a:p>
         </p:txBody>
       </p:sp>
     </p:spTree>
-    <p:extLst>
-      <p:ext uri="{BB962C8B-B14F-4D97-AF65-F5344CB8AC3E}">
-        <p14:creationId xmlns:p14="http://schemas.microsoft.com/office/powerpoint/2010/main" val="352182246"/>
-      </p:ext>
-    </p:extLst>
   </p:cSld>
   <p:clrMapOvr>
     <a:masterClrMapping/>
@@ -2046,7 +2198,7 @@
 </file>
 
 <file path=ppt/slideLayouts/slideLayout7.xml><?xml version="1.0" encoding="utf-8"?>
-<p:sldLayout xmlns:a="http://schemas.openxmlformats.org/drawingml/2006/main" xmlns:r="http://schemas.openxmlformats.org/officeDocument/2006/relationships" xmlns:p="http://schemas.openxmlformats.org/presentationml/2006/main" type="blank" preserve="1">
+<p:sldLayout xmlns:p="http://schemas.openxmlformats.org/presentationml/2006/main" xmlns:p14="http://schemas.microsoft.com/office/powerpoint/2010/main" xmlns:r="http://schemas.openxmlformats.org/officeDocument/2006/relationships" xmlns:a="http://schemas.openxmlformats.org/drawingml/2006/main" type="blank" preserve="1">
   <p:cSld name="En blanco">
     <p:spTree>
       <p:nvGrpSpPr>
@@ -2064,15 +2216,14 @@
       </p:grpSpPr>
       <p:sp>
         <p:nvSpPr>
-          <p:cNvPr id="2" name="Marcador de fecha 1">
-            <a:extLst>
-              <a:ext uri="{FF2B5EF4-FFF2-40B4-BE49-F238E27FC236}">
-                <a16:creationId xmlns:a16="http://schemas.microsoft.com/office/drawing/2014/main" id="{AD90C229-62FE-4745-B05A-62132C2A5C9B}"/>
-              </a:ext>
-            </a:extLst>
-          </p:cNvPr>
-          <p:cNvSpPr>
-            <a:spLocks noGrp="1"/>
+          <p:cNvPr id="2" name="Marcador de fecha 1"/>
+          <p:cNvSpPr>
+            <a:spLocks noGrp="1" noChangeArrowheads="1"/>
+            <a:extLst>
+              <a:ext uri="smNativeData">
+                <pr:smNativeData xmlns:pr="smNativeData" val="SMDATA_13_A8J7XRMAAAAlAAAAZAAAAA0AAAAAkAAAAEgAAACQAAAASAAAAAAAAAABAAAAAAAAAAEAAABQAAAAAAAAAAAA4D8AAAAAAADgPwAAAAAAAOA/AAAAAAAA4D8AAAAAAADgPwAAAAAAAOA/AAAAAAAA4D8AAAAAAADgPwAAAAAAAOA/AAAAAAAA4D8CAAAAjAAAAAAAAAAAAAAARHLEDP///wgAAAAAAAAAAAAAAAAAAAAAAAAAAAAAAAAAAAAAZAAAAAEAAABAAAAAAAAAAAAAAAAAAAAAAAAAAAAAAAAAAAAAAAAAAAAAAAAAAAAAAAAAAAAAAAAAAAAAAAAAAAAAAAAAAAAAAAAAAAAAAAAAAAAAAAAAAAAAAAAAAAAAFAAAADwAAAAAAAAAAAAAAAAAAAkUAAAAAQAAABQAAAAUAAAAFAAAAAEAAAAAAAAAZAAAAGQAAAAAAAAAZAAAAGQAAAAVAAAAYAAAAAAAAAAAAAAADwAAACADAAAAAAAAAAAAAAEAAACgMgAAVgcAAKr4//8BAAAAf39/AAEAAABkAAAAAAAAABQAAABAHwAAAAAAACYAAAAAAAAAwOD//wAAAAAmAAAAZAAAABYAAABMAAAAAAAAAAAAAAAEAAAAAAAAAAEAAADn5uYKAAAAACgAAAAoAAAAZAAAAGQAAAAAAAAAzMzMAAAAAABQAAAAUAAAAGQAAABkAAAAAAAAABcAAAAUAAAAAAAAAAAAAAD/fwAA/38AAAAAAAAJAAAABAAAAHoQEgEMAAAAEAAAAAAAAAAAAAAAAAAAAAAAAAAeAAAAaAAAAAAAAAAAAAAAAAAAAAAAAAAAAAAAECcAABAnAAAAAAAAAAAAAAAAAAAAAAAAAAAAAAAAAAAAAAAAAAAAABQAAAAAAAAAwMD/AAAAAABkAAAAMgAAAAAAAABkAAAAAAAAAH9/fwAKAAAAHwAAAFQAAAAAAAAFAAAAAQAAAAAAAAAAAAAAAAAAAAAAAAAAAAAAAAAAAAAAAAAAAAAAAn9/fwAAAAADzMzMAMDA/wB/f38AAAAAAAAAAAAAAAAAAAAAAAAAAAAhAAAAGAAAABQAAAAoBQAAGicAAAgWAABZKQAAEAAAACYAAAAIAAAAAAAAAAAAAAA="/>
+              </a:ext>
+            </a:extLst>
           </p:cNvSpPr>
           <p:nvPr>
             <p:ph type="dt" sz="half" idx="10"/>
@@ -2083,25 +2234,25 @@
           <a:bodyPr/>
           <a:lstStyle/>
           <a:p>
-            <a:fld id="{A41623FA-A335-45C5-BB79-1A7460F098FD}" type="datetimeFigureOut">
-              <a:rPr lang="es-MX" smtClean="0"/>
+            <a:pPr>
+              <a:defRPr lang="es-mx"/>
+            </a:pPr>
+            <a:fld id="{79017192-DC94-5487-DAB9-2AD23FF72C7F}" type="datetime1">
               <a:t>09/09/2019</a:t>
             </a:fld>
-            <a:endParaRPr lang="es-MX"/>
-          </a:p>
-        </p:txBody>
-      </p:sp>
-      <p:sp>
-        <p:nvSpPr>
-          <p:cNvPr id="3" name="Marcador de pie de página 2">
-            <a:extLst>
-              <a:ext uri="{FF2B5EF4-FFF2-40B4-BE49-F238E27FC236}">
-                <a16:creationId xmlns:a16="http://schemas.microsoft.com/office/drawing/2014/main" id="{D1BCC61C-2E51-497B-9128-B045006DA47A}"/>
-              </a:ext>
-            </a:extLst>
-          </p:cNvPr>
-          <p:cNvSpPr>
-            <a:spLocks noGrp="1"/>
+          </a:p>
+        </p:txBody>
+      </p:sp>
+      <p:sp>
+        <p:nvSpPr>
+          <p:cNvPr id="3" name="Marcador de pie de página 2"/>
+          <p:cNvSpPr>
+            <a:spLocks noGrp="1" noChangeArrowheads="1"/>
+            <a:extLst>
+              <a:ext uri="smNativeData">
+                <pr:smNativeData xmlns:pr="smNativeData" val="SMDATA_13_A8J7XRMAAAAlAAAAZAAAAA0AAAAAkAAAAEgAAACQAAAASAAAAAAAAAABAAAAAAAAAAEAAABQAAAAAAAAAAAA4D8AAAAAAADgPwAAAAAAAOA/AAAAAAAA4D8AAAAAAADgPwAAAAAAAOA/AAAAAAAA4D8AAAAAAADgPwAAAAAAAOA/AAAAAAAA4D8CAAAAjAAAAAAAAAAAAAAARHLEDP///wgAAAAAAAAAAAAAAAAAAAAAAAAAAAAAAAAAAAAAZAAAAAEAAABAAAAAAAAAAAAAAAAAAAAAAAAAAAAAAAAAAAAAAAAAAAAAAAAAAAAAAAAAAAAAAAAAAAAAAAAAAAAAAAAAAAAAAAAAAAAAAAAAAAAAAAAAAAAAAAAAAAAAFAAAADwAAAAAAAAAAAAAAAAAAAkUAAAAAQAAABQAAAAUAAAAFAAAAAEAAAAAAAAAZAAAAGQAAAAAAAAAZAAAAGQAAAAVAAAAYAAAAAAAAAAAAAAADwAAACADAAAAAAAAAAAAAAEAAACgMgAAVgcAAKr4//8BAAAAf39/AAEAAABkAAAAAAAAABQAAABAHwAAAAAAACYAAAAAAAAAwOD//wAAAAAmAAAAZAAAABYAAABMAAAAAAAAAAAAAAAEAAAAAAAAAAEAAADn5uYKAAAAACgAAAAoAAAAZAAAAGQAAAAAAAAAzMzMAAAAAABQAAAAUAAAAGQAAABkAAAAAAAAABcAAAAUAAAAAAAAAAAAAAD/fwAA/38AAAAAAAAJAAAABAAAAAAAAAAMAAAAEAAAAAAAAAAAAAAAAAAAAAAAAAAeAAAAaAAAAAAAAAAAAAAAAAAAAAAAAAAAAAAAECcAABAnAAAAAAAAAAAAAAAAAAAAAAAAAAAAAAAAAAAAAAAAAAAAABQAAAAAAAAAwMD/AAAAAABkAAAAMgAAAAAAAABkAAAAAAAAAH9/fwAKAAAAHwAAAFQAAAAAAAAFAAAAAQAAAAAAAAAAAAAAAAAAAAAAAAAAAAAAAAAAAAAAAAAAAAAAAn9/fwAAAAADzMzMAMDA/wB/f38AAAAAAAAAAAAAAAAAAAAAAAAAAAAhAAAAGAAAABQAAADYGAAAGicAACgyAABZKQAAEAAAACYAAAAIAAAAAAAAAAAAAAA="/>
+              </a:ext>
+            </a:extLst>
           </p:cNvSpPr>
           <p:nvPr>
             <p:ph type="ftr" sz="quarter" idx="11"/>
@@ -2112,21 +2263,22 @@
           <a:bodyPr/>
           <a:lstStyle/>
           <a:p>
-            <a:endParaRPr lang="es-MX"/>
-          </a:p>
-        </p:txBody>
-      </p:sp>
-      <p:sp>
-        <p:nvSpPr>
-          <p:cNvPr id="4" name="Marcador de número de diapositiva 3">
-            <a:extLst>
-              <a:ext uri="{FF2B5EF4-FFF2-40B4-BE49-F238E27FC236}">
-                <a16:creationId xmlns:a16="http://schemas.microsoft.com/office/drawing/2014/main" id="{47FD485B-CF0C-4F2B-A89C-E2D00CCFEC53}"/>
-              </a:ext>
-            </a:extLst>
-          </p:cNvPr>
-          <p:cNvSpPr>
-            <a:spLocks noGrp="1"/>
+            <a:pPr>
+              <a:defRPr lang="es-mx"/>
+            </a:pPr>
+          </a:p>
+        </p:txBody>
+      </p:sp>
+      <p:sp>
+        <p:nvSpPr>
+          <p:cNvPr id="4" name="Marcador de número de diapositiva 3"/>
+          <p:cNvSpPr>
+            <a:spLocks noGrp="1" noChangeArrowheads="1"/>
+            <a:extLst>
+              <a:ext uri="smNativeData">
+                <pr:smNativeData xmlns:pr="smNativeData" val="SMDATA_13_A8J7XRMAAAAlAAAAZAAAAA0AAAAAkAAAAEgAAACQAAAASAAAAAAAAAABAAAAAAAAAAEAAABQAAAAAAAAAAAA4D8AAAAAAADgPwAAAAAAAOA/AAAAAAAA4D8AAAAAAADgPwAAAAAAAOA/AAAAAAAA4D8AAAAAAADgPwAAAAAAAOA/AAAAAAAA4D8CAAAAjAAAAAAAAAAAAAAARHLEDP///wgAAAAAAAAAAAAAAAAAAAAAAAAAAAAAAAAAAAAAZAAAAAEAAABAAAAAAAAAAAAAAAAAAAAAAAAAAAAAAAAAAAAAAAAAAAAAAAAAAAAAAAAAAAAAAAAAAAAAAAAAAAAAAAAAAAAAAAAAAAAAAAAAAAAAAAAAAAAAAAAAAAAAFAAAADwAAAAAAAAAAAAAAAAAAAkUAAAAAQAAABQAAAAUAAAAFAAAAAEAAAAAAAAAZAAAAGQAAAAAAAAAZAAAAGQAAAAVAAAAYAAAAAAAAAAAAAAADwAAACADAAAAAAAAAAAAAAEAAACgMgAAVgcAAKr4//8BAAAAf39/AAEAAABkAAAAAAAAABQAAABAHwAAAAAAACYAAAAAAAAAwOD//wAAAAAmAAAAZAAAABYAAABMAAAAAAAAAAAAAAAEAAAAAAAAAAEAAADn5uYKAAAAACgAAAAoAAAAZAAAAGQAAAAAAAAAzMzMAAAAAABQAAAAUAAAAGQAAABkAAAAAAAAABcAAAAUAAAAAAAAAAAAAAD/fwAA/38AAAAAAAAJAAAABAAAAAAAAAAMAAAAEAAAAAAAAAAAAAAAAAAAAAAAAAAeAAAAaAAAAAAAAAAAAAAAAAAAAAAAAAAAAAAAECcAABAnAAAAAAAAAAAAAAAAAAAAAAAAAAAAAAAAAAAAAAAAAAAAABQAAAAAAAAAwMD/AAAAAABkAAAAMgAAAAAAAABkAAAAAAAAAH9/fwAKAAAAHwAAAFQAAAAAAAAFAAAAAQAAAAAAAAAAAAAAAAAAAAAAAAAAAAAAAAAAAAAAAAAAAAAAAn9/fwAAAAADzMzMAMDA/wB/f38AAAAAAAAAAAAAAAAAAAAAAAAAAAAhAAAAGAAAABQAAAD4NAAAGicAANhFAABZKQAAEAAAACYAAAAIAAAAAAAAAAAAAAA="/>
+              </a:ext>
+            </a:extLst>
           </p:cNvSpPr>
           <p:nvPr>
             <p:ph type="sldNum" sz="quarter" idx="12"/>
@@ -2137,20 +2289,16 @@
           <a:bodyPr/>
           <a:lstStyle/>
           <a:p>
-            <a:fld id="{AE105821-0AB0-4D6E-945F-B76CA39DA266}" type="slidenum">
-              <a:rPr lang="es-MX" smtClean="0"/>
+            <a:pPr>
+              <a:defRPr lang="es-mx"/>
+            </a:pPr>
+            <a:fld id="{5067FFEB-A5BD-3209-F3DF-535CB1910506}" type="slidenum">
               <a:t>‹Nº›</a:t>
             </a:fld>
-            <a:endParaRPr lang="es-MX"/>
           </a:p>
         </p:txBody>
       </p:sp>
     </p:spTree>
-    <p:extLst>
-      <p:ext uri="{BB962C8B-B14F-4D97-AF65-F5344CB8AC3E}">
-        <p14:creationId xmlns:p14="http://schemas.microsoft.com/office/powerpoint/2010/main" val="2566418097"/>
-      </p:ext>
-    </p:extLst>
   </p:cSld>
   <p:clrMapOvr>
     <a:masterClrMapping/>
@@ -2159,7 +2307,7 @@
 </file>
 
 <file path=ppt/slideLayouts/slideLayout8.xml><?xml version="1.0" encoding="utf-8"?>
-<p:sldLayout xmlns:a="http://schemas.openxmlformats.org/drawingml/2006/main" xmlns:r="http://schemas.openxmlformats.org/officeDocument/2006/relationships" xmlns:p="http://schemas.openxmlformats.org/presentationml/2006/main" type="objTx" preserve="1">
+<p:sldLayout xmlns:p="http://schemas.openxmlformats.org/presentationml/2006/main" xmlns:p14="http://schemas.microsoft.com/office/powerpoint/2010/main" xmlns:r="http://schemas.openxmlformats.org/officeDocument/2006/relationships" xmlns:a="http://schemas.openxmlformats.org/drawingml/2006/main" type="objTx" preserve="1">
   <p:cSld name="Contenido con título">
     <p:spTree>
       <p:nvGrpSpPr>
@@ -2177,15 +2325,14 @@
       </p:grpSpPr>
       <p:sp>
         <p:nvSpPr>
-          <p:cNvPr id="2" name="Título 1">
-            <a:extLst>
-              <a:ext uri="{FF2B5EF4-FFF2-40B4-BE49-F238E27FC236}">
-                <a16:creationId xmlns:a16="http://schemas.microsoft.com/office/drawing/2014/main" id="{BE9146C4-DF73-418D-8930-79E3C93A8B82}"/>
-              </a:ext>
-            </a:extLst>
-          </p:cNvPr>
-          <p:cNvSpPr>
-            <a:spLocks noGrp="1"/>
+          <p:cNvPr id="2" name="Título 1"/>
+          <p:cNvSpPr>
+            <a:spLocks noGrp="1" noChangeArrowheads="1"/>
+            <a:extLst>
+              <a:ext uri="smNativeData">
+                <pr:smNativeData xmlns:pr="smNativeData" val="SMDATA_13_A8J7XRMAAAAlAAAAZAAAAA0AAAAAkAAAAEgAAACQAAAASAAAAAAAAAACAAAAAAAAAAEAAABQAAAAAAAAAAAA4D8AAAAAAADgPwAAAAAAAOA/AAAAAAAA4D8AAAAAAADgPwAAAAAAAOA/AAAAAAAA4D8AAAAAAADgPwAAAAAAAOA/AAAAAAAA4D8CAAAAjAAAAAAAAAAAAAAARHLEDP///wgAAAAAAAAAAAAAAAAAAAAAAAAAAAAAAAAAAAAAZAAAAAEAAABAAAAAAAAAAAAAAAAAAAAAAAAAAAAAAAAAAAAAAAAAAAAAAAAAAAAAAAAAAAAAAAAAAAAAAAAAAAAAAAAAAAAAAAAAAAAAAAAAAAAAAAAAAAAAAAAAAAAAFAAAADwAAAAAAAAAAAAAAAAAAAkUAAAAAQAAABQAAAAUAAAAFAAAAAEAAAAAAAAAZAAAAGQAAAAAAAAAZAAAAGQAAAAVAAAAYAAAAAAAAAAAAAAADwAAACADAAAAAAAAAAAAAAEAAACgMgAAVgcAAKr4//8BAAAAf39/AAEAAABkAAAAAAAAABQAAABAHwAAAAAAACYAAAAAAAAAwOD//wAAAAAmAAAAZAAAABYAAABMAAAAAAAAAAAAAAAEAAAAAAAAAAEAAADn5uYKAAAAACgAAAAoAAAAZAAAAGQAAAAAAAAAzMzMAAAAAABQAAAAUAAAAGQAAABkAAAAAAAAABcAAAAUAAAAAAAAAAAAAAD/fwAA/38AAAAAAAAJAAAABAAAAAAAAAAMAAAAEAAAAAAAAAAAAAAAAAAAAAAAAAAeAAAAaAAAAAAAAAAAAAAAAAAAAAAAAAAAAAAAECcAABAnAAAAAAAAAAAAAAAAAAAAAAAAAAAAAAAAAAAAAAAAAAAAABQAAAAAAAAAwMD/AAAAAABkAAAAMgAAAAAAAABkAAAAAAAAAH9/fwAKAAAAHwAAAFQAAAAAAAAFAAAAAQAAAAAAAAAAAAAAAAAAAAAAAAAAAAAAAAAAAAAAAAAAAAAAAn9/fwAAAAADzMzMAMDA/wB/f38AAAAAAAAAAAAAAAAAAAAAAAAAAAAhAAAAGAAAABQAAAArBQAA0AIAAFsdAACoDAAAEAAAACYAAAAIAAAAgYAAAAAAAAA="/>
+              </a:ext>
+            </a:extLst>
           </p:cNvSpPr>
           <p:nvPr>
             <p:ph type="title"/>
@@ -2193,37 +2340,65 @@
         </p:nvSpPr>
         <p:spPr>
           <a:xfrm>
-            <a:off x="839788" y="457200"/>
-            <a:ext cx="3932237" cy="1600200"/>
+            <a:off x="840105" y="457200"/>
+            <a:ext cx="3931920" cy="1600200"/>
           </a:xfrm>
         </p:spPr>
         <p:txBody>
-          <a:bodyPr anchor="b"/>
+          <a:bodyPr vert="horz" wrap="square" lIns="91440" tIns="45720" rIns="91440" bIns="45720" numCol="1" spcCol="215900" anchor="b">
+            <a:prstTxWarp prst="textNoShape">
+              <a:avLst/>
+            </a:prstTxWarp>
+          </a:bodyPr>
           <a:lstStyle>
             <a:lvl1pPr>
-              <a:defRPr sz="3200"/>
+              <a:defRPr lang="es-es" sz="3200"/>
             </a:lvl1pPr>
+            <a:lvl2pPr>
+              <a:defRPr lang="es-mx"/>
+            </a:lvl2pPr>
+            <a:lvl3pPr>
+              <a:defRPr lang="es-mx"/>
+            </a:lvl3pPr>
+            <a:lvl4pPr>
+              <a:defRPr lang="es-mx"/>
+            </a:lvl4pPr>
+            <a:lvl5pPr>
+              <a:defRPr lang="es-mx"/>
+            </a:lvl5pPr>
+            <a:lvl6pPr>
+              <a:defRPr lang="es-mx"/>
+            </a:lvl6pPr>
+            <a:lvl7pPr>
+              <a:defRPr lang="es-mx"/>
+            </a:lvl7pPr>
+            <a:lvl8pPr>
+              <a:defRPr lang="es-mx"/>
+            </a:lvl8pPr>
+            <a:lvl9pPr>
+              <a:defRPr lang="es-mx"/>
+            </a:lvl9pPr>
           </a:lstStyle>
           <a:p>
-            <a:r>
-              <a:rPr lang="es-ES"/>
+            <a:pPr>
+              <a:defRPr lang="es-es"/>
+            </a:pPr>
+            <a:r>
               <a:t>Haga clic para modificar el estilo de título del patrón</a:t>
             </a:r>
-            <a:endParaRPr lang="es-MX"/>
-          </a:p>
-        </p:txBody>
-      </p:sp>
-      <p:sp>
-        <p:nvSpPr>
-          <p:cNvPr id="3" name="Marcador de contenido 2">
-            <a:extLst>
-              <a:ext uri="{FF2B5EF4-FFF2-40B4-BE49-F238E27FC236}">
-                <a16:creationId xmlns:a16="http://schemas.microsoft.com/office/drawing/2014/main" id="{ED68A060-D06B-4F76-A02F-A6B55C0253E4}"/>
-              </a:ext>
-            </a:extLst>
-          </p:cNvPr>
-          <p:cNvSpPr>
-            <a:spLocks noGrp="1"/>
+          </a:p>
+        </p:txBody>
+      </p:sp>
+      <p:sp>
+        <p:nvSpPr>
+          <p:cNvPr id="3" name="Marcador de contenido 2"/>
+          <p:cNvSpPr>
+            <a:spLocks noGrp="1" noChangeArrowheads="1"/>
+            <a:extLst>
+              <a:ext uri="smNativeData">
+                <pr:smNativeData xmlns:pr="smNativeData" val="SMDATA_13_A8J7XRMAAAAlAAAAZAAAAA0AAAAAkAAAAEgAAACQAAAASAAAAAAAAAAAAAAAAAAAAAEAAABQAAAAAAAAAAAA4D8AAAAAAADgPwAAAAAAAOA/AAAAAAAA4D8AAAAAAADgPwAAAAAAAOA/AAAAAAAA4D8AAAAAAADgPwAAAAAAAOA/AAAAAAAA4D8CAAAAjAAAAAAAAAAAAAAARHLEDP///wgAAAAAAAAAAAAAAAAAAAAAAAAAAAAAAAAAAAAAZAAAAAEAAABAAAAAAAAAAAAAAAAAAAAAAAAAAAAAAAAAAAAAAAAAAAAAAAAAAAAAAAAAAAAAAAAAAAAAAAAAAAAAAAAAAAAAAAAAAAAAAAAAAAAAAAAAAAAAAAAAAAAAFAAAADwAAAAAAAAAAAAAAAAAAAkUAAAAAQAAABQAAAAUAAAAFAAAAAEAAAAAAAAAZAAAAGQAAAAAAAAAZAAAAGQAAAAVAAAAYAAAAAAAAAAAAAAADwAAACADAAAAAAAAAAAAAAEAAACgMgAAVgcAAKr4//8BAAAAf39/AAEAAABkAAAAAAAAABQAAABAHwAAAAAAACYAAAAAAAAAwOD//wAAAAAmAAAAZAAAABYAAABMAAAAAAAAAAAAAAAEAAAAAAAAAAEAAADn5uYKAAAAACgAAAAoAAAAZAAAAGQAAAAAAAAAzMzMAAAAAABQAAAAUAAAAGQAAABkAAAAAAAAABcAAAAUAAAAAAAAAAAAAAD/fwAA/38AAAAAAAAJAAAABAAAAAAAAAAMAAAAEAAAAAAAAAAAAAAAAAAAAAAAAAAeAAAAaAAAAAAAAAAAAAAAAAAAAAAAAAAAAAAAECcAABAnAAAAAAAAAAAAAAAAAAAAAAAAAAAAAAAAAAAAAAAAAAAAABQAAAAAAAAAwMD/AAAAAABkAAAAMgAAAAAAAABkAAAAAAAAAH9/fwAKAAAAHwAAAFQAAAAAAAAFAAAAAQAAAAAAAAAAAAAAAAAAAAAAAAAAAAAAAAAAAAAAAAAAAAAAAn9/fwAAAAADzMzMAMDA/wB/f38AAAAAAAAAAAAAAAAAAAAAAAAAAAAhAAAAGAAAABQAAADjHwAAEwYAANtFAAAOJAAAEAAAACYAAAAIAAAAAYAAAAAAAAA="/>
+              </a:ext>
+            </a:extLst>
           </p:cNvSpPr>
           <p:nvPr>
             <p:ph idx="1"/>
@@ -2231,7 +2406,7 @@
         </p:nvSpPr>
         <p:spPr>
           <a:xfrm>
-            <a:off x="5183188" y="987425"/>
+            <a:off x="5183505" y="987425"/>
             <a:ext cx="6172200" cy="4873625"/>
           </a:xfrm>
         </p:spPr>
@@ -2239,91 +2414,94 @@
           <a:bodyPr/>
           <a:lstStyle>
             <a:lvl1pPr>
-              <a:defRPr sz="3200"/>
+              <a:defRPr lang="es-es" sz="3200"/>
             </a:lvl1pPr>
             <a:lvl2pPr>
-              <a:defRPr sz="2800"/>
+              <a:defRPr lang="es-es" sz="2800"/>
             </a:lvl2pPr>
             <a:lvl3pPr>
-              <a:defRPr sz="2400"/>
+              <a:defRPr lang="es-es" sz="2400"/>
             </a:lvl3pPr>
             <a:lvl4pPr>
-              <a:defRPr sz="2000"/>
+              <a:defRPr lang="es-es" sz="2000"/>
             </a:lvl4pPr>
             <a:lvl5pPr>
-              <a:defRPr sz="2000"/>
+              <a:defRPr lang="es-es" sz="2000"/>
             </a:lvl5pPr>
             <a:lvl6pPr>
-              <a:defRPr sz="2000"/>
+              <a:defRPr lang="es-mx" sz="2000"/>
             </a:lvl6pPr>
             <a:lvl7pPr>
-              <a:defRPr sz="2000"/>
+              <a:defRPr lang="es-mx" sz="2000"/>
             </a:lvl7pPr>
             <a:lvl8pPr>
-              <a:defRPr sz="2000"/>
+              <a:defRPr lang="es-mx" sz="2000"/>
             </a:lvl8pPr>
             <a:lvl9pPr>
-              <a:defRPr sz="2000"/>
+              <a:defRPr lang="es-mx" sz="2000"/>
             </a:lvl9pPr>
           </a:lstStyle>
           <a:p>
-            <a:pPr lvl="0"/>
-            <a:r>
-              <a:rPr lang="es-ES"/>
+            <a:pPr>
+              <a:defRPr lang="es-es"/>
+            </a:pPr>
+            <a:r>
               <a:t>Haga clic para modificar los estilos de texto del patrón</a:t>
             </a:r>
           </a:p>
           <a:p>
-            <a:pPr lvl="1"/>
-            <a:r>
-              <a:rPr lang="es-ES"/>
+            <a:pPr lvl="1">
+              <a:defRPr lang="es-es"/>
+            </a:pPr>
+            <a:r>
               <a:t>Segundo nivel</a:t>
             </a:r>
           </a:p>
           <a:p>
-            <a:pPr lvl="2"/>
-            <a:r>
-              <a:rPr lang="es-ES"/>
+            <a:pPr lvl="2">
+              <a:defRPr lang="es-es"/>
+            </a:pPr>
+            <a:r>
               <a:t>Tercer nivel</a:t>
             </a:r>
           </a:p>
           <a:p>
-            <a:pPr lvl="3"/>
-            <a:r>
-              <a:rPr lang="es-ES"/>
+            <a:pPr lvl="3">
+              <a:defRPr lang="es-es"/>
+            </a:pPr>
+            <a:r>
               <a:t>Cuarto nivel</a:t>
             </a:r>
           </a:p>
           <a:p>
-            <a:pPr lvl="4"/>
-            <a:r>
-              <a:rPr lang="es-ES"/>
+            <a:pPr lvl="4">
+              <a:defRPr lang="es-es"/>
+            </a:pPr>
+            <a:r>
               <a:t>Quinto nivel</a:t>
             </a:r>
-            <a:endParaRPr lang="es-MX"/>
-          </a:p>
-        </p:txBody>
-      </p:sp>
-      <p:sp>
-        <p:nvSpPr>
-          <p:cNvPr id="4" name="Marcador de texto 3">
-            <a:extLst>
-              <a:ext uri="{FF2B5EF4-FFF2-40B4-BE49-F238E27FC236}">
-                <a16:creationId xmlns:a16="http://schemas.microsoft.com/office/drawing/2014/main" id="{D3F9D20E-EE6B-42E4-8EA2-AAB79FF52F68}"/>
-              </a:ext>
-            </a:extLst>
-          </p:cNvPr>
-          <p:cNvSpPr>
-            <a:spLocks noGrp="1"/>
-          </p:cNvSpPr>
-          <p:nvPr>
-            <p:ph type="body" sz="half" idx="2"/>
+          </a:p>
+        </p:txBody>
+      </p:sp>
+      <p:sp>
+        <p:nvSpPr>
+          <p:cNvPr id="4" name="Marcador de texto 3"/>
+          <p:cNvSpPr>
+            <a:spLocks noGrp="1" noChangeArrowheads="1"/>
+            <a:extLst>
+              <a:ext uri="smNativeData">
+                <pr:smNativeData xmlns:pr="smNativeData" val="SMDATA_13_A8J7XRMAAAAlAAAAZAAAAA0AAAAAkAAAAEgAAACQAAAASAAAAAAAAAAAAAAAAAAAAAEAAABQAAAAAAAAAAAA4D8AAAAAAADgPwAAAAAAAOA/AAAAAAAA4D8AAAAAAADgPwAAAAAAAOA/AAAAAAAA4D8AAAAAAADgPwAAAAAAAOA/AAAAAAAA4D8CAAAAjAAAAAAAAAAAAAAARHLEDP///wgAAAAAAAAAAAAAAAAAAAAAAAAAAAAAAAAAAAAAZAAAAAEAAABAAAAAAAAAAAAAAAAAAAAAAAAAAAAAAAAAAAAAAAAAAAAAAAAAAAAAAAAAAAAAAAAAAAAAAAAAAAAAAAAAAAAAAAAAAAAAAAAAAAAAAAAAAAAAAAAAAAAAFAAAADwAAAAAAAAAAAAAAAAAAAkUAAAAAQAAABQAAAAUAAAAFAAAAAEAAAAAAAAAZAAAAGQAAAAAAAAAZAAAAGQAAAAVAAAAYAAAAAAAAAAAAAAADwAAACADAAAAAAAAAAAAAAEAAACgMgAAVgcAAKr4//8BAAAAf39/AAEAAABkAAAAAAAAABQAAABAHwAAAAAAACYAAAAAAAAAwOD//wAAAAAmAAAAZAAAABYAAABMAAAAAAAAAAAAAAAEAAAAAAAAAAEAAADn5uYKAAAAACgAAAAoAAAAZAAAAGQAAAAAAAAAzMzMAAAAAABQAAAAUAAAAGQAAABkAAAAAAAAABcAAAAUAAAAAAAAAAAAAAD/fwAA/38AAAAAAAAJAAAABAAAAAAAAAAMAAAAEAAAAAAAAAAAAAAAAAAAAAAAAAAeAAAAaAAAAAAAAAAAAAAAAAAAAAAAAAAAAAAAECcAABAnAAAAAAAAAAAAAAAAAAAAAAAAAAAAAAAAAAAAAAAAAAAAABQAAAAAAAAAwMD/AAAAAABkAAAAMgAAAAAAAABkAAAAAAAAAH9/fwAKAAAAHwAAAFQAAAAAAAAFAAAAAQAAAAAAAAAAAAAAAAAAAAAAAAAAAAAAAAAAAAAAAAAAAAAAAn9/fwAAAAADzMzMAMDA/wB/f38AAAAAAAAAAAAAAAAAAAAAAAAAAAAhAAAAGAAAABQAAAArBQAAqAwAAFsdAAAbJAAAEAAAACYAAAAIAAAAAYAAAAAAAAA="/>
+              </a:ext>
+            </a:extLst>
+          </p:cNvSpPr>
+          <p:nvPr>
+            <p:ph idx="2"/>
           </p:nvPr>
         </p:nvSpPr>
         <p:spPr>
           <a:xfrm>
-            <a:off x="839788" y="2057400"/>
-            <a:ext cx="3932237" cy="3811588"/>
+            <a:off x="840105" y="2057400"/>
+            <a:ext cx="3931920" cy="3811905"/>
           </a:xfrm>
         </p:spPr>
         <p:txBody>
@@ -2331,45 +2509,46 @@
           <a:lstStyle>
             <a:lvl1pPr marL="0" indent="0">
               <a:buNone/>
-              <a:defRPr sz="1600"/>
+              <a:defRPr lang="es-es" sz="1600"/>
             </a:lvl1pPr>
             <a:lvl2pPr marL="457200" indent="0">
               <a:buNone/>
-              <a:defRPr sz="1400"/>
+              <a:defRPr lang="es-es" sz="1400"/>
             </a:lvl2pPr>
             <a:lvl3pPr marL="914400" indent="0">
               <a:buNone/>
-              <a:defRPr sz="1200"/>
+              <a:defRPr lang="es-es" sz="1200"/>
             </a:lvl3pPr>
             <a:lvl4pPr marL="1371600" indent="0">
               <a:buNone/>
-              <a:defRPr sz="1000"/>
+              <a:defRPr lang="es-es" sz="1000"/>
             </a:lvl4pPr>
             <a:lvl5pPr marL="1828800" indent="0">
               <a:buNone/>
-              <a:defRPr sz="1000"/>
+              <a:defRPr lang="es-es" sz="1000"/>
             </a:lvl5pPr>
             <a:lvl6pPr marL="2286000" indent="0">
               <a:buNone/>
-              <a:defRPr sz="1000"/>
+              <a:defRPr lang="es-mx" sz="1000"/>
             </a:lvl6pPr>
             <a:lvl7pPr marL="2743200" indent="0">
               <a:buNone/>
-              <a:defRPr sz="1000"/>
+              <a:defRPr lang="es-mx" sz="1000"/>
             </a:lvl7pPr>
             <a:lvl8pPr marL="3200400" indent="0">
               <a:buNone/>
-              <a:defRPr sz="1000"/>
+              <a:defRPr lang="es-mx" sz="1000"/>
             </a:lvl8pPr>
             <a:lvl9pPr marL="3657600" indent="0">
               <a:buNone/>
-              <a:defRPr sz="1000"/>
+              <a:defRPr lang="es-mx" sz="1000"/>
             </a:lvl9pPr>
           </a:lstStyle>
           <a:p>
-            <a:pPr lvl="0"/>
-            <a:r>
-              <a:rPr lang="es-ES"/>
+            <a:pPr>
+              <a:defRPr lang="es-es"/>
+            </a:pPr>
+            <a:r>
               <a:t>Haga clic para modificar los estilos de texto del patrón</a:t>
             </a:r>
           </a:p>
@@ -2377,15 +2556,14 @@
       </p:sp>
       <p:sp>
         <p:nvSpPr>
-          <p:cNvPr id="5" name="Marcador de fecha 4">
-            <a:extLst>
-              <a:ext uri="{FF2B5EF4-FFF2-40B4-BE49-F238E27FC236}">
-                <a16:creationId xmlns:a16="http://schemas.microsoft.com/office/drawing/2014/main" id="{7F4DE0F3-DB84-4E81-83E0-3864BBDE09F9}"/>
-              </a:ext>
-            </a:extLst>
-          </p:cNvPr>
-          <p:cNvSpPr>
-            <a:spLocks noGrp="1"/>
+          <p:cNvPr id="5" name="Marcador de fecha 4"/>
+          <p:cNvSpPr>
+            <a:spLocks noGrp="1" noChangeArrowheads="1"/>
+            <a:extLst>
+              <a:ext uri="smNativeData">
+                <pr:smNativeData xmlns:pr="smNativeData" val="SMDATA_13_A8J7XRMAAAAlAAAAZAAAAA0AAAAAkAAAAEgAAACQAAAASAAAAAAAAAABAAAAAAAAAAEAAABQAAAAAAAAAAAA4D8AAAAAAADgPwAAAAAAAOA/AAAAAAAA4D8AAAAAAADgPwAAAAAAAOA/AAAAAAAA4D8AAAAAAADgPwAAAAAAAOA/AAAAAAAA4D8CAAAAjAAAAAAAAAAAAAAARHLEDP///wgAAAAAAAAAAAAAAAAAAAAAAAAAAAAAAAAAAAAAZAAAAAEAAABAAAAAAAAAAAAAAAAAAAAAAAAAAAAAAAAAAAAAAAAAAAAAAAAAAAAAAAAAAAAAAAAAAAAAAAAAAAAAAAAAAAAAAAAAAAAAAAAAAAAAAAAAAAAAAAAAAAAAFAAAADwAAAAAAAAAAAAAAAAAAAkUAAAAAQAAABQAAAAUAAAAFAAAAAEAAAAAAAAAZAAAAGQAAAAAAAAAZAAAAGQAAAAVAAAAYAAAAAAAAAAAAAAADwAAACADAAAAAAAAAAAAAAEAAACgMgAAVgcAAKr4//8BAAAAf39/AAEAAABkAAAAAAAAABQAAABAHwAAAAAAACYAAAAAAAAAwOD//wAAAAAmAAAAZAAAABYAAABMAAAAAAAAAAAAAAAEAAAAAAAAAAEAAADn5uYKAAAAACgAAAAoAAAAZAAAAGQAAAAAAAAAzMzMAAAAAABQAAAAUAAAAGQAAABkAAAAAAAAABcAAAAUAAAAAAAAAAAAAAD/fwAA/38AAAAAAAAJAAAABAAAAAAAAAAMAAAAEAAAAAAAAAAAAAAAAAAAAAAAAAAeAAAAaAAAAAAAAAAAAAAAAAAAAAAAAAAAAAAAECcAABAnAAAAAAAAAAAAAAAAAAAAAAAAAAAAAAAAAAAAAAAAAAAAABQAAAAAAAAAwMD/AAAAAABkAAAAMgAAAAAAAABkAAAAAAAAAH9/fwAKAAAAHwAAAFQAAAAAAAAFAAAAAQAAAAAAAAAAAAAAAAAAAAAAAAAAAAAAAAAAAAAAAAAAAAAAAn9/fwAAAAADzMzMAMDA/wB/f38AAAAAAAAAAAAAAAAAAAAAAAAAAAAhAAAAGAAAABQAAAAoBQAAGicAAAgWAABZKQAAEAAAACYAAAAIAAAAAAAAAAAAAAA="/>
+              </a:ext>
+            </a:extLst>
           </p:cNvSpPr>
           <p:nvPr>
             <p:ph type="dt" sz="half" idx="10"/>
@@ -2396,25 +2574,25 @@
           <a:bodyPr/>
           <a:lstStyle/>
           <a:p>
-            <a:fld id="{A41623FA-A335-45C5-BB79-1A7460F098FD}" type="datetimeFigureOut">
-              <a:rPr lang="es-MX" smtClean="0"/>
+            <a:pPr>
+              <a:defRPr lang="es-mx"/>
+            </a:pPr>
+            <a:fld id="{2B89F5C7-89C6-DC03-8831-7F56BB7F7E2A}" type="datetime1">
               <a:t>09/09/2019</a:t>
             </a:fld>
-            <a:endParaRPr lang="es-MX"/>
-          </a:p>
-        </p:txBody>
-      </p:sp>
-      <p:sp>
-        <p:nvSpPr>
-          <p:cNvPr id="6" name="Marcador de pie de página 5">
-            <a:extLst>
-              <a:ext uri="{FF2B5EF4-FFF2-40B4-BE49-F238E27FC236}">
-                <a16:creationId xmlns:a16="http://schemas.microsoft.com/office/drawing/2014/main" id="{235923B3-98AC-4B49-96CB-BDF44075169C}"/>
-              </a:ext>
-            </a:extLst>
-          </p:cNvPr>
-          <p:cNvSpPr>
-            <a:spLocks noGrp="1"/>
+          </a:p>
+        </p:txBody>
+      </p:sp>
+      <p:sp>
+        <p:nvSpPr>
+          <p:cNvPr id="6" name="Marcador de pie de página 5"/>
+          <p:cNvSpPr>
+            <a:spLocks noGrp="1" noChangeArrowheads="1"/>
+            <a:extLst>
+              <a:ext uri="smNativeData">
+                <pr:smNativeData xmlns:pr="smNativeData" val="SMDATA_13_A8J7XRMAAAAlAAAAZAAAAA0AAAAAkAAAAEgAAACQAAAASAAAAAAAAAABAAAAAAAAAAEAAABQAAAAAAAAAAAA4D8AAAAAAADgPwAAAAAAAOA/AAAAAAAA4D8AAAAAAADgPwAAAAAAAOA/AAAAAAAA4D8AAAAAAADgPwAAAAAAAOA/AAAAAAAA4D8CAAAAjAAAAAAAAAAAAAAARHLEDP///wgAAAAAAAAAAAAAAAAAAAAAAAAAAAAAAAAAAAAAZAAAAAEAAABAAAAAAAAAAAAAAAAAAAAAAAAAAAAAAAAAAAAAAAAAAAAAAAAAAAAAAAAAAAAAAAAAAAAAAAAAAAAAAAAAAAAAAAAAAAAAAAAAAAAAAAAAAAAAAAAAAAAAFAAAADwAAAAAAAAAAAAAAAAAAAkUAAAAAQAAABQAAAAUAAAAFAAAAAEAAAAAAAAAZAAAAGQAAAAAAAAAZAAAAGQAAAAVAAAAYAAAAAAAAAAAAAAADwAAACADAAAAAAAAAAAAAAEAAACgMgAAVgcAAKr4//8BAAAAf39/AAEAAABkAAAAAAAAABQAAABAHwAAAAAAACYAAAAAAAAAwOD//wAAAAAmAAAAZAAAABYAAABMAAAAAAAAAAAAAAAEAAAAAAAAAAEAAADn5uYKAAAAACgAAAAoAAAAZAAAAGQAAAAAAAAAzMzMAAAAAABQAAAAUAAAAGQAAABkAAAAAAAAABcAAAAUAAAAAAAAAAAAAAD/fwAA/38AAAAAAAAJAAAABAAAAAAAAAAMAAAAEAAAAAAAAAAAAAAAAAAAAAAAAAAeAAAAaAAAAAAAAAAAAAAAAAAAAAAAAAAAAAAAECcAABAnAAAAAAAAAAAAAAAAAAAAAAAAAAAAAAAAAAAAAAAAAAAAABQAAAAAAAAAwMD/AAAAAABkAAAAMgAAAAAAAABkAAAAAAAAAH9/fwAKAAAAHwAAAFQAAAAAAAAFAAAAAQAAAAAAAAAAAAAAAAAAAAAAAAAAAAAAAAAAAAAAAAAAAAAAAn9/fwAAAAADzMzMAMDA/wB/f38AAAAAAAAAAAAAAAAAAAAAAAAAAAAhAAAAGAAAABQAAADYGAAAGicAACgyAABZKQAAEAAAACYAAAAIAAAAAAAAAAAAAAA="/>
+              </a:ext>
+            </a:extLst>
           </p:cNvSpPr>
           <p:nvPr>
             <p:ph type="ftr" sz="quarter" idx="11"/>
@@ -2425,21 +2603,22 @@
           <a:bodyPr/>
           <a:lstStyle/>
           <a:p>
-            <a:endParaRPr lang="es-MX"/>
-          </a:p>
-        </p:txBody>
-      </p:sp>
-      <p:sp>
-        <p:nvSpPr>
-          <p:cNvPr id="7" name="Marcador de número de diapositiva 6">
-            <a:extLst>
-              <a:ext uri="{FF2B5EF4-FFF2-40B4-BE49-F238E27FC236}">
-                <a16:creationId xmlns:a16="http://schemas.microsoft.com/office/drawing/2014/main" id="{A61DD992-351A-4627-875D-4A4B920949B9}"/>
-              </a:ext>
-            </a:extLst>
-          </p:cNvPr>
-          <p:cNvSpPr>
-            <a:spLocks noGrp="1"/>
+            <a:pPr>
+              <a:defRPr lang="es-mx"/>
+            </a:pPr>
+          </a:p>
+        </p:txBody>
+      </p:sp>
+      <p:sp>
+        <p:nvSpPr>
+          <p:cNvPr id="7" name="Marcador de número de diapositiva 6"/>
+          <p:cNvSpPr>
+            <a:spLocks noGrp="1" noChangeArrowheads="1"/>
+            <a:extLst>
+              <a:ext uri="smNativeData">
+                <pr:smNativeData xmlns:pr="smNativeData" val="SMDATA_13_A8J7XRMAAAAlAAAAZAAAAA0AAAAAkAAAAEgAAACQAAAASAAAAAAAAAABAAAAAAAAAAEAAABQAAAAAAAAAAAA4D8AAAAAAADgPwAAAAAAAOA/AAAAAAAA4D8AAAAAAADgPwAAAAAAAOA/AAAAAAAA4D8AAAAAAADgPwAAAAAAAOA/AAAAAAAA4D8CAAAAjAAAAAAAAAAAAAAARHLEDP///wgAAAAAAAAAAAAAAAAAAAAAAAAAAAAAAAAAAAAAZAAAAAEAAABAAAAAAAAAAAAAAAAAAAAAAAAAAAAAAAAAAAAAAAAAAAAAAAAAAAAAAAAAAAAAAAAAAAAAAAAAAAAAAAAAAAAAAAAAAAAAAAAAAAAAAAAAAAAAAAAAAAAAFAAAADwAAAAAAAAAAAAAAAAAAAkUAAAAAQAAABQAAAAUAAAAFAAAAAEAAAAAAAAAZAAAAGQAAAAAAAAAZAAAAGQAAAAVAAAAYAAAAAAAAAAAAAAADwAAACADAAAAAAAAAAAAAAEAAACgMgAAVgcAAKr4//8BAAAAf39/AAEAAABkAAAAAAAAABQAAABAHwAAAAAAACYAAAAAAAAAwOD//wAAAAAmAAAAZAAAABYAAABMAAAAAAAAAAAAAAAEAAAAAAAAAAEAAADn5uYKAAAAACgAAAAoAAAAZAAAAGQAAAAAAAAAzMzMAAAAAABQAAAAUAAAAGQAAABkAAAAAAAAABcAAAAUAAAAAAAAAAAAAAD/fwAA/38AAAAAAAAJAAAABAAAAAAAAAAMAAAAEAAAAAAAAAAAAAAAAAAAAAAAAAAeAAAAaAAAAAAAAAAAAAAAAAAAAAAAAAAAAAAAECcAABAnAAAAAAAAAAAAAAAAAAAAAAAAAAAAAAAAAAAAAAAAAAAAABQAAAAAAAAAwMD/AAAAAABkAAAAMgAAAAAAAABkAAAAAAAAAH9/fwAKAAAAHwAAAFQAAAAAAAAFAAAAAQAAAAAAAAAAAAAAAAAAAAAAAAAAAAAAAAAAAAAAAAAAAAAAAn9/fwAAAAADzMzMAMDA/wB/f38AAAAAAAAAAAAAAAAAAAAAAAAAAAAhAAAAGAAAABQAAAD4NAAAGicAANhFAABZKQAAEAAAACYAAAAIAAAAAAAAAAAAAAA="/>
+              </a:ext>
+            </a:extLst>
           </p:cNvSpPr>
           <p:nvPr>
             <p:ph type="sldNum" sz="quarter" idx="12"/>
@@ -2450,20 +2629,16 @@
           <a:bodyPr/>
           <a:lstStyle/>
           <a:p>
-            <a:fld id="{AE105821-0AB0-4D6E-945F-B76CA39DA266}" type="slidenum">
-              <a:rPr lang="es-MX" smtClean="0"/>
+            <a:pPr>
+              <a:defRPr lang="es-mx"/>
+            </a:pPr>
+            <a:fld id="{53B5667B-35BE-E090-F00D-C3C528430696}" type="slidenum">
               <a:t>‹Nº›</a:t>
             </a:fld>
-            <a:endParaRPr lang="es-MX"/>
           </a:p>
         </p:txBody>
       </p:sp>
     </p:spTree>
-    <p:extLst>
-      <p:ext uri="{BB962C8B-B14F-4D97-AF65-F5344CB8AC3E}">
-        <p14:creationId xmlns:p14="http://schemas.microsoft.com/office/powerpoint/2010/main" val="2434321117"/>
-      </p:ext>
-    </p:extLst>
   </p:cSld>
   <p:clrMapOvr>
     <a:masterClrMapping/>
@@ -2472,7 +2647,7 @@
 </file>
 
 <file path=ppt/slideLayouts/slideLayout9.xml><?xml version="1.0" encoding="utf-8"?>
-<p:sldLayout xmlns:a="http://schemas.openxmlformats.org/drawingml/2006/main" xmlns:r="http://schemas.openxmlformats.org/officeDocument/2006/relationships" xmlns:p="http://schemas.openxmlformats.org/presentationml/2006/main" type="picTx" preserve="1">
+<p:sldLayout xmlns:p="http://schemas.openxmlformats.org/presentationml/2006/main" xmlns:p14="http://schemas.microsoft.com/office/powerpoint/2010/main" xmlns:r="http://schemas.openxmlformats.org/officeDocument/2006/relationships" xmlns:a="http://schemas.openxmlformats.org/drawingml/2006/main" type="picTx" preserve="1">
   <p:cSld name="Imagen con título">
     <p:spTree>
       <p:nvGrpSpPr>
@@ -2490,15 +2665,14 @@
       </p:grpSpPr>
       <p:sp>
         <p:nvSpPr>
-          <p:cNvPr id="2" name="Título 1">
-            <a:extLst>
-              <a:ext uri="{FF2B5EF4-FFF2-40B4-BE49-F238E27FC236}">
-                <a16:creationId xmlns:a16="http://schemas.microsoft.com/office/drawing/2014/main" id="{717C304D-1BB1-446B-A413-9D820BAF7A0F}"/>
-              </a:ext>
-            </a:extLst>
-          </p:cNvPr>
-          <p:cNvSpPr>
-            <a:spLocks noGrp="1"/>
+          <p:cNvPr id="2" name="Título 1"/>
+          <p:cNvSpPr>
+            <a:spLocks noGrp="1" noChangeArrowheads="1"/>
+            <a:extLst>
+              <a:ext uri="smNativeData">
+                <pr:smNativeData xmlns:pr="smNativeData" val="SMDATA_13_A8J7XRMAAAAlAAAAZAAAAA0AAAAAkAAAAEgAAACQAAAASAAAAAAAAAACAAAAAAAAAAEAAABQAAAAAAAAAAAA4D8AAAAAAADgPwAAAAAAAOA/AAAAAAAA4D8AAAAAAADgPwAAAAAAAOA/AAAAAAAA4D8AAAAAAADgPwAAAAAAAOA/AAAAAAAA4D8CAAAAjAAAAAAAAAAAAAAARHLEDP///wgAAAAAAAAAAAAAAAAAAAAAAAAAAAAAAAAAAAAAZAAAAAEAAABAAAAAAAAAAAAAAAAAAAAAAAAAAAAAAAAAAAAAAAAAAAAAAAAAAAAAAAAAAAAAAAAAAAAAAAAAAAAAAAAAAAAAAAAAAAAAAAAAAAAAAAAAAAAAAAAAAAAAFAAAADwAAAAAAAAAAAAAAAAAAAkUAAAAAQAAABQAAAAUAAAAFAAAAAEAAAAAAAAAZAAAAGQAAAAAAAAAZAAAAGQAAAAVAAAAYAAAAAAAAAAAAAAADwAAACADAAAAAAAAAAAAAAEAAACgMgAAVgcAAKr4//8BAAAAf39/AAEAAABkAAAAAAAAABQAAABAHwAAAAAAACYAAAAAAAAAwOD//wAAAAAmAAAAZAAAABYAAABMAAAAAAAAAAAAAAAEAAAAAAAAAAEAAADn5uYKAAAAACgAAAAoAAAAZAAAAGQAAAAAAAAAzMzMAAAAAABQAAAAUAAAAGQAAABkAAAAAAAAABcAAAAUAAAAAAAAAAAAAAD/fwAA/38AAAAAAAAJAAAABAAAAAAAAAAMAAAAEAAAAAAAAAAAAAAAAAAAAAAAAAAeAAAAaAAAAAAAAAAAAAAAAAAAAAAAAAAAAAAAECcAABAnAAAAAAAAAAAAAAAAAAAAAAAAAAAAAAAAAAAAAAAAAAAAABQAAAAAAAAAwMD/AAAAAABkAAAAMgAAAAAAAABkAAAAAAAAAH9/fwAKAAAAHwAAAFQAAAAAAAAFAAAAAQAAAAAAAAAAAAAAAAAAAAAAAAAAAAAAAAAAAAAAAAAAAAAAAn9/fwAAAAADzMzMAMDA/wB/f38AAAAAAAAAAAAAAAAAAAAAAAAAAAAhAAAAGAAAABQAAAArBQAA0AIAAFsdAACoDAAAEAAAACYAAAAIAAAAgYAAAAAAAAA="/>
+              </a:ext>
+            </a:extLst>
           </p:cNvSpPr>
           <p:nvPr>
             <p:ph type="title"/>
@@ -2506,37 +2680,65 @@
         </p:nvSpPr>
         <p:spPr>
           <a:xfrm>
-            <a:off x="839788" y="457200"/>
-            <a:ext cx="3932237" cy="1600200"/>
+            <a:off x="840105" y="457200"/>
+            <a:ext cx="3931920" cy="1600200"/>
           </a:xfrm>
         </p:spPr>
         <p:txBody>
-          <a:bodyPr anchor="b"/>
+          <a:bodyPr vert="horz" wrap="square" lIns="91440" tIns="45720" rIns="91440" bIns="45720" numCol="1" spcCol="215900" anchor="b">
+            <a:prstTxWarp prst="textNoShape">
+              <a:avLst/>
+            </a:prstTxWarp>
+          </a:bodyPr>
           <a:lstStyle>
             <a:lvl1pPr>
-              <a:defRPr sz="3200"/>
+              <a:defRPr lang="es-es" sz="3200"/>
             </a:lvl1pPr>
+            <a:lvl2pPr>
+              <a:defRPr lang="es-mx"/>
+            </a:lvl2pPr>
+            <a:lvl3pPr>
+              <a:defRPr lang="es-mx"/>
+            </a:lvl3pPr>
+            <a:lvl4pPr>
+              <a:defRPr lang="es-mx"/>
+            </a:lvl4pPr>
+            <a:lvl5pPr>
+              <a:defRPr lang="es-mx"/>
+            </a:lvl5pPr>
+            <a:lvl6pPr>
+              <a:defRPr lang="es-mx"/>
+            </a:lvl6pPr>
+            <a:lvl7pPr>
+              <a:defRPr lang="es-mx"/>
+            </a:lvl7pPr>
+            <a:lvl8pPr>
+              <a:defRPr lang="es-mx"/>
+            </a:lvl8pPr>
+            <a:lvl9pPr>
+              <a:defRPr lang="es-mx"/>
+            </a:lvl9pPr>
           </a:lstStyle>
           <a:p>
-            <a:r>
-              <a:rPr lang="es-ES"/>
+            <a:pPr>
+              <a:defRPr lang="es-es"/>
+            </a:pPr>
+            <a:r>
               <a:t>Haga clic para modificar el estilo de título del patrón</a:t>
             </a:r>
-            <a:endParaRPr lang="es-MX"/>
-          </a:p>
-        </p:txBody>
-      </p:sp>
-      <p:sp>
-        <p:nvSpPr>
-          <p:cNvPr id="3" name="Marcador de posición de imagen 2">
-            <a:extLst>
-              <a:ext uri="{FF2B5EF4-FFF2-40B4-BE49-F238E27FC236}">
-                <a16:creationId xmlns:a16="http://schemas.microsoft.com/office/drawing/2014/main" id="{6F1D29F8-DA97-4956-92FF-7E7AC0EADAC0}"/>
-              </a:ext>
-            </a:extLst>
-          </p:cNvPr>
-          <p:cNvSpPr>
-            <a:spLocks noGrp="1"/>
+          </a:p>
+        </p:txBody>
+      </p:sp>
+      <p:sp>
+        <p:nvSpPr>
+          <p:cNvPr id="3" name="Marcador de posición de imagen 2"/>
+          <p:cNvSpPr>
+            <a:spLocks noGrp="1" noChangeArrowheads="1"/>
+            <a:extLst>
+              <a:ext uri="smNativeData">
+                <pr:smNativeData xmlns:pr="smNativeData" val="SMDATA_13_A8J7XRMAAAAlAAAAZAAAAA0AAAAAkAAAAEgAAACQAAAASAAAAAAAAAAAAAAAAAAAAAEAAABQAAAAAAAAAAAA4D8AAAAAAADgPwAAAAAAAOA/AAAAAAAA4D8AAAAAAADgPwAAAAAAAOA/AAAAAAAA4D8AAAAAAADgPwAAAAAAAOA/AAAAAAAA4D8CAAAAjAAAAAAAAAAAAAAARHLEDP///wgAAAAAAAAAAAAAAAAAAAAAAAAAAAAAAAAAAAAAZAAAAAEAAABAAAAAAAAAAAAAAAAAAAAAAAAAAAAAAAAAAAAAAAAAAAAAAAAAAAAAAAAAAAAAAAAAAAAAAAAAAAAAAAAAAAAAAAAAAAAAAAAAAAAAAAAAAAAAAAAAAAAAFAAAADwAAAAAAAAAAAAAAAAAAAkUAAAAAQAAABQAAAAUAAAAFAAAAAEAAAAAAAAAZAAAAGQAAAAAAAAAZAAAAGQAAAAVAAAAYAAAAAAAAAAAAAAADwAAACADAAAAAAAAAAAAAAEAAACgMgAAVgcAAKr4//8BAAAAf39/AAEAAABkAAAAAAAAABQAAABAHwAAAAAAACYAAAAAAAAAwOD//wAAAAAmAAAAZAAAABYAAABMAAAAAAAAAAAAAAAEAAAAAAAAAAEAAADn5uYKAAAAACgAAAAoAAAAZAAAAGQAAAAAAAAAzMzMAAAAAABQAAAAUAAAAGQAAABkAAAAAAAAABcAAAAUAAAAAAAAAAAAAAD/fwAA/38AAAAAAAAJAAAABAAAAAAAAAAMAAAAEAAAAAAAAAAAAAAAAAAAAAAAAAAeAAAAaAAAAAAAAAAAAAAAAAAAAAAAAAAAAAAAECcAABAnAAAAAAAAAAAAAAAAAAAAAAAAAAAAAAAAAAAAAAAAAAAAABQAAAAAAAAAwMD/AAAAAABkAAAAMgAAAAAAAABkAAAAAAAAAH9/fwAKAAAAHwAAAFQAAAAAAAAFAAAAAQAAAAAAAAAAAAAAAAAAAAAAAAAAAAAAAAAAAAAAAAAAAAAAAn9/fwAAAAADzMzMAMDA/wB/f38AAAAAAAAAAAAAAAAAAAAAAAAAAAAhAAAAGAAAABQAAADjHwAAEwYAANtFAAAOJAAAEAAAACYAAAAIAAAAAYAAAAAAAAA="/>
+              </a:ext>
+            </a:extLst>
           </p:cNvSpPr>
           <p:nvPr>
             <p:ph type="pic" idx="1"/>
@@ -2544,7 +2746,7 @@
         </p:nvSpPr>
         <p:spPr>
           <a:xfrm>
-            <a:off x="5183188" y="987425"/>
+            <a:off x="5183505" y="987425"/>
             <a:ext cx="6172200" cy="4873625"/>
           </a:xfrm>
         </p:spPr>
@@ -2553,66 +2755,67 @@
           <a:lstStyle>
             <a:lvl1pPr marL="0" indent="0">
               <a:buNone/>
-              <a:defRPr sz="3200"/>
+              <a:defRPr lang="es-es" sz="3200"/>
             </a:lvl1pPr>
             <a:lvl2pPr marL="457200" indent="0">
               <a:buNone/>
-              <a:defRPr sz="2800"/>
+              <a:defRPr lang="es-es" sz="2800"/>
             </a:lvl2pPr>
             <a:lvl3pPr marL="914400" indent="0">
               <a:buNone/>
-              <a:defRPr sz="2400"/>
+              <a:defRPr lang="es-es" sz="2400"/>
             </a:lvl3pPr>
             <a:lvl4pPr marL="1371600" indent="0">
               <a:buNone/>
-              <a:defRPr sz="2000"/>
+              <a:defRPr lang="es-es" sz="2000"/>
             </a:lvl4pPr>
             <a:lvl5pPr marL="1828800" indent="0">
               <a:buNone/>
-              <a:defRPr sz="2000"/>
+              <a:defRPr lang="es-es" sz="2000"/>
             </a:lvl5pPr>
             <a:lvl6pPr marL="2286000" indent="0">
               <a:buNone/>
-              <a:defRPr sz="2000"/>
+              <a:defRPr lang="es-mx" sz="2000"/>
             </a:lvl6pPr>
             <a:lvl7pPr marL="2743200" indent="0">
               <a:buNone/>
-              <a:defRPr sz="2000"/>
+              <a:defRPr lang="es-mx" sz="2000"/>
             </a:lvl7pPr>
             <a:lvl8pPr marL="3200400" indent="0">
               <a:buNone/>
-              <a:defRPr sz="2000"/>
+              <a:defRPr lang="es-mx" sz="2000"/>
             </a:lvl8pPr>
             <a:lvl9pPr marL="3657600" indent="0">
               <a:buNone/>
-              <a:defRPr sz="2000"/>
+              <a:defRPr lang="es-mx" sz="2000"/>
             </a:lvl9pPr>
           </a:lstStyle>
           <a:p>
-            <a:endParaRPr lang="es-MX"/>
-          </a:p>
-        </p:txBody>
-      </p:sp>
-      <p:sp>
-        <p:nvSpPr>
-          <p:cNvPr id="4" name="Marcador de texto 3">
-            <a:extLst>
-              <a:ext uri="{FF2B5EF4-FFF2-40B4-BE49-F238E27FC236}">
-                <a16:creationId xmlns:a16="http://schemas.microsoft.com/office/drawing/2014/main" id="{2946904F-F5EF-4250-B15C-11E6258AE6AE}"/>
-              </a:ext>
-            </a:extLst>
-          </p:cNvPr>
-          <p:cNvSpPr>
-            <a:spLocks noGrp="1"/>
-          </p:cNvSpPr>
-          <p:nvPr>
-            <p:ph type="body" sz="half" idx="2"/>
+            <a:pPr>
+              <a:defRPr lang="es-es"/>
+            </a:pPr>
+          </a:p>
+        </p:txBody>
+      </p:sp>
+      <p:sp>
+        <p:nvSpPr>
+          <p:cNvPr id="4" name="Marcador de texto 3"/>
+          <p:cNvSpPr>
+            <a:spLocks noGrp="1" noChangeArrowheads="1"/>
+            <a:extLst>
+              <a:ext uri="smNativeData">
+                <pr:smNativeData xmlns:pr="smNativeData" val="SMDATA_13_A8J7XRMAAAAlAAAAZAAAAA0AAAAAkAAAAEgAAACQAAAASAAAAAAAAAAAAAAAAAAAAAEAAABQAAAAAAAAAAAA4D8AAAAAAADgPwAAAAAAAOA/AAAAAAAA4D8AAAAAAADgPwAAAAAAAOA/AAAAAAAA4D8AAAAAAADgPwAAAAAAAOA/AAAAAAAA4D8CAAAAjAAAAAAAAAAAAAAARHLEDP///wgAAAAAAAAAAAAAAAAAAAAAAAAAAAAAAAAAAAAAZAAAAAEAAABAAAAAAAAAAAAAAAAAAAAAAAAAAAAAAAAAAAAAAAAAAAAAAAAAAAAAAAAAAAAAAAAAAAAAAAAAAAAAAAAAAAAAAAAAAAAAAAAAAAAAAAAAAAAAAAAAAAAAFAAAADwAAAAAAAAAAAAAAAAAAAkUAAAAAQAAABQAAAAUAAAAFAAAAAEAAAAAAAAAZAAAAGQAAAAAAAAAZAAAAGQAAAAVAAAAYAAAAAAAAAAAAAAADwAAACADAAAAAAAAAAAAAAEAAACgMgAAVgcAAKr4//8BAAAAf39/AAEAAABkAAAAAAAAABQAAABAHwAAAAAAACYAAAAAAAAAwOD//wAAAAAmAAAAZAAAABYAAABMAAAAAAAAAAAAAAAEAAAAAAAAAAEAAADn5uYKAAAAACgAAAAoAAAAZAAAAGQAAAAAAAAAzMzMAAAAAABQAAAAUAAAAGQAAABkAAAAAAAAABcAAAAUAAAAAAAAAAAAAAD/fwAA/38AAAAAAAAJAAAABAAAAAAAAAAMAAAAEAAAAAAAAAAAAAAAAAAAAAAAAAAeAAAAaAAAAAAAAAAAAAAAAAAAAAAAAAAAAAAAECcAABAnAAAAAAAAAAAAAAAAAAAAAAAAAAAAAAAAAAAAAAAAAAAAABQAAAAAAAAAwMD/AAAAAABkAAAAMgAAAAAAAABkAAAAAAAAAH9/fwAKAAAAHwAAAFQAAAAAAAAFAAAAAQAAAAAAAAAAAAAAAAAAAAAAAAAAAAAAAAAAAAAAAAAAAAAAAn9/fwAAAAADzMzMAMDA/wB/f38AAAAAAAAAAAAAAAAAAAAAAAAAAAAhAAAAGAAAABQAAAArBQAAqAwAAFsdAAAbJAAAEAAAACYAAAAIAAAAAYAAAAAAAAA="/>
+              </a:ext>
+            </a:extLst>
+          </p:cNvSpPr>
+          <p:nvPr>
+            <p:ph idx="2"/>
           </p:nvPr>
         </p:nvSpPr>
         <p:spPr>
           <a:xfrm>
-            <a:off x="839788" y="2057400"/>
-            <a:ext cx="3932237" cy="3811588"/>
+            <a:off x="840105" y="2057400"/>
+            <a:ext cx="3931920" cy="3811905"/>
           </a:xfrm>
         </p:spPr>
         <p:txBody>
@@ -2620,45 +2823,46 @@
           <a:lstStyle>
             <a:lvl1pPr marL="0" indent="0">
               <a:buNone/>
-              <a:defRPr sz="1600"/>
+              <a:defRPr lang="es-es" sz="1600"/>
             </a:lvl1pPr>
             <a:lvl2pPr marL="457200" indent="0">
               <a:buNone/>
-              <a:defRPr sz="1400"/>
+              <a:defRPr lang="es-es" sz="1400"/>
             </a:lvl2pPr>
             <a:lvl3pPr marL="914400" indent="0">
               <a:buNone/>
-              <a:defRPr sz="1200"/>
+              <a:defRPr lang="es-es" sz="1200"/>
             </a:lvl3pPr>
             <a:lvl4pPr marL="1371600" indent="0">
               <a:buNone/>
-              <a:defRPr sz="1000"/>
+              <a:defRPr lang="es-es" sz="1000"/>
             </a:lvl4pPr>
             <a:lvl5pPr marL="1828800" indent="0">
               <a:buNone/>
-              <a:defRPr sz="1000"/>
+              <a:defRPr lang="es-es" sz="1000"/>
             </a:lvl5pPr>
             <a:lvl6pPr marL="2286000" indent="0">
               <a:buNone/>
-              <a:defRPr sz="1000"/>
+              <a:defRPr lang="es-mx" sz="1000"/>
             </a:lvl6pPr>
             <a:lvl7pPr marL="2743200" indent="0">
               <a:buNone/>
-              <a:defRPr sz="1000"/>
+              <a:defRPr lang="es-mx" sz="1000"/>
             </a:lvl7pPr>
             <a:lvl8pPr marL="3200400" indent="0">
               <a:buNone/>
-              <a:defRPr sz="1000"/>
+              <a:defRPr lang="es-mx" sz="1000"/>
             </a:lvl8pPr>
             <a:lvl9pPr marL="3657600" indent="0">
               <a:buNone/>
-              <a:defRPr sz="1000"/>
+              <a:defRPr lang="es-mx" sz="1000"/>
             </a:lvl9pPr>
           </a:lstStyle>
           <a:p>
-            <a:pPr lvl="0"/>
-            <a:r>
-              <a:rPr lang="es-ES"/>
+            <a:pPr>
+              <a:defRPr lang="es-es"/>
+            </a:pPr>
+            <a:r>
               <a:t>Haga clic para modificar los estilos de texto del patrón</a:t>
             </a:r>
           </a:p>
@@ -2666,15 +2870,14 @@
       </p:sp>
       <p:sp>
         <p:nvSpPr>
-          <p:cNvPr id="5" name="Marcador de fecha 4">
-            <a:extLst>
-              <a:ext uri="{FF2B5EF4-FFF2-40B4-BE49-F238E27FC236}">
-                <a16:creationId xmlns:a16="http://schemas.microsoft.com/office/drawing/2014/main" id="{36DD3E9D-DFDD-46D8-BAE1-285E319145A1}"/>
-              </a:ext>
-            </a:extLst>
-          </p:cNvPr>
-          <p:cNvSpPr>
-            <a:spLocks noGrp="1"/>
+          <p:cNvPr id="5" name="Marcador de fecha 4"/>
+          <p:cNvSpPr>
+            <a:spLocks noGrp="1" noChangeArrowheads="1"/>
+            <a:extLst>
+              <a:ext uri="smNativeData">
+                <pr:smNativeData xmlns:pr="smNativeData" val="SMDATA_13_A8J7XRMAAAAlAAAAZAAAAA0AAAAAkAAAAEgAAACQAAAASAAAAAAAAAABAAAAAAAAAAEAAABQAAAAAAAAAAAA4D8AAAAAAADgPwAAAAAAAOA/AAAAAAAA4D8AAAAAAADgPwAAAAAAAOA/AAAAAAAA4D8AAAAAAADgPwAAAAAAAOA/AAAAAAAA4D8CAAAAjAAAAAAAAAAAAAAARHLEDP///wgAAAAAAAAAAAAAAAAAAAAAAAAAAAAAAAAAAAAAZAAAAAEAAABAAAAAAAAAAAAAAAAAAAAAAAAAAAAAAAAAAAAAAAAAAAAAAAAAAAAAAAAAAAAAAAAAAAAAAAAAAAAAAAAAAAAAAAAAAAAAAAAAAAAAAAAAAAAAAAAAAAAAFAAAADwAAAAAAAAAAAAAAAAAAAkUAAAAAQAAABQAAAAUAAAAFAAAAAEAAAAAAAAAZAAAAGQAAAAAAAAAZAAAAGQAAAAVAAAAYAAAAAAAAAAAAAAADwAAACADAAAAAAAAAAAAAAEAAACgMgAAVgcAAKr4//8BAAAAf39/AAEAAABkAAAAAAAAABQAAABAHwAAAAAAACYAAAAAAAAAwOD//wAAAAAmAAAAZAAAABYAAABMAAAAAAAAAAAAAAAEAAAAAAAAAAEAAADn5uYKAAAAACgAAAAoAAAAZAAAAGQAAAAAAAAAzMzMAAAAAABQAAAAUAAAAGQAAABkAAAAAAAAABcAAAAUAAAAAAAAAAAAAAD/fwAA/38AAAAAAAAJAAAABAAAAAAAAAAMAAAAEAAAAAAAAAAAAAAAAAAAAAAAAAAeAAAAaAAAAAAAAAAAAAAAAAAAAAAAAAAAAAAAECcAABAnAAAAAAAAAAAAAAAAAAAAAAAAAAAAAAAAAAAAAAAAAAAAABQAAAAAAAAAwMD/AAAAAABkAAAAMgAAAAAAAABkAAAAAAAAAH9/fwAKAAAAHwAAAFQAAAAAAAAFAAAAAQAAAAAAAAAAAAAAAAAAAAAAAAAAAAAAAAAAAAAAAAAAAAAAAn9/fwAAAAADzMzMAMDA/wB/f38AAAAAAAAAAAAAAAAAAAAAAAAAAAAhAAAAGAAAABQAAAAoBQAAGicAAAgWAABZKQAAEAAAACYAAAAIAAAAAAAAAAAAAAA="/>
+              </a:ext>
+            </a:extLst>
           </p:cNvSpPr>
           <p:nvPr>
             <p:ph type="dt" sz="half" idx="10"/>
@@ -2685,25 +2888,25 @@
           <a:bodyPr/>
           <a:lstStyle/>
           <a:p>
-            <a:fld id="{A41623FA-A335-45C5-BB79-1A7460F098FD}" type="datetimeFigureOut">
-              <a:rPr lang="es-MX" smtClean="0"/>
+            <a:pPr>
+              <a:defRPr lang="es-mx"/>
+            </a:pPr>
+            <a:fld id="{6A5D3025-6B87-08C6-C9E5-9D937EAB3FC8}" type="datetime1">
               <a:t>09/09/2019</a:t>
             </a:fld>
-            <a:endParaRPr lang="es-MX"/>
-          </a:p>
-        </p:txBody>
-      </p:sp>
-      <p:sp>
-        <p:nvSpPr>
-          <p:cNvPr id="6" name="Marcador de pie de página 5">
-            <a:extLst>
-              <a:ext uri="{FF2B5EF4-FFF2-40B4-BE49-F238E27FC236}">
-                <a16:creationId xmlns:a16="http://schemas.microsoft.com/office/drawing/2014/main" id="{FEBD78E9-373F-42C6-9F2E-B059147783C8}"/>
-              </a:ext>
-            </a:extLst>
-          </p:cNvPr>
-          <p:cNvSpPr>
-            <a:spLocks noGrp="1"/>
+          </a:p>
+        </p:txBody>
+      </p:sp>
+      <p:sp>
+        <p:nvSpPr>
+          <p:cNvPr id="6" name="Marcador de pie de página 5"/>
+          <p:cNvSpPr>
+            <a:spLocks noGrp="1" noChangeArrowheads="1"/>
+            <a:extLst>
+              <a:ext uri="smNativeData">
+                <pr:smNativeData xmlns:pr="smNativeData" val="SMDATA_13_A8J7XRMAAAAlAAAAZAAAAA0AAAAAkAAAAEgAAACQAAAASAAAAAAAAAABAAAAAAAAAAEAAABQAAAAAAAAAAAA4D8AAAAAAADgPwAAAAAAAOA/AAAAAAAA4D8AAAAAAADgPwAAAAAAAOA/AAAAAAAA4D8AAAAAAADgPwAAAAAAAOA/AAAAAAAA4D8CAAAAjAAAAAAAAAAAAAAARHLEDP///wgAAAAAAAAAAAAAAAAAAAAAAAAAAAAAAAAAAAAAZAAAAAEAAABAAAAAAAAAAAAAAAAAAAAAAAAAAAAAAAAAAAAAAAAAAAAAAAAAAAAAAAAAAAAAAAAAAAAAAAAAAAAAAAAAAAAAAAAAAAAAAAAAAAAAAAAAAAAAAAAAAAAAFAAAADwAAAAAAAAAAAAAAAAAAAkUAAAAAQAAABQAAAAUAAAAFAAAAAEAAAAAAAAAZAAAAGQAAAAAAAAAZAAAAGQAAAAVAAAAYAAAAAAAAAAAAAAADwAAACADAAAAAAAAAAAAAAEAAACgMgAAVgcAAKr4//8BAAAAf39/AAEAAABkAAAAAAAAABQAAABAHwAAAAAAACYAAAAAAAAAwOD//wAAAAAmAAAAZAAAABYAAABMAAAAAAAAAAAAAAAEAAAAAAAAAAEAAADn5uYKAAAAACgAAAAoAAAAZAAAAGQAAAAAAAAAzMzMAAAAAABQAAAAUAAAAGQAAABkAAAAAAAAABcAAAAUAAAAAAAAAAAAAAD/fwAA/38AAAAAAAAJAAAABAAAAAAAAAAMAAAAEAAAAAAAAAAAAAAAAAAAAAAAAAAeAAAAaAAAAAAAAAAAAAAAAAAAAAAAAAAAAAAAECcAABAnAAAAAAAAAAAAAAAAAAAAAAAAAAAAAAAAAAAAAAAAAAAAABQAAAAAAAAAwMD/AAAAAABkAAAAMgAAAAAAAABkAAAAAAAAAH9/fwAKAAAAHwAAAFQAAAAAAAAFAAAAAQAAAAAAAAAAAAAAAAAAAAAAAAAAAAAAAAAAAAAAAAAAAAAAAn9/fwAAAAADzMzMAMDA/wB/f38AAAAAAAAAAAAAAAAAAAAAAAAAAAAhAAAAGAAAABQAAADYGAAAGicAACgyAABZKQAAEAAAACYAAAAIAAAAAAAAAAAAAAA="/>
+              </a:ext>
+            </a:extLst>
           </p:cNvSpPr>
           <p:nvPr>
             <p:ph type="ftr" sz="quarter" idx="11"/>
@@ -2714,21 +2917,22 @@
           <a:bodyPr/>
           <a:lstStyle/>
           <a:p>
-            <a:endParaRPr lang="es-MX"/>
-          </a:p>
-        </p:txBody>
-      </p:sp>
-      <p:sp>
-        <p:nvSpPr>
-          <p:cNvPr id="7" name="Marcador de número de diapositiva 6">
-            <a:extLst>
-              <a:ext uri="{FF2B5EF4-FFF2-40B4-BE49-F238E27FC236}">
-                <a16:creationId xmlns:a16="http://schemas.microsoft.com/office/drawing/2014/main" id="{AFA07E34-512C-4542-BA13-230F546E22DB}"/>
-              </a:ext>
-            </a:extLst>
-          </p:cNvPr>
-          <p:cNvSpPr>
-            <a:spLocks noGrp="1"/>
+            <a:pPr>
+              <a:defRPr lang="es-mx"/>
+            </a:pPr>
+          </a:p>
+        </p:txBody>
+      </p:sp>
+      <p:sp>
+        <p:nvSpPr>
+          <p:cNvPr id="7" name="Marcador de número de diapositiva 6"/>
+          <p:cNvSpPr>
+            <a:spLocks noGrp="1" noChangeArrowheads="1"/>
+            <a:extLst>
+              <a:ext uri="smNativeData">
+                <pr:smNativeData xmlns:pr="smNativeData" val="SMDATA_13_A8J7XRMAAAAlAAAAZAAAAA0AAAAAkAAAAEgAAACQAAAASAAAAAAAAAABAAAAAAAAAAEAAABQAAAAAAAAAAAA4D8AAAAAAADgPwAAAAAAAOA/AAAAAAAA4D8AAAAAAADgPwAAAAAAAOA/AAAAAAAA4D8AAAAAAADgPwAAAAAAAOA/AAAAAAAA4D8CAAAAjAAAAAAAAAAAAAAARHLEDP///wgAAAAAAAAAAAAAAAAAAAAAAAAAAAAAAAAAAAAAZAAAAAEAAABAAAAAAAAAAAAAAAAAAAAAAAAAAAAAAAAAAAAAAAAAAAAAAAAAAAAAAAAAAAAAAAAAAAAAAAAAAAAAAAAAAAAAAAAAAAAAAAAAAAAAAAAAAAAAAAAAAAAAFAAAADwAAAAAAAAAAAAAAAAAAAkUAAAAAQAAABQAAAAUAAAAFAAAAAEAAAAAAAAAZAAAAGQAAAAAAAAAZAAAAGQAAAAVAAAAYAAAAAAAAAAAAAAADwAAACADAAAAAAAAAAAAAAEAAACgMgAAVgcAAKr4//8BAAAAf39/AAEAAABkAAAAAAAAABQAAABAHwAAAAAAACYAAAAAAAAAwOD//wAAAAAmAAAAZAAAABYAAABMAAAAAAAAAAAAAAAEAAAAAAAAAAEAAADn5uYKAAAAACgAAAAoAAAAZAAAAGQAAAAAAAAAzMzMAAAAAABQAAAAUAAAAGQAAABkAAAAAAAAABcAAAAUAAAAAAAAAAAAAAD/fwAA/38AAAAAAAAJAAAABAAAAAAAAAAMAAAAEAAAAAAAAAAAAAAAAAAAAAAAAAAeAAAAaAAAAAAAAAAAAAAAAAAAAAAAAAAAAAAAECcAABAnAAAAAAAAAAAAAAAAAAAAAAAAAAAAAAAAAAAAAAAAAAAAABQAAAAAAAAAwMD/AAAAAABkAAAAMgAAAAAAAABkAAAAAAAAAH9/fwAKAAAAHwAAAFQAAAAAAAAFAAAAAQAAAAAAAAAAAAAAAAAAAAAAAAAAAAAAAAAAAAAAAAAAAAAAAn9/fwAAAAADzMzMAMDA/wB/f38AAAAAAAAAAAAAAAAAAAAAAAAAAAAhAAAAGAAAABQAAAD4NAAAGicAANhFAABZKQAAEAAAACYAAAAIAAAAAAAAAAAAAAA="/>
+              </a:ext>
+            </a:extLst>
           </p:cNvSpPr>
           <p:nvPr>
             <p:ph type="sldNum" sz="quarter" idx="12"/>
@@ -2739,20 +2943,16 @@
           <a:bodyPr/>
           <a:lstStyle/>
           <a:p>
-            <a:fld id="{AE105821-0AB0-4D6E-945F-B76CA39DA266}" type="slidenum">
-              <a:rPr lang="es-MX" smtClean="0"/>
+            <a:pPr>
+              <a:defRPr lang="es-mx"/>
+            </a:pPr>
+            <a:fld id="{2E5E98D9-97C3-0B6E-8DE6-613BD6A87B34}" type="slidenum">
               <a:t>‹Nº›</a:t>
             </a:fld>
-            <a:endParaRPr lang="es-MX"/>
           </a:p>
         </p:txBody>
       </p:sp>
     </p:spTree>
-    <p:extLst>
-      <p:ext uri="{BB962C8B-B14F-4D97-AF65-F5344CB8AC3E}">
-        <p14:creationId xmlns:p14="http://schemas.microsoft.com/office/powerpoint/2010/main" val="1142486442"/>
-      </p:ext>
-    </p:extLst>
   </p:cSld>
   <p:clrMapOvr>
     <a:masterClrMapping/>
@@ -2761,12 +2961,15 @@
 </file>
 
 <file path=ppt/slideMasters/slideMaster1.xml><?xml version="1.0" encoding="utf-8"?>
-<p:sldMaster xmlns:a="http://schemas.openxmlformats.org/drawingml/2006/main" xmlns:r="http://schemas.openxmlformats.org/officeDocument/2006/relationships" xmlns:p="http://schemas.openxmlformats.org/presentationml/2006/main">
+<p:sldMaster xmlns:p="http://schemas.openxmlformats.org/presentationml/2006/main" xmlns:p14="http://schemas.microsoft.com/office/powerpoint/2010/main" xmlns:r="http://schemas.openxmlformats.org/officeDocument/2006/relationships" xmlns:a="http://schemas.openxmlformats.org/drawingml/2006/main">
   <p:cSld>
     <p:bg>
-      <p:bgRef idx="1001">
-        <a:schemeClr val="bg1"/>
-      </p:bgRef>
+      <p:bgPr>
+        <a:solidFill>
+          <a:schemeClr val="bg1"/>
+        </a:solidFill>
+        <a:effectLst/>
+      </p:bgPr>
     </p:bg>
     <p:spTree>
       <p:nvGrpSpPr>
@@ -2784,15 +2987,14 @@
       </p:grpSpPr>
       <p:sp>
         <p:nvSpPr>
-          <p:cNvPr id="2" name="Marcador de título 1">
-            <a:extLst>
-              <a:ext uri="{FF2B5EF4-FFF2-40B4-BE49-F238E27FC236}">
-                <a16:creationId xmlns:a16="http://schemas.microsoft.com/office/drawing/2014/main" id="{53D466E2-FD9A-495A-B114-DFF1732F3DC8}"/>
-              </a:ext>
-            </a:extLst>
-          </p:cNvPr>
-          <p:cNvSpPr>
-            <a:spLocks noGrp="1"/>
+          <p:cNvPr id="2" name="Marcador de título 1"/>
+          <p:cNvSpPr>
+            <a:spLocks noGrp="1" noChangeArrowheads="1"/>
+            <a:extLst>
+              <a:ext uri="smNativeData">
+                <pr:smNativeData xmlns:pr="smNativeData" val="SMDATA_13_A8J7XRMAAAAlAAAAZAAAAA0AAAAAkAAAAEgAAACQAAAASAAAAAAAAAABAAAAAAAAAAEAAABQAAAAAAAAAAAA4D8AAAAAAADgPwAAAAAAAOA/AAAAAAAA4D8AAAAAAADgPwAAAAAAAOA/AAAAAAAA4D8AAAAAAADgPwAAAAAAAOA/AAAAAAAA4D8CAAAAjAAAAAAAAAAAAAAA////AP///wgAAAAAAAAAAAAAAAAAAAAAAAAAAAAAAAAAAAAAeAAAAAEAAABAAAAAAAAAAAAAAABaAAAAAAAAAAAAAAAAAAAAAAAAAAAAAAAAAAAAAAAAAAAAAAAAAAAAAAAAAAAAAAAAAAAAAAAAAAAAAAAAAAAAAAAAAAAAAAAAAAAAFAAAADwAAAAAAAAAAAAAAAAAAAAPAAAAAQAAACMAAAAjAAAAIwAAAB4AAAAAAAAAZAAAAGQAAAAAAAAAZAAAAGQAAAAVAAAAYAAAAAAAAAAAAAAADwAAACADAAAAAAAAAAAAAAEAAACgMgAAVgcAAKr4//8BAAAAf39/AAEAAABkAAAAAAAAABQAAABAHwAAAAAAACYAAAAAAAAAwOD//wAAAAAmAAAAZAAAABYAAABMAAAAAAAAAAAAAAAEAAAAAAAAAAEAAADn5uYKAAAAACgAAAAoAAAAZAAAAGQAAAAAAAAAzMzMAAAAAABQAAAAUAAAAGQAAABkAAAAAAAAABcAAAAUAAAAAAAAAAAAAAD/fwAA/38AAAAAAAAJAAAABAAAAGEAbAAMAAAAEAAAAAAAAAAAAAAAAAAAAAAAAAAeAAAAaAAAAAAAAAAAAAAAAAAAAAAAAAAAAAAAECcAABAnAAAAAAAAAAAAAAAAAAAAAAAAAAAAAAAAAAAAAAAAAAAAABQAAAAAAAAAwMD/AAAAAABkAAAAMgAAAAAAAABkAAAAAAAAAH9/fwAKAAAAHwAAAFQAAAD///8AAAAAAQAAAAAAAAAAAAAAAAAAAAAAAAAAAAAAAAAAAAAAAAAAAAAAAH9/fwAAAAADzMzMAMDA/wB/f38AAAAAAAAAAAAAAAAAAAAAAAAAAAAhAAAAGAAAABQAAAAoBQAAPwIAANhFAABnCgAAEAAAACYAAAAIAAAAvy8AAAAAAAA="/>
+              </a:ext>
+            </a:extLst>
           </p:cNvSpPr>
           <p:nvPr>
             <p:ph type="title"/>
@@ -2801,37 +3003,39 @@
         <p:spPr>
           <a:xfrm>
             <a:off x="838200" y="365125"/>
-            <a:ext cx="10515600" cy="1325563"/>
+            <a:ext cx="10515600" cy="1325880"/>
           </a:xfrm>
           <a:prstGeom prst="rect">
             <a:avLst/>
           </a:prstGeom>
         </p:spPr>
         <p:txBody>
-          <a:bodyPr vert="horz" lIns="91440" tIns="45720" rIns="91440" bIns="45720" rtlCol="0" anchor="ctr">
-            <a:normAutofit/>
+          <a:bodyPr vert="horz" wrap="square" lIns="91440" tIns="45720" rIns="91440" bIns="45720" numCol="1" spcCol="215900" anchor="ctr">
+            <a:prstTxWarp prst="textNoShape">
+              <a:avLst/>
+            </a:prstTxWarp>
           </a:bodyPr>
           <a:lstStyle/>
           <a:p>
-            <a:r>
-              <a:rPr lang="es-ES"/>
+            <a:pPr>
+              <a:defRPr lang="es-es"/>
+            </a:pPr>
+            <a:r>
               <a:t>Haga clic para modificar el estilo de título del patrón</a:t>
             </a:r>
-            <a:endParaRPr lang="es-MX"/>
-          </a:p>
-        </p:txBody>
-      </p:sp>
-      <p:sp>
-        <p:nvSpPr>
-          <p:cNvPr id="3" name="Marcador de texto 2">
-            <a:extLst>
-              <a:ext uri="{FF2B5EF4-FFF2-40B4-BE49-F238E27FC236}">
-                <a16:creationId xmlns:a16="http://schemas.microsoft.com/office/drawing/2014/main" id="{673750EB-BA3F-43B4-8919-319497DF8F02}"/>
-              </a:ext>
-            </a:extLst>
-          </p:cNvPr>
-          <p:cNvSpPr>
-            <a:spLocks noGrp="1"/>
+          </a:p>
+        </p:txBody>
+      </p:sp>
+      <p:sp>
+        <p:nvSpPr>
+          <p:cNvPr id="3" name="Marcador de texto 2"/>
+          <p:cNvSpPr>
+            <a:spLocks noGrp="1" noChangeArrowheads="1"/>
+            <a:extLst>
+              <a:ext uri="smNativeData">
+                <pr:smNativeData xmlns:pr="smNativeData" val="SMDATA_13_A8J7XRMAAAAlAAAAZAAAAA0AAAAAkAAAAEgAAACQAAAASAAAAAAAAAAAAAAAAAAAAAEAAABQAAAAAAAAAAAA4D8AAAAAAADgPwAAAAAAAOA/AAAAAAAA4D8AAAAAAADgPwAAAAAAAOA/AAAAAAAA4D8AAAAAAADgPwAAAAAAAOA/AAAAAAAA4D8CAAAAjAAAAAAAAAAAAAAA////AP///wgAAAAAAAAAAAAAAAAAAAAAAAAAAAAAAAAAAAAAeAAAAAEAAABAAAAAAAAAAAAAAABaAAAAAAAAAAAAAAAAAAAAAAAAAAAAAAAAAAAAAAAAAAAAAAAAAAAAAAAAAAAAAAAAAAAAAAAAAAAAAAAAAAAAAAAAAAAAAAAAAAAAFAAAADwAAAAAAAAAAAAAAAAAAAAPAAAAAQAAACMAAAAjAAAAIwAAAB4AAAAAAAAAZAAAAGQAAAAAAAAAZAAAAGQAAAAVAAAAYAAAAAAAAAAAAAAADwAAACADAAAAAAAAAAAAAAEAAACgMgAAVgcAAKr4//8BAAAAf39/AAEAAABkAAAAAAAAABQAAABAHwAAAAAAACYAAAAAAAAAwOD//wAAAAAmAAAAZAAAABYAAABMAAAAAAAAAAAAAAAEAAAAAAAAAAEAAADn5uYKAAAAACgAAAAoAAAAZAAAAGQAAAAAAAAAzMzMAAAAAABQAAAAUAAAAGQAAABkAAAAAAAAABcAAAAUAAAAAAAAAAAAAAD/fwAA/38AAAAAAAAJAAAABAAAAABxPAIMAAAAEAAAAAAAAAAAAAAAAAAAAAAAAAAeAAAAaAAAAAAAAAAAAAAAAAAAAAAAAAAAAAAAECcAABAnAAAAAAAAAAAAAAAAAAAAAAAAAAAAAAAAAAAAAAAAAAAAABQAAAAAAAAAwMD/AAAAAABkAAAAMgAAAAAAAABkAAAAAAAAAH9/fwAKAAAAHwAAAFQAAAD///8AAAAAAQAAAAAAAAAAAAAAAAAAAAAAAAAAAAAAAAAAAAAAAAAAAAAAAH9/fwAAAAADzMzMAMDA/wB/f38AAAAAAAAAAAAAAAAAAAAAAAAAAAAhAAAAGAAAABQAAAAoBQAAOwsAANhFAAAAJgAAEAAAACYAAAAIAAAAPy8AAAAAAAA="/>
+              </a:ext>
+            </a:extLst>
           </p:cNvSpPr>
           <p:nvPr>
             <p:ph type="body" idx="1"/>
@@ -2840,66 +3044,71 @@
         <p:spPr>
           <a:xfrm>
             <a:off x="838200" y="1825625"/>
-            <a:ext cx="10515600" cy="4351338"/>
+            <a:ext cx="10515600" cy="4351655"/>
           </a:xfrm>
           <a:prstGeom prst="rect">
             <a:avLst/>
           </a:prstGeom>
         </p:spPr>
         <p:txBody>
-          <a:bodyPr vert="horz" lIns="91440" tIns="45720" rIns="91440" bIns="45720" rtlCol="0">
-            <a:normAutofit/>
+          <a:bodyPr vert="horz" wrap="square" lIns="91440" tIns="45720" rIns="91440" bIns="45720" numCol="1" spcCol="215900" anchor="t">
+            <a:prstTxWarp prst="textNoShape">
+              <a:avLst/>
+            </a:prstTxWarp>
           </a:bodyPr>
           <a:lstStyle/>
           <a:p>
-            <a:pPr lvl="0"/>
-            <a:r>
-              <a:rPr lang="es-ES"/>
+            <a:pPr>
+              <a:defRPr lang="es-es"/>
+            </a:pPr>
+            <a:r>
               <a:t>Haga clic para modificar los estilos de texto del patrón</a:t>
             </a:r>
           </a:p>
           <a:p>
-            <a:pPr lvl="1"/>
-            <a:r>
-              <a:rPr lang="es-ES"/>
+            <a:pPr lvl="1">
+              <a:defRPr lang="es-es"/>
+            </a:pPr>
+            <a:r>
               <a:t>Segundo nivel</a:t>
             </a:r>
           </a:p>
           <a:p>
-            <a:pPr lvl="2"/>
-            <a:r>
-              <a:rPr lang="es-ES"/>
+            <a:pPr lvl="2">
+              <a:defRPr lang="es-es"/>
+            </a:pPr>
+            <a:r>
               <a:t>Tercer nivel</a:t>
             </a:r>
           </a:p>
           <a:p>
-            <a:pPr lvl="3"/>
-            <a:r>
-              <a:rPr lang="es-ES"/>
+            <a:pPr lvl="3">
+              <a:defRPr lang="es-es"/>
+            </a:pPr>
+            <a:r>
               <a:t>Cuarto nivel</a:t>
             </a:r>
           </a:p>
           <a:p>
-            <a:pPr lvl="4"/>
-            <a:r>
-              <a:rPr lang="es-ES"/>
+            <a:pPr lvl="4">
+              <a:defRPr lang="es-es"/>
+            </a:pPr>
+            <a:r>
               <a:t>Quinto nivel</a:t>
             </a:r>
-            <a:endParaRPr lang="es-MX"/>
-          </a:p>
-        </p:txBody>
-      </p:sp>
-      <p:sp>
-        <p:nvSpPr>
-          <p:cNvPr id="4" name="Marcador de fecha 3">
-            <a:extLst>
-              <a:ext uri="{FF2B5EF4-FFF2-40B4-BE49-F238E27FC236}">
-                <a16:creationId xmlns:a16="http://schemas.microsoft.com/office/drawing/2014/main" id="{0DF99A7F-C68F-4BCE-8703-EEFF9C35D8D6}"/>
-              </a:ext>
-            </a:extLst>
-          </p:cNvPr>
-          <p:cNvSpPr>
-            <a:spLocks noGrp="1"/>
+          </a:p>
+        </p:txBody>
+      </p:sp>
+      <p:sp>
+        <p:nvSpPr>
+          <p:cNvPr id="4" name="Marcador de fecha 3"/>
+          <p:cNvSpPr>
+            <a:spLocks noGrp="1" noChangeArrowheads="1"/>
+            <a:extLst>
+              <a:ext uri="smNativeData">
+                <pr:smNativeData xmlns:pr="smNativeData" val="SMDATA_13_A8J7XRMAAAAlAAAAZAAAAA0AAAAAkAAAAEgAAACQAAAASAAAAAAAAAABAAAAAAAAAAEAAABQAAAAAAAAAAAA4D8AAAAAAADgPwAAAAAAAOA/AAAAAAAA4D8AAAAAAADgPwAAAAAAAOA/AAAAAAAA4D8AAAAAAADgPwAAAAAAAOA/AAAAAAAA4D8CAAAAjAAAAAAAAAAAAAAA////AP///wgAAAAAAAAAAAAAAAAAAAAAAAAAAAAAAAAAAAAAeAAAAAEAAABAAAAAAAAAAAAAAABaAAAAAAAAAAAAAAAAAAAAAAAAAAAAAAAAAAAAAAAAAAAAAAAAAAAAAAAAAAAAAAAAAAAAAAAAAAAAAAAAAAAAAAAAAAAAAAAAAAAAFAAAADwAAAAAAAAAAAAAAAAAAAAPAAAAAQAAACMAAAAjAAAAIwAAAB4AAAAAAAAAZAAAAGQAAAAAAAAAZAAAAGQAAAAVAAAAYAAAAAAAAAAAAAAADwAAACADAAAAAAAAAAAAAAEAAACgMgAAVgcAAKr4//8BAAAAf39/AAEAAABkAAAAAAAAABQAAABAHwAAAAAAACYAAAAAAAAAwOD//wAAAAAmAAAAZAAAABYAAABMAAAAAAAAAAAAAAAEAAAAAAAAAAEAAADn5uYKAAAAACgAAAAoAAAAZAAAAGQAAAAAAAAAzMzMAAAAAABQAAAAUAAAAGQAAABkAAAAAAAAABcAAAAUAAAAAAAAAAAAAAD/fwAA/38AAAAAAAAJAAAABAAAAAAAAAAMAAAAEAAAAAAAAAAAAAAAAAAAAAAAAAAeAAAAaAAAAAAAAAAAAAAAAAAAAAAAAAAAAAAAECcAABAnAAAAAAAAAAAAAAAAAAAAAAAAAAAAAAAAAAAAAAAAAAAAABQAAAAAAAAAwMD/AAAAAABkAAAAMgAAAAAAAABkAAAAAAAAAH9/fwAKAAAAHwAAAFQAAAD///8AAAAAAQAAAAAAAAAAAAAAAAAAAAAAAAAAAAAAAAAAAAAAAAAAAAAAAH9/fwAAAAADzMzMAMDA/wB/f38AAAAAAAAAAAAAAAAAAAAAAAAAAAAhAAAAGAAAABQAAAAoBQAAGicAAAgWAABZKQAAEAAAACYAAAAIAAAAv48AAAAAAAA="/>
+              </a:ext>
+            </a:extLst>
           </p:cNvSpPr>
           <p:nvPr>
             <p:ph type="dt" sz="half" idx="2"/>
@@ -2915,38 +3124,64 @@
           </a:prstGeom>
         </p:spPr>
         <p:txBody>
-          <a:bodyPr vert="horz" lIns="91440" tIns="45720" rIns="91440" bIns="45720" rtlCol="0" anchor="ctr"/>
+          <a:bodyPr vert="horz" wrap="square" lIns="91440" tIns="45720" rIns="91440" bIns="45720" numCol="1" spcCol="215900" anchor="ctr">
+            <a:prstTxWarp prst="textNoShape">
+              <a:avLst/>
+            </a:prstTxWarp>
+          </a:bodyPr>
           <a:lstStyle>
             <a:lvl1pPr algn="l">
-              <a:defRPr sz="1200">
+              <a:defRPr lang="es-mx" sz="1200">
                 <a:solidFill>
-                  <a:schemeClr val="tx1">
-                    <a:tint val="75000"/>
-                  </a:schemeClr>
+                  <a:srgbClr val="8C8C8C"/>
                 </a:solidFill>
               </a:defRPr>
             </a:lvl1pPr>
+            <a:lvl2pPr>
+              <a:defRPr lang="es-mx"/>
+            </a:lvl2pPr>
+            <a:lvl3pPr>
+              <a:defRPr lang="es-mx"/>
+            </a:lvl3pPr>
+            <a:lvl4pPr>
+              <a:defRPr lang="es-mx"/>
+            </a:lvl4pPr>
+            <a:lvl5pPr>
+              <a:defRPr lang="es-mx"/>
+            </a:lvl5pPr>
+            <a:lvl6pPr>
+              <a:defRPr lang="es-mx"/>
+            </a:lvl6pPr>
+            <a:lvl7pPr>
+              <a:defRPr lang="es-mx"/>
+            </a:lvl7pPr>
+            <a:lvl8pPr>
+              <a:defRPr lang="es-mx"/>
+            </a:lvl8pPr>
+            <a:lvl9pPr>
+              <a:defRPr lang="es-mx"/>
+            </a:lvl9pPr>
           </a:lstStyle>
           <a:p>
-            <a:fld id="{A41623FA-A335-45C5-BB79-1A7460F098FD}" type="datetimeFigureOut">
-              <a:rPr lang="es-MX" smtClean="0"/>
-              <a:t>09/09/2019</a:t>
+            <a:pPr>
+              <a:defRPr lang="es-mx"/>
+            </a:pPr>
+            <a:fld id="{74FF24DE-9099-AAD2-D747-66876A092133}" type="datetime1">
+              <a:t/>
             </a:fld>
-            <a:endParaRPr lang="es-MX"/>
-          </a:p>
-        </p:txBody>
-      </p:sp>
-      <p:sp>
-        <p:nvSpPr>
-          <p:cNvPr id="5" name="Marcador de pie de página 4">
-            <a:extLst>
-              <a:ext uri="{FF2B5EF4-FFF2-40B4-BE49-F238E27FC236}">
-                <a16:creationId xmlns:a16="http://schemas.microsoft.com/office/drawing/2014/main" id="{0EEFD6DE-1631-4038-A070-19779B14E179}"/>
-              </a:ext>
-            </a:extLst>
-          </p:cNvPr>
-          <p:cNvSpPr>
-            <a:spLocks noGrp="1"/>
+          </a:p>
+        </p:txBody>
+      </p:sp>
+      <p:sp>
+        <p:nvSpPr>
+          <p:cNvPr id="5" name="Marcador de pie de página 4"/>
+          <p:cNvSpPr>
+            <a:spLocks noGrp="1" noChangeArrowheads="1"/>
+            <a:extLst>
+              <a:ext uri="smNativeData">
+                <pr:smNativeData xmlns:pr="smNativeData" val="SMDATA_13_A8J7XRMAAAAlAAAAZAAAAA0AAAAAkAAAAEgAAACQAAAASAAAAAAAAAABAAAAAAAAAAEAAABQAAAAAAAAAAAA4D8AAAAAAADgPwAAAAAAAOA/AAAAAAAA4D8AAAAAAADgPwAAAAAAAOA/AAAAAAAA4D8AAAAAAADgPwAAAAAAAOA/AAAAAAAA4D8CAAAAjAAAAAAAAAAAAAAA////AP///wgAAAAAAAAAAAAAAAAAAAAAAAAAAAAAAAAAAAAAeAAAAAEAAABAAAAAAAAAAAAAAABaAAAAAAAAAAAAAAAAAAAAAAAAAAAAAAAAAAAAAAAAAAAAAAAAAAAAAAAAAAAAAAAAAAAAAAAAAAAAAAAAAAAAAAAAAAAAAAAAAAAAFAAAADwAAAAAAAAAAAAAAAAAAAAPAAAAAQAAACMAAAAjAAAAIwAAAB4AAAAAAAAAZAAAAGQAAAAAAAAAZAAAAGQAAAAVAAAAYAAAAAAAAAAAAAAADwAAACADAAAAAAAAAAAAAAEAAACgMgAAVgcAAKr4//8BAAAAf39/AAEAAABkAAAAAAAAABQAAABAHwAAAAAAACYAAAAAAAAAwOD//wAAAAAmAAAAZAAAABYAAABMAAAAAAAAAAAAAAAEAAAAAAAAAAEAAADn5uYKAAAAACgAAAAoAAAAZAAAAGQAAAAAAAAAzMzMAAAAAABQAAAAUAAAAGQAAABkAAAAAAAAABcAAAAUAAAAAAAAAAAAAAD/fwAA/38AAAAAAAAJAAAABAAAADA0MDIMAAAAEAAAAAAAAAAAAAAAAAAAAAAAAAAeAAAAaAAAAAAAAAAAAAAAAAAAAAAAAAAAAAAAECcAABAnAAAAAAAAAAAAAAAAAAAAAAAAAAAAAAAAAAAAAAAAAAAAABQAAAAAAAAAwMD/AAAAAABkAAAAMgAAAAAAAABkAAAAAAAAAH9/fwAKAAAAHwAAAFQAAAD///8AAAAAAQAAAAAAAAAAAAAAAAAAAAAAAAAAAAAAAAAAAAAAAAAAAAAAAH9/fwAAAAADzMzMAMDA/wB/f38AAAAAAAAAAAAAAAAAAAAAAAAAAAAhAAAAGAAAABQAAADYGAAAGicAACgyAABZKQAAEAAAACYAAAAIAAAAv48AAAAAAAA="/>
+              </a:ext>
+            </a:extLst>
           </p:cNvSpPr>
           <p:nvPr>
             <p:ph type="ftr" sz="quarter" idx="3"/>
@@ -2962,34 +3197,61 @@
           </a:prstGeom>
         </p:spPr>
         <p:txBody>
-          <a:bodyPr vert="horz" lIns="91440" tIns="45720" rIns="91440" bIns="45720" rtlCol="0" anchor="ctr"/>
+          <a:bodyPr vert="horz" wrap="square" lIns="91440" tIns="45720" rIns="91440" bIns="45720" numCol="1" spcCol="215900" anchor="ctr">
+            <a:prstTxWarp prst="textNoShape">
+              <a:avLst/>
+            </a:prstTxWarp>
+          </a:bodyPr>
           <a:lstStyle>
             <a:lvl1pPr algn="ctr">
-              <a:defRPr sz="1200">
+              <a:defRPr lang="es-mx" sz="1200">
                 <a:solidFill>
-                  <a:schemeClr val="tx1">
-                    <a:tint val="75000"/>
-                  </a:schemeClr>
+                  <a:srgbClr val="8C8C8C"/>
                 </a:solidFill>
               </a:defRPr>
             </a:lvl1pPr>
+            <a:lvl2pPr>
+              <a:defRPr lang="es-mx"/>
+            </a:lvl2pPr>
+            <a:lvl3pPr>
+              <a:defRPr lang="es-mx"/>
+            </a:lvl3pPr>
+            <a:lvl4pPr>
+              <a:defRPr lang="es-mx"/>
+            </a:lvl4pPr>
+            <a:lvl5pPr>
+              <a:defRPr lang="es-mx"/>
+            </a:lvl5pPr>
+            <a:lvl6pPr>
+              <a:defRPr lang="es-mx"/>
+            </a:lvl6pPr>
+            <a:lvl7pPr>
+              <a:defRPr lang="es-mx"/>
+            </a:lvl7pPr>
+            <a:lvl8pPr>
+              <a:defRPr lang="es-mx"/>
+            </a:lvl8pPr>
+            <a:lvl9pPr>
+              <a:defRPr lang="es-mx"/>
+            </a:lvl9pPr>
           </a:lstStyle>
           <a:p>
-            <a:endParaRPr lang="es-MX"/>
-          </a:p>
-        </p:txBody>
-      </p:sp>
-      <p:sp>
-        <p:nvSpPr>
-          <p:cNvPr id="6" name="Marcador de número de diapositiva 5">
-            <a:extLst>
-              <a:ext uri="{FF2B5EF4-FFF2-40B4-BE49-F238E27FC236}">
-                <a16:creationId xmlns:a16="http://schemas.microsoft.com/office/drawing/2014/main" id="{C61F8216-B841-49D0-85ED-1789B0FE51D9}"/>
-              </a:ext>
-            </a:extLst>
-          </p:cNvPr>
-          <p:cNvSpPr>
-            <a:spLocks noGrp="1"/>
+            <a:pPr>
+              <a:defRPr lang="es-mx"/>
+            </a:pPr>
+          </a:p>
+        </p:txBody>
+      </p:sp>
+      <p:sp>
+        <p:nvSpPr>
+          <p:cNvPr id="6" name="Marcador de número de diapositiva 5"/>
+          <p:cNvSpPr>
+            <a:spLocks noGrp="1" noChangeArrowheads="1"/>
+            <a:extLst>
+              <a:ext uri="smNativeData">
+                <pr:smNativeData xmlns:pr="smNativeData" val="SMDATA_13_A8J7XRMAAAAlAAAAZAAAAA0AAAAAkAAAAEgAAACQAAAASAAAAAAAAAABAAAAAAAAAAEAAABQAAAAAAAAAAAA4D8AAAAAAADgPwAAAAAAAOA/AAAAAAAA4D8AAAAAAADgPwAAAAAAAOA/AAAAAAAA4D8AAAAAAADgPwAAAAAAAOA/AAAAAAAA4D8CAAAAjAAAAAAAAAAAAAAA////AP///wgAAAAAAAAAAAAAAAAAAAAAAAAAAAAAAAAAAAAAeAAAAAEAAABAAAAAAAAAAAAAAABaAAAAAAAAAAAAAAAAAAAAAAAAAAAAAAAAAAAAAAAAAAAAAAAAAAAAAAAAAAAAAAAAAAAAAAAAAAAAAAAAAAAAAAAAAAAAAAAAAAAAFAAAADwAAAAAAAAAAAAAAAAAAAAPAAAAAQAAACMAAAAjAAAAIwAAAB4AAAAAAAAAZAAAAGQAAAAAAAAAZAAAAGQAAAAVAAAAYAAAAAAAAAAAAAAADwAAACADAAAAAAAAAAAAAAEAAACgMgAAVgcAAKr4//8BAAAAf39/AAEAAABkAAAAAAAAABQAAABAHwAAAAAAACYAAAAAAAAAwOD//wAAAAAmAAAAZAAAABYAAABMAAAAAAAAAAAAAAAEAAAAAAAAAAEAAADn5uYKAAAAACgAAAAoAAAAZAAAAGQAAAAAAAAAzMzMAAAAAABQAAAAUAAAAGQAAABkAAAAAAAAABcAAAAUAAAAAAAAAAAAAAD/fwAA/38AAAAAAAAJAAAABAAAADk2NzEMAAAAEAAAAAAAAAAAAAAAAAAAAAAAAAAeAAAAaAAAAAAAAAAAAAAAAAAAAAAAAAAAAAAAECcAABAnAAAAAAAAAAAAAAAAAAAAAAAAAAAAAAAAAAAAAAAAAAAAABQAAAAAAAAAwMD/AAAAAABkAAAAMgAAAAAAAABkAAAAAAAAAH9/fwAKAAAAHwAAAFQAAAD///8AAAAAAQAAAAAAAAAAAAAAAAAAAAAAAAAAAAAAAAAAAAAAAAAAAAAAAH9/fwAAAAADzMzMAMDA/wB/f38AAAAAAAAAAAAAAAAAAAAAAAAAAAAhAAAAGAAAABQAAAD4NAAAGicAANhFAABZKQAAEAAAACYAAAAIAAAAv48AAAAAAAA="/>
+              </a:ext>
+            </a:extLst>
           </p:cNvSpPr>
           <p:nvPr>
             <p:ph type="sldNum" sz="quarter" idx="4"/>
@@ -3005,33 +3267,55 @@
           </a:prstGeom>
         </p:spPr>
         <p:txBody>
-          <a:bodyPr vert="horz" lIns="91440" tIns="45720" rIns="91440" bIns="45720" rtlCol="0" anchor="ctr"/>
+          <a:bodyPr vert="horz" wrap="square" lIns="91440" tIns="45720" rIns="91440" bIns="45720" numCol="1" spcCol="215900" anchor="ctr">
+            <a:prstTxWarp prst="textNoShape">
+              <a:avLst/>
+            </a:prstTxWarp>
+          </a:bodyPr>
           <a:lstStyle>
             <a:lvl1pPr algn="r">
-              <a:defRPr sz="1200">
+              <a:defRPr lang="es-mx" sz="1200">
                 <a:solidFill>
-                  <a:schemeClr val="tx1">
-                    <a:tint val="75000"/>
-                  </a:schemeClr>
+                  <a:srgbClr val="8C8C8C"/>
                 </a:solidFill>
               </a:defRPr>
             </a:lvl1pPr>
+            <a:lvl2pPr>
+              <a:defRPr lang="es-mx"/>
+            </a:lvl2pPr>
+            <a:lvl3pPr>
+              <a:defRPr lang="es-mx"/>
+            </a:lvl3pPr>
+            <a:lvl4pPr>
+              <a:defRPr lang="es-mx"/>
+            </a:lvl4pPr>
+            <a:lvl5pPr>
+              <a:defRPr lang="es-mx"/>
+            </a:lvl5pPr>
+            <a:lvl6pPr>
+              <a:defRPr lang="es-mx"/>
+            </a:lvl6pPr>
+            <a:lvl7pPr>
+              <a:defRPr lang="es-mx"/>
+            </a:lvl7pPr>
+            <a:lvl8pPr>
+              <a:defRPr lang="es-mx"/>
+            </a:lvl8pPr>
+            <a:lvl9pPr>
+              <a:defRPr lang="es-mx"/>
+            </a:lvl9pPr>
           </a:lstStyle>
           <a:p>
-            <a:fld id="{AE105821-0AB0-4D6E-945F-B76CA39DA266}" type="slidenum">
-              <a:rPr lang="es-MX" smtClean="0"/>
-              <a:t>‹Nº›</a:t>
+            <a:pPr>
+              <a:defRPr lang="es-mx"/>
+            </a:pPr>
+            <a:fld id="{1B14A43C-72F6-4152-B8AC-8407EAE24ED1}" type="slidenum">
+              <a:t/>
             </a:fld>
-            <a:endParaRPr lang="es-MX"/>
           </a:p>
         </p:txBody>
       </p:sp>
     </p:spTree>
-    <p:extLst>
-      <p:ext uri="{BB962C8B-B14F-4D97-AF65-F5344CB8AC3E}">
-        <p14:creationId xmlns:p14="http://schemas.microsoft.com/office/powerpoint/2010/main" val="3539833701"/>
-      </p:ext>
-    </p:extLst>
   </p:cSld>
   <p:clrMap bg1="lt1" tx1="dk1" bg2="lt2" tx2="dk2" accent1="accent1" accent2="accent2" accent3="accent3" accent4="accent4" accent5="accent5" accent6="accent6" hlink="hlink" folHlink="folHlink"/>
   <p:sldLayoutIdLst>
@@ -3047,282 +3331,632 @@
     <p:sldLayoutId id="2147483658" r:id="rId10"/>
     <p:sldLayoutId id="2147483659" r:id="rId11"/>
   </p:sldLayoutIdLst>
+  <p:hf sldNum="0" hdr="0" ftr="0" dt="0"/>
   <p:txStyles>
     <p:titleStyle>
-      <a:lvl1pPr algn="l" defTabSz="914400" rtl="0" eaLnBrk="1" latinLnBrk="0" hangingPunct="1">
+      <a:lvl1pPr marL="0" marR="0" indent="0" algn="l" defTabSz="914400">
         <a:lnSpc>
           <a:spcPct val="90000"/>
         </a:lnSpc>
         <a:spcBef>
-          <a:spcPct val="0"/>
+          <a:spcPts val="0"/>
         </a:spcBef>
+        <a:spcAft>
+          <a:spcPts val="0"/>
+        </a:spcAft>
         <a:buNone/>
-        <a:defRPr sz="4400" kern="1200">
+        <a:tabLst/>
+        <a:defRPr lang="es-es" sz="4400" b="0" i="0" u="none" strike="noStrike" kern="1" spc="0" baseline="0">
           <a:solidFill>
             <a:schemeClr val="tx1"/>
           </a:solidFill>
-          <a:latin typeface="+mj-lt"/>
-          <a:ea typeface="+mj-ea"/>
-          <a:cs typeface="+mj-cs"/>
+          <a:effectLst/>
+          <a:latin typeface="Calibri Light" pitchFamily="0" charset="0"/>
+          <a:ea typeface="Calibri Light" pitchFamily="0" charset="0"/>
+          <a:cs typeface="Calibri Light" pitchFamily="0" charset="0"/>
         </a:defRPr>
       </a:lvl1pPr>
+      <a:lvl2pPr marL="457200" marR="0" indent="0" algn="l" defTabSz="914400">
+        <a:lnSpc>
+          <a:spcPct val="100000"/>
+        </a:lnSpc>
+        <a:spcBef>
+          <a:spcPts val="0"/>
+        </a:spcBef>
+        <a:spcAft>
+          <a:spcPts val="0"/>
+        </a:spcAft>
+        <a:buNone/>
+        <a:tabLst/>
+        <a:defRPr lang="es-mx" sz="1800" b="0" i="0" u="none" strike="noStrike" kern="1" spc="0" baseline="0">
+          <a:solidFill>
+            <a:schemeClr val="tx1"/>
+          </a:solidFill>
+          <a:effectLst/>
+          <a:latin typeface="Calibri" pitchFamily="2" charset="0"/>
+          <a:ea typeface="Calibri" pitchFamily="2" charset="0"/>
+          <a:cs typeface="Calibri" pitchFamily="2" charset="0"/>
+        </a:defRPr>
+      </a:lvl2pPr>
+      <a:lvl3pPr marL="914400" marR="0" indent="0" algn="l" defTabSz="914400">
+        <a:lnSpc>
+          <a:spcPct val="100000"/>
+        </a:lnSpc>
+        <a:spcBef>
+          <a:spcPts val="0"/>
+        </a:spcBef>
+        <a:spcAft>
+          <a:spcPts val="0"/>
+        </a:spcAft>
+        <a:buNone/>
+        <a:tabLst/>
+        <a:defRPr lang="es-mx" sz="1800" b="0" i="0" u="none" strike="noStrike" kern="1" spc="0" baseline="0">
+          <a:solidFill>
+            <a:schemeClr val="tx1"/>
+          </a:solidFill>
+          <a:effectLst/>
+          <a:latin typeface="Calibri" pitchFamily="2" charset="0"/>
+          <a:ea typeface="Calibri" pitchFamily="2" charset="0"/>
+          <a:cs typeface="Calibri" pitchFamily="2" charset="0"/>
+        </a:defRPr>
+      </a:lvl3pPr>
+      <a:lvl4pPr marL="1371600" marR="0" indent="0" algn="l" defTabSz="914400">
+        <a:lnSpc>
+          <a:spcPct val="100000"/>
+        </a:lnSpc>
+        <a:spcBef>
+          <a:spcPts val="0"/>
+        </a:spcBef>
+        <a:spcAft>
+          <a:spcPts val="0"/>
+        </a:spcAft>
+        <a:buNone/>
+        <a:tabLst/>
+        <a:defRPr lang="es-mx" sz="1800" b="0" i="0" u="none" strike="noStrike" kern="1" spc="0" baseline="0">
+          <a:solidFill>
+            <a:schemeClr val="tx1"/>
+          </a:solidFill>
+          <a:effectLst/>
+          <a:latin typeface="Calibri" pitchFamily="2" charset="0"/>
+          <a:ea typeface="Calibri" pitchFamily="2" charset="0"/>
+          <a:cs typeface="Calibri" pitchFamily="2" charset="0"/>
+        </a:defRPr>
+      </a:lvl4pPr>
+      <a:lvl5pPr marL="1828800" marR="0" indent="0" algn="l" defTabSz="914400">
+        <a:lnSpc>
+          <a:spcPct val="100000"/>
+        </a:lnSpc>
+        <a:spcBef>
+          <a:spcPts val="0"/>
+        </a:spcBef>
+        <a:spcAft>
+          <a:spcPts val="0"/>
+        </a:spcAft>
+        <a:buNone/>
+        <a:tabLst/>
+        <a:defRPr lang="es-mx" sz="1800" b="0" i="0" u="none" strike="noStrike" kern="1" spc="0" baseline="0">
+          <a:solidFill>
+            <a:schemeClr val="tx1"/>
+          </a:solidFill>
+          <a:effectLst/>
+          <a:latin typeface="Calibri" pitchFamily="2" charset="0"/>
+          <a:ea typeface="Calibri" pitchFamily="2" charset="0"/>
+          <a:cs typeface="Calibri" pitchFamily="2" charset="0"/>
+        </a:defRPr>
+      </a:lvl5pPr>
+      <a:lvl6pPr marL="2286000" marR="0" indent="0" algn="l" defTabSz="914400">
+        <a:lnSpc>
+          <a:spcPct val="100000"/>
+        </a:lnSpc>
+        <a:spcBef>
+          <a:spcPts val="0"/>
+        </a:spcBef>
+        <a:spcAft>
+          <a:spcPts val="0"/>
+        </a:spcAft>
+        <a:buNone/>
+        <a:tabLst/>
+        <a:defRPr lang="es-mx" sz="1800" b="0" i="0" u="none" strike="noStrike" kern="1" spc="0" baseline="0">
+          <a:solidFill>
+            <a:schemeClr val="tx1"/>
+          </a:solidFill>
+          <a:effectLst/>
+          <a:latin typeface="Calibri" pitchFamily="2" charset="0"/>
+          <a:ea typeface="Calibri" pitchFamily="2" charset="0"/>
+          <a:cs typeface="Calibri" pitchFamily="2" charset="0"/>
+        </a:defRPr>
+      </a:lvl6pPr>
+      <a:lvl7pPr marL="2743200" marR="0" indent="0" algn="l" defTabSz="914400">
+        <a:lnSpc>
+          <a:spcPct val="100000"/>
+        </a:lnSpc>
+        <a:spcBef>
+          <a:spcPts val="0"/>
+        </a:spcBef>
+        <a:spcAft>
+          <a:spcPts val="0"/>
+        </a:spcAft>
+        <a:buNone/>
+        <a:tabLst/>
+        <a:defRPr lang="es-mx" sz="1800" b="0" i="0" u="none" strike="noStrike" kern="1" spc="0" baseline="0">
+          <a:solidFill>
+            <a:schemeClr val="tx1"/>
+          </a:solidFill>
+          <a:effectLst/>
+          <a:latin typeface="Calibri" pitchFamily="2" charset="0"/>
+          <a:ea typeface="Calibri" pitchFamily="2" charset="0"/>
+          <a:cs typeface="Calibri" pitchFamily="2" charset="0"/>
+        </a:defRPr>
+      </a:lvl7pPr>
+      <a:lvl8pPr marL="3200400" marR="0" indent="0" algn="l" defTabSz="914400">
+        <a:lnSpc>
+          <a:spcPct val="100000"/>
+        </a:lnSpc>
+        <a:spcBef>
+          <a:spcPts val="0"/>
+        </a:spcBef>
+        <a:spcAft>
+          <a:spcPts val="0"/>
+        </a:spcAft>
+        <a:buNone/>
+        <a:tabLst/>
+        <a:defRPr lang="es-mx" sz="1800" b="0" i="0" u="none" strike="noStrike" kern="1" spc="0" baseline="0">
+          <a:solidFill>
+            <a:schemeClr val="tx1"/>
+          </a:solidFill>
+          <a:effectLst/>
+          <a:latin typeface="Calibri" pitchFamily="2" charset="0"/>
+          <a:ea typeface="Calibri" pitchFamily="2" charset="0"/>
+          <a:cs typeface="Calibri" pitchFamily="2" charset="0"/>
+        </a:defRPr>
+      </a:lvl8pPr>
+      <a:lvl9pPr marL="3657600" marR="0" indent="0" algn="l" defTabSz="914400">
+        <a:lnSpc>
+          <a:spcPct val="100000"/>
+        </a:lnSpc>
+        <a:spcBef>
+          <a:spcPts val="0"/>
+        </a:spcBef>
+        <a:spcAft>
+          <a:spcPts val="0"/>
+        </a:spcAft>
+        <a:buNone/>
+        <a:tabLst/>
+        <a:defRPr lang="es-mx" sz="1800" b="0" i="0" u="none" strike="noStrike" kern="1" spc="0" baseline="0">
+          <a:solidFill>
+            <a:schemeClr val="tx1"/>
+          </a:solidFill>
+          <a:effectLst/>
+          <a:latin typeface="Calibri" pitchFamily="2" charset="0"/>
+          <a:ea typeface="Calibri" pitchFamily="2" charset="0"/>
+          <a:cs typeface="Calibri" pitchFamily="2" charset="0"/>
+        </a:defRPr>
+      </a:lvl9pPr>
     </p:titleStyle>
     <p:bodyStyle>
-      <a:lvl1pPr marL="228600" indent="-228600" algn="l" defTabSz="914400" rtl="0" eaLnBrk="1" latinLnBrk="0" hangingPunct="1">
+      <a:lvl1pPr marL="228600" marR="0" indent="-228600" algn="l" defTabSz="914400">
         <a:lnSpc>
           <a:spcPct val="90000"/>
         </a:lnSpc>
         <a:spcBef>
           <a:spcPts val="1000"/>
         </a:spcBef>
-        <a:buFont typeface="Arial" panose="020B0604020202020204" pitchFamily="34" charset="0"/>
+        <a:spcAft>
+          <a:spcPts val="0"/>
+        </a:spcAft>
+        <a:buClrTx/>
+        <a:buSzTx/>
+        <a:buFont typeface="Arial" pitchFamily="2" charset="0"/>
         <a:buChar char="•"/>
-        <a:defRPr sz="2800" kern="1200">
+        <a:tabLst/>
+        <a:defRPr lang="es-es" sz="2800" b="0" i="0" u="none" strike="noStrike" kern="1" spc="0" baseline="0">
           <a:solidFill>
             <a:schemeClr val="tx1"/>
           </a:solidFill>
-          <a:latin typeface="+mn-lt"/>
-          <a:ea typeface="+mn-ea"/>
-          <a:cs typeface="+mn-cs"/>
+          <a:effectLst/>
+          <a:latin typeface="Calibri" pitchFamily="2" charset="0"/>
+          <a:ea typeface="Calibri" pitchFamily="2" charset="0"/>
+          <a:cs typeface="Calibri" pitchFamily="2" charset="0"/>
         </a:defRPr>
       </a:lvl1pPr>
-      <a:lvl2pPr marL="685800" indent="-228600" algn="l" defTabSz="914400" rtl="0" eaLnBrk="1" latinLnBrk="0" hangingPunct="1">
+      <a:lvl2pPr marL="685800" marR="0" indent="-228600" algn="l" defTabSz="914400">
         <a:lnSpc>
           <a:spcPct val="90000"/>
         </a:lnSpc>
         <a:spcBef>
           <a:spcPts val="500"/>
         </a:spcBef>
-        <a:buFont typeface="Arial" panose="020B0604020202020204" pitchFamily="34" charset="0"/>
+        <a:spcAft>
+          <a:spcPts val="0"/>
+        </a:spcAft>
+        <a:buClrTx/>
+        <a:buSzTx/>
+        <a:buFont typeface="Arial" pitchFamily="2" charset="0"/>
         <a:buChar char="•"/>
-        <a:defRPr sz="2400" kern="1200">
+        <a:tabLst/>
+        <a:defRPr lang="es-es" sz="2400" b="0" i="0" u="none" strike="noStrike" kern="1" spc="0" baseline="0">
           <a:solidFill>
             <a:schemeClr val="tx1"/>
           </a:solidFill>
-          <a:latin typeface="+mn-lt"/>
-          <a:ea typeface="+mn-ea"/>
-          <a:cs typeface="+mn-cs"/>
+          <a:effectLst/>
+          <a:latin typeface="Calibri" pitchFamily="2" charset="0"/>
+          <a:ea typeface="Calibri" pitchFamily="2" charset="0"/>
+          <a:cs typeface="Calibri" pitchFamily="2" charset="0"/>
         </a:defRPr>
       </a:lvl2pPr>
-      <a:lvl3pPr marL="1143000" indent="-228600" algn="l" defTabSz="914400" rtl="0" eaLnBrk="1" latinLnBrk="0" hangingPunct="1">
+      <a:lvl3pPr marL="1143000" marR="0" indent="-228600" algn="l" defTabSz="914400">
         <a:lnSpc>
           <a:spcPct val="90000"/>
         </a:lnSpc>
         <a:spcBef>
           <a:spcPts val="500"/>
         </a:spcBef>
-        <a:buFont typeface="Arial" panose="020B0604020202020204" pitchFamily="34" charset="0"/>
+        <a:spcAft>
+          <a:spcPts val="0"/>
+        </a:spcAft>
+        <a:buClrTx/>
+        <a:buSzTx/>
+        <a:buFont typeface="Arial" pitchFamily="2" charset="0"/>
         <a:buChar char="•"/>
-        <a:defRPr sz="2000" kern="1200">
+        <a:tabLst/>
+        <a:defRPr lang="es-es" sz="2000" b="0" i="0" u="none" strike="noStrike" kern="1" spc="0" baseline="0">
           <a:solidFill>
             <a:schemeClr val="tx1"/>
           </a:solidFill>
-          <a:latin typeface="+mn-lt"/>
-          <a:ea typeface="+mn-ea"/>
-          <a:cs typeface="+mn-cs"/>
+          <a:effectLst/>
+          <a:latin typeface="Calibri" pitchFamily="2" charset="0"/>
+          <a:ea typeface="Calibri" pitchFamily="2" charset="0"/>
+          <a:cs typeface="Calibri" pitchFamily="2" charset="0"/>
         </a:defRPr>
       </a:lvl3pPr>
-      <a:lvl4pPr marL="1600200" indent="-228600" algn="l" defTabSz="914400" rtl="0" eaLnBrk="1" latinLnBrk="0" hangingPunct="1">
+      <a:lvl4pPr marL="1600200" marR="0" indent="-228600" algn="l" defTabSz="914400">
         <a:lnSpc>
           <a:spcPct val="90000"/>
         </a:lnSpc>
         <a:spcBef>
           <a:spcPts val="500"/>
         </a:spcBef>
-        <a:buFont typeface="Arial" panose="020B0604020202020204" pitchFamily="34" charset="0"/>
+        <a:spcAft>
+          <a:spcPts val="0"/>
+        </a:spcAft>
+        <a:buClrTx/>
+        <a:buSzTx/>
+        <a:buFont typeface="Arial" pitchFamily="2" charset="0"/>
         <a:buChar char="•"/>
-        <a:defRPr sz="1800" kern="1200">
+        <a:tabLst/>
+        <a:defRPr lang="es-es" sz="1800" b="0" i="0" u="none" strike="noStrike" kern="1" spc="0" baseline="0">
           <a:solidFill>
             <a:schemeClr val="tx1"/>
           </a:solidFill>
-          <a:latin typeface="+mn-lt"/>
-          <a:ea typeface="+mn-ea"/>
-          <a:cs typeface="+mn-cs"/>
+          <a:effectLst/>
+          <a:latin typeface="Calibri" pitchFamily="2" charset="0"/>
+          <a:ea typeface="Calibri" pitchFamily="2" charset="0"/>
+          <a:cs typeface="Calibri" pitchFamily="2" charset="0"/>
         </a:defRPr>
       </a:lvl4pPr>
-      <a:lvl5pPr marL="2057400" indent="-228600" algn="l" defTabSz="914400" rtl="0" eaLnBrk="1" latinLnBrk="0" hangingPunct="1">
+      <a:lvl5pPr marL="2057400" marR="0" indent="-228600" algn="l" defTabSz="914400">
         <a:lnSpc>
           <a:spcPct val="90000"/>
         </a:lnSpc>
         <a:spcBef>
           <a:spcPts val="500"/>
         </a:spcBef>
-        <a:buFont typeface="Arial" panose="020B0604020202020204" pitchFamily="34" charset="0"/>
+        <a:spcAft>
+          <a:spcPts val="0"/>
+        </a:spcAft>
+        <a:buClrTx/>
+        <a:buSzTx/>
+        <a:buFont typeface="Arial" pitchFamily="2" charset="0"/>
         <a:buChar char="•"/>
-        <a:defRPr sz="1800" kern="1200">
+        <a:tabLst/>
+        <a:defRPr lang="es-es" sz="1800" b="0" i="0" u="none" strike="noStrike" kern="1" spc="0" baseline="0">
           <a:solidFill>
             <a:schemeClr val="tx1"/>
           </a:solidFill>
-          <a:latin typeface="+mn-lt"/>
-          <a:ea typeface="+mn-ea"/>
-          <a:cs typeface="+mn-cs"/>
+          <a:effectLst/>
+          <a:latin typeface="Calibri" pitchFamily="2" charset="0"/>
+          <a:ea typeface="Calibri" pitchFamily="2" charset="0"/>
+          <a:cs typeface="Calibri" pitchFamily="2" charset="0"/>
         </a:defRPr>
       </a:lvl5pPr>
-      <a:lvl6pPr marL="2514600" indent="-228600" algn="l" defTabSz="914400" rtl="0" eaLnBrk="1" latinLnBrk="0" hangingPunct="1">
+      <a:lvl6pPr marL="2514600" marR="0" indent="-228600" algn="l" defTabSz="914400">
         <a:lnSpc>
           <a:spcPct val="90000"/>
         </a:lnSpc>
         <a:spcBef>
           <a:spcPts val="500"/>
         </a:spcBef>
-        <a:buFont typeface="Arial" panose="020B0604020202020204" pitchFamily="34" charset="0"/>
+        <a:spcAft>
+          <a:spcPts val="0"/>
+        </a:spcAft>
+        <a:buClrTx/>
+        <a:buSzTx/>
+        <a:buFont typeface="Arial" pitchFamily="2" charset="0"/>
         <a:buChar char="•"/>
-        <a:defRPr sz="1800" kern="1200">
+        <a:tabLst/>
+        <a:defRPr lang="es-mx" sz="1800" b="0" i="0" u="none" strike="noStrike" kern="1" spc="0" baseline="0">
           <a:solidFill>
             <a:schemeClr val="tx1"/>
           </a:solidFill>
-          <a:latin typeface="+mn-lt"/>
-          <a:ea typeface="+mn-ea"/>
-          <a:cs typeface="+mn-cs"/>
+          <a:effectLst/>
+          <a:latin typeface="Calibri" pitchFamily="2" charset="0"/>
+          <a:ea typeface="Calibri" pitchFamily="2" charset="0"/>
+          <a:cs typeface="Calibri" pitchFamily="2" charset="0"/>
         </a:defRPr>
       </a:lvl6pPr>
-      <a:lvl7pPr marL="2971800" indent="-228600" algn="l" defTabSz="914400" rtl="0" eaLnBrk="1" latinLnBrk="0" hangingPunct="1">
+      <a:lvl7pPr marL="2971800" marR="0" indent="-228600" algn="l" defTabSz="914400">
         <a:lnSpc>
           <a:spcPct val="90000"/>
         </a:lnSpc>
         <a:spcBef>
           <a:spcPts val="500"/>
         </a:spcBef>
-        <a:buFont typeface="Arial" panose="020B0604020202020204" pitchFamily="34" charset="0"/>
+        <a:spcAft>
+          <a:spcPts val="0"/>
+        </a:spcAft>
+        <a:buClrTx/>
+        <a:buSzTx/>
+        <a:buFont typeface="Arial" pitchFamily="2" charset="0"/>
         <a:buChar char="•"/>
-        <a:defRPr sz="1800" kern="1200">
+        <a:tabLst/>
+        <a:defRPr lang="es-mx" sz="1800" b="0" i="0" u="none" strike="noStrike" kern="1" spc="0" baseline="0">
           <a:solidFill>
             <a:schemeClr val="tx1"/>
           </a:solidFill>
-          <a:latin typeface="+mn-lt"/>
-          <a:ea typeface="+mn-ea"/>
-          <a:cs typeface="+mn-cs"/>
+          <a:effectLst/>
+          <a:latin typeface="Calibri" pitchFamily="2" charset="0"/>
+          <a:ea typeface="Calibri" pitchFamily="2" charset="0"/>
+          <a:cs typeface="Calibri" pitchFamily="2" charset="0"/>
         </a:defRPr>
       </a:lvl7pPr>
-      <a:lvl8pPr marL="3429000" indent="-228600" algn="l" defTabSz="914400" rtl="0" eaLnBrk="1" latinLnBrk="0" hangingPunct="1">
+      <a:lvl8pPr marL="3429000" marR="0" indent="-228600" algn="l" defTabSz="914400">
         <a:lnSpc>
           <a:spcPct val="90000"/>
         </a:lnSpc>
         <a:spcBef>
           <a:spcPts val="500"/>
         </a:spcBef>
-        <a:buFont typeface="Arial" panose="020B0604020202020204" pitchFamily="34" charset="0"/>
+        <a:spcAft>
+          <a:spcPts val="0"/>
+        </a:spcAft>
+        <a:buClrTx/>
+        <a:buSzTx/>
+        <a:buFont typeface="Arial" pitchFamily="2" charset="0"/>
         <a:buChar char="•"/>
-        <a:defRPr sz="1800" kern="1200">
+        <a:tabLst/>
+        <a:defRPr lang="es-mx" sz="1800" b="0" i="0" u="none" strike="noStrike" kern="1" spc="0" baseline="0">
           <a:solidFill>
             <a:schemeClr val="tx1"/>
           </a:solidFill>
-          <a:latin typeface="+mn-lt"/>
-          <a:ea typeface="+mn-ea"/>
-          <a:cs typeface="+mn-cs"/>
+          <a:effectLst/>
+          <a:latin typeface="Calibri" pitchFamily="2" charset="0"/>
+          <a:ea typeface="Calibri" pitchFamily="2" charset="0"/>
+          <a:cs typeface="Calibri" pitchFamily="2" charset="0"/>
         </a:defRPr>
       </a:lvl8pPr>
-      <a:lvl9pPr marL="3886200" indent="-228600" algn="l" defTabSz="914400" rtl="0" eaLnBrk="1" latinLnBrk="0" hangingPunct="1">
+      <a:lvl9pPr marL="3886200" marR="0" indent="-228600" algn="l" defTabSz="914400">
         <a:lnSpc>
           <a:spcPct val="90000"/>
         </a:lnSpc>
         <a:spcBef>
           <a:spcPts val="500"/>
         </a:spcBef>
-        <a:buFont typeface="Arial" panose="020B0604020202020204" pitchFamily="34" charset="0"/>
+        <a:spcAft>
+          <a:spcPts val="0"/>
+        </a:spcAft>
+        <a:buClrTx/>
+        <a:buSzTx/>
+        <a:buFont typeface="Arial" pitchFamily="2" charset="0"/>
         <a:buChar char="•"/>
-        <a:defRPr sz="1800" kern="1200">
+        <a:tabLst/>
+        <a:defRPr lang="es-mx" sz="1800" b="0" i="0" u="none" strike="noStrike" kern="1" spc="0" baseline="0">
           <a:solidFill>
             <a:schemeClr val="tx1"/>
           </a:solidFill>
-          <a:latin typeface="+mn-lt"/>
-          <a:ea typeface="+mn-ea"/>
-          <a:cs typeface="+mn-cs"/>
+          <a:effectLst/>
+          <a:latin typeface="Calibri" pitchFamily="2" charset="0"/>
+          <a:ea typeface="Calibri" pitchFamily="2" charset="0"/>
+          <a:cs typeface="Calibri" pitchFamily="2" charset="0"/>
         </a:defRPr>
       </a:lvl9pPr>
     </p:bodyStyle>
     <p:otherStyle>
-      <a:defPPr>
-        <a:defRPr lang="es-MX"/>
-      </a:defPPr>
-      <a:lvl1pPr marL="0" algn="l" defTabSz="914400" rtl="0" eaLnBrk="1" latinLnBrk="0" hangingPunct="1">
-        <a:defRPr sz="1800" kern="1200">
+      <a:lvl1pPr marL="0" marR="0" indent="0" algn="l" defTabSz="914400">
+        <a:lnSpc>
+          <a:spcPct val="100000"/>
+        </a:lnSpc>
+        <a:spcBef>
+          <a:spcPts val="0"/>
+        </a:spcBef>
+        <a:spcAft>
+          <a:spcPts val="0"/>
+        </a:spcAft>
+        <a:buNone/>
+        <a:tabLst/>
+        <a:defRPr lang="es-mx" sz="1800" b="0" i="0" u="none" strike="noStrike" kern="1" spc="0" baseline="0">
           <a:solidFill>
             <a:schemeClr val="tx1"/>
           </a:solidFill>
-          <a:latin typeface="+mn-lt"/>
-          <a:ea typeface="+mn-ea"/>
-          <a:cs typeface="+mn-cs"/>
+          <a:effectLst/>
+          <a:latin typeface="Calibri" pitchFamily="2" charset="0"/>
+          <a:ea typeface="Calibri" pitchFamily="2" charset="0"/>
+          <a:cs typeface="Calibri" pitchFamily="2" charset="0"/>
         </a:defRPr>
       </a:lvl1pPr>
-      <a:lvl2pPr marL="457200" algn="l" defTabSz="914400" rtl="0" eaLnBrk="1" latinLnBrk="0" hangingPunct="1">
-        <a:defRPr sz="1800" kern="1200">
+      <a:lvl2pPr marL="457200" marR="0" indent="0" algn="l" defTabSz="914400">
+        <a:lnSpc>
+          <a:spcPct val="100000"/>
+        </a:lnSpc>
+        <a:spcBef>
+          <a:spcPts val="0"/>
+        </a:spcBef>
+        <a:spcAft>
+          <a:spcPts val="0"/>
+        </a:spcAft>
+        <a:buNone/>
+        <a:tabLst/>
+        <a:defRPr lang="es-mx" sz="1800" b="0" i="0" u="none" strike="noStrike" kern="1" spc="0" baseline="0">
           <a:solidFill>
             <a:schemeClr val="tx1"/>
           </a:solidFill>
-          <a:latin typeface="+mn-lt"/>
-          <a:ea typeface="+mn-ea"/>
-          <a:cs typeface="+mn-cs"/>
+          <a:effectLst/>
+          <a:latin typeface="Calibri" pitchFamily="2" charset="0"/>
+          <a:ea typeface="Calibri" pitchFamily="2" charset="0"/>
+          <a:cs typeface="Calibri" pitchFamily="2" charset="0"/>
         </a:defRPr>
       </a:lvl2pPr>
-      <a:lvl3pPr marL="914400" algn="l" defTabSz="914400" rtl="0" eaLnBrk="1" latinLnBrk="0" hangingPunct="1">
-        <a:defRPr sz="1800" kern="1200">
+      <a:lvl3pPr marL="914400" marR="0" indent="0" algn="l" defTabSz="914400">
+        <a:lnSpc>
+          <a:spcPct val="100000"/>
+        </a:lnSpc>
+        <a:spcBef>
+          <a:spcPts val="0"/>
+        </a:spcBef>
+        <a:spcAft>
+          <a:spcPts val="0"/>
+        </a:spcAft>
+        <a:buNone/>
+        <a:tabLst/>
+        <a:defRPr lang="es-mx" sz="1800" b="0" i="0" u="none" strike="noStrike" kern="1" spc="0" baseline="0">
           <a:solidFill>
             <a:schemeClr val="tx1"/>
           </a:solidFill>
-          <a:latin typeface="+mn-lt"/>
-          <a:ea typeface="+mn-ea"/>
-          <a:cs typeface="+mn-cs"/>
+          <a:effectLst/>
+          <a:latin typeface="Calibri" pitchFamily="2" charset="0"/>
+          <a:ea typeface="Calibri" pitchFamily="2" charset="0"/>
+          <a:cs typeface="Calibri" pitchFamily="2" charset="0"/>
         </a:defRPr>
       </a:lvl3pPr>
-      <a:lvl4pPr marL="1371600" algn="l" defTabSz="914400" rtl="0" eaLnBrk="1" latinLnBrk="0" hangingPunct="1">
-        <a:defRPr sz="1800" kern="1200">
+      <a:lvl4pPr marL="1371600" marR="0" indent="0" algn="l" defTabSz="914400">
+        <a:lnSpc>
+          <a:spcPct val="100000"/>
+        </a:lnSpc>
+        <a:spcBef>
+          <a:spcPts val="0"/>
+        </a:spcBef>
+        <a:spcAft>
+          <a:spcPts val="0"/>
+        </a:spcAft>
+        <a:buNone/>
+        <a:tabLst/>
+        <a:defRPr lang="es-mx" sz="1800" b="0" i="0" u="none" strike="noStrike" kern="1" spc="0" baseline="0">
           <a:solidFill>
             <a:schemeClr val="tx1"/>
           </a:solidFill>
-          <a:latin typeface="+mn-lt"/>
-          <a:ea typeface="+mn-ea"/>
-          <a:cs typeface="+mn-cs"/>
+          <a:effectLst/>
+          <a:latin typeface="Calibri" pitchFamily="2" charset="0"/>
+          <a:ea typeface="Calibri" pitchFamily="2" charset="0"/>
+          <a:cs typeface="Calibri" pitchFamily="2" charset="0"/>
         </a:defRPr>
       </a:lvl4pPr>
-      <a:lvl5pPr marL="1828800" algn="l" defTabSz="914400" rtl="0" eaLnBrk="1" latinLnBrk="0" hangingPunct="1">
-        <a:defRPr sz="1800" kern="1200">
+      <a:lvl5pPr marL="1828800" marR="0" indent="0" algn="l" defTabSz="914400">
+        <a:lnSpc>
+          <a:spcPct val="100000"/>
+        </a:lnSpc>
+        <a:spcBef>
+          <a:spcPts val="0"/>
+        </a:spcBef>
+        <a:spcAft>
+          <a:spcPts val="0"/>
+        </a:spcAft>
+        <a:buNone/>
+        <a:tabLst/>
+        <a:defRPr lang="es-mx" sz="1800" b="0" i="0" u="none" strike="noStrike" kern="1" spc="0" baseline="0">
           <a:solidFill>
             <a:schemeClr val="tx1"/>
           </a:solidFill>
-          <a:latin typeface="+mn-lt"/>
-          <a:ea typeface="+mn-ea"/>
-          <a:cs typeface="+mn-cs"/>
+          <a:effectLst/>
+          <a:latin typeface="Calibri" pitchFamily="2" charset="0"/>
+          <a:ea typeface="Calibri" pitchFamily="2" charset="0"/>
+          <a:cs typeface="Calibri" pitchFamily="2" charset="0"/>
         </a:defRPr>
       </a:lvl5pPr>
-      <a:lvl6pPr marL="2286000" algn="l" defTabSz="914400" rtl="0" eaLnBrk="1" latinLnBrk="0" hangingPunct="1">
-        <a:defRPr sz="1800" kern="1200">
+      <a:lvl6pPr marL="2286000" marR="0" indent="0" algn="l" defTabSz="914400">
+        <a:lnSpc>
+          <a:spcPct val="100000"/>
+        </a:lnSpc>
+        <a:spcBef>
+          <a:spcPts val="0"/>
+        </a:spcBef>
+        <a:spcAft>
+          <a:spcPts val="0"/>
+        </a:spcAft>
+        <a:buNone/>
+        <a:tabLst/>
+        <a:defRPr lang="es-mx" sz="1800" b="0" i="0" u="none" strike="noStrike" kern="1" spc="0" baseline="0">
           <a:solidFill>
             <a:schemeClr val="tx1"/>
           </a:solidFill>
-          <a:latin typeface="+mn-lt"/>
-          <a:ea typeface="+mn-ea"/>
-          <a:cs typeface="+mn-cs"/>
+          <a:effectLst/>
+          <a:latin typeface="Calibri" pitchFamily="2" charset="0"/>
+          <a:ea typeface="Calibri" pitchFamily="2" charset="0"/>
+          <a:cs typeface="Calibri" pitchFamily="2" charset="0"/>
         </a:defRPr>
       </a:lvl6pPr>
-      <a:lvl7pPr marL="2743200" algn="l" defTabSz="914400" rtl="0" eaLnBrk="1" latinLnBrk="0" hangingPunct="1">
-        <a:defRPr sz="1800" kern="1200">
+      <a:lvl7pPr marL="2743200" marR="0" indent="0" algn="l" defTabSz="914400">
+        <a:lnSpc>
+          <a:spcPct val="100000"/>
+        </a:lnSpc>
+        <a:spcBef>
+          <a:spcPts val="0"/>
+        </a:spcBef>
+        <a:spcAft>
+          <a:spcPts val="0"/>
+        </a:spcAft>
+        <a:buNone/>
+        <a:tabLst/>
+        <a:defRPr lang="es-mx" sz="1800" b="0" i="0" u="none" strike="noStrike" kern="1" spc="0" baseline="0">
           <a:solidFill>
             <a:schemeClr val="tx1"/>
           </a:solidFill>
-          <a:latin typeface="+mn-lt"/>
-          <a:ea typeface="+mn-ea"/>
-          <a:cs typeface="+mn-cs"/>
+          <a:effectLst/>
+          <a:latin typeface="Calibri" pitchFamily="2" charset="0"/>
+          <a:ea typeface="Calibri" pitchFamily="2" charset="0"/>
+          <a:cs typeface="Calibri" pitchFamily="2" charset="0"/>
         </a:defRPr>
       </a:lvl7pPr>
-      <a:lvl8pPr marL="3200400" algn="l" defTabSz="914400" rtl="0" eaLnBrk="1" latinLnBrk="0" hangingPunct="1">
-        <a:defRPr sz="1800" kern="1200">
+      <a:lvl8pPr marL="3200400" marR="0" indent="0" algn="l" defTabSz="914400">
+        <a:lnSpc>
+          <a:spcPct val="100000"/>
+        </a:lnSpc>
+        <a:spcBef>
+          <a:spcPts val="0"/>
+        </a:spcBef>
+        <a:spcAft>
+          <a:spcPts val="0"/>
+        </a:spcAft>
+        <a:buNone/>
+        <a:tabLst/>
+        <a:defRPr lang="es-mx" sz="1800" b="0" i="0" u="none" strike="noStrike" kern="1" spc="0" baseline="0">
           <a:solidFill>
             <a:schemeClr val="tx1"/>
           </a:solidFill>
-          <a:latin typeface="+mn-lt"/>
-          <a:ea typeface="+mn-ea"/>
-          <a:cs typeface="+mn-cs"/>
+          <a:effectLst/>
+          <a:latin typeface="Calibri" pitchFamily="2" charset="0"/>
+          <a:ea typeface="Calibri" pitchFamily="2" charset="0"/>
+          <a:cs typeface="Calibri" pitchFamily="2" charset="0"/>
         </a:defRPr>
       </a:lvl8pPr>
-      <a:lvl9pPr marL="3657600" algn="l" defTabSz="914400" rtl="0" eaLnBrk="1" latinLnBrk="0" hangingPunct="1">
-        <a:defRPr sz="1800" kern="1200">
+      <a:lvl9pPr marL="3657600" marR="0" indent="0" algn="l" defTabSz="914400">
+        <a:lnSpc>
+          <a:spcPct val="100000"/>
+        </a:lnSpc>
+        <a:spcBef>
+          <a:spcPts val="0"/>
+        </a:spcBef>
+        <a:spcAft>
+          <a:spcPts val="0"/>
+        </a:spcAft>
+        <a:buNone/>
+        <a:tabLst/>
+        <a:defRPr lang="es-mx" sz="1800" b="0" i="0" u="none" strike="noStrike" kern="1" spc="0" baseline="0">
           <a:solidFill>
             <a:schemeClr val="tx1"/>
           </a:solidFill>
-          <a:latin typeface="+mn-lt"/>
-          <a:ea typeface="+mn-ea"/>
-          <a:cs typeface="+mn-cs"/>
+          <a:effectLst/>
+          <a:latin typeface="Calibri" pitchFamily="2" charset="0"/>
+          <a:ea typeface="Calibri" pitchFamily="2" charset="0"/>
+          <a:cs typeface="Calibri" pitchFamily="2" charset="0"/>
         </a:defRPr>
       </a:lvl9pPr>
     </p:otherStyle>
@@ -3331,7 +3965,7 @@
 </file>
 
 <file path=ppt/slides/slide1.xml><?xml version="1.0" encoding="utf-8"?>
-<p:sld xmlns:a="http://schemas.openxmlformats.org/drawingml/2006/main" xmlns:r="http://schemas.openxmlformats.org/officeDocument/2006/relationships" xmlns:p="http://schemas.openxmlformats.org/presentationml/2006/main">
+<p:sld xmlns:p="http://schemas.openxmlformats.org/presentationml/2006/main" xmlns:p14="http://schemas.microsoft.com/office/powerpoint/2010/main" xmlns:r="http://schemas.openxmlformats.org/officeDocument/2006/relationships" xmlns:a="http://schemas.openxmlformats.org/drawingml/2006/main">
   <p:cSld>
     <p:spTree>
       <p:nvGrpSpPr>
@@ -3349,15 +3983,14 @@
       </p:grpSpPr>
       <p:pic>
         <p:nvPicPr>
-          <p:cNvPr id="2" name="Imagen 1">
-            <a:extLst>
-              <a:ext uri="{FF2B5EF4-FFF2-40B4-BE49-F238E27FC236}">
-                <a16:creationId xmlns:a16="http://schemas.microsoft.com/office/drawing/2014/main" id="{0B6F9A74-A4DA-47FA-9475-E42054A07D30}"/>
-              </a:ext>
-            </a:extLst>
-          </p:cNvPr>
+          <p:cNvPr id="2" name="Imagen 1"/>
           <p:cNvPicPr>
             <a:picLocks noChangeAspect="1"/>
+            <a:extLst>
+              <a:ext uri="smNativeData">
+                <pr:smNativeData xmlns:pr="smNativeData" val="SMDATA_15_A8J7XRMAAAAlAAAAEQAAAC0AAAAAkAAAAEgAAACQAAAASAAAAAAAAAAAAAAAAAAAAAEAAABQAAAAAAAAAAAA4D8AAAAAAADgPwAAAAAAAOA/AAAAAAAA4D8AAAAAAADgPwAAAAAAAOA/AAAAAAAA4D8AAAAAAADgPwAAAAAAAOA/AAAAAAAA4D8CAAAAjAAAAAAAAAAAAAAARHLEDP///wgAAAAAAAAAAAAAAAAAAAAAAAAAAAAAAAAAAAAAZAAAAAEAAABAAAAAAAAAAAAAAAAAAAAAAAAAAAAAAAAAAAAAAAAAAAAAAAAAAAAAAAAAAAAAAAAAAAAAAAAAAAAAAAAAAAAAAAAAAAAAAAAAAAAAAAAAAAAAAAAAAAAAFAAAADwAAAAAAAAAAAAAAAAAAAkUAAAAAQAAABQAAAAUAAAAFAAAAAEAAAAAAAAAZAAAAGQAAAAAAAAAZAAAAGQAAAAVAAAAYAAAAAAAAAAAAAAADwAAACADAAAAAAAAAAAAAAEAAACgMgAAVgcAAKr4//8BAAAAf39/AAEAAABkAAAAAAAAABQAAABAHwAAAAAAACYAAAAAAAAAwOD//wAAAAAmAAAAZAAAABYAAABMAAAAAAAAAAAAAAAEAAAAAAAAAAEAAADn5uYKAAAAACgAAAAoAAAAZAAAAGQAAAAAAAAAzMzMAAAAAABQAAAAUAAAAGQAAABkAAAAAAAAAAcAAAA4AAAAAAAAAAAAAAAAAAAA////AAAAAAAAAAAAAAAAAAAAAAAAAAAAAAAAAAAAAABkAAAAZAAAAAAAAAAjAAAABAAAAGQAAAAXAAAAFAAAAAAAAAAAAAAA/38AAP9/AAAAAAAACQAAAAQAAAAAAAAADAAAABAAAAAAAAAAAAAAAAAAAAAAAAAAHgAAAGgAAAAAAAAAAAAAAAAAAAAAAAAAAAAAABAnAAAQJwAAAAAAAAAAAAAAAAAAAAAAAAAAAAAAAAAAAAAAAAAAAAAUAAAAAAAAAMDA/wAAAAAAZAAAADIAAAAAAAAAZAAAAAAAAAB/f38ACgAAAB8AAABUAAAARHLEBf///wEAAAAAAAAAAAAAAAAAAAAAAAAAAAAAAAAAAAAAAAAAAAAAAAJ/f38A5+bmA8zMzADAwP8Af39/AAAAAAAAAAAAAAAAAP///wAAAAAAIQAAABgAAAAUAAAAAAAAADkKAAAASwAA9x8AABAAAAAmAAAACAAAAP//////////"/>
+              </a:ext>
+            </a:extLst>
           </p:cNvPicPr>
           <p:nvPr/>
         </p:nvPicPr>
@@ -3369,29 +4002,36 @@
         </p:blipFill>
         <p:spPr>
           <a:xfrm>
-            <a:off x="0" y="1661643"/>
-            <a:ext cx="12192000" cy="3534713"/>
+            <a:off x="0" y="1661795"/>
+            <a:ext cx="12192000" cy="3534410"/>
           </a:xfrm>
           <a:prstGeom prst="rect">
             <a:avLst/>
           </a:prstGeom>
+          <a:noFill/>
+          <a:ln>
+            <a:noFill/>
+          </a:ln>
+          <a:effectLst/>
         </p:spPr>
       </p:pic>
     </p:spTree>
-    <p:extLst>
-      <p:ext uri="{BB962C8B-B14F-4D97-AF65-F5344CB8AC3E}">
-        <p14:creationId xmlns:p14="http://schemas.microsoft.com/office/powerpoint/2010/main" val="663812050"/>
-      </p:ext>
-    </p:extLst>
   </p:cSld>
   <p:clrMapOvr>
     <a:masterClrMapping/>
   </p:clrMapOvr>
+  <p:timing>
+    <p:tnLst>
+      <p:par>
+        <p:cTn id="1" dur="indefinite" restart="never" nodeType="tmRoot"/>
+      </p:par>
+    </p:tnLst>
+  </p:timing>
 </p:sld>
 </file>
 
 <file path=ppt/slides/slide2.xml><?xml version="1.0" encoding="utf-8"?>
-<p:sld xmlns:a="http://schemas.openxmlformats.org/drawingml/2006/main" xmlns:r="http://schemas.openxmlformats.org/officeDocument/2006/relationships" xmlns:p="http://schemas.openxmlformats.org/presentationml/2006/main">
+<p:sld xmlns:p="http://schemas.openxmlformats.org/presentationml/2006/main" xmlns:p14="http://schemas.microsoft.com/office/powerpoint/2010/main" xmlns:r="http://schemas.openxmlformats.org/officeDocument/2006/relationships" xmlns:a="http://schemas.openxmlformats.org/drawingml/2006/main">
   <p:cSld>
     <p:spTree>
       <p:nvGrpSpPr>
@@ -3409,15 +4049,14 @@
       </p:grpSpPr>
       <p:pic>
         <p:nvPicPr>
-          <p:cNvPr id="4" name="Imagen 3">
-            <a:extLst>
-              <a:ext uri="{FF2B5EF4-FFF2-40B4-BE49-F238E27FC236}">
-                <a16:creationId xmlns:a16="http://schemas.microsoft.com/office/drawing/2014/main" id="{F6097B62-9C78-494E-A4A5-EC8D47BC7C15}"/>
-              </a:ext>
-            </a:extLst>
-          </p:cNvPr>
+          <p:cNvPr id="2" name="Imagen 3"/>
           <p:cNvPicPr>
             <a:picLocks noChangeAspect="1"/>
+            <a:extLst>
+              <a:ext uri="smNativeData">
+                <pr:smNativeData xmlns:pr="smNativeData" val="SMDATA_15_A8J7XRMAAAAlAAAAEQAAAC0AAAAAkAAAAEgAAACQAAAASAAAAAAAAAAAAAAAAAAAAAEAAABQAAAAAAAAAAAA4D8AAAAAAADgPwAAAAAAAOA/AAAAAAAA4D8AAAAAAADgPwAAAAAAAOA/AAAAAAAA4D8AAAAAAADgPwAAAAAAAOA/AAAAAAAA4D8CAAAAjAAAAAAAAAAAAAAARHLEDP///wgAAAAAAAAAAAAAAAAAAAAAAAAAAAAAAAAAAAAAZAAAAAEAAABAAAAAAAAAAAAAAAAAAAAAAAAAAAAAAAAAAAAAAAAAAAAAAAAAAAAAAAAAAAAAAAAAAAAAAAAAAAAAAAAAAAAAAAAAAAAAAAAAAAAAAAAAAAAAAAAAAAAAFAAAADwAAAAAAAAAAAAAAAAAAAkUAAAAAQAAABQAAAAUAAAAFAAAAAEAAAAAAAAAZAAAAGQAAAAAAAAAZAAAAGQAAAAVAAAAYAAAAAAAAAAAAAAADwAAACADAAAAAAAAAAAAAAEAAACgMgAAVgcAAKr4//8BAAAAf39/AAEAAABkAAAAAAAAABQAAABAHwAAAAAAACYAAAAAAAAAwOD//wAAAAAmAAAAZAAAABYAAABMAAAAAAAAAAAAAAAEAAAAAAAAAAEAAADn5uYKAAAAACgAAAAoAAAAZAAAAGQAAAAAAAAAzMzMAAAAAABQAAAAUAAAAGQAAABkAAAAAAAAAAcAAAA4AAAAAAAAAAAAAAAAAAAA////AAAAAAAAAAAAAAAAAAAAAAAAAAAAAAAAAAAAAABkAAAAZAAAAAAAAAAjAAAABAAAAGQAAAAXAAAAFAAAAAAAAAAAAAAA/38AAP9/AAAAAAAACQAAAAQAAAAAAAAADAAAABAAAAAAAAAAAAAAAAAAAAAAAAAAHgAAAGgAAAAAAAAAAAAAAAAAAAAAAAAAAAAAABAnAAAQJwAAAAAAAAAAAAAAAAAAAAAAAAAAAAAAAAAAAAAAAAAAAAAUAAAAAAAAAMDA/wAAAAAAZAAAADIAAAAAAAAAZAAAAAAAAAB/f38ACgAAAB8AAABUAAAARHLEBf///wEAAAAAAAAAAAAAAAAAAAAAAAAAAAAAAAAAAAAAAAAAAAAAAAJ/f38A5+bmA8zMzADAwP8Af39/AAAAAAAAAAAAAAAAAP///wAAAAAAIQAAABgAAAAUAAAADAMAAHYCAAD0RwAAuicAABAAAAAmAAAACAAAAP//////////"/>
+              </a:ext>
+            </a:extLst>
           </p:cNvPicPr>
           <p:nvPr/>
         </p:nvPicPr>
@@ -3435,23 +4074,97 @@
           <a:prstGeom prst="rect">
             <a:avLst/>
           </a:prstGeom>
+          <a:noFill/>
+          <a:ln>
+            <a:noFill/>
+          </a:ln>
+          <a:effectLst/>
         </p:spPr>
       </p:pic>
+      <p:sp>
+        <p:nvSpPr>
+          <p:cNvPr id="3" name="ObjetoTextArt1"/>
+          <p:cNvSpPr>
+            <a:extLst>
+              <a:ext uri="smNativeData">
+                <pr:smNativeData xmlns:pr="smNativeData" val="SMDATA_14_A8J7XRMAAAAlAAAAEAAAAA8BAAAAkAAAAEgAAACQAAAASAAAAAAAAAAAAAAAAAAAAAEAAABQAAAAAAAAAAAAAAAzMzMzMzPTPwAAAAAAAOA/AAAAAAAA4D8AAAAAAADgPwAAAAAAAOA/AAAAAAAA4D8AAAAAAADgPwAAAAAAAOA/AAAAAAAA4D8CAAAAjAAAAAEAAAADAAAAzADMAGYAzAAAAAAAAAAAAAAAAAAAAAAAAAAAAAAAAAAAAAAAZAAAAAEAAABAAAAAnP///5z///+HAAAAAAAAAAAAAAAAAAAAAAAAAAAAAAAAAAAAAAAAAAAAAAAAAAAAAAAAAAAAAAAAAAAAAAAAAAAAAAAAAAAAAAAAAAAAAAAAAAAAFAAAADwAAAABAAAAAAAAAMyZ/wABAAAAAQAAABQAAAAUAAAAFAAAAAEAAAAAAAAAZAAAAGQAAAAAAAAAZAAAAGQAAAAVAAAAYAAAAAAAAAAAAAAADwAAACADAAAAAAAAAAAAAAEAAACgMgAAAAAAAAAAAAABAAAAf39/AAEAAABkAAAAAAAAABQAAABAHwAAQB8AACYAAAAAAAAAwOD//wAAAAAmAAAAZAAAABYAAABMAAAAAQAAAAAAAAAEAAAAAAAAAAEAAACZmf8AAAAAACEAAAAhAAAAZAAAAGQAAAAAAAAAzMzMAAAAAABQAAAAUAAAAGQAAABkAAAAAAAAAAYAAABRAAAAQgBhAHMAaQBjACAAUwBhAG4AcwAAAAAAyB8BAAIA/f8gAAAA7C8BAAIA/f8gAAAAEEABAAIA/f8gAAAANFABABAOAAAAAAAAQGQAAABkAAAAFwAAABQAAAAAAAAAAAAAAP9/AAD/fwAAAAAAAAkAAAAEAAAAAgD9/wwAAAAQAAAAAAAAAAAAAAAAAAAAAAAAAB4AAABoAAAAAAAAAAAAAAAAAAAAAAAAAAAAAAAQJwAAECcAAAAAAAAAAAAAAAAAAAAAAAAAAAAAAAAAAAAAAAAAAAAAFAAAAAAAAADAwP8AAAAAAGQAAAAyAAAAAAAAAGQAAAAAAAAAf39/AAoAAAAfAAAAVAAAAMwAzABmAMwAAAAAAAAAAAAAAAAAAAAAAAAAAAAAAAAAAAAAAAAAAADMmf8Af39/AJmZ/wDMzMwAwMD/AH9/fwAAAAAAAAAAAAAAAAAAAAAAAAAAACEAAAAYAAAAFAAAAI4SAACrAAAAZzUAACsMAAAAAAAAJgAAAAgAAAD//////////w=="/>
+              </a:ext>
+            </a:extLst>
+          </p:cNvSpPr>
+          <p:nvPr/>
+        </p:nvSpPr>
+        <p:spPr>
+          <a:xfrm>
+            <a:off x="3016250" y="108585"/>
+            <a:ext cx="5664835" cy="1869440"/>
+          </a:xfrm>
+          <a:prstGeom prst="rect">
+            <a:avLst/>
+          </a:prstGeom>
+        </p:spPr>
+        <p:txBody>
+          <a:bodyPr wrap="none" fromWordArt="1">
+            <a:prstTxWarp prst="textSlantUp">
+              <a:avLst>
+                <a:gd name="adj" fmla="val 50000"/>
+              </a:avLst>
+            </a:prstTxWarp>
+            <a:spAutoFit/>
+          </a:bodyPr>
+          <a:lstStyle/>
+          <a:p>
+            <a:pPr algn="l"/>
+            <a:r>
+              <a:rPr sz="3600">
+                <a:ln w="635" cap="flat" cmpd="sng" algn="ctr">
+                  <a:solidFill>
+                    <a:srgbClr val="CC99FF"/>
+                  </a:solidFill>
+                  <a:prstDash val="solid"/>
+                  <a:headEnd type="none"/>
+                  <a:tailEnd type="none"/>
+                </a:ln>
+                <a:gradFill flip="none" rotWithShape="0">
+                  <a:gsLst>
+                    <a:gs pos="0">
+                      <a:srgbClr val="CC00CC"/>
+                    </a:gs>
+                    <a:gs pos="100000">
+                      <a:srgbClr val="6600CC"/>
+                    </a:gs>
+                  </a:gsLst>
+                  <a:lin ang="13500000" scaled="0"/>
+                  <a:tileRect/>
+                </a:gradFill>
+                <a:effectLst>
+                  <a:outerShdw blurRad="12700" dist="29635" dir="2700000" algn="ctr">
+                    <a:srgbClr val="9999FF"/>
+                  </a:outerShdw>
+                </a:effectLst>
+                <a:latin typeface="Basic Sans"/>
+              </a:rPr>
+              <a:t>listo</a:t>
+            </a:r>
+          </a:p>
+        </p:txBody>
+      </p:sp>
     </p:spTree>
-    <p:extLst>
-      <p:ext uri="{BB962C8B-B14F-4D97-AF65-F5344CB8AC3E}">
-        <p14:creationId xmlns:p14="http://schemas.microsoft.com/office/powerpoint/2010/main" val="405927333"/>
-      </p:ext>
-    </p:extLst>
   </p:cSld>
   <p:clrMapOvr>
     <a:masterClrMapping/>
   </p:clrMapOvr>
+  <p:timing>
+    <p:tnLst>
+      <p:par>
+        <p:cTn id="1" dur="indefinite" restart="never" nodeType="tmRoot"/>
+      </p:par>
+    </p:tnLst>
+  </p:timing>
 </p:sld>
 </file>
 
 <file path=ppt/slides/slide3.xml><?xml version="1.0" encoding="utf-8"?>
-<p:sld xmlns:a="http://schemas.openxmlformats.org/drawingml/2006/main" xmlns:r="http://schemas.openxmlformats.org/officeDocument/2006/relationships" xmlns:p="http://schemas.openxmlformats.org/presentationml/2006/main">
+<p:sld xmlns:p="http://schemas.openxmlformats.org/presentationml/2006/main" xmlns:p14="http://schemas.microsoft.com/office/powerpoint/2010/main" xmlns:r="http://schemas.openxmlformats.org/officeDocument/2006/relationships" xmlns:a="http://schemas.openxmlformats.org/drawingml/2006/main">
   <p:cSld>
     <p:spTree>
       <p:nvGrpSpPr>
@@ -3469,15 +4182,14 @@
       </p:grpSpPr>
       <p:pic>
         <p:nvPicPr>
-          <p:cNvPr id="2" name="Imagen 1">
-            <a:extLst>
-              <a:ext uri="{FF2B5EF4-FFF2-40B4-BE49-F238E27FC236}">
-                <a16:creationId xmlns:a16="http://schemas.microsoft.com/office/drawing/2014/main" id="{42F9C1B4-3813-4E52-9828-D452E1EC61E8}"/>
-              </a:ext>
-            </a:extLst>
-          </p:cNvPr>
+          <p:cNvPr id="2" name="Imagen 1"/>
           <p:cNvPicPr>
             <a:picLocks noChangeAspect="1"/>
+            <a:extLst>
+              <a:ext uri="smNativeData">
+                <pr:smNativeData xmlns:pr="smNativeData" val="SMDATA_15_A8J7XRMAAAAlAAAAEQAAAC0AAAAAkAAAAEgAAACQAAAASAAAAAAAAAAAAAAAAAAAAAEAAABQAAAAAAAAAAAA4D8AAAAAAADgPwAAAAAAAOA/AAAAAAAA4D8AAAAAAADgPwAAAAAAAOA/AAAAAAAA4D8AAAAAAADgPwAAAAAAAOA/AAAAAAAA4D8CAAAAjAAAAAAAAAAAAAAARHLEDP///wgAAAAAAAAAAAAAAAAAAAAAAAAAAAAAAAAAAAAAZAAAAAEAAABAAAAAAAAAAAAAAAAAAAAAAAAAAAAAAAAAAAAAAAAAAAAAAAAAAAAAAAAAAAAAAAAAAAAAAAAAAAAAAAAAAAAAAAAAAAAAAAAAAAAAAAAAAAAAAAAAAAAAFAAAADwAAAAAAAAAAAAAAAAAAAkUAAAAAQAAABQAAAAUAAAAFAAAAAEAAAAAAAAAZAAAAGQAAAAAAAAAZAAAAGQAAAAVAAAAYAAAAAAAAAAAAAAADwAAACADAAAAAAAAAAAAAAEAAACgMgAAVgcAAKr4//8BAAAAf39/AAEAAABkAAAAAAAAABQAAABAHwAAAAAAACYAAAAAAAAAwOD//wAAAAAmAAAAZAAAABYAAABMAAAAAAAAAAAAAAAEAAAAAAAAAAEAAADn5uYKAAAAACgAAAAoAAAAZAAAAGQAAAAAAAAAzMzMAAAAAABQAAAAUAAAAGQAAABkAAAAAAAAAAcAAAA4AAAAAAAAAAAAAAAAAAAA////AAAAAAAAAAAAAAAAAAAAAAAAAAAAAAAAAAAAAABkAAAAZAAAAAAAAAAjAAAABAAAAGQAAAAXAAAAFAAAAAAAAAAAAAAA/38AAP9/AAAAAAAACQAAAAQAAAAAAAAADAAAABAAAAAAAAAAAAAAAAAAAAAAAAAAHgAAAGgAAAAAAAAAAAAAAAAAAAAAAAAAAAAAABAnAAAQJwAAAAAAAAAAAAAAAAAAAAAAAAAAAAAAAAAAAAAAAAAAAAAUAAAAAAAAAMDA/wAAAAAAZAAAADIAAAAAAAAAZAAAAAAAAAB/f38ACgAAAB8AAABUAAAARHLEBf///wEAAAAAAAAAAAAAAAAAAAAAAAAAAAAAAAAAAAAAAAAAAAAAAAJ/f38A5+bmA8zMzADAwP8Af39/AAAAAAAAAAAAAAAAAP///wAAAAAAIQAAABgAAAAUAAAA5AQAAAUKAAAbRgAAKyAAABAAAAAmAAAACAAAAP//////////"/>
+              </a:ext>
+            </a:extLst>
           </p:cNvPicPr>
           <p:nvPr/>
         </p:nvPicPr>
@@ -3489,29 +4201,103 @@
         </p:blipFill>
         <p:spPr>
           <a:xfrm>
-            <a:off x="795337" y="1628775"/>
+            <a:off x="795020" y="1628775"/>
             <a:ext cx="10601325" cy="3600450"/>
           </a:xfrm>
           <a:prstGeom prst="rect">
             <a:avLst/>
           </a:prstGeom>
+          <a:noFill/>
+          <a:ln>
+            <a:noFill/>
+          </a:ln>
+          <a:effectLst/>
         </p:spPr>
       </p:pic>
+      <p:sp>
+        <p:nvSpPr>
+          <p:cNvPr id="3" name="ObjetoTextArt1"/>
+          <p:cNvSpPr>
+            <a:extLst>
+              <a:ext uri="smNativeData">
+                <pr:smNativeData xmlns:pr="smNativeData" val="SMDATA_14_A8J7XRMAAAAlAAAAEAAAAA8BAAAAkAAAAEgAAACQAAAASAAAAAAAAAAAAAAAAAAAAAEAAABQAAAAAAAAAAAAAAAzMzMzMzPTPwAAAAAAAOA/AAAAAAAA4D8AAAAAAADgPwAAAAAAAOA/AAAAAAAA4D8AAAAAAADgPwAAAAAAAOA/AAAAAAAA4D8CAAAAjAAAAAEAAAADAAAAzADMAGYAzAAAAAAAAAAAAAAAAAAAAAAAAAAAAAAAAAAAAAAAZAAAAAEAAABAAAAAnP///5z///+HAAAAAAAAAAAAAAAAAAAAAAAAAAAAAAAAAAAAAAAAAAAAAAAAAAAAAAAAAAAAAAAAAAAAAAAAAAAAAAAAAAAAAAAAAAAAAAAAAAAAFAAAADwAAAABAAAAAAAAAMyZ/wABAAAAAQAAABQAAAAUAAAAFAAAAAEAAAAAAAAAZAAAAGQAAAAAAAAAZAAAAGQAAAAVAAAAYAAAAAAAAAAAAAAADwAAACADAAAAAAAAAAAAAAEAAACgMgAAAAAAAAAAAAABAAAAf39/AAEAAABkAAAAAAAAABQAAABAHwAAQB8AACYAAAAAAAAAwOD//wAAAAAmAAAAZAAAABYAAABMAAAAAQAAAAAAAAAEAAAAAAAAAAEAAACZmf8AAAAAACEAAAAhAAAAZAAAAGQAAAAAAAAAzMzMAAAAAABQAAAAUAAAAGQAAABkAAAAAAAAAAYAAABRAAAAQgBhAHMAaQBjACAAUwBhAG4AcwAAAAAAyB8BAAIA/f8gAAAA7C8BAAIA/f8gAAAAEEABAAIA/f8gAAAANFABABAOAAAAAAAAQGQAAABkAAAAFwAAABQAAAAAAAAAAAAAAP9/AAD/fwAAAAAAAAkAAAAEAAAAAAAAAAwAAAAQAAAAAAAAAAAAAAAAAAAAAAAAAB4AAABoAAAAAAAAAAAAAAAAAAAAAAAAAAAAAAAQJwAAECcAAAAAAAAAAAAAAAAAAAAAAAAAAAAAAAAAAAAAAAAAAAAAFAAAAAAAAADAwP8AAAAAAGQAAAAyAAAAAAAAAGQAAAAAAAAAf39/AAoAAAAfAAAAVAAAAMwAzABmAMwAAAAAAAAAAAAAAAAAAAAAAAAAAAAAAAAAAAAAAAAAAADMmf8Af39/AJmZ/wDMzMwAwMD/AH9/fwAAAAAAAAAAAAAAAAAAAAAAAAAAACEAAAAYAAAAFAAAAI4SAACrAAAAZzUAACsMAAAAAAAAJgAAAAgAAAD//////////w=="/>
+              </a:ext>
+            </a:extLst>
+          </p:cNvSpPr>
+          <p:nvPr/>
+        </p:nvSpPr>
+        <p:spPr>
+          <a:xfrm>
+            <a:off x="3016250" y="108585"/>
+            <a:ext cx="5664835" cy="1869440"/>
+          </a:xfrm>
+          <a:prstGeom prst="rect">
+            <a:avLst/>
+          </a:prstGeom>
+        </p:spPr>
+        <p:txBody>
+          <a:bodyPr wrap="none" fromWordArt="1">
+            <a:prstTxWarp prst="textSlantUp">
+              <a:avLst>
+                <a:gd name="adj" fmla="val 50000"/>
+              </a:avLst>
+            </a:prstTxWarp>
+            <a:spAutoFit/>
+          </a:bodyPr>
+          <a:lstStyle/>
+          <a:p>
+            <a:pPr algn="l"/>
+            <a:r>
+              <a:rPr sz="3600">
+                <a:ln w="635" cap="flat" cmpd="sng" algn="ctr">
+                  <a:solidFill>
+                    <a:srgbClr val="CC99FF"/>
+                  </a:solidFill>
+                  <a:prstDash val="solid"/>
+                  <a:headEnd type="none"/>
+                  <a:tailEnd type="none"/>
+                </a:ln>
+                <a:gradFill flip="none" rotWithShape="0">
+                  <a:gsLst>
+                    <a:gs pos="0">
+                      <a:srgbClr val="CC00CC"/>
+                    </a:gs>
+                    <a:gs pos="100000">
+                      <a:srgbClr val="6600CC"/>
+                    </a:gs>
+                  </a:gsLst>
+                  <a:lin ang="13500000" scaled="0"/>
+                  <a:tileRect/>
+                </a:gradFill>
+                <a:effectLst>
+                  <a:outerShdw blurRad="12700" dist="29635" dir="2700000" algn="ctr">
+                    <a:srgbClr val="9999FF"/>
+                  </a:outerShdw>
+                </a:effectLst>
+                <a:latin typeface="Basic Sans"/>
+              </a:rPr>
+              <a:t>listo</a:t>
+            </a:r>
+          </a:p>
+        </p:txBody>
+      </p:sp>
     </p:spTree>
-    <p:extLst>
-      <p:ext uri="{BB962C8B-B14F-4D97-AF65-F5344CB8AC3E}">
-        <p14:creationId xmlns:p14="http://schemas.microsoft.com/office/powerpoint/2010/main" val="694434714"/>
-      </p:ext>
-    </p:extLst>
   </p:cSld>
   <p:clrMapOvr>
     <a:masterClrMapping/>
   </p:clrMapOvr>
+  <p:timing>
+    <p:tnLst>
+      <p:par>
+        <p:cTn id="1" dur="indefinite" restart="never" nodeType="tmRoot"/>
+      </p:par>
+    </p:tnLst>
+  </p:timing>
 </p:sld>
 </file>
 
 <file path=ppt/slides/slide4.xml><?xml version="1.0" encoding="utf-8"?>
-<p:sld xmlns:a="http://schemas.openxmlformats.org/drawingml/2006/main" xmlns:r="http://schemas.openxmlformats.org/officeDocument/2006/relationships" xmlns:p="http://schemas.openxmlformats.org/presentationml/2006/main">
+<p:sld xmlns:p="http://schemas.openxmlformats.org/presentationml/2006/main" xmlns:p14="http://schemas.microsoft.com/office/powerpoint/2010/main" xmlns:r="http://schemas.openxmlformats.org/officeDocument/2006/relationships" xmlns:a="http://schemas.openxmlformats.org/drawingml/2006/main">
   <p:cSld>
     <p:spTree>
       <p:nvGrpSpPr>
@@ -3529,15 +4315,14 @@
       </p:grpSpPr>
       <p:pic>
         <p:nvPicPr>
-          <p:cNvPr id="2" name="Imagen 1">
-            <a:extLst>
-              <a:ext uri="{FF2B5EF4-FFF2-40B4-BE49-F238E27FC236}">
-                <a16:creationId xmlns:a16="http://schemas.microsoft.com/office/drawing/2014/main" id="{3781CAF0-A5E3-4BF3-AF75-36BBFCBE1241}"/>
-              </a:ext>
-            </a:extLst>
-          </p:cNvPr>
+          <p:cNvPr id="2" name="Imagen 1"/>
           <p:cNvPicPr>
             <a:picLocks noChangeAspect="1"/>
+            <a:extLst>
+              <a:ext uri="smNativeData">
+                <pr:smNativeData xmlns:pr="smNativeData" val="SMDATA_15_A8J7XRMAAAAlAAAAEQAAAC0AAAAAkAAAAEgAAACQAAAASAAAAAAAAAAAAAAAAAAAAAEAAABQAAAAAAAAAAAA4D8AAAAAAADgPwAAAAAAAOA/AAAAAAAA4D8AAAAAAADgPwAAAAAAAOA/AAAAAAAA4D8AAAAAAADgPwAAAAAAAOA/AAAAAAAA4D8CAAAAjAAAAAAAAAAAAAAARHLEDP///wgAAAAAAAAAAAAAAAAAAAAAAAAAAAAAAAAAAAAAZAAAAAEAAABAAAAAAAAAAAAAAAAAAAAAAAAAAAAAAAAAAAAAAAAAAAAAAAAAAAAAAAAAAAAAAAAAAAAAAAAAAAAAAAAAAAAAAAAAAAAAAAAAAAAAAAAAAAAAAAAAAAAAFAAAADwAAAAAAAAAAAAAAAAAAAkUAAAAAQAAABQAAAAUAAAAFAAAAAEAAAAAAAAAZAAAAGQAAAAAAAAAZAAAAGQAAAAVAAAAYAAAAAAAAAAAAAAADwAAACADAAAAAAAAAAAAAAEAAACgMgAAVgcAAKr4//8BAAAAf39/AAEAAABkAAAAAAAAABQAAABAHwAAAAAAACYAAAAAAAAAwOD//wAAAAAmAAAAZAAAABYAAABMAAAAAAAAAAAAAAAEAAAAAAAAAAEAAADn5uYKAAAAACgAAAAoAAAAZAAAAGQAAAAAAAAAzMzMAAAAAABQAAAAUAAAAGQAAABkAAAAAAAAAAcAAAA4AAAAAAAAAAAAAAAAAAAA////AAAAAAAAAAAAAAAAAAAAAAAAAAAAAAAAAAAAAABkAAAAZAAAAAAAAAAjAAAABAAAAGQAAAAXAAAAFAAAAAAAAAAAAAAA/38AAP9/AAAAAAAACQAAAAQAAAAAAAAADAAAABAAAAAAAAAAAAAAAAAAAAAAAAAAHgAAAGgAAAAAAAAAAAAAAAAAAAAAAAAAAAAAABAnAAAQJwAAAAAAAAAAAAAAAAAAAAAAAAAAAAAAAAAAAAAAAAAAAAAUAAAAAAAAAMDA/wAAAAAAZAAAADIAAAAAAAAAZAAAAAAAAAB/f38ACgAAAB8AAABUAAAARHLEBf///wEAAAAAAAAAAAAAAAAAAAAAAAAAAAAAAAAAAAAAAAAAAAAAAAJ/f38A5+bmA8zMzADAwP8Af39/AAAAAAAAAAAAAAAAAP///wAAAAAAIQAAABgAAAAUAAAA+Q0AAHEHAAAGPQAAvyIAABAAAAAmAAAACAAAAP//////////"/>
+              </a:ext>
+            </a:extLst>
           </p:cNvPicPr>
           <p:nvPr/>
         </p:nvPicPr>
@@ -3549,29 +4334,90 @@
         </p:blipFill>
         <p:spPr>
           <a:xfrm>
-            <a:off x="2271712" y="1209675"/>
+            <a:off x="2271395" y="1209675"/>
             <a:ext cx="7648575" cy="4438650"/>
           </a:xfrm>
           <a:prstGeom prst="rect">
             <a:avLst/>
           </a:prstGeom>
+          <a:noFill/>
+          <a:ln>
+            <a:noFill/>
+          </a:ln>
+          <a:effectLst/>
         </p:spPr>
       </p:pic>
+      <p:sp>
+        <p:nvSpPr>
+          <p:cNvPr id="3" name="ObjetoTextArt1"/>
+          <p:cNvSpPr>
+            <a:extLst>
+              <a:ext uri="smNativeData">
+                <pr:smNativeData xmlns:pr="smNativeData" val="SMDATA_14_A8J7XRMAAAAlAAAAEAAAAA8BAAAAkAAAAEgAAACQAAAASAAAAAAAAAAAAAAAAAAAAAEAAABQAAAAAAAAAAAAAAAAAAAAAADgPwAAAAAAAOA/AAAAAAAA4D8AAAAAAADgPwAAAAAAAOA/AAAAAAAA4D8AAAAAAADgPwAAAAAAAOA/AAAAAAAA4D8CAAAAjAAAAAEAAAAAAAAARHLEDP///wgAAAAAAAAAAAAAAAAAAAAAAAAAAAAAAAAAAAAAZAAAAAEAAABAAAAAAAAAAAAAAAAAAAAAAAAAAAAAAAAAAAAAAAAAAAAAAAAAAAAAAAAAAAAAAAAAAAAAAAAAAAAAAAAAAAAAAAAAAAAAAAAAAAAAAAAAAAAAAAAAAAAAFAAAADwAAAABAAAAAAAAAAAAAAkUAAAAAQAAABQAAAAUAAAAFAAAAAEAAAAAAAAAZAAAAGQAAAAAAAAAZAAAAGQAAAAVAAAAYAAAAAAAAAAAAAAADwAAACADAAAAAAAAAAAAAAEAAACgMgAAAAAAAAAAAAABAAAAf39/AAEAAABkAAAAAAAAABQAAABAHwAAAAAAACYAAAAAAAAAwOD//wAAAAAmAAAAZAAAABYAAABMAAAAAAAAAAAAAAAEAAAAAAAAAAEAAADn5uYKAAAAACgAAAAoAAAAZAAAAGQAAAAAAAAAzMzMAAAAAABQAAAAUAAAAGQAAABkAAAAAAAAAAYAAABRAAAAQgBhAHMAaQBjACAAUwBhAG4AcwAAAAAAyB8BAAIA/f8gAAAA7C8BAAIA/f8gAAAAEEABAAIA/f8gAAAANFABABAOAAAAAAAAQGQAAABkAAAAFwAAABQAAAAAAAAAAAAAAP9/AAD/fwAAAAAAAAkAAAAEAAAAAAAAAAwAAAAQAAAAAAAAAAAAAAAAAAAAAAAAAB4AAABoAAAAAAAAAAAAAAAAAAAAAAAAAAAAAAAQJwAAECcAAAAAAAAAAAAAAAAAAAAAAAAAAAAAAAAAAAAAAAAAAAAAFAAAAAAAAADAwP8AAAAAAGQAAAAyAAAAAAAAAGQAAAAAAAAAf39/AAoAAAAfAAAAVAAAAERyxAX///8BAAAAAAAAAAAAAAAAAAAAAAAAAAAAAAAAAAAAAAAAAAAAAAACf39/AOfm5gPMzMwAwMD/AH9/fwAAAAAAAAAAAAAAAAAAAAAAAAAAACEAAAAYAAAAFAAAAIceAABHAgAA+i0AABcFAAAAAAAAJgAAAAgAAAD//////////w=="/>
+              </a:ext>
+            </a:extLst>
+          </p:cNvSpPr>
+          <p:nvPr/>
+        </p:nvSpPr>
+        <p:spPr>
+          <a:xfrm>
+            <a:off x="4962525" y="370205"/>
+            <a:ext cx="2511425" cy="457200"/>
+          </a:xfrm>
+          <a:prstGeom prst="rect">
+            <a:avLst/>
+          </a:prstGeom>
+        </p:spPr>
+        <p:txBody>
+          <a:bodyPr wrap="none" fromWordArt="1">
+            <a:prstTxWarp prst="textPlain">
+              <a:avLst>
+                <a:gd name="adj" fmla="val 50000"/>
+              </a:avLst>
+            </a:prstTxWarp>
+            <a:spAutoFit/>
+          </a:bodyPr>
+          <a:lstStyle/>
+          <a:p>
+            <a:pPr algn="l"/>
+            <a:r>
+              <a:rPr sz="3600">
+                <a:ln w="12700" cap="flat" cmpd="sng" algn="ctr">
+                  <a:solidFill>
+                    <a:schemeClr val="tx1"/>
+                  </a:solidFill>
+                  <a:prstDash val="solid"/>
+                  <a:headEnd type="none"/>
+                  <a:tailEnd type="none"/>
+                </a:ln>
+                <a:solidFill>
+                  <a:schemeClr val="accent1"/>
+                </a:solidFill>
+                <a:effectLst/>
+                <a:latin typeface="Basic Sans"/>
+              </a:rPr>
+              <a:t>No se puede</a:t>
+            </a:r>
+          </a:p>
+        </p:txBody>
+      </p:sp>
     </p:spTree>
-    <p:extLst>
-      <p:ext uri="{BB962C8B-B14F-4D97-AF65-F5344CB8AC3E}">
-        <p14:creationId xmlns:p14="http://schemas.microsoft.com/office/powerpoint/2010/main" val="1827033207"/>
-      </p:ext>
-    </p:extLst>
   </p:cSld>
   <p:clrMapOvr>
     <a:masterClrMapping/>
   </p:clrMapOvr>
+  <p:timing>
+    <p:tnLst>
+      <p:par>
+        <p:cTn id="1" dur="indefinite" restart="never" nodeType="tmRoot"/>
+      </p:par>
+    </p:tnLst>
+  </p:timing>
 </p:sld>
 </file>
 
 <file path=ppt/slides/slide5.xml><?xml version="1.0" encoding="utf-8"?>
-<p:sld xmlns:a="http://schemas.openxmlformats.org/drawingml/2006/main" xmlns:r="http://schemas.openxmlformats.org/officeDocument/2006/relationships" xmlns:p="http://schemas.openxmlformats.org/presentationml/2006/main">
+<p:sld xmlns:p="http://schemas.openxmlformats.org/presentationml/2006/main" xmlns:p14="http://schemas.microsoft.com/office/powerpoint/2010/main" xmlns:r="http://schemas.openxmlformats.org/officeDocument/2006/relationships" xmlns:a="http://schemas.openxmlformats.org/drawingml/2006/main">
   <p:cSld>
     <p:spTree>
       <p:nvGrpSpPr>
@@ -3589,15 +4435,14 @@
       </p:grpSpPr>
       <p:pic>
         <p:nvPicPr>
-          <p:cNvPr id="2" name="Imagen 1">
-            <a:extLst>
-              <a:ext uri="{FF2B5EF4-FFF2-40B4-BE49-F238E27FC236}">
-                <a16:creationId xmlns:a16="http://schemas.microsoft.com/office/drawing/2014/main" id="{CFA04BA1-853A-4EE8-B1A9-BCA0FE45A43E}"/>
-              </a:ext>
-            </a:extLst>
-          </p:cNvPr>
+          <p:cNvPr id="2" name="Imagen 1"/>
           <p:cNvPicPr>
             <a:picLocks noChangeAspect="1"/>
+            <a:extLst>
+              <a:ext uri="smNativeData">
+                <pr:smNativeData xmlns:pr="smNativeData" val="SMDATA_15_A8J7XRMAAAAlAAAAEQAAAC0AAAAAkAAAAEgAAACQAAAASAAAAAAAAAAAAAAAAAAAAAEAAABQAAAAAAAAAAAA4D8AAAAAAADgPwAAAAAAAOA/AAAAAAAA4D8AAAAAAADgPwAAAAAAAOA/AAAAAAAA4D8AAAAAAADgPwAAAAAAAOA/AAAAAAAA4D8CAAAAjAAAAAAAAAAAAAAARHLEDP///wgAAAAAAAAAAAAAAAAAAAAAAAAAAAAAAAAAAAAAZAAAAAEAAABAAAAAAAAAAAAAAAAAAAAAAAAAAAAAAAAAAAAAAAAAAAAAAAAAAAAAAAAAAAAAAAAAAAAAAAAAAAAAAAAAAAAAAAAAAAAAAAAAAAAAAAAAAAAAAAAAAAAAFAAAADwAAAAAAAAAAAAAAAAAAAkUAAAAAQAAABQAAAAUAAAAFAAAAAEAAAAAAAAAZAAAAGQAAAAAAAAAZAAAAGQAAAAVAAAAYAAAAAAAAAAAAAAADwAAACADAAAAAAAAAAAAAAEAAACgMgAAVgcAAKr4//8BAAAAf39/AAEAAABkAAAAAAAAABQAAABAHwAAAAAAACYAAAAAAAAAwOD//wAAAAAmAAAAZAAAABYAAABMAAAAAAAAAAAAAAAEAAAAAAAAAAEAAADn5uYKAAAAACgAAAAoAAAAZAAAAGQAAAAAAAAAzMzMAAAAAABQAAAAUAAAAGQAAABkAAAAAAAAAAcAAAA4AAAAAAAAAAAAAAAAAAAA////AAAAAAAAAAAAAAAAAAAAAAAAAAAAAAAAAAAAAABkAAAAZAAAAAAAAAAjAAAABAAAAGQAAAAXAAAAFAAAAAAAAAAAAAAA/38AAP9/AAAAAAAACQAAAAQAAAAAAAAADAAAABAAAAAAAAAAAAAAAAAAAAAAAAAAHgAAAGgAAAAAAAAAAAAAAAAAAAAAAAAAAAAAABAnAAAQJwAAAAAAAAAAAAAAAAAAAAAAAAAAAAAAAAAAAAAAAAAAAAAUAAAAAAAAAMDA/wAAAAAAZAAAADIAAAAAAAAAZAAAAAAAAAB/f38ACgAAAB8AAABUAAAARHLEBf///wEAAAAAAAAAAAAAAAAAAAAAAAAAAAAAAAAAAAAAAAAAAAAAAAJ/f38A5+bmA8zMzADAwP8Af39/AAAAAAAAAAAAAAAAAP///wAAAAAAIQAAABgAAAAUAAAArgYAAH4JAABSRAAAsiAAABAAAAAmAAAACAAAAP//////////"/>
+              </a:ext>
+            </a:extLst>
           </p:cNvPicPr>
           <p:nvPr/>
         </p:nvPicPr>
@@ -3615,23 +4460,97 @@
           <a:prstGeom prst="rect">
             <a:avLst/>
           </a:prstGeom>
+          <a:noFill/>
+          <a:ln>
+            <a:noFill/>
+          </a:ln>
+          <a:effectLst/>
         </p:spPr>
       </p:pic>
+      <p:sp>
+        <p:nvSpPr>
+          <p:cNvPr id="3" name="ObjetoTextArt1"/>
+          <p:cNvSpPr>
+            <a:extLst>
+              <a:ext uri="smNativeData">
+                <pr:smNativeData xmlns:pr="smNativeData" val="SMDATA_14_A8J7XRMAAAAlAAAAEAAAAA8BAAAAkAAAAEgAAACQAAAASAAAAAAAAAAAAAAAAAAAAAEAAABQAAAAAAAAAAAAAAAzMzMzMzPTPwAAAAAAAOA/AAAAAAAA4D8AAAAAAADgPwAAAAAAAOA/AAAAAAAA4D8AAAAAAADgPwAAAAAAAOA/AAAAAAAA4D8CAAAAjAAAAAEAAAADAAAAzADMAGYAzAAAAAAAAAAAAAAAAAAAAAAAAAAAAAAAAAAAAAAAZAAAAAEAAABAAAAAnP///5z///+HAAAAAAAAAAAAAAAAAAAAAAAAAAAAAAAAAAAAAAAAAAAAAAAAAAAAAAAAAAAAAAAAAAAAAAAAAAAAAAAAAAAAAAAAAAAAAAAAAAAAFAAAADwAAAABAAAAAAAAAMyZ/wABAAAAAQAAABQAAAAUAAAAFAAAAAEAAAAAAAAAZAAAAGQAAAAAAAAAZAAAAGQAAAAVAAAAYAAAAAAAAAAAAAAADwAAACADAAAAAAAAAAAAAAEAAACgMgAAAAAAAAAAAAABAAAAf39/AAEAAABkAAAAAAAAABQAAABAHwAAQB8AACYAAAAAAAAAwOD//wAAAAAmAAAAZAAAABYAAABMAAAAAQAAAAAAAAAEAAAAAAAAAAEAAACZmf8AAAAAACEAAAAhAAAAZAAAAGQAAAAAAAAAzMzMAAAAAABQAAAAUAAAAGQAAABkAAAAAAAAAAYAAABRAAAAQgBhAHMAaQBjACAAUwBhAG4AcwAAAAAAyB8BAAIA/f8gAAAA7C8BAAIA/f8gAAAAEEABAAIA/f8gAAAANFABABAOAAAAAAAAQGQAAABkAAAAFwAAABQAAAAAAAAAAAAAAP9/AAD/fwAAAAAAAAkAAAAEAAAAAgD9/wwAAAAQAAAAAAAAAAAAAAAAAAAAAAAAAB4AAABoAAAAAAAAAAAAAAAAAAAAAAAAAAAAAAAQJwAAECcAAAAAAAAAAAAAAAAAAAAAAAAAAAAAAAAAAAAAAAAAAAAAFAAAAAAAAADAwP8AAAAAAGQAAAAyAAAAAAAAAGQAAAAAAAAAf39/AAoAAAAfAAAAVAAAAMwAzABmAMwAAAAAAAAAAAAAAAAAAAAAAAAAAAAAAAAAAAAAAAAAAADMmf8Af39/AJmZ/wDMzMwAwMD/AH9/fwAAAAAAAAAAAAAAAAAAAAAAAAAAACEAAAAYAAAAFAAAAI4SAACrAAAAZzUAACsMAAAAAAAAJgAAAAgAAAD//////////w=="/>
+              </a:ext>
+            </a:extLst>
+          </p:cNvSpPr>
+          <p:nvPr/>
+        </p:nvSpPr>
+        <p:spPr>
+          <a:xfrm>
+            <a:off x="3016250" y="108585"/>
+            <a:ext cx="5664835" cy="1869440"/>
+          </a:xfrm>
+          <a:prstGeom prst="rect">
+            <a:avLst/>
+          </a:prstGeom>
+        </p:spPr>
+        <p:txBody>
+          <a:bodyPr wrap="none" fromWordArt="1">
+            <a:prstTxWarp prst="textSlantUp">
+              <a:avLst>
+                <a:gd name="adj" fmla="val 50000"/>
+              </a:avLst>
+            </a:prstTxWarp>
+            <a:spAutoFit/>
+          </a:bodyPr>
+          <a:lstStyle/>
+          <a:p>
+            <a:pPr algn="l"/>
+            <a:r>
+              <a:rPr sz="3600">
+                <a:ln w="635" cap="flat" cmpd="sng" algn="ctr">
+                  <a:solidFill>
+                    <a:srgbClr val="CC99FF"/>
+                  </a:solidFill>
+                  <a:prstDash val="solid"/>
+                  <a:headEnd type="none"/>
+                  <a:tailEnd type="none"/>
+                </a:ln>
+                <a:gradFill flip="none" rotWithShape="0">
+                  <a:gsLst>
+                    <a:gs pos="0">
+                      <a:srgbClr val="CC00CC"/>
+                    </a:gs>
+                    <a:gs pos="100000">
+                      <a:srgbClr val="6600CC"/>
+                    </a:gs>
+                  </a:gsLst>
+                  <a:lin ang="13500000" scaled="0"/>
+                  <a:tileRect/>
+                </a:gradFill>
+                <a:effectLst>
+                  <a:outerShdw blurRad="12700" dist="29635" dir="2700000" algn="ctr">
+                    <a:srgbClr val="9999FF"/>
+                  </a:outerShdw>
+                </a:effectLst>
+                <a:latin typeface="Basic Sans"/>
+              </a:rPr>
+              <a:t>listo</a:t>
+            </a:r>
+          </a:p>
+        </p:txBody>
+      </p:sp>
     </p:spTree>
-    <p:extLst>
-      <p:ext uri="{BB962C8B-B14F-4D97-AF65-F5344CB8AC3E}">
-        <p14:creationId xmlns:p14="http://schemas.microsoft.com/office/powerpoint/2010/main" val="428558478"/>
-      </p:ext>
-    </p:extLst>
   </p:cSld>
   <p:clrMapOvr>
     <a:masterClrMapping/>
   </p:clrMapOvr>
+  <p:timing>
+    <p:tnLst>
+      <p:par>
+        <p:cTn id="1" dur="indefinite" restart="never" nodeType="tmRoot"/>
+      </p:par>
+    </p:tnLst>
+  </p:timing>
 </p:sld>
 </file>
 
 <file path=ppt/slides/slide6.xml><?xml version="1.0" encoding="utf-8"?>
-<p:sld xmlns:a="http://schemas.openxmlformats.org/drawingml/2006/main" xmlns:r="http://schemas.openxmlformats.org/officeDocument/2006/relationships" xmlns:p="http://schemas.openxmlformats.org/presentationml/2006/main">
+<p:sld xmlns:p="http://schemas.openxmlformats.org/presentationml/2006/main" xmlns:p14="http://schemas.microsoft.com/office/powerpoint/2010/main" xmlns:r="http://schemas.openxmlformats.org/officeDocument/2006/relationships" xmlns:a="http://schemas.openxmlformats.org/drawingml/2006/main">
   <p:cSld>
     <p:spTree>
       <p:nvGrpSpPr>
@@ -3649,15 +4568,14 @@
       </p:grpSpPr>
       <p:pic>
         <p:nvPicPr>
-          <p:cNvPr id="2" name="Imagen 1">
-            <a:extLst>
-              <a:ext uri="{FF2B5EF4-FFF2-40B4-BE49-F238E27FC236}">
-                <a16:creationId xmlns:a16="http://schemas.microsoft.com/office/drawing/2014/main" id="{1705984A-6307-411B-A813-83AE2F1E9D0E}"/>
-              </a:ext>
-            </a:extLst>
-          </p:cNvPr>
+          <p:cNvPr id="2" name="Imagen 1"/>
           <p:cNvPicPr>
             <a:picLocks noChangeAspect="1"/>
+            <a:extLst>
+              <a:ext uri="smNativeData">
+                <pr:smNativeData xmlns:pr="smNativeData" val="SMDATA_15_A8J7XRMAAAAlAAAAEQAAAC0AAAAAkAAAAEgAAACQAAAASAAAAAAAAAAAAAAAAAAAAAEAAABQAAAAAAAAAAAA4D8AAAAAAADgPwAAAAAAAOA/AAAAAAAA4D8AAAAAAADgPwAAAAAAAOA/AAAAAAAA4D8AAAAAAADgPwAAAAAAAOA/AAAAAAAA4D8CAAAAjAAAAAAAAAAAAAAARHLEDP///wgAAAAAAAAAAAAAAAAAAAAAAAAAAAAAAAAAAAAAZAAAAAEAAABAAAAAAAAAAAAAAAAAAAAAAAAAAAAAAAAAAAAAAAAAAAAAAAAAAAAAAAAAAAAAAAAAAAAAAAAAAAAAAAAAAAAAAAAAAAAAAAAAAAAAAAAAAAAAAAAAAAAAFAAAADwAAAAAAAAAAAAAAAAAAAkUAAAAAQAAABQAAAAUAAAAFAAAAAEAAAAAAAAAZAAAAGQAAAAAAAAAZAAAAGQAAAAVAAAAYAAAAAAAAAAAAAAADwAAACADAAAAAAAAAAAAAAEAAACgMgAAVgcAAKr4//8BAAAAf39/AAEAAABkAAAAAAAAABQAAABAHwAAAAAAACYAAAAAAAAAwOD//wAAAAAmAAAAZAAAABYAAABMAAAAAAAAAAAAAAAEAAAAAAAAAAEAAADn5uYKAAAAACgAAAAoAAAAZAAAAGQAAAAAAAAAzMzMAAAAAABQAAAAUAAAAGQAAABkAAAAAAAAAAcAAAA4AAAAAAAAAAAAAAAAAAAA////AAAAAAAAAAAAAAAAAAAAAAAAAAAAAAAAAAAAAABkAAAAZAAAAAAAAAAjAAAABAAAAGQAAAAXAAAAFAAAAAAAAAAAAAAA/38AAP9/AAAAAAAACQAAAAQAAAAAAAAADAAAABAAAAAAAAAAAAAAAAAAAAAAAAAAHgAAAGgAAAAAAAAAAAAAAAAAAAAAAAAAAAAAABAnAAAQJwAAAAAAAAAAAAAAAAAAAAAAAAAAAAAAAAAAAAAAAAAAAAAUAAAAAAAAAMDA/wAAAAAAZAAAADIAAAAAAAAAZAAAAAAAAAB/f38ACgAAAB8AAABUAAAARHLEBf///wEAAAAAAAAAAAAAAAAAAAAAAAAAAAAAAAAAAAAAAAAAAAAAAAJ/f38A5+bmA8zMzADAwP8Af39/AAAAAAAAAAAAAAAAAP///wAAAAAAIQAAABgAAAAUAAAARwQAAEUNAAC5RgAA6hwAABAAAAAmAAAACAAAAP//////////"/>
+              </a:ext>
+            </a:extLst>
           </p:cNvPicPr>
           <p:nvPr/>
         </p:nvPicPr>
@@ -3669,36 +4587,110 @@
         </p:blipFill>
         <p:spPr>
           <a:xfrm>
-            <a:off x="695325" y="2157412"/>
+            <a:off x="695325" y="2157095"/>
             <a:ext cx="10801350" cy="2543175"/>
           </a:xfrm>
           <a:prstGeom prst="rect">
             <a:avLst/>
           </a:prstGeom>
+          <a:noFill/>
+          <a:ln>
+            <a:noFill/>
+          </a:ln>
+          <a:effectLst/>
         </p:spPr>
       </p:pic>
+      <p:sp>
+        <p:nvSpPr>
+          <p:cNvPr id="3" name="ObjetoTextArt1"/>
+          <p:cNvSpPr>
+            <a:extLst>
+              <a:ext uri="smNativeData">
+                <pr:smNativeData xmlns:pr="smNativeData" val="SMDATA_14_A8J7XRMAAAAlAAAAEAAAAA8BAAAAkAAAAEgAAACQAAAASAAAAAAAAAAAAAAAAAAAAAEAAABQAAAAAAAAAAAAAAAzMzMzMzPTPwAAAAAAAOA/AAAAAAAA4D8AAAAAAADgPwAAAAAAAOA/AAAAAAAA4D8AAAAAAADgPwAAAAAAAOA/AAAAAAAA4D8CAAAAjAAAAAEAAAADAAAAzADMAGYAzAAAAAAAAAAAAAAAAAAAAAAAAAAAAAAAAAAAAAAAZAAAAAEAAABAAAAAnP///5z///+HAAAAAAAAAAAAAAAAAAAAAAAAAAAAAAAAAAAAAAAAAAAAAAAAAAAAAAAAAAAAAAAAAAAAAAAAAAAAAAAAAAAAAAAAAAAAAAAAAAAAFAAAADwAAAABAAAAAAAAAMyZ/wABAAAAAQAAABQAAAAUAAAAFAAAAAEAAAAAAAAAZAAAAGQAAAAAAAAAZAAAAGQAAAAVAAAAYAAAAAAAAAAAAAAADwAAACADAAAAAAAAAAAAAAEAAACgMgAAAAAAAAAAAAABAAAAf39/AAEAAABkAAAAAAAAABQAAABAHwAAQB8AACYAAAAAAAAAwOD//wAAAAAmAAAAZAAAABYAAABMAAAAAQAAAAAAAAAEAAAAAAAAAAEAAACZmf8AAAAAACEAAAAhAAAAZAAAAGQAAAAAAAAAzMzMAAAAAABQAAAAUAAAAGQAAABkAAAAAAAAAAYAAABRAAAAQgBhAHMAaQBjACAAUwBhAG4AcwAAAAAAyB8BAAIA/f8gAAAA7C8BAAIA/f8gAAAAEEABAAIA/f8gAAAANFABABAOAAAAAAAAQGQAAABkAAAAFwAAABQAAAAAAAAAAAAAAP9/AAD/fwAAAAAAAAkAAAAEAAAAAgD9/wwAAAAQAAAAAAAAAAAAAAAAAAAAAAAAAB4AAABoAAAAAAAAAAAAAAAAAAAAAAAAAAAAAAAQJwAAECcAAAAAAAAAAAAAAAAAAAAAAAAAAAAAAAAAAAAAAAAAAAAAFAAAAAAAAADAwP8AAAAAAGQAAAAyAAAAAAAAAGQAAAAAAAAAf39/AAoAAAAfAAAAVAAAAMwAzABmAMwAAAAAAAAAAAAAAAAAAAAAAAAAAAAAAAAAAAAAAAAAAADMmf8Af39/AJmZ/wDMzMwAwMD/AH9/fwAAAAAAAAAAAAAAAAAAAAAAAAAAACEAAAAYAAAAFAAAAI4SAACrAAAAZzUAACsMAAAAAAAAJgAAAAgAAAD//////////w=="/>
+              </a:ext>
+            </a:extLst>
+          </p:cNvSpPr>
+          <p:nvPr/>
+        </p:nvSpPr>
+        <p:spPr>
+          <a:xfrm>
+            <a:off x="3016250" y="108585"/>
+            <a:ext cx="5664835" cy="1869440"/>
+          </a:xfrm>
+          <a:prstGeom prst="rect">
+            <a:avLst/>
+          </a:prstGeom>
+        </p:spPr>
+        <p:txBody>
+          <a:bodyPr wrap="none" fromWordArt="1">
+            <a:prstTxWarp prst="textSlantUp">
+              <a:avLst>
+                <a:gd name="adj" fmla="val 50000"/>
+              </a:avLst>
+            </a:prstTxWarp>
+            <a:spAutoFit/>
+          </a:bodyPr>
+          <a:lstStyle/>
+          <a:p>
+            <a:pPr algn="l"/>
+            <a:r>
+              <a:rPr sz="3600">
+                <a:ln w="635" cap="flat" cmpd="sng" algn="ctr">
+                  <a:solidFill>
+                    <a:srgbClr val="CC99FF"/>
+                  </a:solidFill>
+                  <a:prstDash val="solid"/>
+                  <a:headEnd type="none"/>
+                  <a:tailEnd type="none"/>
+                </a:ln>
+                <a:gradFill flip="none" rotWithShape="0">
+                  <a:gsLst>
+                    <a:gs pos="0">
+                      <a:srgbClr val="CC00CC"/>
+                    </a:gs>
+                    <a:gs pos="100000">
+                      <a:srgbClr val="6600CC"/>
+                    </a:gs>
+                  </a:gsLst>
+                  <a:lin ang="13500000" scaled="0"/>
+                  <a:tileRect/>
+                </a:gradFill>
+                <a:effectLst>
+                  <a:outerShdw blurRad="12700" dist="29635" dir="2700000" algn="ctr">
+                    <a:srgbClr val="9999FF"/>
+                  </a:outerShdw>
+                </a:effectLst>
+                <a:latin typeface="Basic Sans"/>
+              </a:rPr>
+              <a:t>listo</a:t>
+            </a:r>
+          </a:p>
+        </p:txBody>
+      </p:sp>
     </p:spTree>
-    <p:extLst>
-      <p:ext uri="{BB962C8B-B14F-4D97-AF65-F5344CB8AC3E}">
-        <p14:creationId xmlns:p14="http://schemas.microsoft.com/office/powerpoint/2010/main" val="3191301850"/>
-      </p:ext>
-    </p:extLst>
   </p:cSld>
   <p:clrMapOvr>
     <a:masterClrMapping/>
   </p:clrMapOvr>
+  <p:timing>
+    <p:tnLst>
+      <p:par>
+        <p:cTn id="1" dur="indefinite" restart="never" nodeType="tmRoot"/>
+      </p:par>
+    </p:tnLst>
+  </p:timing>
 </p:sld>
 </file>
 
 <file path=ppt/theme/theme1.xml><?xml version="1.0" encoding="utf-8"?>
-<a:theme xmlns:a="http://schemas.openxmlformats.org/drawingml/2006/main" name="Tema de Office">
+<a:theme xmlns:a="http://schemas.openxmlformats.org/drawingml/2006/main" name="Presentation">
   <a:themeElements>
-    <a:clrScheme name="Office">
+    <a:clrScheme name="Presentation 1">
       <a:dk1>
-        <a:sysClr val="windowText" lastClr="000000"/>
+        <a:srgbClr val="000000"/>
       </a:dk1>
       <a:lt1>
-        <a:sysClr val="window" lastClr="FFFFFF"/>
+        <a:srgbClr val="FFFFFF"/>
       </a:lt1>
       <a:dk2>
         <a:srgbClr val="44546A"/>
@@ -3731,110 +4723,16 @@
         <a:srgbClr val="954F72"/>
       </a:folHlink>
     </a:clrScheme>
-    <a:fontScheme name="Office">
+    <a:fontScheme name="Presentation">
       <a:majorFont>
-        <a:latin typeface="Calibri Light" panose="020F0302020204030204"/>
-        <a:ea typeface=""/>
-        <a:cs typeface=""/>
-        <a:font script="Jpan" typeface="游ゴシック Light"/>
-        <a:font script="Hang" typeface="맑은 고딕"/>
-        <a:font script="Hans" typeface="等线 Light"/>
-        <a:font script="Hant" typeface="新細明體"/>
-        <a:font script="Arab" typeface="Times New Roman"/>
-        <a:font script="Hebr" typeface="Times New Roman"/>
-        <a:font script="Thai" typeface="Angsana New"/>
-        <a:font script="Ethi" typeface="Nyala"/>
-        <a:font script="Beng" typeface="Vrinda"/>
-        <a:font script="Gujr" typeface="Shruti"/>
-        <a:font script="Khmr" typeface="MoolBoran"/>
-        <a:font script="Knda" typeface="Tunga"/>
-        <a:font script="Guru" typeface="Raavi"/>
-        <a:font script="Cans" typeface="Euphemia"/>
-        <a:font script="Cher" typeface="Plantagenet Cherokee"/>
-        <a:font script="Yiii" typeface="Microsoft Yi Baiti"/>
-        <a:font script="Tibt" typeface="Microsoft Himalaya"/>
-        <a:font script="Thaa" typeface="MV Boli"/>
-        <a:font script="Deva" typeface="Mangal"/>
-        <a:font script="Telu" typeface="Gautami"/>
-        <a:font script="Taml" typeface="Latha"/>
-        <a:font script="Syrc" typeface="Estrangelo Edessa"/>
-        <a:font script="Orya" typeface="Kalinga"/>
-        <a:font script="Mlym" typeface="Kartika"/>
-        <a:font script="Laoo" typeface="DokChampa"/>
-        <a:font script="Sinh" typeface="Iskoola Pota"/>
-        <a:font script="Mong" typeface="Mongolian Baiti"/>
-        <a:font script="Viet" typeface="Times New Roman"/>
-        <a:font script="Uigh" typeface="Microsoft Uighur"/>
-        <a:font script="Geor" typeface="Sylfaen"/>
-        <a:font script="Armn" typeface="Arial"/>
-        <a:font script="Bugi" typeface="Leelawadee UI"/>
-        <a:font script="Bopo" typeface="Microsoft JhengHei"/>
-        <a:font script="Java" typeface="Javanese Text"/>
-        <a:font script="Lisu" typeface="Segoe UI"/>
-        <a:font script="Mymr" typeface="Myanmar Text"/>
-        <a:font script="Nkoo" typeface="Ebrima"/>
-        <a:font script="Olck" typeface="Nirmala UI"/>
-        <a:font script="Osma" typeface="Ebrima"/>
-        <a:font script="Phag" typeface="Phagspa"/>
-        <a:font script="Syrn" typeface="Estrangelo Edessa"/>
-        <a:font script="Syrj" typeface="Estrangelo Edessa"/>
-        <a:font script="Syre" typeface="Estrangelo Edessa"/>
-        <a:font script="Sora" typeface="Nirmala UI"/>
-        <a:font script="Tale" typeface="Microsoft Tai Le"/>
-        <a:font script="Talu" typeface="Microsoft New Tai Lue"/>
-        <a:font script="Tfng" typeface="Ebrima"/>
+        <a:latin typeface="Calibri Light"/>
+        <a:ea typeface="Calibri Light"/>
+        <a:cs typeface="Calibri Light"/>
       </a:majorFont>
       <a:minorFont>
-        <a:latin typeface="Calibri" panose="020F0502020204030204"/>
-        <a:ea typeface=""/>
-        <a:cs typeface=""/>
-        <a:font script="Jpan" typeface="游ゴシック"/>
-        <a:font script="Hang" typeface="맑은 고딕"/>
-        <a:font script="Hans" typeface="等线"/>
-        <a:font script="Hant" typeface="新細明體"/>
-        <a:font script="Arab" typeface="Arial"/>
-        <a:font script="Hebr" typeface="Arial"/>
-        <a:font script="Thai" typeface="Cordia New"/>
-        <a:font script="Ethi" typeface="Nyala"/>
-        <a:font script="Beng" typeface="Vrinda"/>
-        <a:font script="Gujr" typeface="Shruti"/>
-        <a:font script="Khmr" typeface="DaunPenh"/>
-        <a:font script="Knda" typeface="Tunga"/>
-        <a:font script="Guru" typeface="Raavi"/>
-        <a:font script="Cans" typeface="Euphemia"/>
-        <a:font script="Cher" typeface="Plantagenet Cherokee"/>
-        <a:font script="Yiii" typeface="Microsoft Yi Baiti"/>
-        <a:font script="Tibt" typeface="Microsoft Himalaya"/>
-        <a:font script="Thaa" typeface="MV Boli"/>
-        <a:font script="Deva" typeface="Mangal"/>
-        <a:font script="Telu" typeface="Gautami"/>
-        <a:font script="Taml" typeface="Latha"/>
-        <a:font script="Syrc" typeface="Estrangelo Edessa"/>
-        <a:font script="Orya" typeface="Kalinga"/>
-        <a:font script="Mlym" typeface="Kartika"/>
-        <a:font script="Laoo" typeface="DokChampa"/>
-        <a:font script="Sinh" typeface="Iskoola Pota"/>
-        <a:font script="Mong" typeface="Mongolian Baiti"/>
-        <a:font script="Viet" typeface="Arial"/>
-        <a:font script="Uigh" typeface="Microsoft Uighur"/>
-        <a:font script="Geor" typeface="Sylfaen"/>
-        <a:font script="Armn" typeface="Arial"/>
-        <a:font script="Bugi" typeface="Leelawadee UI"/>
-        <a:font script="Bopo" typeface="Microsoft JhengHei"/>
-        <a:font script="Java" typeface="Javanese Text"/>
-        <a:font script="Lisu" typeface="Segoe UI"/>
-        <a:font script="Mymr" typeface="Myanmar Text"/>
-        <a:font script="Nkoo" typeface="Ebrima"/>
-        <a:font script="Olck" typeface="Nirmala UI"/>
-        <a:font script="Osma" typeface="Ebrima"/>
-        <a:font script="Phag" typeface="Phagspa"/>
-        <a:font script="Syrn" typeface="Estrangelo Edessa"/>
-        <a:font script="Syrj" typeface="Estrangelo Edessa"/>
-        <a:font script="Syre" typeface="Estrangelo Edessa"/>
-        <a:font script="Sora" typeface="Nirmala UI"/>
-        <a:font script="Tale" typeface="Microsoft Tai Le"/>
-        <a:font script="Talu" typeface="Microsoft New Tai Lue"/>
-        <a:font script="Tfng" typeface="Ebrima"/>
+        <a:latin typeface="Calibri"/>
+        <a:ea typeface="Calibri"/>
+        <a:cs typeface="Calibri"/>
       </a:minorFont>
     </a:fontScheme>
     <a:fmtScheme name="Office">
@@ -3846,141 +4744,236 @@
           <a:gsLst>
             <a:gs pos="0">
               <a:schemeClr val="phClr">
-                <a:lumMod val="110000"/>
-                <a:satMod val="105000"/>
-                <a:tint val="67000"/>
+                <a:tint val="50000"/>
+                <a:satMod val="300000"/>
               </a:schemeClr>
             </a:gs>
-            <a:gs pos="50000">
+            <a:gs pos="35000">
               <a:schemeClr val="phClr">
-                <a:lumMod val="105000"/>
-                <a:satMod val="103000"/>
-                <a:tint val="73000"/>
+                <a:tint val="37000"/>
+                <a:satMod val="300000"/>
               </a:schemeClr>
             </a:gs>
             <a:gs pos="100000">
               <a:schemeClr val="phClr">
-                <a:lumMod val="105000"/>
-                <a:satMod val="109000"/>
-                <a:tint val="81000"/>
+                <a:tint val="15000"/>
+                <a:satMod val="350000"/>
               </a:schemeClr>
             </a:gs>
           </a:gsLst>
-          <a:lin ang="5400000" scaled="0"/>
+          <a:lin ang="16200000" scaled="1"/>
         </a:gradFill>
         <a:gradFill rotWithShape="1">
           <a:gsLst>
             <a:gs pos="0">
               <a:schemeClr val="phClr">
-                <a:satMod val="103000"/>
-                <a:lumMod val="102000"/>
-                <a:tint val="94000"/>
+                <a:shade val="51000"/>
+                <a:satMod val="130000"/>
               </a:schemeClr>
             </a:gs>
-            <a:gs pos="50000">
+            <a:gs pos="80000">
               <a:schemeClr val="phClr">
-                <a:satMod val="110000"/>
-                <a:lumMod val="100000"/>
-                <a:shade val="100000"/>
+                <a:shade val="93000"/>
+                <a:satMod val="130000"/>
               </a:schemeClr>
             </a:gs>
             <a:gs pos="100000">
               <a:schemeClr val="phClr">
-                <a:lumMod val="99000"/>
-                <a:satMod val="120000"/>
-                <a:shade val="78000"/>
+                <a:shade val="94000"/>
+                <a:satMod val="135000"/>
               </a:schemeClr>
             </a:gs>
           </a:gsLst>
-          <a:lin ang="5400000" scaled="0"/>
+          <a:lin ang="16200000" scaled="0"/>
         </a:gradFill>
       </a:fillStyleLst>
       <a:lnStyleLst>
-        <a:ln w="6350" cap="flat" cmpd="sng" algn="ctr">
+        <a:ln w="9525" cap="flat" cmpd="sng" algn="ctr">
+          <a:solidFill>
+            <a:schemeClr val="phClr">
+              <a:shade val="95000"/>
+              <a:satMod val="105000"/>
+            </a:schemeClr>
+          </a:solidFill>
+          <a:prstDash val="solid"/>
+        </a:ln>
+        <a:ln w="25400" cap="flat" cmpd="sng" algn="ctr">
           <a:solidFill>
             <a:schemeClr val="phClr"/>
           </a:solidFill>
           <a:prstDash val="solid"/>
-          <a:miter lim="800000"/>
         </a:ln>
-        <a:ln w="12700" cap="flat" cmpd="sng" algn="ctr">
+        <a:ln w="38100" cap="flat" cmpd="sng" algn="ctr">
           <a:solidFill>
             <a:schemeClr val="phClr"/>
           </a:solidFill>
           <a:prstDash val="solid"/>
-          <a:miter lim="800000"/>
-        </a:ln>
-        <a:ln w="19050" cap="flat" cmpd="sng" algn="ctr">
-          <a:solidFill>
-            <a:schemeClr val="phClr"/>
-          </a:solidFill>
-          <a:prstDash val="solid"/>
-          <a:miter lim="800000"/>
         </a:ln>
       </a:lnStyleLst>
       <a:effectStyleLst>
         <a:effectStyle>
-          <a:effectLst/>
-        </a:effectStyle>
-        <a:effectStyle>
-          <a:effectLst/>
+          <a:effectLst>
+            <a:outerShdw blurRad="40000" dist="20000" dir="5400000" rotWithShape="0">
+              <a:srgbClr val="000000">
+                <a:alpha val="38000"/>
+              </a:srgbClr>
+            </a:outerShdw>
+          </a:effectLst>
         </a:effectStyle>
         <a:effectStyle>
           <a:effectLst>
-            <a:outerShdw blurRad="57150" dist="19050" dir="5400000" algn="ctr" rotWithShape="0">
+            <a:outerShdw blurRad="40000" dist="23000" dir="5400000" rotWithShape="0">
               <a:srgbClr val="000000">
-                <a:alpha val="63000"/>
+                <a:alpha val="35000"/>
               </a:srgbClr>
             </a:outerShdw>
           </a:effectLst>
+        </a:effectStyle>
+        <a:effectStyle>
+          <a:effectLst>
+            <a:outerShdw blurRad="40000" dist="23000" dir="5400000" rotWithShape="0">
+              <a:srgbClr val="000000">
+                <a:alpha val="35000"/>
+              </a:srgbClr>
+            </a:outerShdw>
+          </a:effectLst>
+          <a:scene3d>
+            <a:camera prst="orthographicFront">
+              <a:rot lat="0" lon="0" rev="0"/>
+            </a:camera>
+            <a:lightRig rig="threePt" dir="t">
+              <a:rot lat="0" lon="0" rev="1200000"/>
+            </a:lightRig>
+          </a:scene3d>
+          <a:sp3d>
+            <a:bevelT w="63500" h="25400"/>
+          </a:sp3d>
         </a:effectStyle>
       </a:effectStyleLst>
       <a:bgFillStyleLst>
         <a:solidFill>
           <a:schemeClr val="phClr"/>
         </a:solidFill>
-        <a:solidFill>
-          <a:schemeClr val="phClr">
-            <a:tint val="95000"/>
-            <a:satMod val="170000"/>
-          </a:schemeClr>
-        </a:solidFill>
         <a:gradFill rotWithShape="1">
           <a:gsLst>
             <a:gs pos="0">
               <a:schemeClr val="phClr">
-                <a:tint val="93000"/>
-                <a:satMod val="150000"/>
-                <a:shade val="98000"/>
-                <a:lumMod val="102000"/>
+                <a:tint val="40000"/>
+                <a:satMod val="350000"/>
               </a:schemeClr>
             </a:gs>
-            <a:gs pos="50000">
+            <a:gs pos="40000">
               <a:schemeClr val="phClr">
-                <a:tint val="98000"/>
-                <a:satMod val="130000"/>
-                <a:shade val="90000"/>
-                <a:lumMod val="103000"/>
+                <a:tint val="45000"/>
+                <a:shade val="99000"/>
+                <a:satMod val="350000"/>
               </a:schemeClr>
             </a:gs>
             <a:gs pos="100000">
               <a:schemeClr val="phClr">
-                <a:shade val="63000"/>
-                <a:satMod val="120000"/>
+                <a:shade val="20000"/>
+                <a:satMod val="255000"/>
               </a:schemeClr>
             </a:gs>
           </a:gsLst>
-          <a:lin ang="5400000" scaled="0"/>
+          <a:path path="circle">
+            <a:fillToRect l="50000" t="-80000" r="50000" b="180000"/>
+          </a:path>
+        </a:gradFill>
+        <a:gradFill rotWithShape="1">
+          <a:gsLst>
+            <a:gs pos="0">
+              <a:schemeClr val="phClr">
+                <a:tint val="80000"/>
+                <a:satMod val="300000"/>
+              </a:schemeClr>
+            </a:gs>
+            <a:gs pos="100000">
+              <a:schemeClr val="phClr">
+                <a:shade val="30000"/>
+                <a:satMod val="200000"/>
+              </a:schemeClr>
+            </a:gs>
+          </a:gsLst>
+          <a:path path="circle">
+            <a:fillToRect l="50000" t="50000" r="50000" b="50000"/>
+          </a:path>
         </a:gradFill>
       </a:bgFillStyleLst>
     </a:fmtScheme>
   </a:themeElements>
-  <a:objectDefaults/>
-  <a:extraClrSchemeLst/>
-  <a:extLst>
-    <a:ext uri="{05A4C25C-085E-4340-85A3-A5531E510DB2}">
-      <thm15:themeFamily xmlns:thm15="http://schemas.microsoft.com/office/thememl/2012/main" name="Office Theme" id="{62F939B6-93AF-4DB8-9C6B-D6C7DFDC589F}" vid="{4A3C46E8-61CC-4603-A589-7422A47A8E4A}"/>
-    </a:ext>
-  </a:extLst>
+  <a:objectDefaults>
+    <a:spDef>
+      <a:spPr/>
+      <a:bodyPr>
+        <a:prstTxWarp prst="textNoShape">
+          <a:avLst/>
+        </a:prstTxWarp>
+        <a:noAutofit/>
+      </a:bodyPr>
+      <a:lstStyle>
+        <a:defPPr>
+          <a:defRPr/>
+        </a:defPPr>
+      </a:lstStyle>
+      <a:style>
+        <a:lnRef idx="0">
+          <a:schemeClr val="accent1"/>
+        </a:lnRef>
+        <a:fillRef idx="0">
+          <a:schemeClr val="accent1"/>
+        </a:fillRef>
+        <a:effectRef idx="0">
+          <a:schemeClr val="accent1"/>
+        </a:effectRef>
+        <a:fontRef idx="minor">
+          <a:schemeClr val="lt1"/>
+        </a:fontRef>
+      </a:style>
+    </a:spDef>
+  </a:objectDefaults>
+  <a:extraClrSchemeLst>
+    <a:extraClrScheme>
+      <a:clrScheme name="Presentation 1">
+        <a:dk1>
+          <a:srgbClr val="000000"/>
+        </a:dk1>
+        <a:lt1>
+          <a:srgbClr val="FFFFFF"/>
+        </a:lt1>
+        <a:dk2>
+          <a:srgbClr val="44546A"/>
+        </a:dk2>
+        <a:lt2>
+          <a:srgbClr val="E7E6E6"/>
+        </a:lt2>
+        <a:accent1>
+          <a:srgbClr val="4472C4"/>
+        </a:accent1>
+        <a:accent2>
+          <a:srgbClr val="ED7D31"/>
+        </a:accent2>
+        <a:accent3>
+          <a:srgbClr val="A5A5A5"/>
+        </a:accent3>
+        <a:accent4>
+          <a:srgbClr val="FFC000"/>
+        </a:accent4>
+        <a:accent5>
+          <a:srgbClr val="5B9BD5"/>
+        </a:accent5>
+        <a:accent6>
+          <a:srgbClr val="70AD47"/>
+        </a:accent6>
+        <a:hlink>
+          <a:srgbClr val="0563C1"/>
+        </a:hlink>
+        <a:folHlink>
+          <a:srgbClr val="954F72"/>
+        </a:folHlink>
+      </a:clrScheme>
+      <a:clrMap bg1="lt1" tx1="dk1" bg2="lt2" tx2="dk2" accent1="accent1" accent2="accent2" accent3="accent3" accent4="accent4" accent5="accent5" accent6="accent6" hlink="hlink" folHlink="folHlink"/>
+    </a:extraClrScheme>
+  </a:extraClrSchemeLst>
 </a:theme>
 </file>